--- a/apresentacao/apresentacao.pptx
+++ b/apresentacao/apresentacao.pptx
@@ -5,40 +5,41 @@
     <p:sldMasterId id="2147483648" r:id="rId1"/>
   </p:sldMasterIdLst>
   <p:notesMasterIdLst>
-    <p:notesMasterId r:id="rId33"/>
+    <p:notesMasterId r:id="rId34"/>
   </p:notesMasterIdLst>
   <p:sldIdLst>
     <p:sldId id="257" r:id="rId2"/>
-    <p:sldId id="262" r:id="rId3"/>
-    <p:sldId id="265" r:id="rId4"/>
-    <p:sldId id="266" r:id="rId5"/>
-    <p:sldId id="264" r:id="rId6"/>
-    <p:sldId id="285" r:id="rId7"/>
-    <p:sldId id="286" r:id="rId8"/>
-    <p:sldId id="287" r:id="rId9"/>
+    <p:sldId id="293" r:id="rId3"/>
+    <p:sldId id="262" r:id="rId4"/>
+    <p:sldId id="265" r:id="rId5"/>
+    <p:sldId id="266" r:id="rId6"/>
+    <p:sldId id="264" r:id="rId7"/>
+    <p:sldId id="285" r:id="rId8"/>
+    <p:sldId id="286" r:id="rId9"/>
     <p:sldId id="261" r:id="rId10"/>
-    <p:sldId id="279" r:id="rId11"/>
-    <p:sldId id="280" r:id="rId12"/>
-    <p:sldId id="281" r:id="rId13"/>
-    <p:sldId id="282" r:id="rId14"/>
-    <p:sldId id="284" r:id="rId15"/>
-    <p:sldId id="277" r:id="rId16"/>
-    <p:sldId id="267" r:id="rId17"/>
-    <p:sldId id="268" r:id="rId18"/>
-    <p:sldId id="269" r:id="rId19"/>
-    <p:sldId id="270" r:id="rId20"/>
-    <p:sldId id="271" r:id="rId21"/>
-    <p:sldId id="272" r:id="rId22"/>
-    <p:sldId id="273" r:id="rId23"/>
-    <p:sldId id="274" r:id="rId24"/>
-    <p:sldId id="275" r:id="rId25"/>
-    <p:sldId id="276" r:id="rId26"/>
-    <p:sldId id="263" r:id="rId27"/>
-    <p:sldId id="289" r:id="rId28"/>
-    <p:sldId id="288" r:id="rId29"/>
-    <p:sldId id="290" r:id="rId30"/>
-    <p:sldId id="292" r:id="rId31"/>
-    <p:sldId id="291" r:id="rId32"/>
+    <p:sldId id="280" r:id="rId11"/>
+    <p:sldId id="279" r:id="rId12"/>
+    <p:sldId id="294" r:id="rId13"/>
+    <p:sldId id="281" r:id="rId14"/>
+    <p:sldId id="282" r:id="rId15"/>
+    <p:sldId id="284" r:id="rId16"/>
+    <p:sldId id="277" r:id="rId17"/>
+    <p:sldId id="267" r:id="rId18"/>
+    <p:sldId id="268" r:id="rId19"/>
+    <p:sldId id="269" r:id="rId20"/>
+    <p:sldId id="270" r:id="rId21"/>
+    <p:sldId id="271" r:id="rId22"/>
+    <p:sldId id="272" r:id="rId23"/>
+    <p:sldId id="273" r:id="rId24"/>
+    <p:sldId id="274" r:id="rId25"/>
+    <p:sldId id="275" r:id="rId26"/>
+    <p:sldId id="276" r:id="rId27"/>
+    <p:sldId id="263" r:id="rId28"/>
+    <p:sldId id="289" r:id="rId29"/>
+    <p:sldId id="288" r:id="rId30"/>
+    <p:sldId id="290" r:id="rId31"/>
+    <p:sldId id="292" r:id="rId32"/>
+    <p:sldId id="291" r:id="rId33"/>
   </p:sldIdLst>
   <p:sldSz cx="12192000" cy="6858000"/>
   <p:notesSz cx="6858000" cy="9144000"/>
@@ -137,6 +138,11 @@
       </a:defRPr>
     </a:lvl9pPr>
   </p:defaultTextStyle>
+  <p:extLst>
+    <p:ext uri="{EFAFB233-063F-42B5-8137-9DF3F51BA10A}">
+      <p15:sldGuideLst xmlns:p15="http://schemas.microsoft.com/office/powerpoint/2012/main"/>
+    </p:ext>
+  </p:extLst>
 </p:presentation>
 </file>
 
@@ -381,7 +387,7 @@
           <a:p>
             <a:fld id="{81799CB4-515F-42DC-9EAD-A561D7D3DC08}" type="slidenum">
               <a:rPr lang="pt-PT" smtClean="0"/>
-              <a:t>‹#›</a:t>
+              <a:t>‹nº›</a:t>
             </a:fld>
             <a:endParaRPr lang="pt-PT"/>
           </a:p>
@@ -692,7 +698,7 @@
     </p:spTree>
     <p:extLst>
       <p:ext uri="{BB962C8B-B14F-4D97-AF65-F5344CB8AC3E}">
-        <p14:creationId xmlns:p14="http://schemas.microsoft.com/office/powerpoint/2010/main" val="868537060"/>
+        <p14:creationId xmlns:p14="http://schemas.microsoft.com/office/powerpoint/2010/main" val="1832920750"/>
       </p:ext>
     </p:extLst>
   </p:cSld>
@@ -798,7 +804,7 @@
     </p:spTree>
     <p:extLst>
       <p:ext uri="{BB962C8B-B14F-4D97-AF65-F5344CB8AC3E}">
-        <p14:creationId xmlns:p14="http://schemas.microsoft.com/office/powerpoint/2010/main" val="1832920750"/>
+        <p14:creationId xmlns:p14="http://schemas.microsoft.com/office/powerpoint/2010/main" val="868537060"/>
       </p:ext>
     </p:extLst>
   </p:cSld>
@@ -904,6 +910,112 @@
     </p:spTree>
     <p:extLst>
       <p:ext uri="{BB962C8B-B14F-4D97-AF65-F5344CB8AC3E}">
+        <p14:creationId xmlns:p14="http://schemas.microsoft.com/office/powerpoint/2010/main" val="868246768"/>
+      </p:ext>
+    </p:extLst>
+  </p:cSld>
+  <p:clrMapOvr>
+    <a:masterClrMapping/>
+  </p:clrMapOvr>
+</p:notes>
+</file>
+
+<file path=ppt/notesSlides/notesSlide13.xml><?xml version="1.0" encoding="utf-8"?>
+<p:notes xmlns:a="http://schemas.openxmlformats.org/drawingml/2006/main" xmlns:r="http://schemas.openxmlformats.org/officeDocument/2006/relationships" xmlns:p="http://schemas.openxmlformats.org/presentationml/2006/main" showMasterSp="0" showMasterPhAnim="0">
+  <p:cSld>
+    <p:spTree>
+      <p:nvGrpSpPr>
+        <p:cNvPr id="1" name="Shape 106"/>
+        <p:cNvGrpSpPr/>
+        <p:nvPr/>
+      </p:nvGrpSpPr>
+      <p:grpSpPr>
+        <a:xfrm>
+          <a:off x="0" y="0"/>
+          <a:ext cx="0" cy="0"/>
+          <a:chOff x="0" y="0"/>
+          <a:chExt cx="0" cy="0"/>
+        </a:xfrm>
+      </p:grpSpPr>
+      <p:sp>
+        <p:nvSpPr>
+          <p:cNvPr id="107" name="Shape 107"/>
+          <p:cNvSpPr>
+            <a:spLocks noGrp="1" noRot="1" noChangeAspect="1"/>
+          </p:cNvSpPr>
+          <p:nvPr>
+            <p:ph type="sldImg" idx="2"/>
+          </p:nvPr>
+        </p:nvSpPr>
+        <p:spPr>
+          <a:xfrm>
+            <a:off x="381000" y="685800"/>
+            <a:ext cx="6096000" cy="3429000"/>
+          </a:xfrm>
+          <a:custGeom>
+            <a:avLst/>
+            <a:gdLst/>
+            <a:ahLst/>
+            <a:cxnLst/>
+            <a:rect l="0" t="0" r="0" b="0"/>
+            <a:pathLst>
+              <a:path w="120000" h="120000" extrusionOk="0">
+                <a:moveTo>
+                  <a:pt x="0" y="0"/>
+                </a:moveTo>
+                <a:lnTo>
+                  <a:pt x="120000" y="0"/>
+                </a:lnTo>
+                <a:lnTo>
+                  <a:pt x="120000" y="120000"/>
+                </a:lnTo>
+                <a:lnTo>
+                  <a:pt x="0" y="120000"/>
+                </a:lnTo>
+                <a:close/>
+              </a:path>
+            </a:pathLst>
+          </a:custGeom>
+        </p:spPr>
+      </p:sp>
+      <p:sp>
+        <p:nvSpPr>
+          <p:cNvPr id="108" name="Shape 108"/>
+          <p:cNvSpPr txBox="1">
+            <a:spLocks noGrp="1"/>
+          </p:cNvSpPr>
+          <p:nvPr>
+            <p:ph type="body" idx="1"/>
+          </p:nvPr>
+        </p:nvSpPr>
+        <p:spPr>
+          <a:xfrm>
+            <a:off x="685800" y="4343400"/>
+            <a:ext cx="5486399" cy="4114800"/>
+          </a:xfrm>
+          <a:prstGeom prst="rect">
+            <a:avLst/>
+          </a:prstGeom>
+        </p:spPr>
+        <p:txBody>
+          <a:bodyPr lIns="91425" tIns="91425" rIns="91425" bIns="91425" anchor="t" anchorCtr="0">
+            <a:noAutofit/>
+          </a:bodyPr>
+          <a:lstStyle/>
+          <a:p>
+            <a:pPr lvl="0">
+              <a:spcBef>
+                <a:spcPts val="0"/>
+              </a:spcBef>
+              <a:buNone/>
+            </a:pPr>
+            <a:endParaRPr/>
+          </a:p>
+        </p:txBody>
+      </p:sp>
+    </p:spTree>
+    <p:extLst>
+      <p:ext uri="{BB962C8B-B14F-4D97-AF65-F5344CB8AC3E}">
         <p14:creationId xmlns:p14="http://schemas.microsoft.com/office/powerpoint/2010/main" val="397625534"/>
       </p:ext>
     </p:extLst>
@@ -914,7 +1026,7 @@
 </p:notes>
 </file>
 
-<file path=ppt/notesSlides/notesSlide13.xml><?xml version="1.0" encoding="utf-8"?>
+<file path=ppt/notesSlides/notesSlide14.xml><?xml version="1.0" encoding="utf-8"?>
 <p:notes xmlns:a="http://schemas.openxmlformats.org/drawingml/2006/main" xmlns:r="http://schemas.openxmlformats.org/officeDocument/2006/relationships" xmlns:p="http://schemas.openxmlformats.org/presentationml/2006/main" showMasterSp="0" showMasterPhAnim="0">
   <p:cSld>
     <p:spTree>
@@ -1020,7 +1132,7 @@
 </p:notes>
 </file>
 
-<file path=ppt/notesSlides/notesSlide14.xml><?xml version="1.0" encoding="utf-8"?>
+<file path=ppt/notesSlides/notesSlide15.xml><?xml version="1.0" encoding="utf-8"?>
 <p:notes xmlns:a="http://schemas.openxmlformats.org/drawingml/2006/main" xmlns:r="http://schemas.openxmlformats.org/officeDocument/2006/relationships" xmlns:p="http://schemas.openxmlformats.org/presentationml/2006/main" showMasterSp="0" showMasterPhAnim="0">
   <p:cSld>
     <p:spTree>
@@ -1126,7 +1238,7 @@
 </p:notes>
 </file>
 
-<file path=ppt/notesSlides/notesSlide15.xml><?xml version="1.0" encoding="utf-8"?>
+<file path=ppt/notesSlides/notesSlide16.xml><?xml version="1.0" encoding="utf-8"?>
 <p:notes xmlns:a="http://schemas.openxmlformats.org/drawingml/2006/main" xmlns:r="http://schemas.openxmlformats.org/officeDocument/2006/relationships" xmlns:p="http://schemas.openxmlformats.org/presentationml/2006/main" showMasterSp="0" showMasterPhAnim="0">
   <p:cSld>
     <p:spTree>
@@ -1223,112 +1335,6 @@
     <p:extLst>
       <p:ext uri="{BB962C8B-B14F-4D97-AF65-F5344CB8AC3E}">
         <p14:creationId xmlns:p14="http://schemas.microsoft.com/office/powerpoint/2010/main" val="3179801295"/>
-      </p:ext>
-    </p:extLst>
-  </p:cSld>
-  <p:clrMapOvr>
-    <a:masterClrMapping/>
-  </p:clrMapOvr>
-</p:notes>
-</file>
-
-<file path=ppt/notesSlides/notesSlide16.xml><?xml version="1.0" encoding="utf-8"?>
-<p:notes xmlns:a="http://schemas.openxmlformats.org/drawingml/2006/main" xmlns:r="http://schemas.openxmlformats.org/officeDocument/2006/relationships" xmlns:p="http://schemas.openxmlformats.org/presentationml/2006/main" showMasterSp="0" showMasterPhAnim="0">
-  <p:cSld>
-    <p:spTree>
-      <p:nvGrpSpPr>
-        <p:cNvPr id="1" name="Shape 162"/>
-        <p:cNvGrpSpPr/>
-        <p:nvPr/>
-      </p:nvGrpSpPr>
-      <p:grpSpPr>
-        <a:xfrm>
-          <a:off x="0" y="0"/>
-          <a:ext cx="0" cy="0"/>
-          <a:chOff x="0" y="0"/>
-          <a:chExt cx="0" cy="0"/>
-        </a:xfrm>
-      </p:grpSpPr>
-      <p:sp>
-        <p:nvSpPr>
-          <p:cNvPr id="163" name="Shape 163"/>
-          <p:cNvSpPr>
-            <a:spLocks noGrp="1" noRot="1" noChangeAspect="1"/>
-          </p:cNvSpPr>
-          <p:nvPr>
-            <p:ph type="sldImg" idx="2"/>
-          </p:nvPr>
-        </p:nvSpPr>
-        <p:spPr>
-          <a:xfrm>
-            <a:off x="381000" y="685800"/>
-            <a:ext cx="6096000" cy="3429000"/>
-          </a:xfrm>
-          <a:custGeom>
-            <a:avLst/>
-            <a:gdLst/>
-            <a:ahLst/>
-            <a:cxnLst/>
-            <a:rect l="0" t="0" r="0" b="0"/>
-            <a:pathLst>
-              <a:path w="120000" h="120000" extrusionOk="0">
-                <a:moveTo>
-                  <a:pt x="0" y="0"/>
-                </a:moveTo>
-                <a:lnTo>
-                  <a:pt x="120000" y="0"/>
-                </a:lnTo>
-                <a:lnTo>
-                  <a:pt x="120000" y="120000"/>
-                </a:lnTo>
-                <a:lnTo>
-                  <a:pt x="0" y="120000"/>
-                </a:lnTo>
-                <a:close/>
-              </a:path>
-            </a:pathLst>
-          </a:custGeom>
-        </p:spPr>
-      </p:sp>
-      <p:sp>
-        <p:nvSpPr>
-          <p:cNvPr id="164" name="Shape 164"/>
-          <p:cNvSpPr txBox="1">
-            <a:spLocks noGrp="1"/>
-          </p:cNvSpPr>
-          <p:nvPr>
-            <p:ph type="body" idx="1"/>
-          </p:nvPr>
-        </p:nvSpPr>
-        <p:spPr>
-          <a:xfrm>
-            <a:off x="685800" y="4343400"/>
-            <a:ext cx="5486399" cy="4114800"/>
-          </a:xfrm>
-          <a:prstGeom prst="rect">
-            <a:avLst/>
-          </a:prstGeom>
-        </p:spPr>
-        <p:txBody>
-          <a:bodyPr lIns="91425" tIns="91425" rIns="91425" bIns="91425" anchor="t" anchorCtr="0">
-            <a:noAutofit/>
-          </a:bodyPr>
-          <a:lstStyle/>
-          <a:p>
-            <a:pPr lvl="0">
-              <a:spcBef>
-                <a:spcPts val="0"/>
-              </a:spcBef>
-              <a:buNone/>
-            </a:pPr>
-            <a:endParaRPr/>
-          </a:p>
-        </p:txBody>
-      </p:sp>
-    </p:spTree>
-    <p:extLst>
-      <p:ext uri="{BB962C8B-B14F-4D97-AF65-F5344CB8AC3E}">
-        <p14:creationId xmlns:p14="http://schemas.microsoft.com/office/powerpoint/2010/main" val="751417652"/>
       </p:ext>
     </p:extLst>
   </p:cSld>
@@ -1434,7 +1440,7 @@
     </p:spTree>
     <p:extLst>
       <p:ext uri="{BB962C8B-B14F-4D97-AF65-F5344CB8AC3E}">
-        <p14:creationId xmlns:p14="http://schemas.microsoft.com/office/powerpoint/2010/main" val="1271673147"/>
+        <p14:creationId xmlns:p14="http://schemas.microsoft.com/office/powerpoint/2010/main" val="751417652"/>
       </p:ext>
     </p:extLst>
   </p:cSld>
@@ -1540,7 +1546,7 @@
     </p:spTree>
     <p:extLst>
       <p:ext uri="{BB962C8B-B14F-4D97-AF65-F5344CB8AC3E}">
-        <p14:creationId xmlns:p14="http://schemas.microsoft.com/office/powerpoint/2010/main" val="1038068066"/>
+        <p14:creationId xmlns:p14="http://schemas.microsoft.com/office/powerpoint/2010/main" val="1271673147"/>
       </p:ext>
     </p:extLst>
   </p:cSld>
@@ -1646,7 +1652,7 @@
     </p:spTree>
     <p:extLst>
       <p:ext uri="{BB962C8B-B14F-4D97-AF65-F5344CB8AC3E}">
-        <p14:creationId xmlns:p14="http://schemas.microsoft.com/office/powerpoint/2010/main" val="3161024579"/>
+        <p14:creationId xmlns:p14="http://schemas.microsoft.com/office/powerpoint/2010/main" val="1038068066"/>
       </p:ext>
     </p:extLst>
   </p:cSld>
@@ -1661,7 +1667,7 @@
   <p:cSld>
     <p:spTree>
       <p:nvGrpSpPr>
-        <p:cNvPr id="1" name="Shape 94"/>
+        <p:cNvPr id="1" name="Shape 106"/>
         <p:cNvGrpSpPr/>
         <p:nvPr/>
       </p:nvGrpSpPr>
@@ -1675,7 +1681,7 @@
       </p:grpSpPr>
       <p:sp>
         <p:nvSpPr>
-          <p:cNvPr id="95" name="Shape 95"/>
+          <p:cNvPr id="107" name="Shape 107"/>
           <p:cNvSpPr>
             <a:spLocks noGrp="1" noRot="1" noChangeAspect="1"/>
           </p:cNvSpPr>
@@ -1716,7 +1722,7 @@
       </p:sp>
       <p:sp>
         <p:nvSpPr>
-          <p:cNvPr id="96" name="Shape 96"/>
+          <p:cNvPr id="108" name="Shape 108"/>
           <p:cNvSpPr txBox="1">
             <a:spLocks noGrp="1"/>
           </p:cNvSpPr>
@@ -1752,7 +1758,7 @@
     </p:spTree>
     <p:extLst>
       <p:ext uri="{BB962C8B-B14F-4D97-AF65-F5344CB8AC3E}">
-        <p14:creationId xmlns:p14="http://schemas.microsoft.com/office/powerpoint/2010/main" val="3578097624"/>
+        <p14:creationId xmlns:p14="http://schemas.microsoft.com/office/powerpoint/2010/main" val="2196230333"/>
       </p:ext>
     </p:extLst>
   </p:cSld>
@@ -1858,7 +1864,7 @@
     </p:spTree>
     <p:extLst>
       <p:ext uri="{BB962C8B-B14F-4D97-AF65-F5344CB8AC3E}">
-        <p14:creationId xmlns:p14="http://schemas.microsoft.com/office/powerpoint/2010/main" val="2152190089"/>
+        <p14:creationId xmlns:p14="http://schemas.microsoft.com/office/powerpoint/2010/main" val="3161024579"/>
       </p:ext>
     </p:extLst>
   </p:cSld>
@@ -1964,7 +1970,7 @@
     </p:spTree>
     <p:extLst>
       <p:ext uri="{BB962C8B-B14F-4D97-AF65-F5344CB8AC3E}">
-        <p14:creationId xmlns:p14="http://schemas.microsoft.com/office/powerpoint/2010/main" val="2269367949"/>
+        <p14:creationId xmlns:p14="http://schemas.microsoft.com/office/powerpoint/2010/main" val="2152190089"/>
       </p:ext>
     </p:extLst>
   </p:cSld>
@@ -2070,7 +2076,7 @@
     </p:spTree>
     <p:extLst>
       <p:ext uri="{BB962C8B-B14F-4D97-AF65-F5344CB8AC3E}">
-        <p14:creationId xmlns:p14="http://schemas.microsoft.com/office/powerpoint/2010/main" val="1947071620"/>
+        <p14:creationId xmlns:p14="http://schemas.microsoft.com/office/powerpoint/2010/main" val="2269367949"/>
       </p:ext>
     </p:extLst>
   </p:cSld>
@@ -2176,7 +2182,7 @@
     </p:spTree>
     <p:extLst>
       <p:ext uri="{BB962C8B-B14F-4D97-AF65-F5344CB8AC3E}">
-        <p14:creationId xmlns:p14="http://schemas.microsoft.com/office/powerpoint/2010/main" val="3922391164"/>
+        <p14:creationId xmlns:p14="http://schemas.microsoft.com/office/powerpoint/2010/main" val="1947071620"/>
       </p:ext>
     </p:extLst>
   </p:cSld>
@@ -2282,7 +2288,7 @@
     </p:spTree>
     <p:extLst>
       <p:ext uri="{BB962C8B-B14F-4D97-AF65-F5344CB8AC3E}">
-        <p14:creationId xmlns:p14="http://schemas.microsoft.com/office/powerpoint/2010/main" val="3107614937"/>
+        <p14:creationId xmlns:p14="http://schemas.microsoft.com/office/powerpoint/2010/main" val="3922391164"/>
       </p:ext>
     </p:extLst>
   </p:cSld>
@@ -2388,6 +2394,112 @@
     </p:spTree>
     <p:extLst>
       <p:ext uri="{BB962C8B-B14F-4D97-AF65-F5344CB8AC3E}">
+        <p14:creationId xmlns:p14="http://schemas.microsoft.com/office/powerpoint/2010/main" val="3107614937"/>
+      </p:ext>
+    </p:extLst>
+  </p:cSld>
+  <p:clrMapOvr>
+    <a:masterClrMapping/>
+  </p:clrMapOvr>
+</p:notes>
+</file>
+
+<file path=ppt/notesSlides/notesSlide26.xml><?xml version="1.0" encoding="utf-8"?>
+<p:notes xmlns:a="http://schemas.openxmlformats.org/drawingml/2006/main" xmlns:r="http://schemas.openxmlformats.org/officeDocument/2006/relationships" xmlns:p="http://schemas.openxmlformats.org/presentationml/2006/main" showMasterSp="0" showMasterPhAnim="0">
+  <p:cSld>
+    <p:spTree>
+      <p:nvGrpSpPr>
+        <p:cNvPr id="1" name="Shape 162"/>
+        <p:cNvGrpSpPr/>
+        <p:nvPr/>
+      </p:nvGrpSpPr>
+      <p:grpSpPr>
+        <a:xfrm>
+          <a:off x="0" y="0"/>
+          <a:ext cx="0" cy="0"/>
+          <a:chOff x="0" y="0"/>
+          <a:chExt cx="0" cy="0"/>
+        </a:xfrm>
+      </p:grpSpPr>
+      <p:sp>
+        <p:nvSpPr>
+          <p:cNvPr id="163" name="Shape 163"/>
+          <p:cNvSpPr>
+            <a:spLocks noGrp="1" noRot="1" noChangeAspect="1"/>
+          </p:cNvSpPr>
+          <p:nvPr>
+            <p:ph type="sldImg" idx="2"/>
+          </p:nvPr>
+        </p:nvSpPr>
+        <p:spPr>
+          <a:xfrm>
+            <a:off x="381000" y="685800"/>
+            <a:ext cx="6096000" cy="3429000"/>
+          </a:xfrm>
+          <a:custGeom>
+            <a:avLst/>
+            <a:gdLst/>
+            <a:ahLst/>
+            <a:cxnLst/>
+            <a:rect l="0" t="0" r="0" b="0"/>
+            <a:pathLst>
+              <a:path w="120000" h="120000" extrusionOk="0">
+                <a:moveTo>
+                  <a:pt x="0" y="0"/>
+                </a:moveTo>
+                <a:lnTo>
+                  <a:pt x="120000" y="0"/>
+                </a:lnTo>
+                <a:lnTo>
+                  <a:pt x="120000" y="120000"/>
+                </a:lnTo>
+                <a:lnTo>
+                  <a:pt x="0" y="120000"/>
+                </a:lnTo>
+                <a:close/>
+              </a:path>
+            </a:pathLst>
+          </a:custGeom>
+        </p:spPr>
+      </p:sp>
+      <p:sp>
+        <p:nvSpPr>
+          <p:cNvPr id="164" name="Shape 164"/>
+          <p:cNvSpPr txBox="1">
+            <a:spLocks noGrp="1"/>
+          </p:cNvSpPr>
+          <p:nvPr>
+            <p:ph type="body" idx="1"/>
+          </p:nvPr>
+        </p:nvSpPr>
+        <p:spPr>
+          <a:xfrm>
+            <a:off x="685800" y="4343400"/>
+            <a:ext cx="5486399" cy="4114800"/>
+          </a:xfrm>
+          <a:prstGeom prst="rect">
+            <a:avLst/>
+          </a:prstGeom>
+        </p:spPr>
+        <p:txBody>
+          <a:bodyPr lIns="91425" tIns="91425" rIns="91425" bIns="91425" anchor="t" anchorCtr="0">
+            <a:noAutofit/>
+          </a:bodyPr>
+          <a:lstStyle/>
+          <a:p>
+            <a:pPr lvl="0">
+              <a:spcBef>
+                <a:spcPts val="0"/>
+              </a:spcBef>
+              <a:buNone/>
+            </a:pPr>
+            <a:endParaRPr/>
+          </a:p>
+        </p:txBody>
+      </p:sp>
+    </p:spTree>
+    <p:extLst>
+      <p:ext uri="{BB962C8B-B14F-4D97-AF65-F5344CB8AC3E}">
         <p14:creationId xmlns:p14="http://schemas.microsoft.com/office/powerpoint/2010/main" val="4028518023"/>
       </p:ext>
     </p:extLst>
@@ -2398,7 +2510,7 @@
 </p:notes>
 </file>
 
-<file path=ppt/notesSlides/notesSlide26.xml><?xml version="1.0" encoding="utf-8"?>
+<file path=ppt/notesSlides/notesSlide27.xml><?xml version="1.0" encoding="utf-8"?>
 <p:notes xmlns:a="http://schemas.openxmlformats.org/drawingml/2006/main" xmlns:r="http://schemas.openxmlformats.org/officeDocument/2006/relationships" xmlns:p="http://schemas.openxmlformats.org/presentationml/2006/main" showMasterSp="0" showMasterPhAnim="0">
   <p:cSld>
     <p:spTree>
@@ -2504,7 +2616,7 @@
 </p:notes>
 </file>
 
-<file path=ppt/notesSlides/notesSlide27.xml><?xml version="1.0" encoding="utf-8"?>
+<file path=ppt/notesSlides/notesSlide28.xml><?xml version="1.0" encoding="utf-8"?>
 <p:notes xmlns:a="http://schemas.openxmlformats.org/drawingml/2006/main" xmlns:r="http://schemas.openxmlformats.org/officeDocument/2006/relationships" xmlns:p="http://schemas.openxmlformats.org/presentationml/2006/main" showMasterSp="0" showMasterPhAnim="0">
   <p:cSld>
     <p:spTree>
@@ -2610,7 +2722,7 @@
 </p:notes>
 </file>
 
-<file path=ppt/notesSlides/notesSlide28.xml><?xml version="1.0" encoding="utf-8"?>
+<file path=ppt/notesSlides/notesSlide29.xml><?xml version="1.0" encoding="utf-8"?>
 <p:notes xmlns:a="http://schemas.openxmlformats.org/drawingml/2006/main" xmlns:r="http://schemas.openxmlformats.org/officeDocument/2006/relationships" xmlns:p="http://schemas.openxmlformats.org/presentationml/2006/main" showMasterSp="0" showMasterPhAnim="0">
   <p:cSld>
     <p:spTree>
@@ -2716,12 +2828,12 @@
 </p:notes>
 </file>
 
-<file path=ppt/notesSlides/notesSlide29.xml><?xml version="1.0" encoding="utf-8"?>
+<file path=ppt/notesSlides/notesSlide3.xml><?xml version="1.0" encoding="utf-8"?>
 <p:notes xmlns:a="http://schemas.openxmlformats.org/drawingml/2006/main" xmlns:r="http://schemas.openxmlformats.org/officeDocument/2006/relationships" xmlns:p="http://schemas.openxmlformats.org/presentationml/2006/main" showMasterSp="0" showMasterPhAnim="0">
   <p:cSld>
     <p:spTree>
       <p:nvGrpSpPr>
-        <p:cNvPr id="1" name="Shape 106"/>
+        <p:cNvPr id="1" name="Shape 94"/>
         <p:cNvGrpSpPr/>
         <p:nvPr/>
       </p:nvGrpSpPr>
@@ -2735,7 +2847,7 @@
       </p:grpSpPr>
       <p:sp>
         <p:nvSpPr>
-          <p:cNvPr id="107" name="Shape 107"/>
+          <p:cNvPr id="95" name="Shape 95"/>
           <p:cNvSpPr>
             <a:spLocks noGrp="1" noRot="1" noChangeAspect="1"/>
           </p:cNvSpPr>
@@ -2776,7 +2888,7 @@
       </p:sp>
       <p:sp>
         <p:nvSpPr>
-          <p:cNvPr id="108" name="Shape 108"/>
+          <p:cNvPr id="96" name="Shape 96"/>
           <p:cNvSpPr txBox="1">
             <a:spLocks noGrp="1"/>
           </p:cNvSpPr>
@@ -2812,113 +2924,7 @@
     </p:spTree>
     <p:extLst>
       <p:ext uri="{BB962C8B-B14F-4D97-AF65-F5344CB8AC3E}">
-        <p14:creationId xmlns:p14="http://schemas.microsoft.com/office/powerpoint/2010/main" val="2178892153"/>
-      </p:ext>
-    </p:extLst>
-  </p:cSld>
-  <p:clrMapOvr>
-    <a:masterClrMapping/>
-  </p:clrMapOvr>
-</p:notes>
-</file>
-
-<file path=ppt/notesSlides/notesSlide3.xml><?xml version="1.0" encoding="utf-8"?>
-<p:notes xmlns:a="http://schemas.openxmlformats.org/drawingml/2006/main" xmlns:r="http://schemas.openxmlformats.org/officeDocument/2006/relationships" xmlns:p="http://schemas.openxmlformats.org/presentationml/2006/main" showMasterSp="0" showMasterPhAnim="0">
-  <p:cSld>
-    <p:spTree>
-      <p:nvGrpSpPr>
-        <p:cNvPr id="1" name="Shape 106"/>
-        <p:cNvGrpSpPr/>
-        <p:nvPr/>
-      </p:nvGrpSpPr>
-      <p:grpSpPr>
-        <a:xfrm>
-          <a:off x="0" y="0"/>
-          <a:ext cx="0" cy="0"/>
-          <a:chOff x="0" y="0"/>
-          <a:chExt cx="0" cy="0"/>
-        </a:xfrm>
-      </p:grpSpPr>
-      <p:sp>
-        <p:nvSpPr>
-          <p:cNvPr id="107" name="Shape 107"/>
-          <p:cNvSpPr>
-            <a:spLocks noGrp="1" noRot="1" noChangeAspect="1"/>
-          </p:cNvSpPr>
-          <p:nvPr>
-            <p:ph type="sldImg" idx="2"/>
-          </p:nvPr>
-        </p:nvSpPr>
-        <p:spPr>
-          <a:xfrm>
-            <a:off x="381000" y="685800"/>
-            <a:ext cx="6096000" cy="3429000"/>
-          </a:xfrm>
-          <a:custGeom>
-            <a:avLst/>
-            <a:gdLst/>
-            <a:ahLst/>
-            <a:cxnLst/>
-            <a:rect l="0" t="0" r="0" b="0"/>
-            <a:pathLst>
-              <a:path w="120000" h="120000" extrusionOk="0">
-                <a:moveTo>
-                  <a:pt x="0" y="0"/>
-                </a:moveTo>
-                <a:lnTo>
-                  <a:pt x="120000" y="0"/>
-                </a:lnTo>
-                <a:lnTo>
-                  <a:pt x="120000" y="120000"/>
-                </a:lnTo>
-                <a:lnTo>
-                  <a:pt x="0" y="120000"/>
-                </a:lnTo>
-                <a:close/>
-              </a:path>
-            </a:pathLst>
-          </a:custGeom>
-        </p:spPr>
-      </p:sp>
-      <p:sp>
-        <p:nvSpPr>
-          <p:cNvPr id="108" name="Shape 108"/>
-          <p:cNvSpPr txBox="1">
-            <a:spLocks noGrp="1"/>
-          </p:cNvSpPr>
-          <p:nvPr>
-            <p:ph type="body" idx="1"/>
-          </p:nvPr>
-        </p:nvSpPr>
-        <p:spPr>
-          <a:xfrm>
-            <a:off x="685800" y="4343400"/>
-            <a:ext cx="5486399" cy="4114800"/>
-          </a:xfrm>
-          <a:prstGeom prst="rect">
-            <a:avLst/>
-          </a:prstGeom>
-        </p:spPr>
-        <p:txBody>
-          <a:bodyPr lIns="91425" tIns="91425" rIns="91425" bIns="91425" anchor="t" anchorCtr="0">
-            <a:noAutofit/>
-          </a:bodyPr>
-          <a:lstStyle/>
-          <a:p>
-            <a:pPr lvl="0">
-              <a:spcBef>
-                <a:spcPts val="0"/>
-              </a:spcBef>
-              <a:buNone/>
-            </a:pPr>
-            <a:endParaRPr/>
-          </a:p>
-        </p:txBody>
-      </p:sp>
-    </p:spTree>
-    <p:extLst>
-      <p:ext uri="{BB962C8B-B14F-4D97-AF65-F5344CB8AC3E}">
-        <p14:creationId xmlns:p14="http://schemas.microsoft.com/office/powerpoint/2010/main" val="3112281480"/>
+        <p14:creationId xmlns:p14="http://schemas.microsoft.com/office/powerpoint/2010/main" val="3578097624"/>
       </p:ext>
     </p:extLst>
   </p:cSld>
@@ -3024,6 +3030,112 @@
     </p:spTree>
     <p:extLst>
       <p:ext uri="{BB962C8B-B14F-4D97-AF65-F5344CB8AC3E}">
+        <p14:creationId xmlns:p14="http://schemas.microsoft.com/office/powerpoint/2010/main" val="2178892153"/>
+      </p:ext>
+    </p:extLst>
+  </p:cSld>
+  <p:clrMapOvr>
+    <a:masterClrMapping/>
+  </p:clrMapOvr>
+</p:notes>
+</file>
+
+<file path=ppt/notesSlides/notesSlide31.xml><?xml version="1.0" encoding="utf-8"?>
+<p:notes xmlns:a="http://schemas.openxmlformats.org/drawingml/2006/main" xmlns:r="http://schemas.openxmlformats.org/officeDocument/2006/relationships" xmlns:p="http://schemas.openxmlformats.org/presentationml/2006/main" showMasterSp="0" showMasterPhAnim="0">
+  <p:cSld>
+    <p:spTree>
+      <p:nvGrpSpPr>
+        <p:cNvPr id="1" name="Shape 106"/>
+        <p:cNvGrpSpPr/>
+        <p:nvPr/>
+      </p:nvGrpSpPr>
+      <p:grpSpPr>
+        <a:xfrm>
+          <a:off x="0" y="0"/>
+          <a:ext cx="0" cy="0"/>
+          <a:chOff x="0" y="0"/>
+          <a:chExt cx="0" cy="0"/>
+        </a:xfrm>
+      </p:grpSpPr>
+      <p:sp>
+        <p:nvSpPr>
+          <p:cNvPr id="107" name="Shape 107"/>
+          <p:cNvSpPr>
+            <a:spLocks noGrp="1" noRot="1" noChangeAspect="1"/>
+          </p:cNvSpPr>
+          <p:nvPr>
+            <p:ph type="sldImg" idx="2"/>
+          </p:nvPr>
+        </p:nvSpPr>
+        <p:spPr>
+          <a:xfrm>
+            <a:off x="381000" y="685800"/>
+            <a:ext cx="6096000" cy="3429000"/>
+          </a:xfrm>
+          <a:custGeom>
+            <a:avLst/>
+            <a:gdLst/>
+            <a:ahLst/>
+            <a:cxnLst/>
+            <a:rect l="0" t="0" r="0" b="0"/>
+            <a:pathLst>
+              <a:path w="120000" h="120000" extrusionOk="0">
+                <a:moveTo>
+                  <a:pt x="0" y="0"/>
+                </a:moveTo>
+                <a:lnTo>
+                  <a:pt x="120000" y="0"/>
+                </a:lnTo>
+                <a:lnTo>
+                  <a:pt x="120000" y="120000"/>
+                </a:lnTo>
+                <a:lnTo>
+                  <a:pt x="0" y="120000"/>
+                </a:lnTo>
+                <a:close/>
+              </a:path>
+            </a:pathLst>
+          </a:custGeom>
+        </p:spPr>
+      </p:sp>
+      <p:sp>
+        <p:nvSpPr>
+          <p:cNvPr id="108" name="Shape 108"/>
+          <p:cNvSpPr txBox="1">
+            <a:spLocks noGrp="1"/>
+          </p:cNvSpPr>
+          <p:nvPr>
+            <p:ph type="body" idx="1"/>
+          </p:nvPr>
+        </p:nvSpPr>
+        <p:spPr>
+          <a:xfrm>
+            <a:off x="685800" y="4343400"/>
+            <a:ext cx="5486399" cy="4114800"/>
+          </a:xfrm>
+          <a:prstGeom prst="rect">
+            <a:avLst/>
+          </a:prstGeom>
+        </p:spPr>
+        <p:txBody>
+          <a:bodyPr lIns="91425" tIns="91425" rIns="91425" bIns="91425" anchor="t" anchorCtr="0">
+            <a:noAutofit/>
+          </a:bodyPr>
+          <a:lstStyle/>
+          <a:p>
+            <a:pPr lvl="0">
+              <a:spcBef>
+                <a:spcPts val="0"/>
+              </a:spcBef>
+              <a:buNone/>
+            </a:pPr>
+            <a:endParaRPr/>
+          </a:p>
+        </p:txBody>
+      </p:sp>
+    </p:spTree>
+    <p:extLst>
+      <p:ext uri="{BB962C8B-B14F-4D97-AF65-F5344CB8AC3E}">
         <p14:creationId xmlns:p14="http://schemas.microsoft.com/office/powerpoint/2010/main" val="3317216398"/>
       </p:ext>
     </p:extLst>
@@ -3034,7 +3146,7 @@
 </p:notes>
 </file>
 
-<file path=ppt/notesSlides/notesSlide31.xml><?xml version="1.0" encoding="utf-8"?>
+<file path=ppt/notesSlides/notesSlide32.xml><?xml version="1.0" encoding="utf-8"?>
 <p:notes xmlns:a="http://schemas.openxmlformats.org/drawingml/2006/main" xmlns:r="http://schemas.openxmlformats.org/officeDocument/2006/relationships" xmlns:p="http://schemas.openxmlformats.org/presentationml/2006/main" showMasterSp="0" showMasterPhAnim="0">
   <p:cSld>
     <p:spTree>
@@ -3236,6 +3348,112 @@
     </p:spTree>
     <p:extLst>
       <p:ext uri="{BB962C8B-B14F-4D97-AF65-F5344CB8AC3E}">
+        <p14:creationId xmlns:p14="http://schemas.microsoft.com/office/powerpoint/2010/main" val="3112281480"/>
+      </p:ext>
+    </p:extLst>
+  </p:cSld>
+  <p:clrMapOvr>
+    <a:masterClrMapping/>
+  </p:clrMapOvr>
+</p:notes>
+</file>
+
+<file path=ppt/notesSlides/notesSlide5.xml><?xml version="1.0" encoding="utf-8"?>
+<p:notes xmlns:a="http://schemas.openxmlformats.org/drawingml/2006/main" xmlns:r="http://schemas.openxmlformats.org/officeDocument/2006/relationships" xmlns:p="http://schemas.openxmlformats.org/presentationml/2006/main" showMasterSp="0" showMasterPhAnim="0">
+  <p:cSld>
+    <p:spTree>
+      <p:nvGrpSpPr>
+        <p:cNvPr id="1" name="Shape 106"/>
+        <p:cNvGrpSpPr/>
+        <p:nvPr/>
+      </p:nvGrpSpPr>
+      <p:grpSpPr>
+        <a:xfrm>
+          <a:off x="0" y="0"/>
+          <a:ext cx="0" cy="0"/>
+          <a:chOff x="0" y="0"/>
+          <a:chExt cx="0" cy="0"/>
+        </a:xfrm>
+      </p:grpSpPr>
+      <p:sp>
+        <p:nvSpPr>
+          <p:cNvPr id="107" name="Shape 107"/>
+          <p:cNvSpPr>
+            <a:spLocks noGrp="1" noRot="1" noChangeAspect="1"/>
+          </p:cNvSpPr>
+          <p:nvPr>
+            <p:ph type="sldImg" idx="2"/>
+          </p:nvPr>
+        </p:nvSpPr>
+        <p:spPr>
+          <a:xfrm>
+            <a:off x="381000" y="685800"/>
+            <a:ext cx="6096000" cy="3429000"/>
+          </a:xfrm>
+          <a:custGeom>
+            <a:avLst/>
+            <a:gdLst/>
+            <a:ahLst/>
+            <a:cxnLst/>
+            <a:rect l="0" t="0" r="0" b="0"/>
+            <a:pathLst>
+              <a:path w="120000" h="120000" extrusionOk="0">
+                <a:moveTo>
+                  <a:pt x="0" y="0"/>
+                </a:moveTo>
+                <a:lnTo>
+                  <a:pt x="120000" y="0"/>
+                </a:lnTo>
+                <a:lnTo>
+                  <a:pt x="120000" y="120000"/>
+                </a:lnTo>
+                <a:lnTo>
+                  <a:pt x="0" y="120000"/>
+                </a:lnTo>
+                <a:close/>
+              </a:path>
+            </a:pathLst>
+          </a:custGeom>
+        </p:spPr>
+      </p:sp>
+      <p:sp>
+        <p:nvSpPr>
+          <p:cNvPr id="108" name="Shape 108"/>
+          <p:cNvSpPr txBox="1">
+            <a:spLocks noGrp="1"/>
+          </p:cNvSpPr>
+          <p:nvPr>
+            <p:ph type="body" idx="1"/>
+          </p:nvPr>
+        </p:nvSpPr>
+        <p:spPr>
+          <a:xfrm>
+            <a:off x="685800" y="4343400"/>
+            <a:ext cx="5486399" cy="4114800"/>
+          </a:xfrm>
+          <a:prstGeom prst="rect">
+            <a:avLst/>
+          </a:prstGeom>
+        </p:spPr>
+        <p:txBody>
+          <a:bodyPr lIns="91425" tIns="91425" rIns="91425" bIns="91425" anchor="t" anchorCtr="0">
+            <a:noAutofit/>
+          </a:bodyPr>
+          <a:lstStyle/>
+          <a:p>
+            <a:pPr lvl="0">
+              <a:spcBef>
+                <a:spcPts val="0"/>
+              </a:spcBef>
+              <a:buNone/>
+            </a:pPr>
+            <a:endParaRPr/>
+          </a:p>
+        </p:txBody>
+      </p:sp>
+    </p:spTree>
+    <p:extLst>
+      <p:ext uri="{BB962C8B-B14F-4D97-AF65-F5344CB8AC3E}">
         <p14:creationId xmlns:p14="http://schemas.microsoft.com/office/powerpoint/2010/main" val="3671959273"/>
       </p:ext>
     </p:extLst>
@@ -3246,7 +3464,7 @@
 </p:notes>
 </file>
 
-<file path=ppt/notesSlides/notesSlide5.xml><?xml version="1.0" encoding="utf-8"?>
+<file path=ppt/notesSlides/notesSlide6.xml><?xml version="1.0" encoding="utf-8"?>
 <p:notes xmlns:a="http://schemas.openxmlformats.org/drawingml/2006/main" xmlns:r="http://schemas.openxmlformats.org/officeDocument/2006/relationships" xmlns:p="http://schemas.openxmlformats.org/presentationml/2006/main" showMasterSp="0" showMasterPhAnim="0">
   <p:cSld>
     <p:spTree>
@@ -3343,112 +3561,6 @@
     <p:extLst>
       <p:ext uri="{BB962C8B-B14F-4D97-AF65-F5344CB8AC3E}">
         <p14:creationId xmlns:p14="http://schemas.microsoft.com/office/powerpoint/2010/main" val="1869083501"/>
-      </p:ext>
-    </p:extLst>
-  </p:cSld>
-  <p:clrMapOvr>
-    <a:masterClrMapping/>
-  </p:clrMapOvr>
-</p:notes>
-</file>
-
-<file path=ppt/notesSlides/notesSlide6.xml><?xml version="1.0" encoding="utf-8"?>
-<p:notes xmlns:a="http://schemas.openxmlformats.org/drawingml/2006/main" xmlns:r="http://schemas.openxmlformats.org/officeDocument/2006/relationships" xmlns:p="http://schemas.openxmlformats.org/presentationml/2006/main" showMasterSp="0" showMasterPhAnim="0">
-  <p:cSld>
-    <p:spTree>
-      <p:nvGrpSpPr>
-        <p:cNvPr id="1" name="Shape 106"/>
-        <p:cNvGrpSpPr/>
-        <p:nvPr/>
-      </p:nvGrpSpPr>
-      <p:grpSpPr>
-        <a:xfrm>
-          <a:off x="0" y="0"/>
-          <a:ext cx="0" cy="0"/>
-          <a:chOff x="0" y="0"/>
-          <a:chExt cx="0" cy="0"/>
-        </a:xfrm>
-      </p:grpSpPr>
-      <p:sp>
-        <p:nvSpPr>
-          <p:cNvPr id="107" name="Shape 107"/>
-          <p:cNvSpPr>
-            <a:spLocks noGrp="1" noRot="1" noChangeAspect="1"/>
-          </p:cNvSpPr>
-          <p:nvPr>
-            <p:ph type="sldImg" idx="2"/>
-          </p:nvPr>
-        </p:nvSpPr>
-        <p:spPr>
-          <a:xfrm>
-            <a:off x="381000" y="685800"/>
-            <a:ext cx="6096000" cy="3429000"/>
-          </a:xfrm>
-          <a:custGeom>
-            <a:avLst/>
-            <a:gdLst/>
-            <a:ahLst/>
-            <a:cxnLst/>
-            <a:rect l="0" t="0" r="0" b="0"/>
-            <a:pathLst>
-              <a:path w="120000" h="120000" extrusionOk="0">
-                <a:moveTo>
-                  <a:pt x="0" y="0"/>
-                </a:moveTo>
-                <a:lnTo>
-                  <a:pt x="120000" y="0"/>
-                </a:lnTo>
-                <a:lnTo>
-                  <a:pt x="120000" y="120000"/>
-                </a:lnTo>
-                <a:lnTo>
-                  <a:pt x="0" y="120000"/>
-                </a:lnTo>
-                <a:close/>
-              </a:path>
-            </a:pathLst>
-          </a:custGeom>
-        </p:spPr>
-      </p:sp>
-      <p:sp>
-        <p:nvSpPr>
-          <p:cNvPr id="108" name="Shape 108"/>
-          <p:cNvSpPr txBox="1">
-            <a:spLocks noGrp="1"/>
-          </p:cNvSpPr>
-          <p:nvPr>
-            <p:ph type="body" idx="1"/>
-          </p:nvPr>
-        </p:nvSpPr>
-        <p:spPr>
-          <a:xfrm>
-            <a:off x="685800" y="4343400"/>
-            <a:ext cx="5486399" cy="4114800"/>
-          </a:xfrm>
-          <a:prstGeom prst="rect">
-            <a:avLst/>
-          </a:prstGeom>
-        </p:spPr>
-        <p:txBody>
-          <a:bodyPr lIns="91425" tIns="91425" rIns="91425" bIns="91425" anchor="t" anchorCtr="0">
-            <a:noAutofit/>
-          </a:bodyPr>
-          <a:lstStyle/>
-          <a:p>
-            <a:pPr lvl="0">
-              <a:spcBef>
-                <a:spcPts val="0"/>
-              </a:spcBef>
-              <a:buNone/>
-            </a:pPr>
-            <a:endParaRPr/>
-          </a:p>
-        </p:txBody>
-      </p:sp>
-    </p:spTree>
-    <p:extLst>
-      <p:ext uri="{BB962C8B-B14F-4D97-AF65-F5344CB8AC3E}">
-        <p14:creationId xmlns:p14="http://schemas.microsoft.com/office/powerpoint/2010/main" val="1595705877"/>
       </p:ext>
     </p:extLst>
   </p:cSld>
@@ -3554,7 +3666,7 @@
     </p:spTree>
     <p:extLst>
       <p:ext uri="{BB962C8B-B14F-4D97-AF65-F5344CB8AC3E}">
-        <p14:creationId xmlns:p14="http://schemas.microsoft.com/office/powerpoint/2010/main" val="3965289921"/>
+        <p14:creationId xmlns:p14="http://schemas.microsoft.com/office/powerpoint/2010/main" val="1595705877"/>
       </p:ext>
     </p:extLst>
   </p:cSld>
@@ -3660,7 +3772,7 @@
     </p:spTree>
     <p:extLst>
       <p:ext uri="{BB962C8B-B14F-4D97-AF65-F5344CB8AC3E}">
-        <p14:creationId xmlns:p14="http://schemas.microsoft.com/office/powerpoint/2010/main" val="2128179299"/>
+        <p14:creationId xmlns:p14="http://schemas.microsoft.com/office/powerpoint/2010/main" val="3965289921"/>
       </p:ext>
     </p:extLst>
   </p:cSld>
@@ -3905,10 +4017,6 @@
           <a:bodyPr/>
           <a:lstStyle/>
           <a:p>
-            <a:fld id="{B0278A4B-45B4-4CDD-AD45-A1F7255A873D}" type="datetimeFigureOut">
-              <a:rPr lang="pt-PT" smtClean="0"/>
-              <a:t>11/07/2017</a:t>
-            </a:fld>
             <a:endParaRPr lang="pt-PT"/>
           </a:p>
         </p:txBody>
@@ -3949,7 +4057,7 @@
           <a:p>
             <a:fld id="{7A7FBF7A-E0A0-435F-9540-C356DFC5D048}" type="slidenum">
               <a:rPr lang="pt-PT" smtClean="0"/>
-              <a:t>‹#›</a:t>
+              <a:t>‹nº›</a:t>
             </a:fld>
             <a:endParaRPr lang="pt-PT"/>
           </a:p>
@@ -4075,10 +4183,6 @@
           <a:bodyPr/>
           <a:lstStyle/>
           <a:p>
-            <a:fld id="{B0278A4B-45B4-4CDD-AD45-A1F7255A873D}" type="datetimeFigureOut">
-              <a:rPr lang="pt-PT" smtClean="0"/>
-              <a:t>11/07/2017</a:t>
-            </a:fld>
             <a:endParaRPr lang="pt-PT"/>
           </a:p>
         </p:txBody>
@@ -4119,7 +4223,7 @@
           <a:p>
             <a:fld id="{7A7FBF7A-E0A0-435F-9540-C356DFC5D048}" type="slidenum">
               <a:rPr lang="pt-PT" smtClean="0"/>
-              <a:t>‹#›</a:t>
+              <a:t>‹nº›</a:t>
             </a:fld>
             <a:endParaRPr lang="pt-PT"/>
           </a:p>
@@ -4255,10 +4359,6 @@
           <a:bodyPr/>
           <a:lstStyle/>
           <a:p>
-            <a:fld id="{B0278A4B-45B4-4CDD-AD45-A1F7255A873D}" type="datetimeFigureOut">
-              <a:rPr lang="pt-PT" smtClean="0"/>
-              <a:t>11/07/2017</a:t>
-            </a:fld>
             <a:endParaRPr lang="pt-PT"/>
           </a:p>
         </p:txBody>
@@ -4299,7 +4399,7 @@
           <a:p>
             <a:fld id="{7A7FBF7A-E0A0-435F-9540-C356DFC5D048}" type="slidenum">
               <a:rPr lang="pt-PT" smtClean="0"/>
-              <a:t>‹#›</a:t>
+              <a:t>‹nº›</a:t>
             </a:fld>
             <a:endParaRPr lang="pt-PT"/>
           </a:p>
@@ -5322,10 +5422,6 @@
           <a:bodyPr/>
           <a:lstStyle/>
           <a:p>
-            <a:fld id="{B0278A4B-45B4-4CDD-AD45-A1F7255A873D}" type="datetimeFigureOut">
-              <a:rPr lang="pt-PT" smtClean="0"/>
-              <a:t>11/07/2017</a:t>
-            </a:fld>
             <a:endParaRPr lang="pt-PT"/>
           </a:p>
         </p:txBody>
@@ -5366,7 +5462,7 @@
           <a:p>
             <a:fld id="{7A7FBF7A-E0A0-435F-9540-C356DFC5D048}" type="slidenum">
               <a:rPr lang="pt-PT" smtClean="0"/>
-              <a:t>‹#›</a:t>
+              <a:t>‹nº›</a:t>
             </a:fld>
             <a:endParaRPr lang="pt-PT"/>
           </a:p>
@@ -5568,10 +5664,6 @@
           <a:bodyPr/>
           <a:lstStyle/>
           <a:p>
-            <a:fld id="{B0278A4B-45B4-4CDD-AD45-A1F7255A873D}" type="datetimeFigureOut">
-              <a:rPr lang="pt-PT" smtClean="0"/>
-              <a:t>11/07/2017</a:t>
-            </a:fld>
             <a:endParaRPr lang="pt-PT"/>
           </a:p>
         </p:txBody>
@@ -5612,7 +5704,7 @@
           <a:p>
             <a:fld id="{7A7FBF7A-E0A0-435F-9540-C356DFC5D048}" type="slidenum">
               <a:rPr lang="pt-PT" smtClean="0"/>
-              <a:t>‹#›</a:t>
+              <a:t>‹nº›</a:t>
             </a:fld>
             <a:endParaRPr lang="pt-PT"/>
           </a:p>
@@ -5800,10 +5892,6 @@
           <a:bodyPr/>
           <a:lstStyle/>
           <a:p>
-            <a:fld id="{B0278A4B-45B4-4CDD-AD45-A1F7255A873D}" type="datetimeFigureOut">
-              <a:rPr lang="pt-PT" smtClean="0"/>
-              <a:t>11/07/2017</a:t>
-            </a:fld>
             <a:endParaRPr lang="pt-PT"/>
           </a:p>
         </p:txBody>
@@ -5844,7 +5932,7 @@
           <a:p>
             <a:fld id="{7A7FBF7A-E0A0-435F-9540-C356DFC5D048}" type="slidenum">
               <a:rPr lang="pt-PT" smtClean="0"/>
-              <a:t>‹#›</a:t>
+              <a:t>‹nº›</a:t>
             </a:fld>
             <a:endParaRPr lang="pt-PT"/>
           </a:p>
@@ -6167,10 +6255,6 @@
           <a:bodyPr/>
           <a:lstStyle/>
           <a:p>
-            <a:fld id="{B0278A4B-45B4-4CDD-AD45-A1F7255A873D}" type="datetimeFigureOut">
-              <a:rPr lang="pt-PT" smtClean="0"/>
-              <a:t>11/07/2017</a:t>
-            </a:fld>
             <a:endParaRPr lang="pt-PT"/>
           </a:p>
         </p:txBody>
@@ -6211,7 +6295,7 @@
           <a:p>
             <a:fld id="{7A7FBF7A-E0A0-435F-9540-C356DFC5D048}" type="slidenum">
               <a:rPr lang="pt-PT" smtClean="0"/>
-              <a:t>‹#›</a:t>
+              <a:t>‹nº›</a:t>
             </a:fld>
             <a:endParaRPr lang="pt-PT"/>
           </a:p>
@@ -6285,10 +6369,6 @@
           <a:bodyPr/>
           <a:lstStyle/>
           <a:p>
-            <a:fld id="{B0278A4B-45B4-4CDD-AD45-A1F7255A873D}" type="datetimeFigureOut">
-              <a:rPr lang="pt-PT" smtClean="0"/>
-              <a:t>11/07/2017</a:t>
-            </a:fld>
             <a:endParaRPr lang="pt-PT"/>
           </a:p>
         </p:txBody>
@@ -6329,7 +6409,7 @@
           <a:p>
             <a:fld id="{7A7FBF7A-E0A0-435F-9540-C356DFC5D048}" type="slidenum">
               <a:rPr lang="pt-PT" smtClean="0"/>
-              <a:t>‹#›</a:t>
+              <a:t>‹nº›</a:t>
             </a:fld>
             <a:endParaRPr lang="pt-PT"/>
           </a:p>
@@ -6380,10 +6460,6 @@
           <a:bodyPr/>
           <a:lstStyle/>
           <a:p>
-            <a:fld id="{B0278A4B-45B4-4CDD-AD45-A1F7255A873D}" type="datetimeFigureOut">
-              <a:rPr lang="pt-PT" smtClean="0"/>
-              <a:t>11/07/2017</a:t>
-            </a:fld>
             <a:endParaRPr lang="pt-PT"/>
           </a:p>
         </p:txBody>
@@ -6424,7 +6500,7 @@
           <a:p>
             <a:fld id="{7A7FBF7A-E0A0-435F-9540-C356DFC5D048}" type="slidenum">
               <a:rPr lang="pt-PT" smtClean="0"/>
-              <a:t>‹#›</a:t>
+              <a:t>‹nº›</a:t>
             </a:fld>
             <a:endParaRPr lang="pt-PT"/>
           </a:p>
@@ -6657,10 +6733,6 @@
           <a:bodyPr/>
           <a:lstStyle/>
           <a:p>
-            <a:fld id="{B0278A4B-45B4-4CDD-AD45-A1F7255A873D}" type="datetimeFigureOut">
-              <a:rPr lang="pt-PT" smtClean="0"/>
-              <a:t>11/07/2017</a:t>
-            </a:fld>
             <a:endParaRPr lang="pt-PT"/>
           </a:p>
         </p:txBody>
@@ -6701,7 +6773,7 @@
           <a:p>
             <a:fld id="{7A7FBF7A-E0A0-435F-9540-C356DFC5D048}" type="slidenum">
               <a:rPr lang="pt-PT" smtClean="0"/>
-              <a:t>‹#›</a:t>
+              <a:t>‹nº›</a:t>
             </a:fld>
             <a:endParaRPr lang="pt-PT"/>
           </a:p>
@@ -6910,10 +6982,6 @@
           <a:bodyPr/>
           <a:lstStyle/>
           <a:p>
-            <a:fld id="{B0278A4B-45B4-4CDD-AD45-A1F7255A873D}" type="datetimeFigureOut">
-              <a:rPr lang="pt-PT" smtClean="0"/>
-              <a:t>11/07/2017</a:t>
-            </a:fld>
             <a:endParaRPr lang="pt-PT"/>
           </a:p>
         </p:txBody>
@@ -6954,7 +7022,7 @@
           <a:p>
             <a:fld id="{7A7FBF7A-E0A0-435F-9540-C356DFC5D048}" type="slidenum">
               <a:rPr lang="pt-PT" smtClean="0"/>
-              <a:t>‹#›</a:t>
+              <a:t>‹nº›</a:t>
             </a:fld>
             <a:endParaRPr lang="pt-PT"/>
           </a:p>
@@ -7123,10 +7191,6 @@
             </a:lvl1pPr>
           </a:lstStyle>
           <a:p>
-            <a:fld id="{B0278A4B-45B4-4CDD-AD45-A1F7255A873D}" type="datetimeFigureOut">
-              <a:rPr lang="pt-PT" smtClean="0"/>
-              <a:t>11/07/2017</a:t>
-            </a:fld>
             <a:endParaRPr lang="pt-PT"/>
           </a:p>
         </p:txBody>
@@ -7203,7 +7267,7 @@
           <a:p>
             <a:fld id="{7A7FBF7A-E0A0-435F-9540-C356DFC5D048}" type="slidenum">
               <a:rPr lang="pt-PT" smtClean="0"/>
-              <a:t>‹#›</a:t>
+              <a:t>‹nº›</a:t>
             </a:fld>
             <a:endParaRPr lang="pt-PT"/>
           </a:p>
@@ -7233,6 +7297,7 @@
     <p:sldLayoutId id="2147483661" r:id="rId13"/>
     <p:sldLayoutId id="2147483662" r:id="rId14"/>
   </p:sldLayoutIdLst>
+  <p:hf hdr="0" ftr="0" dt="0"/>
   <p:txStyles>
     <p:titleStyle>
       <a:lvl1pPr algn="l" defTabSz="914400" rtl="0" eaLnBrk="1" latinLnBrk="0" hangingPunct="1">
@@ -8035,8 +8100,8 @@
           <a:lstStyle/>
           <a:p>
             <a:r>
-              <a:rPr lang="en" dirty="0" smtClean="0"/>
-              <a:t>Tópicos de Aprendizagem</a:t>
+              <a:rPr lang="pt-PT" sz="2400" dirty="0" smtClean="0"/>
+              <a:t>Método de Aprendizagem</a:t>
             </a:r>
             <a:endParaRPr lang="en" dirty="0">
               <a:highlight>
@@ -8058,8 +8123,8 @@
         </p:nvSpPr>
         <p:spPr>
           <a:xfrm>
-            <a:off x="1841667" y="2155293"/>
-            <a:ext cx="9079600" cy="4149600"/>
+            <a:off x="1841667" y="2959158"/>
+            <a:ext cx="9079600" cy="3609318"/>
           </a:xfrm>
           <a:prstGeom prst="rect">
             <a:avLst/>
@@ -8081,105 +8146,7 @@
             </a:pPr>
             <a:r>
               <a:rPr lang="pt-PT" sz="2800" dirty="0" smtClean="0"/>
-              <a:t>Fundamentos da Programação</a:t>
-            </a:r>
-          </a:p>
-          <a:p>
-            <a:pPr marL="609585" indent="-304792">
-              <a:lnSpc>
-                <a:spcPct val="100000"/>
-              </a:lnSpc>
-              <a:spcBef>
-                <a:spcPts val="0"/>
-              </a:spcBef>
-            </a:pPr>
-            <a:r>
-              <a:rPr lang="pt-PT" sz="2800" dirty="0" smtClean="0"/>
-              <a:t>Estruturas de Dados</a:t>
-            </a:r>
-          </a:p>
-          <a:p>
-            <a:pPr marL="609585" indent="-304792">
-              <a:lnSpc>
-                <a:spcPct val="100000"/>
-              </a:lnSpc>
-              <a:spcBef>
-                <a:spcPts val="0"/>
-              </a:spcBef>
-            </a:pPr>
-            <a:r>
-              <a:rPr lang="pt-PT" sz="2800" dirty="0" smtClean="0"/>
-              <a:t>Projetos de Software</a:t>
-            </a:r>
-          </a:p>
-          <a:p>
-            <a:pPr marL="609585" indent="-304792">
-              <a:lnSpc>
-                <a:spcPct val="100000"/>
-              </a:lnSpc>
-              <a:spcBef>
-                <a:spcPts val="0"/>
-              </a:spcBef>
-            </a:pPr>
-            <a:r>
-              <a:rPr lang="pt-PT" sz="2800" dirty="0" smtClean="0"/>
-              <a:t>Gráficos e Visualização</a:t>
-            </a:r>
-          </a:p>
-          <a:p>
-            <a:pPr marL="609585" indent="-304792">
-              <a:lnSpc>
-                <a:spcPct val="100000"/>
-              </a:lnSpc>
-              <a:spcBef>
-                <a:spcPts val="0"/>
-              </a:spcBef>
-            </a:pPr>
-            <a:r>
-              <a:rPr lang="pt-PT" sz="2800" dirty="0" smtClean="0"/>
-              <a:t>Linguagens de Programação</a:t>
-            </a:r>
-          </a:p>
-          <a:p>
-            <a:pPr marL="609585" indent="-304792">
-              <a:lnSpc>
-                <a:spcPct val="100000"/>
-              </a:lnSpc>
-              <a:spcBef>
-                <a:spcPts val="0"/>
-              </a:spcBef>
-            </a:pPr>
-            <a:r>
-              <a:rPr lang="pt-PT" sz="2800" dirty="0" smtClean="0"/>
-              <a:t>Algoritmos e Complexidade</a:t>
-            </a:r>
-          </a:p>
-          <a:p>
-            <a:pPr marL="609585" indent="-304792">
-              <a:lnSpc>
-                <a:spcPct val="100000"/>
-              </a:lnSpc>
-              <a:spcBef>
-                <a:spcPts val="0"/>
-              </a:spcBef>
-            </a:pPr>
-            <a:r>
-              <a:rPr lang="pt-PT" sz="2800" dirty="0" smtClean="0"/>
-              <a:t>Fundamentos e Design de Jogos Digitais</a:t>
-            </a:r>
-          </a:p>
-          <a:p>
-            <a:pPr marL="609585" indent="-304792">
-              <a:lnSpc>
-                <a:spcPct val="100000"/>
-              </a:lnSpc>
-              <a:spcBef>
-                <a:spcPts val="0"/>
-              </a:spcBef>
-            </a:pPr>
-            <a:r>
-              <a:rPr lang="pt-PT" sz="2800" dirty="0" smtClean="0"/>
-              <a:t>Programação de Jogos Digitais</a:t>
+              <a:t>PBL</a:t>
             </a:r>
             <a:endParaRPr lang="pt-PT" sz="2800" dirty="0"/>
           </a:p>
@@ -8719,10 +8686,270 @@
           </p:txBody>
         </p:sp>
       </p:grpSp>
+      <p:sp>
+        <p:nvSpPr>
+          <p:cNvPr id="10" name="Shape 111"/>
+          <p:cNvSpPr txBox="1">
+            <a:spLocks/>
+          </p:cNvSpPr>
+          <p:nvPr/>
+        </p:nvSpPr>
+        <p:spPr>
+          <a:xfrm>
+            <a:off x="1393562" y="1997620"/>
+            <a:ext cx="9079600" cy="533400"/>
+          </a:xfrm>
+          <a:prstGeom prst="rect">
+            <a:avLst/>
+          </a:prstGeom>
+        </p:spPr>
+        <p:txBody>
+          <a:bodyPr vert="horz" lIns="121900" tIns="121900" rIns="121900" bIns="121900" rtlCol="0" anchor="t" anchorCtr="0">
+            <a:noAutofit/>
+          </a:bodyPr>
+          <a:lstStyle>
+            <a:lvl1pPr marL="228600" lvl="0" indent="-228600" algn="l" defTabSz="914400" rtl="0" eaLnBrk="1" latinLnBrk="0" hangingPunct="1">
+              <a:lnSpc>
+                <a:spcPct val="90000"/>
+              </a:lnSpc>
+              <a:spcBef>
+                <a:spcPts val="800"/>
+              </a:spcBef>
+              <a:buClr>
+                <a:srgbClr val="FFCD00"/>
+              </a:buClr>
+              <a:buSzPct val="100000"/>
+              <a:buFont typeface="Quattrocento Sans"/>
+              <a:buChar char="◉"/>
+              <a:defRPr sz="3200" kern="1200">
+                <a:solidFill>
+                  <a:schemeClr val="tx1"/>
+                </a:solidFill>
+                <a:latin typeface="Quattrocento Sans"/>
+                <a:ea typeface="Quattrocento Sans"/>
+                <a:cs typeface="Quattrocento Sans"/>
+                <a:sym typeface="Quattrocento Sans"/>
+              </a:defRPr>
+            </a:lvl1pPr>
+            <a:lvl2pPr marL="685800" lvl="1" indent="-228600" algn="l" defTabSz="914400" rtl="0" eaLnBrk="1" latinLnBrk="0" hangingPunct="1">
+              <a:lnSpc>
+                <a:spcPct val="90000"/>
+              </a:lnSpc>
+              <a:spcBef>
+                <a:spcPts val="640"/>
+              </a:spcBef>
+              <a:buClr>
+                <a:srgbClr val="FFCD00"/>
+              </a:buClr>
+              <a:buSzPct val="100000"/>
+              <a:buFont typeface="Quattrocento Sans"/>
+              <a:buChar char="•"/>
+              <a:defRPr sz="2667" kern="1200">
+                <a:solidFill>
+                  <a:schemeClr val="tx1"/>
+                </a:solidFill>
+                <a:latin typeface="Quattrocento Sans"/>
+                <a:ea typeface="Quattrocento Sans"/>
+                <a:cs typeface="Quattrocento Sans"/>
+                <a:sym typeface="Quattrocento Sans"/>
+              </a:defRPr>
+            </a:lvl2pPr>
+            <a:lvl3pPr marL="1143000" lvl="2" indent="-228600" algn="l" defTabSz="914400" rtl="0" eaLnBrk="1" latinLnBrk="0" hangingPunct="1">
+              <a:lnSpc>
+                <a:spcPct val="90000"/>
+              </a:lnSpc>
+              <a:spcBef>
+                <a:spcPts val="640"/>
+              </a:spcBef>
+              <a:buClr>
+                <a:srgbClr val="FFCD00"/>
+              </a:buClr>
+              <a:buSzPct val="100000"/>
+              <a:buFont typeface="Quattrocento Sans"/>
+              <a:buChar char="•"/>
+              <a:defRPr sz="2667" kern="1200">
+                <a:solidFill>
+                  <a:schemeClr val="tx1"/>
+                </a:solidFill>
+                <a:latin typeface="Quattrocento Sans"/>
+                <a:ea typeface="Quattrocento Sans"/>
+                <a:cs typeface="Quattrocento Sans"/>
+                <a:sym typeface="Quattrocento Sans"/>
+              </a:defRPr>
+            </a:lvl3pPr>
+            <a:lvl4pPr marL="1600200" lvl="3" indent="-228600" algn="l" defTabSz="914400" rtl="0" eaLnBrk="1" latinLnBrk="0" hangingPunct="1">
+              <a:lnSpc>
+                <a:spcPct val="90000"/>
+              </a:lnSpc>
+              <a:spcBef>
+                <a:spcPts val="480"/>
+              </a:spcBef>
+              <a:buClr>
+                <a:srgbClr val="FFCD00"/>
+              </a:buClr>
+              <a:buSzPct val="100000"/>
+              <a:buFont typeface="Quattrocento Sans"/>
+              <a:buChar char="•"/>
+              <a:defRPr sz="2400" kern="1200">
+                <a:solidFill>
+                  <a:schemeClr val="tx1"/>
+                </a:solidFill>
+                <a:latin typeface="Quattrocento Sans"/>
+                <a:ea typeface="Quattrocento Sans"/>
+                <a:cs typeface="Quattrocento Sans"/>
+                <a:sym typeface="Quattrocento Sans"/>
+              </a:defRPr>
+            </a:lvl4pPr>
+            <a:lvl5pPr marL="2057400" lvl="4" indent="-228600" algn="l" defTabSz="914400" rtl="0" eaLnBrk="1" latinLnBrk="0" hangingPunct="1">
+              <a:lnSpc>
+                <a:spcPct val="90000"/>
+              </a:lnSpc>
+              <a:spcBef>
+                <a:spcPts val="480"/>
+              </a:spcBef>
+              <a:buClr>
+                <a:srgbClr val="FFCD00"/>
+              </a:buClr>
+              <a:buSzPct val="100000"/>
+              <a:buFont typeface="Quattrocento Sans"/>
+              <a:buChar char="•"/>
+              <a:defRPr sz="2400" kern="1200">
+                <a:solidFill>
+                  <a:schemeClr val="tx1"/>
+                </a:solidFill>
+                <a:latin typeface="Quattrocento Sans"/>
+                <a:ea typeface="Quattrocento Sans"/>
+                <a:cs typeface="Quattrocento Sans"/>
+                <a:sym typeface="Quattrocento Sans"/>
+              </a:defRPr>
+            </a:lvl5pPr>
+            <a:lvl6pPr marL="2514600" lvl="5" indent="-228600" algn="l" defTabSz="914400" rtl="0" eaLnBrk="1" latinLnBrk="0" hangingPunct="1">
+              <a:lnSpc>
+                <a:spcPct val="90000"/>
+              </a:lnSpc>
+              <a:spcBef>
+                <a:spcPts val="480"/>
+              </a:spcBef>
+              <a:buClr>
+                <a:srgbClr val="FFCD00"/>
+              </a:buClr>
+              <a:buSzPct val="100000"/>
+              <a:buFont typeface="Quattrocento Sans"/>
+              <a:buChar char="•"/>
+              <a:defRPr sz="2400" kern="1200">
+                <a:solidFill>
+                  <a:schemeClr val="tx1"/>
+                </a:solidFill>
+                <a:latin typeface="Quattrocento Sans"/>
+                <a:ea typeface="Quattrocento Sans"/>
+                <a:cs typeface="Quattrocento Sans"/>
+                <a:sym typeface="Quattrocento Sans"/>
+              </a:defRPr>
+            </a:lvl6pPr>
+            <a:lvl7pPr marL="2971800" lvl="6" indent="-228600" algn="l" defTabSz="914400" rtl="0" eaLnBrk="1" latinLnBrk="0" hangingPunct="1">
+              <a:lnSpc>
+                <a:spcPct val="90000"/>
+              </a:lnSpc>
+              <a:spcBef>
+                <a:spcPts val="480"/>
+              </a:spcBef>
+              <a:buClr>
+                <a:srgbClr val="FFCD00"/>
+              </a:buClr>
+              <a:buSzPct val="100000"/>
+              <a:buFont typeface="Quattrocento Sans"/>
+              <a:buChar char="•"/>
+              <a:defRPr sz="2400" kern="1200">
+                <a:solidFill>
+                  <a:schemeClr val="tx1"/>
+                </a:solidFill>
+                <a:latin typeface="Quattrocento Sans"/>
+                <a:ea typeface="Quattrocento Sans"/>
+                <a:cs typeface="Quattrocento Sans"/>
+                <a:sym typeface="Quattrocento Sans"/>
+              </a:defRPr>
+            </a:lvl7pPr>
+            <a:lvl8pPr marL="3429000" lvl="7" indent="-228600" algn="l" defTabSz="914400" rtl="0" eaLnBrk="1" latinLnBrk="0" hangingPunct="1">
+              <a:lnSpc>
+                <a:spcPct val="90000"/>
+              </a:lnSpc>
+              <a:spcBef>
+                <a:spcPts val="480"/>
+              </a:spcBef>
+              <a:buClr>
+                <a:srgbClr val="FFCD00"/>
+              </a:buClr>
+              <a:buSzPct val="100000"/>
+              <a:buFont typeface="Quattrocento Sans"/>
+              <a:buChar char="•"/>
+              <a:defRPr sz="2400" kern="1200">
+                <a:solidFill>
+                  <a:schemeClr val="tx1"/>
+                </a:solidFill>
+                <a:latin typeface="Quattrocento Sans"/>
+                <a:ea typeface="Quattrocento Sans"/>
+                <a:cs typeface="Quattrocento Sans"/>
+                <a:sym typeface="Quattrocento Sans"/>
+              </a:defRPr>
+            </a:lvl8pPr>
+            <a:lvl9pPr marL="3886200" lvl="8" indent="-228600" algn="l" defTabSz="914400" rtl="0" eaLnBrk="1" latinLnBrk="0" hangingPunct="1">
+              <a:lnSpc>
+                <a:spcPct val="90000"/>
+              </a:lnSpc>
+              <a:spcBef>
+                <a:spcPts val="480"/>
+              </a:spcBef>
+              <a:buClr>
+                <a:srgbClr val="FFCD00"/>
+              </a:buClr>
+              <a:buSzPct val="100000"/>
+              <a:buFont typeface="Quattrocento Sans"/>
+              <a:buChar char="•"/>
+              <a:defRPr sz="2400" kern="1200">
+                <a:solidFill>
+                  <a:schemeClr val="tx1"/>
+                </a:solidFill>
+                <a:latin typeface="Quattrocento Sans"/>
+                <a:ea typeface="Quattrocento Sans"/>
+                <a:cs typeface="Quattrocento Sans"/>
+                <a:sym typeface="Quattrocento Sans"/>
+              </a:defRPr>
+            </a:lvl9pPr>
+          </a:lstStyle>
+          <a:p>
+            <a:pPr marL="304793" indent="0">
+              <a:lnSpc>
+                <a:spcPct val="100000"/>
+              </a:lnSpc>
+              <a:spcBef>
+                <a:spcPts val="0"/>
+              </a:spcBef>
+              <a:buNone/>
+            </a:pPr>
+            <a:r>
+              <a:rPr lang="pt-PT" sz="2800" dirty="0" err="1" smtClean="0"/>
+              <a:t>Lorem</a:t>
+            </a:r>
+            <a:r>
+              <a:rPr lang="pt-PT" sz="2800" dirty="0" smtClean="0"/>
+              <a:t> </a:t>
+            </a:r>
+            <a:r>
+              <a:rPr lang="pt-PT" sz="2800" dirty="0" err="1" smtClean="0"/>
+              <a:t>ipsu</a:t>
+            </a:r>
+            <a:r>
+              <a:rPr lang="pt-PT" sz="2800" dirty="0" err="1"/>
+              <a:t>m</a:t>
+            </a:r>
+            <a:endParaRPr lang="pt-PT" sz="2800" dirty="0" smtClean="0"/>
+          </a:p>
+        </p:txBody>
+      </p:sp>
     </p:spTree>
     <p:extLst>
       <p:ext uri="{BB962C8B-B14F-4D97-AF65-F5344CB8AC3E}">
-        <p14:creationId xmlns:p14="http://schemas.microsoft.com/office/powerpoint/2010/main" val="1830698245"/>
+        <p14:creationId xmlns:p14="http://schemas.microsoft.com/office/powerpoint/2010/main" val="587802342"/>
       </p:ext>
     </p:extLst>
   </p:cSld>
@@ -8783,7 +9010,7 @@
           <a:p>
             <a:r>
               <a:rPr lang="en" dirty="0" smtClean="0"/>
-              <a:t>Escolha de Problemas/Jogos</a:t>
+              <a:t>Tópicos de Aprendizagem</a:t>
             </a:r>
             <a:endParaRPr lang="en" dirty="0">
               <a:highlight>
@@ -8805,8 +9032,8 @@
         </p:nvSpPr>
         <p:spPr>
           <a:xfrm>
-            <a:off x="1841667" y="2959158"/>
-            <a:ext cx="9079600" cy="3609318"/>
+            <a:off x="1841667" y="2155293"/>
+            <a:ext cx="9079600" cy="4149600"/>
           </a:xfrm>
           <a:prstGeom prst="rect">
             <a:avLst/>
@@ -8828,11 +9055,7 @@
             </a:pPr>
             <a:r>
               <a:rPr lang="pt-PT" sz="2800" dirty="0" smtClean="0"/>
-              <a:t>Abordarem todo</a:t>
-            </a:r>
-            <a:r>
-              <a:rPr lang="pt-PT" sz="2800" dirty="0" smtClean="0"/>
-              <a:t>s os tópicos escolhidos</a:t>
+              <a:t>Fundamentos da Programação</a:t>
             </a:r>
           </a:p>
           <a:p>
@@ -8844,7 +9067,10 @@
                 <a:spcPts val="0"/>
               </a:spcBef>
             </a:pPr>
-            <a:endParaRPr lang="pt-PT" sz="2800" dirty="0" smtClean="0"/>
+            <a:r>
+              <a:rPr lang="pt-PT" sz="2800" dirty="0" smtClean="0"/>
+              <a:t>Estruturas de Dados</a:t>
+            </a:r>
           </a:p>
           <a:p>
             <a:pPr marL="609585" indent="-304792">
@@ -8857,7 +9083,7 @@
             </a:pPr>
             <a:r>
               <a:rPr lang="pt-PT" sz="2800" dirty="0" smtClean="0"/>
-              <a:t>Serem aplicáveis em ciclos de aprendizagem curtos</a:t>
+              <a:t>Projetos de Software</a:t>
             </a:r>
           </a:p>
           <a:p>
@@ -8869,7 +9095,10 @@
                 <a:spcPts val="0"/>
               </a:spcBef>
             </a:pPr>
-            <a:endParaRPr lang="pt-PT" sz="2800" dirty="0" smtClean="0"/>
+            <a:r>
+              <a:rPr lang="pt-PT" sz="2800" dirty="0" smtClean="0"/>
+              <a:t>Gráficos e Visualização</a:t>
+            </a:r>
           </a:p>
           <a:p>
             <a:pPr marL="609585" indent="-304792">
@@ -8882,7 +9111,49 @@
             </a:pPr>
             <a:r>
               <a:rPr lang="pt-PT" sz="2800" dirty="0" smtClean="0"/>
-              <a:t>E claro, serem apelativos para os estudantes</a:t>
+              <a:t>Linguagens de Programação</a:t>
+            </a:r>
+          </a:p>
+          <a:p>
+            <a:pPr marL="609585" indent="-304792">
+              <a:lnSpc>
+                <a:spcPct val="100000"/>
+              </a:lnSpc>
+              <a:spcBef>
+                <a:spcPts val="0"/>
+              </a:spcBef>
+            </a:pPr>
+            <a:r>
+              <a:rPr lang="pt-PT" sz="2800" dirty="0" smtClean="0"/>
+              <a:t>Algoritmos e Complexidade</a:t>
+            </a:r>
+          </a:p>
+          <a:p>
+            <a:pPr marL="609585" indent="-304792">
+              <a:lnSpc>
+                <a:spcPct val="100000"/>
+              </a:lnSpc>
+              <a:spcBef>
+                <a:spcPts val="0"/>
+              </a:spcBef>
+            </a:pPr>
+            <a:r>
+              <a:rPr lang="pt-PT" sz="2800" dirty="0" smtClean="0"/>
+              <a:t>Fundamentos e Design de Jogos Digitais</a:t>
+            </a:r>
+          </a:p>
+          <a:p>
+            <a:pPr marL="609585" indent="-304792">
+              <a:lnSpc>
+                <a:spcPct val="100000"/>
+              </a:lnSpc>
+              <a:spcBef>
+                <a:spcPts val="0"/>
+              </a:spcBef>
+            </a:pPr>
+            <a:r>
+              <a:rPr lang="pt-PT" sz="2800" dirty="0" smtClean="0"/>
+              <a:t>Programação de Jogos Digitais</a:t>
             </a:r>
             <a:endParaRPr lang="pt-PT" sz="2800" dirty="0"/>
           </a:p>
@@ -9422,257 +9693,10 @@
           </p:txBody>
         </p:sp>
       </p:grpSp>
-      <p:sp>
-        <p:nvSpPr>
-          <p:cNvPr id="10" name="Shape 111"/>
-          <p:cNvSpPr txBox="1">
-            <a:spLocks/>
-          </p:cNvSpPr>
-          <p:nvPr/>
-        </p:nvSpPr>
-        <p:spPr>
-          <a:xfrm>
-            <a:off x="1393562" y="1997620"/>
-            <a:ext cx="9079600" cy="533400"/>
-          </a:xfrm>
-          <a:prstGeom prst="rect">
-            <a:avLst/>
-          </a:prstGeom>
-        </p:spPr>
-        <p:txBody>
-          <a:bodyPr vert="horz" lIns="121900" tIns="121900" rIns="121900" bIns="121900" rtlCol="0" anchor="t" anchorCtr="0">
-            <a:noAutofit/>
-          </a:bodyPr>
-          <a:lstStyle>
-            <a:lvl1pPr marL="228600" lvl="0" indent="-228600" algn="l" defTabSz="914400" rtl="0" eaLnBrk="1" latinLnBrk="0" hangingPunct="1">
-              <a:lnSpc>
-                <a:spcPct val="90000"/>
-              </a:lnSpc>
-              <a:spcBef>
-                <a:spcPts val="800"/>
-              </a:spcBef>
-              <a:buClr>
-                <a:srgbClr val="FFCD00"/>
-              </a:buClr>
-              <a:buSzPct val="100000"/>
-              <a:buFont typeface="Quattrocento Sans"/>
-              <a:buChar char="◉"/>
-              <a:defRPr sz="3200" kern="1200">
-                <a:solidFill>
-                  <a:schemeClr val="tx1"/>
-                </a:solidFill>
-                <a:latin typeface="Quattrocento Sans"/>
-                <a:ea typeface="Quattrocento Sans"/>
-                <a:cs typeface="Quattrocento Sans"/>
-                <a:sym typeface="Quattrocento Sans"/>
-              </a:defRPr>
-            </a:lvl1pPr>
-            <a:lvl2pPr marL="685800" lvl="1" indent="-228600" algn="l" defTabSz="914400" rtl="0" eaLnBrk="1" latinLnBrk="0" hangingPunct="1">
-              <a:lnSpc>
-                <a:spcPct val="90000"/>
-              </a:lnSpc>
-              <a:spcBef>
-                <a:spcPts val="640"/>
-              </a:spcBef>
-              <a:buClr>
-                <a:srgbClr val="FFCD00"/>
-              </a:buClr>
-              <a:buSzPct val="100000"/>
-              <a:buFont typeface="Quattrocento Sans"/>
-              <a:buChar char="•"/>
-              <a:defRPr sz="2667" kern="1200">
-                <a:solidFill>
-                  <a:schemeClr val="tx1"/>
-                </a:solidFill>
-                <a:latin typeface="Quattrocento Sans"/>
-                <a:ea typeface="Quattrocento Sans"/>
-                <a:cs typeface="Quattrocento Sans"/>
-                <a:sym typeface="Quattrocento Sans"/>
-              </a:defRPr>
-            </a:lvl2pPr>
-            <a:lvl3pPr marL="1143000" lvl="2" indent="-228600" algn="l" defTabSz="914400" rtl="0" eaLnBrk="1" latinLnBrk="0" hangingPunct="1">
-              <a:lnSpc>
-                <a:spcPct val="90000"/>
-              </a:lnSpc>
-              <a:spcBef>
-                <a:spcPts val="640"/>
-              </a:spcBef>
-              <a:buClr>
-                <a:srgbClr val="FFCD00"/>
-              </a:buClr>
-              <a:buSzPct val="100000"/>
-              <a:buFont typeface="Quattrocento Sans"/>
-              <a:buChar char="•"/>
-              <a:defRPr sz="2667" kern="1200">
-                <a:solidFill>
-                  <a:schemeClr val="tx1"/>
-                </a:solidFill>
-                <a:latin typeface="Quattrocento Sans"/>
-                <a:ea typeface="Quattrocento Sans"/>
-                <a:cs typeface="Quattrocento Sans"/>
-                <a:sym typeface="Quattrocento Sans"/>
-              </a:defRPr>
-            </a:lvl3pPr>
-            <a:lvl4pPr marL="1600200" lvl="3" indent="-228600" algn="l" defTabSz="914400" rtl="0" eaLnBrk="1" latinLnBrk="0" hangingPunct="1">
-              <a:lnSpc>
-                <a:spcPct val="90000"/>
-              </a:lnSpc>
-              <a:spcBef>
-                <a:spcPts val="480"/>
-              </a:spcBef>
-              <a:buClr>
-                <a:srgbClr val="FFCD00"/>
-              </a:buClr>
-              <a:buSzPct val="100000"/>
-              <a:buFont typeface="Quattrocento Sans"/>
-              <a:buChar char="•"/>
-              <a:defRPr sz="2400" kern="1200">
-                <a:solidFill>
-                  <a:schemeClr val="tx1"/>
-                </a:solidFill>
-                <a:latin typeface="Quattrocento Sans"/>
-                <a:ea typeface="Quattrocento Sans"/>
-                <a:cs typeface="Quattrocento Sans"/>
-                <a:sym typeface="Quattrocento Sans"/>
-              </a:defRPr>
-            </a:lvl4pPr>
-            <a:lvl5pPr marL="2057400" lvl="4" indent="-228600" algn="l" defTabSz="914400" rtl="0" eaLnBrk="1" latinLnBrk="0" hangingPunct="1">
-              <a:lnSpc>
-                <a:spcPct val="90000"/>
-              </a:lnSpc>
-              <a:spcBef>
-                <a:spcPts val="480"/>
-              </a:spcBef>
-              <a:buClr>
-                <a:srgbClr val="FFCD00"/>
-              </a:buClr>
-              <a:buSzPct val="100000"/>
-              <a:buFont typeface="Quattrocento Sans"/>
-              <a:buChar char="•"/>
-              <a:defRPr sz="2400" kern="1200">
-                <a:solidFill>
-                  <a:schemeClr val="tx1"/>
-                </a:solidFill>
-                <a:latin typeface="Quattrocento Sans"/>
-                <a:ea typeface="Quattrocento Sans"/>
-                <a:cs typeface="Quattrocento Sans"/>
-                <a:sym typeface="Quattrocento Sans"/>
-              </a:defRPr>
-            </a:lvl5pPr>
-            <a:lvl6pPr marL="2514600" lvl="5" indent="-228600" algn="l" defTabSz="914400" rtl="0" eaLnBrk="1" latinLnBrk="0" hangingPunct="1">
-              <a:lnSpc>
-                <a:spcPct val="90000"/>
-              </a:lnSpc>
-              <a:spcBef>
-                <a:spcPts val="480"/>
-              </a:spcBef>
-              <a:buClr>
-                <a:srgbClr val="FFCD00"/>
-              </a:buClr>
-              <a:buSzPct val="100000"/>
-              <a:buFont typeface="Quattrocento Sans"/>
-              <a:buChar char="•"/>
-              <a:defRPr sz="2400" kern="1200">
-                <a:solidFill>
-                  <a:schemeClr val="tx1"/>
-                </a:solidFill>
-                <a:latin typeface="Quattrocento Sans"/>
-                <a:ea typeface="Quattrocento Sans"/>
-                <a:cs typeface="Quattrocento Sans"/>
-                <a:sym typeface="Quattrocento Sans"/>
-              </a:defRPr>
-            </a:lvl6pPr>
-            <a:lvl7pPr marL="2971800" lvl="6" indent="-228600" algn="l" defTabSz="914400" rtl="0" eaLnBrk="1" latinLnBrk="0" hangingPunct="1">
-              <a:lnSpc>
-                <a:spcPct val="90000"/>
-              </a:lnSpc>
-              <a:spcBef>
-                <a:spcPts val="480"/>
-              </a:spcBef>
-              <a:buClr>
-                <a:srgbClr val="FFCD00"/>
-              </a:buClr>
-              <a:buSzPct val="100000"/>
-              <a:buFont typeface="Quattrocento Sans"/>
-              <a:buChar char="•"/>
-              <a:defRPr sz="2400" kern="1200">
-                <a:solidFill>
-                  <a:schemeClr val="tx1"/>
-                </a:solidFill>
-                <a:latin typeface="Quattrocento Sans"/>
-                <a:ea typeface="Quattrocento Sans"/>
-                <a:cs typeface="Quattrocento Sans"/>
-                <a:sym typeface="Quattrocento Sans"/>
-              </a:defRPr>
-            </a:lvl7pPr>
-            <a:lvl8pPr marL="3429000" lvl="7" indent="-228600" algn="l" defTabSz="914400" rtl="0" eaLnBrk="1" latinLnBrk="0" hangingPunct="1">
-              <a:lnSpc>
-                <a:spcPct val="90000"/>
-              </a:lnSpc>
-              <a:spcBef>
-                <a:spcPts val="480"/>
-              </a:spcBef>
-              <a:buClr>
-                <a:srgbClr val="FFCD00"/>
-              </a:buClr>
-              <a:buSzPct val="100000"/>
-              <a:buFont typeface="Quattrocento Sans"/>
-              <a:buChar char="•"/>
-              <a:defRPr sz="2400" kern="1200">
-                <a:solidFill>
-                  <a:schemeClr val="tx1"/>
-                </a:solidFill>
-                <a:latin typeface="Quattrocento Sans"/>
-                <a:ea typeface="Quattrocento Sans"/>
-                <a:cs typeface="Quattrocento Sans"/>
-                <a:sym typeface="Quattrocento Sans"/>
-              </a:defRPr>
-            </a:lvl8pPr>
-            <a:lvl9pPr marL="3886200" lvl="8" indent="-228600" algn="l" defTabSz="914400" rtl="0" eaLnBrk="1" latinLnBrk="0" hangingPunct="1">
-              <a:lnSpc>
-                <a:spcPct val="90000"/>
-              </a:lnSpc>
-              <a:spcBef>
-                <a:spcPts val="480"/>
-              </a:spcBef>
-              <a:buClr>
-                <a:srgbClr val="FFCD00"/>
-              </a:buClr>
-              <a:buSzPct val="100000"/>
-              <a:buFont typeface="Quattrocento Sans"/>
-              <a:buChar char="•"/>
-              <a:defRPr sz="2400" kern="1200">
-                <a:solidFill>
-                  <a:schemeClr val="tx1"/>
-                </a:solidFill>
-                <a:latin typeface="Quattrocento Sans"/>
-                <a:ea typeface="Quattrocento Sans"/>
-                <a:cs typeface="Quattrocento Sans"/>
-                <a:sym typeface="Quattrocento Sans"/>
-              </a:defRPr>
-            </a:lvl9pPr>
-          </a:lstStyle>
-          <a:p>
-            <a:pPr marL="304793" indent="0">
-              <a:lnSpc>
-                <a:spcPct val="100000"/>
-              </a:lnSpc>
-              <a:spcBef>
-                <a:spcPts val="0"/>
-              </a:spcBef>
-              <a:buNone/>
-            </a:pPr>
-            <a:r>
-              <a:rPr lang="pt-PT" sz="2800" dirty="0" smtClean="0"/>
-              <a:t>Critérios de escolha:</a:t>
-            </a:r>
-          </a:p>
-        </p:txBody>
-      </p:sp>
     </p:spTree>
     <p:extLst>
       <p:ext uri="{BB962C8B-B14F-4D97-AF65-F5344CB8AC3E}">
-        <p14:creationId xmlns:p14="http://schemas.microsoft.com/office/powerpoint/2010/main" val="587802342"/>
+        <p14:creationId xmlns:p14="http://schemas.microsoft.com/office/powerpoint/2010/main" val="1830698245"/>
       </p:ext>
     </p:extLst>
   </p:cSld>
@@ -9733,6 +9757,952 @@
           <a:p>
             <a:r>
               <a:rPr lang="en" dirty="0" smtClean="0"/>
+              <a:t>Escolha de Problemas/Jogos</a:t>
+            </a:r>
+            <a:endParaRPr lang="en" dirty="0">
+              <a:highlight>
+                <a:srgbClr val="FFCD00"/>
+              </a:highlight>
+            </a:endParaRPr>
+          </a:p>
+        </p:txBody>
+      </p:sp>
+      <p:sp>
+        <p:nvSpPr>
+          <p:cNvPr id="111" name="Shape 111"/>
+          <p:cNvSpPr txBox="1">
+            <a:spLocks noGrp="1"/>
+          </p:cNvSpPr>
+          <p:nvPr>
+            <p:ph type="body" idx="1"/>
+          </p:nvPr>
+        </p:nvSpPr>
+        <p:spPr>
+          <a:xfrm>
+            <a:off x="1841667" y="2959158"/>
+            <a:ext cx="9079600" cy="3609318"/>
+          </a:xfrm>
+          <a:prstGeom prst="rect">
+            <a:avLst/>
+          </a:prstGeom>
+        </p:spPr>
+        <p:txBody>
+          <a:bodyPr vert="horz" lIns="121900" tIns="121900" rIns="121900" bIns="121900" rtlCol="0" anchor="t" anchorCtr="0">
+            <a:noAutofit/>
+          </a:bodyPr>
+          <a:lstStyle/>
+          <a:p>
+            <a:pPr marL="609585" indent="-304792">
+              <a:lnSpc>
+                <a:spcPct val="100000"/>
+              </a:lnSpc>
+              <a:spcBef>
+                <a:spcPts val="0"/>
+              </a:spcBef>
+            </a:pPr>
+            <a:r>
+              <a:rPr lang="pt-PT" sz="2800" dirty="0" smtClean="0"/>
+              <a:t>Abordarem todos os tópicos escolhidos</a:t>
+            </a:r>
+          </a:p>
+          <a:p>
+            <a:pPr marL="609585" indent="-304792">
+              <a:lnSpc>
+                <a:spcPct val="100000"/>
+              </a:lnSpc>
+              <a:spcBef>
+                <a:spcPts val="0"/>
+              </a:spcBef>
+            </a:pPr>
+            <a:endParaRPr lang="pt-PT" sz="2800" dirty="0" smtClean="0"/>
+          </a:p>
+          <a:p>
+            <a:pPr marL="609585" indent="-304792">
+              <a:lnSpc>
+                <a:spcPct val="100000"/>
+              </a:lnSpc>
+              <a:spcBef>
+                <a:spcPts val="0"/>
+              </a:spcBef>
+            </a:pPr>
+            <a:r>
+              <a:rPr lang="pt-PT" sz="2800" dirty="0" smtClean="0"/>
+              <a:t>Serem aplicáveis em ciclos de aprendizagem curtos</a:t>
+            </a:r>
+          </a:p>
+          <a:p>
+            <a:pPr marL="609585" indent="-304792">
+              <a:lnSpc>
+                <a:spcPct val="100000"/>
+              </a:lnSpc>
+              <a:spcBef>
+                <a:spcPts val="0"/>
+              </a:spcBef>
+            </a:pPr>
+            <a:endParaRPr lang="pt-PT" sz="2800" dirty="0" smtClean="0"/>
+          </a:p>
+          <a:p>
+            <a:pPr marL="609585" indent="-304792">
+              <a:lnSpc>
+                <a:spcPct val="100000"/>
+              </a:lnSpc>
+              <a:spcBef>
+                <a:spcPts val="0"/>
+              </a:spcBef>
+            </a:pPr>
+            <a:r>
+              <a:rPr lang="pt-PT" sz="2800" dirty="0" smtClean="0"/>
+              <a:t>E claro, serem apelativos para os estudantes</a:t>
+            </a:r>
+            <a:endParaRPr lang="pt-PT" sz="2800" dirty="0"/>
+          </a:p>
+        </p:txBody>
+      </p:sp>
+      <p:grpSp>
+        <p:nvGrpSpPr>
+          <p:cNvPr id="112" name="Shape 112"/>
+          <p:cNvGrpSpPr/>
+          <p:nvPr/>
+        </p:nvGrpSpPr>
+        <p:grpSpPr>
+          <a:xfrm>
+            <a:off x="1221944" y="1359667"/>
+            <a:ext cx="286165" cy="286165"/>
+            <a:chOff x="2594050" y="1631825"/>
+            <a:chExt cx="439625" cy="439625"/>
+          </a:xfrm>
+        </p:grpSpPr>
+        <p:sp>
+          <p:nvSpPr>
+            <p:cNvPr id="113" name="Shape 113"/>
+            <p:cNvSpPr/>
+            <p:nvPr/>
+          </p:nvSpPr>
+          <p:spPr>
+            <a:xfrm>
+              <a:off x="2594050" y="1883300"/>
+              <a:ext cx="188175" cy="188150"/>
+            </a:xfrm>
+            <a:custGeom>
+              <a:avLst/>
+              <a:gdLst/>
+              <a:ahLst/>
+              <a:cxnLst/>
+              <a:rect l="0" t="0" r="0" b="0"/>
+              <a:pathLst>
+                <a:path w="7527" h="7526" fill="none" extrusionOk="0">
+                  <a:moveTo>
+                    <a:pt x="5992" y="0"/>
+                  </a:moveTo>
+                  <a:lnTo>
+                    <a:pt x="537" y="6430"/>
+                  </a:lnTo>
+                  <a:lnTo>
+                    <a:pt x="1" y="7526"/>
+                  </a:lnTo>
+                  <a:lnTo>
+                    <a:pt x="1097" y="6990"/>
+                  </a:lnTo>
+                  <a:lnTo>
+                    <a:pt x="7526" y="1534"/>
+                  </a:lnTo>
+                  <a:lnTo>
+                    <a:pt x="5992" y="0"/>
+                  </a:lnTo>
+                  <a:close/>
+                </a:path>
+              </a:pathLst>
+            </a:custGeom>
+            <a:noFill/>
+            <a:ln w="9525" cap="rnd" cmpd="sng">
+              <a:solidFill>
+                <a:srgbClr val="000000"/>
+              </a:solidFill>
+              <a:prstDash val="solid"/>
+              <a:round/>
+              <a:headEnd type="none" w="med" len="med"/>
+              <a:tailEnd type="none" w="med" len="med"/>
+            </a:ln>
+          </p:spPr>
+          <p:txBody>
+            <a:bodyPr lIns="121900" tIns="121900" rIns="121900" bIns="121900" anchor="ctr" anchorCtr="0">
+              <a:noAutofit/>
+            </a:bodyPr>
+            <a:lstStyle/>
+            <a:p>
+              <a:endParaRPr sz="2400"/>
+            </a:p>
+          </p:txBody>
+        </p:sp>
+        <p:sp>
+          <p:nvSpPr>
+            <p:cNvPr id="114" name="Shape 114"/>
+            <p:cNvSpPr/>
+            <p:nvPr/>
+          </p:nvSpPr>
+          <p:spPr>
+            <a:xfrm>
+              <a:off x="2857700" y="1631825"/>
+              <a:ext cx="175975" cy="176000"/>
+            </a:xfrm>
+            <a:custGeom>
+              <a:avLst/>
+              <a:gdLst/>
+              <a:ahLst/>
+              <a:cxnLst/>
+              <a:rect l="0" t="0" r="0" b="0"/>
+              <a:pathLst>
+                <a:path w="7039" h="7040" fill="none" extrusionOk="0">
+                  <a:moveTo>
+                    <a:pt x="268" y="2704"/>
+                  </a:moveTo>
+                  <a:lnTo>
+                    <a:pt x="4336" y="6771"/>
+                  </a:lnTo>
+                  <a:lnTo>
+                    <a:pt x="4336" y="6771"/>
+                  </a:lnTo>
+                  <a:lnTo>
+                    <a:pt x="4336" y="6771"/>
+                  </a:lnTo>
+                  <a:lnTo>
+                    <a:pt x="4652" y="6917"/>
+                  </a:lnTo>
+                  <a:lnTo>
+                    <a:pt x="4993" y="7015"/>
+                  </a:lnTo>
+                  <a:lnTo>
+                    <a:pt x="5310" y="7039"/>
+                  </a:lnTo>
+                  <a:lnTo>
+                    <a:pt x="5651" y="7039"/>
+                  </a:lnTo>
+                  <a:lnTo>
+                    <a:pt x="5992" y="6966"/>
+                  </a:lnTo>
+                  <a:lnTo>
+                    <a:pt x="6308" y="6844"/>
+                  </a:lnTo>
+                  <a:lnTo>
+                    <a:pt x="6454" y="6747"/>
+                  </a:lnTo>
+                  <a:lnTo>
+                    <a:pt x="6601" y="6674"/>
+                  </a:lnTo>
+                  <a:lnTo>
+                    <a:pt x="6747" y="6552"/>
+                  </a:lnTo>
+                  <a:lnTo>
+                    <a:pt x="6893" y="6430"/>
+                  </a:lnTo>
+                  <a:lnTo>
+                    <a:pt x="6893" y="6430"/>
+                  </a:lnTo>
+                  <a:lnTo>
+                    <a:pt x="6942" y="6357"/>
+                  </a:lnTo>
+                  <a:lnTo>
+                    <a:pt x="7015" y="6260"/>
+                  </a:lnTo>
+                  <a:lnTo>
+                    <a:pt x="7039" y="6138"/>
+                  </a:lnTo>
+                  <a:lnTo>
+                    <a:pt x="7039" y="6041"/>
+                  </a:lnTo>
+                  <a:lnTo>
+                    <a:pt x="7039" y="6041"/>
+                  </a:lnTo>
+                  <a:lnTo>
+                    <a:pt x="7039" y="5943"/>
+                  </a:lnTo>
+                  <a:lnTo>
+                    <a:pt x="7015" y="5846"/>
+                  </a:lnTo>
+                  <a:lnTo>
+                    <a:pt x="6942" y="5748"/>
+                  </a:lnTo>
+                  <a:lnTo>
+                    <a:pt x="6893" y="5651"/>
+                  </a:lnTo>
+                  <a:lnTo>
+                    <a:pt x="1389" y="147"/>
+                  </a:lnTo>
+                  <a:lnTo>
+                    <a:pt x="1389" y="147"/>
+                  </a:lnTo>
+                  <a:lnTo>
+                    <a:pt x="1291" y="98"/>
+                  </a:lnTo>
+                  <a:lnTo>
+                    <a:pt x="1194" y="25"/>
+                  </a:lnTo>
+                  <a:lnTo>
+                    <a:pt x="1096" y="0"/>
+                  </a:lnTo>
+                  <a:lnTo>
+                    <a:pt x="999" y="0"/>
+                  </a:lnTo>
+                  <a:lnTo>
+                    <a:pt x="999" y="0"/>
+                  </a:lnTo>
+                  <a:lnTo>
+                    <a:pt x="902" y="0"/>
+                  </a:lnTo>
+                  <a:lnTo>
+                    <a:pt x="780" y="25"/>
+                  </a:lnTo>
+                  <a:lnTo>
+                    <a:pt x="682" y="98"/>
+                  </a:lnTo>
+                  <a:lnTo>
+                    <a:pt x="609" y="147"/>
+                  </a:lnTo>
+                  <a:lnTo>
+                    <a:pt x="609" y="147"/>
+                  </a:lnTo>
+                  <a:lnTo>
+                    <a:pt x="487" y="293"/>
+                  </a:lnTo>
+                  <a:lnTo>
+                    <a:pt x="366" y="439"/>
+                  </a:lnTo>
+                  <a:lnTo>
+                    <a:pt x="293" y="585"/>
+                  </a:lnTo>
+                  <a:lnTo>
+                    <a:pt x="195" y="731"/>
+                  </a:lnTo>
+                  <a:lnTo>
+                    <a:pt x="73" y="1048"/>
+                  </a:lnTo>
+                  <a:lnTo>
+                    <a:pt x="0" y="1389"/>
+                  </a:lnTo>
+                  <a:lnTo>
+                    <a:pt x="0" y="1730"/>
+                  </a:lnTo>
+                  <a:lnTo>
+                    <a:pt x="25" y="2046"/>
+                  </a:lnTo>
+                  <a:lnTo>
+                    <a:pt x="122" y="2387"/>
+                  </a:lnTo>
+                  <a:lnTo>
+                    <a:pt x="268" y="2704"/>
+                  </a:lnTo>
+                  <a:lnTo>
+                    <a:pt x="268" y="2704"/>
+                  </a:lnTo>
+                  <a:close/>
+                </a:path>
+              </a:pathLst>
+            </a:custGeom>
+            <a:noFill/>
+            <a:ln w="9525" cap="rnd" cmpd="sng">
+              <a:solidFill>
+                <a:srgbClr val="000000"/>
+              </a:solidFill>
+              <a:prstDash val="solid"/>
+              <a:round/>
+              <a:headEnd type="none" w="med" len="med"/>
+              <a:tailEnd type="none" w="med" len="med"/>
+            </a:ln>
+          </p:spPr>
+          <p:txBody>
+            <a:bodyPr lIns="121900" tIns="121900" rIns="121900" bIns="121900" anchor="ctr" anchorCtr="0">
+              <a:noAutofit/>
+            </a:bodyPr>
+            <a:lstStyle/>
+            <a:p>
+              <a:endParaRPr sz="2400"/>
+            </a:p>
+          </p:txBody>
+        </p:sp>
+        <p:sp>
+          <p:nvSpPr>
+            <p:cNvPr id="115" name="Shape 115"/>
+            <p:cNvSpPr/>
+            <p:nvPr/>
+          </p:nvSpPr>
+          <p:spPr>
+            <a:xfrm>
+              <a:off x="2662850" y="1699400"/>
+              <a:ext cx="303250" cy="303250"/>
+            </a:xfrm>
+            <a:custGeom>
+              <a:avLst/>
+              <a:gdLst/>
+              <a:ahLst/>
+              <a:cxnLst/>
+              <a:rect l="0" t="0" r="0" b="0"/>
+              <a:pathLst>
+                <a:path w="12130" h="12130" fill="none" extrusionOk="0">
+                  <a:moveTo>
+                    <a:pt x="8038" y="1"/>
+                  </a:moveTo>
+                  <a:lnTo>
+                    <a:pt x="4872" y="3191"/>
+                  </a:lnTo>
+                  <a:lnTo>
+                    <a:pt x="4872" y="3191"/>
+                  </a:lnTo>
+                  <a:lnTo>
+                    <a:pt x="4628" y="3094"/>
+                  </a:lnTo>
+                  <a:lnTo>
+                    <a:pt x="4385" y="2997"/>
+                  </a:lnTo>
+                  <a:lnTo>
+                    <a:pt x="4092" y="2899"/>
+                  </a:lnTo>
+                  <a:lnTo>
+                    <a:pt x="3800" y="2850"/>
+                  </a:lnTo>
+                  <a:lnTo>
+                    <a:pt x="3484" y="2777"/>
+                  </a:lnTo>
+                  <a:lnTo>
+                    <a:pt x="3167" y="2729"/>
+                  </a:lnTo>
+                  <a:lnTo>
+                    <a:pt x="2850" y="2704"/>
+                  </a:lnTo>
+                  <a:lnTo>
+                    <a:pt x="2534" y="2704"/>
+                  </a:lnTo>
+                  <a:lnTo>
+                    <a:pt x="2534" y="2704"/>
+                  </a:lnTo>
+                  <a:lnTo>
+                    <a:pt x="2241" y="2704"/>
+                  </a:lnTo>
+                  <a:lnTo>
+                    <a:pt x="1949" y="2729"/>
+                  </a:lnTo>
+                  <a:lnTo>
+                    <a:pt x="1633" y="2777"/>
+                  </a:lnTo>
+                  <a:lnTo>
+                    <a:pt x="1316" y="2850"/>
+                  </a:lnTo>
+                  <a:lnTo>
+                    <a:pt x="999" y="2972"/>
+                  </a:lnTo>
+                  <a:lnTo>
+                    <a:pt x="707" y="3094"/>
+                  </a:lnTo>
+                  <a:lnTo>
+                    <a:pt x="415" y="3289"/>
+                  </a:lnTo>
+                  <a:lnTo>
+                    <a:pt x="147" y="3508"/>
+                  </a:lnTo>
+                  <a:lnTo>
+                    <a:pt x="147" y="3508"/>
+                  </a:lnTo>
+                  <a:lnTo>
+                    <a:pt x="74" y="3581"/>
+                  </a:lnTo>
+                  <a:lnTo>
+                    <a:pt x="25" y="3678"/>
+                  </a:lnTo>
+                  <a:lnTo>
+                    <a:pt x="1" y="3776"/>
+                  </a:lnTo>
+                  <a:lnTo>
+                    <a:pt x="1" y="3898"/>
+                  </a:lnTo>
+                  <a:lnTo>
+                    <a:pt x="1" y="3898"/>
+                  </a:lnTo>
+                  <a:lnTo>
+                    <a:pt x="1" y="3995"/>
+                  </a:lnTo>
+                  <a:lnTo>
+                    <a:pt x="25" y="4093"/>
+                  </a:lnTo>
+                  <a:lnTo>
+                    <a:pt x="74" y="4190"/>
+                  </a:lnTo>
+                  <a:lnTo>
+                    <a:pt x="147" y="4287"/>
+                  </a:lnTo>
+                  <a:lnTo>
+                    <a:pt x="7843" y="11984"/>
+                  </a:lnTo>
+                  <a:lnTo>
+                    <a:pt x="7843" y="11984"/>
+                  </a:lnTo>
+                  <a:lnTo>
+                    <a:pt x="7941" y="12057"/>
+                  </a:lnTo>
+                  <a:lnTo>
+                    <a:pt x="8038" y="12105"/>
+                  </a:lnTo>
+                  <a:lnTo>
+                    <a:pt x="8135" y="12130"/>
+                  </a:lnTo>
+                  <a:lnTo>
+                    <a:pt x="8233" y="12130"/>
+                  </a:lnTo>
+                  <a:lnTo>
+                    <a:pt x="8233" y="12130"/>
+                  </a:lnTo>
+                  <a:lnTo>
+                    <a:pt x="8355" y="12130"/>
+                  </a:lnTo>
+                  <a:lnTo>
+                    <a:pt x="8452" y="12105"/>
+                  </a:lnTo>
+                  <a:lnTo>
+                    <a:pt x="8549" y="12057"/>
+                  </a:lnTo>
+                  <a:lnTo>
+                    <a:pt x="8622" y="11984"/>
+                  </a:lnTo>
+                  <a:lnTo>
+                    <a:pt x="8622" y="11984"/>
+                  </a:lnTo>
+                  <a:lnTo>
+                    <a:pt x="8842" y="11716"/>
+                  </a:lnTo>
+                  <a:lnTo>
+                    <a:pt x="9036" y="11423"/>
+                  </a:lnTo>
+                  <a:lnTo>
+                    <a:pt x="9158" y="11131"/>
+                  </a:lnTo>
+                  <a:lnTo>
+                    <a:pt x="9280" y="10814"/>
+                  </a:lnTo>
+                  <a:lnTo>
+                    <a:pt x="9353" y="10498"/>
+                  </a:lnTo>
+                  <a:lnTo>
+                    <a:pt x="9402" y="10181"/>
+                  </a:lnTo>
+                  <a:lnTo>
+                    <a:pt x="9426" y="9889"/>
+                  </a:lnTo>
+                  <a:lnTo>
+                    <a:pt x="9426" y="9597"/>
+                  </a:lnTo>
+                  <a:lnTo>
+                    <a:pt x="9426" y="9597"/>
+                  </a:lnTo>
+                  <a:lnTo>
+                    <a:pt x="9426" y="9280"/>
+                  </a:lnTo>
+                  <a:lnTo>
+                    <a:pt x="9402" y="8964"/>
+                  </a:lnTo>
+                  <a:lnTo>
+                    <a:pt x="9353" y="8647"/>
+                  </a:lnTo>
+                  <a:lnTo>
+                    <a:pt x="9280" y="8330"/>
+                  </a:lnTo>
+                  <a:lnTo>
+                    <a:pt x="9231" y="8038"/>
+                  </a:lnTo>
+                  <a:lnTo>
+                    <a:pt x="9134" y="7746"/>
+                  </a:lnTo>
+                  <a:lnTo>
+                    <a:pt x="9036" y="7502"/>
+                  </a:lnTo>
+                  <a:lnTo>
+                    <a:pt x="8939" y="7259"/>
+                  </a:lnTo>
+                  <a:lnTo>
+                    <a:pt x="12130" y="4093"/>
+                  </a:lnTo>
+                </a:path>
+              </a:pathLst>
+            </a:custGeom>
+            <a:noFill/>
+            <a:ln w="9525" cap="rnd" cmpd="sng">
+              <a:solidFill>
+                <a:srgbClr val="000000"/>
+              </a:solidFill>
+              <a:prstDash val="solid"/>
+              <a:round/>
+              <a:headEnd type="none" w="med" len="med"/>
+              <a:tailEnd type="none" w="med" len="med"/>
+            </a:ln>
+          </p:spPr>
+          <p:txBody>
+            <a:bodyPr lIns="121900" tIns="121900" rIns="121900" bIns="121900" anchor="ctr" anchorCtr="0">
+              <a:noAutofit/>
+            </a:bodyPr>
+            <a:lstStyle/>
+            <a:p>
+              <a:endParaRPr sz="2400"/>
+            </a:p>
+          </p:txBody>
+        </p:sp>
+        <p:sp>
+          <p:nvSpPr>
+            <p:cNvPr id="116" name="Shape 116"/>
+            <p:cNvSpPr/>
+            <p:nvPr/>
+          </p:nvSpPr>
+          <p:spPr>
+            <a:xfrm>
+              <a:off x="2814911" y="1754061"/>
+              <a:ext cx="49950" cy="49950"/>
+            </a:xfrm>
+            <a:custGeom>
+              <a:avLst/>
+              <a:gdLst/>
+              <a:ahLst/>
+              <a:cxnLst/>
+              <a:rect l="0" t="0" r="0" b="0"/>
+              <a:pathLst>
+                <a:path w="1998" h="1998" fill="none" extrusionOk="0">
+                  <a:moveTo>
+                    <a:pt x="1" y="1997"/>
+                  </a:moveTo>
+                  <a:lnTo>
+                    <a:pt x="1998" y="0"/>
+                  </a:lnTo>
+                </a:path>
+              </a:pathLst>
+            </a:custGeom>
+            <a:noFill/>
+            <a:ln w="9525" cap="rnd" cmpd="sng">
+              <a:solidFill>
+                <a:srgbClr val="000000"/>
+              </a:solidFill>
+              <a:prstDash val="solid"/>
+              <a:round/>
+              <a:headEnd type="none" w="med" len="med"/>
+              <a:tailEnd type="none" w="med" len="med"/>
+            </a:ln>
+          </p:spPr>
+          <p:txBody>
+            <a:bodyPr lIns="121900" tIns="121900" rIns="121900" bIns="121900" anchor="ctr" anchorCtr="0">
+              <a:noAutofit/>
+            </a:bodyPr>
+            <a:lstStyle/>
+            <a:p>
+              <a:endParaRPr sz="2400"/>
+            </a:p>
+          </p:txBody>
+        </p:sp>
+      </p:grpSp>
+      <p:sp>
+        <p:nvSpPr>
+          <p:cNvPr id="10" name="Shape 111"/>
+          <p:cNvSpPr txBox="1">
+            <a:spLocks/>
+          </p:cNvSpPr>
+          <p:nvPr/>
+        </p:nvSpPr>
+        <p:spPr>
+          <a:xfrm>
+            <a:off x="1393562" y="1997620"/>
+            <a:ext cx="9079600" cy="533400"/>
+          </a:xfrm>
+          <a:prstGeom prst="rect">
+            <a:avLst/>
+          </a:prstGeom>
+        </p:spPr>
+        <p:txBody>
+          <a:bodyPr vert="horz" lIns="121900" tIns="121900" rIns="121900" bIns="121900" rtlCol="0" anchor="t" anchorCtr="0">
+            <a:noAutofit/>
+          </a:bodyPr>
+          <a:lstStyle>
+            <a:lvl1pPr marL="228600" lvl="0" indent="-228600" algn="l" defTabSz="914400" rtl="0" eaLnBrk="1" latinLnBrk="0" hangingPunct="1">
+              <a:lnSpc>
+                <a:spcPct val="90000"/>
+              </a:lnSpc>
+              <a:spcBef>
+                <a:spcPts val="800"/>
+              </a:spcBef>
+              <a:buClr>
+                <a:srgbClr val="FFCD00"/>
+              </a:buClr>
+              <a:buSzPct val="100000"/>
+              <a:buFont typeface="Quattrocento Sans"/>
+              <a:buChar char="◉"/>
+              <a:defRPr sz="3200" kern="1200">
+                <a:solidFill>
+                  <a:schemeClr val="tx1"/>
+                </a:solidFill>
+                <a:latin typeface="Quattrocento Sans"/>
+                <a:ea typeface="Quattrocento Sans"/>
+                <a:cs typeface="Quattrocento Sans"/>
+                <a:sym typeface="Quattrocento Sans"/>
+              </a:defRPr>
+            </a:lvl1pPr>
+            <a:lvl2pPr marL="685800" lvl="1" indent="-228600" algn="l" defTabSz="914400" rtl="0" eaLnBrk="1" latinLnBrk="0" hangingPunct="1">
+              <a:lnSpc>
+                <a:spcPct val="90000"/>
+              </a:lnSpc>
+              <a:spcBef>
+                <a:spcPts val="640"/>
+              </a:spcBef>
+              <a:buClr>
+                <a:srgbClr val="FFCD00"/>
+              </a:buClr>
+              <a:buSzPct val="100000"/>
+              <a:buFont typeface="Quattrocento Sans"/>
+              <a:buChar char="•"/>
+              <a:defRPr sz="2667" kern="1200">
+                <a:solidFill>
+                  <a:schemeClr val="tx1"/>
+                </a:solidFill>
+                <a:latin typeface="Quattrocento Sans"/>
+                <a:ea typeface="Quattrocento Sans"/>
+                <a:cs typeface="Quattrocento Sans"/>
+                <a:sym typeface="Quattrocento Sans"/>
+              </a:defRPr>
+            </a:lvl2pPr>
+            <a:lvl3pPr marL="1143000" lvl="2" indent="-228600" algn="l" defTabSz="914400" rtl="0" eaLnBrk="1" latinLnBrk="0" hangingPunct="1">
+              <a:lnSpc>
+                <a:spcPct val="90000"/>
+              </a:lnSpc>
+              <a:spcBef>
+                <a:spcPts val="640"/>
+              </a:spcBef>
+              <a:buClr>
+                <a:srgbClr val="FFCD00"/>
+              </a:buClr>
+              <a:buSzPct val="100000"/>
+              <a:buFont typeface="Quattrocento Sans"/>
+              <a:buChar char="•"/>
+              <a:defRPr sz="2667" kern="1200">
+                <a:solidFill>
+                  <a:schemeClr val="tx1"/>
+                </a:solidFill>
+                <a:latin typeface="Quattrocento Sans"/>
+                <a:ea typeface="Quattrocento Sans"/>
+                <a:cs typeface="Quattrocento Sans"/>
+                <a:sym typeface="Quattrocento Sans"/>
+              </a:defRPr>
+            </a:lvl3pPr>
+            <a:lvl4pPr marL="1600200" lvl="3" indent="-228600" algn="l" defTabSz="914400" rtl="0" eaLnBrk="1" latinLnBrk="0" hangingPunct="1">
+              <a:lnSpc>
+                <a:spcPct val="90000"/>
+              </a:lnSpc>
+              <a:spcBef>
+                <a:spcPts val="480"/>
+              </a:spcBef>
+              <a:buClr>
+                <a:srgbClr val="FFCD00"/>
+              </a:buClr>
+              <a:buSzPct val="100000"/>
+              <a:buFont typeface="Quattrocento Sans"/>
+              <a:buChar char="•"/>
+              <a:defRPr sz="2400" kern="1200">
+                <a:solidFill>
+                  <a:schemeClr val="tx1"/>
+                </a:solidFill>
+                <a:latin typeface="Quattrocento Sans"/>
+                <a:ea typeface="Quattrocento Sans"/>
+                <a:cs typeface="Quattrocento Sans"/>
+                <a:sym typeface="Quattrocento Sans"/>
+              </a:defRPr>
+            </a:lvl4pPr>
+            <a:lvl5pPr marL="2057400" lvl="4" indent="-228600" algn="l" defTabSz="914400" rtl="0" eaLnBrk="1" latinLnBrk="0" hangingPunct="1">
+              <a:lnSpc>
+                <a:spcPct val="90000"/>
+              </a:lnSpc>
+              <a:spcBef>
+                <a:spcPts val="480"/>
+              </a:spcBef>
+              <a:buClr>
+                <a:srgbClr val="FFCD00"/>
+              </a:buClr>
+              <a:buSzPct val="100000"/>
+              <a:buFont typeface="Quattrocento Sans"/>
+              <a:buChar char="•"/>
+              <a:defRPr sz="2400" kern="1200">
+                <a:solidFill>
+                  <a:schemeClr val="tx1"/>
+                </a:solidFill>
+                <a:latin typeface="Quattrocento Sans"/>
+                <a:ea typeface="Quattrocento Sans"/>
+                <a:cs typeface="Quattrocento Sans"/>
+                <a:sym typeface="Quattrocento Sans"/>
+              </a:defRPr>
+            </a:lvl5pPr>
+            <a:lvl6pPr marL="2514600" lvl="5" indent="-228600" algn="l" defTabSz="914400" rtl="0" eaLnBrk="1" latinLnBrk="0" hangingPunct="1">
+              <a:lnSpc>
+                <a:spcPct val="90000"/>
+              </a:lnSpc>
+              <a:spcBef>
+                <a:spcPts val="480"/>
+              </a:spcBef>
+              <a:buClr>
+                <a:srgbClr val="FFCD00"/>
+              </a:buClr>
+              <a:buSzPct val="100000"/>
+              <a:buFont typeface="Quattrocento Sans"/>
+              <a:buChar char="•"/>
+              <a:defRPr sz="2400" kern="1200">
+                <a:solidFill>
+                  <a:schemeClr val="tx1"/>
+                </a:solidFill>
+                <a:latin typeface="Quattrocento Sans"/>
+                <a:ea typeface="Quattrocento Sans"/>
+                <a:cs typeface="Quattrocento Sans"/>
+                <a:sym typeface="Quattrocento Sans"/>
+              </a:defRPr>
+            </a:lvl6pPr>
+            <a:lvl7pPr marL="2971800" lvl="6" indent="-228600" algn="l" defTabSz="914400" rtl="0" eaLnBrk="1" latinLnBrk="0" hangingPunct="1">
+              <a:lnSpc>
+                <a:spcPct val="90000"/>
+              </a:lnSpc>
+              <a:spcBef>
+                <a:spcPts val="480"/>
+              </a:spcBef>
+              <a:buClr>
+                <a:srgbClr val="FFCD00"/>
+              </a:buClr>
+              <a:buSzPct val="100000"/>
+              <a:buFont typeface="Quattrocento Sans"/>
+              <a:buChar char="•"/>
+              <a:defRPr sz="2400" kern="1200">
+                <a:solidFill>
+                  <a:schemeClr val="tx1"/>
+                </a:solidFill>
+                <a:latin typeface="Quattrocento Sans"/>
+                <a:ea typeface="Quattrocento Sans"/>
+                <a:cs typeface="Quattrocento Sans"/>
+                <a:sym typeface="Quattrocento Sans"/>
+              </a:defRPr>
+            </a:lvl7pPr>
+            <a:lvl8pPr marL="3429000" lvl="7" indent="-228600" algn="l" defTabSz="914400" rtl="0" eaLnBrk="1" latinLnBrk="0" hangingPunct="1">
+              <a:lnSpc>
+                <a:spcPct val="90000"/>
+              </a:lnSpc>
+              <a:spcBef>
+                <a:spcPts val="480"/>
+              </a:spcBef>
+              <a:buClr>
+                <a:srgbClr val="FFCD00"/>
+              </a:buClr>
+              <a:buSzPct val="100000"/>
+              <a:buFont typeface="Quattrocento Sans"/>
+              <a:buChar char="•"/>
+              <a:defRPr sz="2400" kern="1200">
+                <a:solidFill>
+                  <a:schemeClr val="tx1"/>
+                </a:solidFill>
+                <a:latin typeface="Quattrocento Sans"/>
+                <a:ea typeface="Quattrocento Sans"/>
+                <a:cs typeface="Quattrocento Sans"/>
+                <a:sym typeface="Quattrocento Sans"/>
+              </a:defRPr>
+            </a:lvl8pPr>
+            <a:lvl9pPr marL="3886200" lvl="8" indent="-228600" algn="l" defTabSz="914400" rtl="0" eaLnBrk="1" latinLnBrk="0" hangingPunct="1">
+              <a:lnSpc>
+                <a:spcPct val="90000"/>
+              </a:lnSpc>
+              <a:spcBef>
+                <a:spcPts val="480"/>
+              </a:spcBef>
+              <a:buClr>
+                <a:srgbClr val="FFCD00"/>
+              </a:buClr>
+              <a:buSzPct val="100000"/>
+              <a:buFont typeface="Quattrocento Sans"/>
+              <a:buChar char="•"/>
+              <a:defRPr sz="2400" kern="1200">
+                <a:solidFill>
+                  <a:schemeClr val="tx1"/>
+                </a:solidFill>
+                <a:latin typeface="Quattrocento Sans"/>
+                <a:ea typeface="Quattrocento Sans"/>
+                <a:cs typeface="Quattrocento Sans"/>
+                <a:sym typeface="Quattrocento Sans"/>
+              </a:defRPr>
+            </a:lvl9pPr>
+          </a:lstStyle>
+          <a:p>
+            <a:pPr marL="304793" indent="0">
+              <a:lnSpc>
+                <a:spcPct val="100000"/>
+              </a:lnSpc>
+              <a:spcBef>
+                <a:spcPts val="0"/>
+              </a:spcBef>
+              <a:buNone/>
+            </a:pPr>
+            <a:r>
+              <a:rPr lang="pt-PT" sz="2800" dirty="0" smtClean="0"/>
+              <a:t>Critérios de escolha:</a:t>
+            </a:r>
+          </a:p>
+        </p:txBody>
+      </p:sp>
+    </p:spTree>
+    <p:extLst>
+      <p:ext uri="{BB962C8B-B14F-4D97-AF65-F5344CB8AC3E}">
+        <p14:creationId xmlns:p14="http://schemas.microsoft.com/office/powerpoint/2010/main" val="2256993598"/>
+      </p:ext>
+    </p:extLst>
+  </p:cSld>
+  <p:clrMapOvr>
+    <a:masterClrMapping/>
+  </p:clrMapOvr>
+  <p:timing>
+    <p:tnLst>
+      <p:par>
+        <p:cTn id="1" dur="indefinite" restart="never" nodeType="tmRoot"/>
+      </p:par>
+    </p:tnLst>
+  </p:timing>
+</p:sld>
+</file>
+
+<file path=ppt/slides/slide13.xml><?xml version="1.0" encoding="utf-8"?>
+<p:sld xmlns:a="http://schemas.openxmlformats.org/drawingml/2006/main" xmlns:r="http://schemas.openxmlformats.org/officeDocument/2006/relationships" xmlns:p="http://schemas.openxmlformats.org/presentationml/2006/main">
+  <p:cSld>
+    <p:spTree>
+      <p:nvGrpSpPr>
+        <p:cNvPr id="1" name="Shape 109"/>
+        <p:cNvGrpSpPr/>
+        <p:nvPr/>
+      </p:nvGrpSpPr>
+      <p:grpSpPr>
+        <a:xfrm>
+          <a:off x="0" y="0"/>
+          <a:ext cx="0" cy="0"/>
+          <a:chOff x="0" y="0"/>
+          <a:chExt cx="0" cy="0"/>
+        </a:xfrm>
+      </p:grpSpPr>
+      <p:sp>
+        <p:nvSpPr>
+          <p:cNvPr id="110" name="Shape 110"/>
+          <p:cNvSpPr txBox="1">
+            <a:spLocks noGrp="1"/>
+          </p:cNvSpPr>
+          <p:nvPr>
+            <p:ph type="title"/>
+          </p:nvPr>
+        </p:nvSpPr>
+        <p:spPr>
+          <a:xfrm>
+            <a:off x="1841667" y="1239750"/>
+            <a:ext cx="5171199" cy="580799"/>
+          </a:xfrm>
+          <a:prstGeom prst="rect">
+            <a:avLst/>
+          </a:prstGeom>
+        </p:spPr>
+        <p:txBody>
+          <a:bodyPr vert="horz" lIns="121900" tIns="121900" rIns="121900" bIns="121900" rtlCol="0" anchor="ctr" anchorCtr="0">
+            <a:noAutofit/>
+          </a:bodyPr>
+          <a:lstStyle/>
+          <a:p>
+            <a:r>
+              <a:rPr lang="en" dirty="0" smtClean="0"/>
               <a:t>Framework de classificação</a:t>
             </a:r>
             <a:endParaRPr lang="en" dirty="0">
@@ -11146,7 +12116,7 @@
 </p:sld>
 </file>
 
-<file path=ppt/slides/slide13.xml><?xml version="1.0" encoding="utf-8"?>
+<file path=ppt/slides/slide14.xml><?xml version="1.0" encoding="utf-8"?>
 <p:sld xmlns:a="http://schemas.openxmlformats.org/drawingml/2006/main" xmlns:r="http://schemas.openxmlformats.org/officeDocument/2006/relationships" xmlns:p="http://schemas.openxmlformats.org/presentationml/2006/main">
   <p:cSld>
     <p:spTree>
@@ -11232,6 +12202,29 @@
           </a:p>
         </p:txBody>
       </p:sp>
+      <p:sp>
+        <p:nvSpPr>
+          <p:cNvPr id="3" name="Marcador de Posição do Número do Diapositivo 2"/>
+          <p:cNvSpPr>
+            <a:spLocks noGrp="1"/>
+          </p:cNvSpPr>
+          <p:nvPr>
+            <p:ph type="sldNum" sz="quarter" idx="12"/>
+          </p:nvPr>
+        </p:nvSpPr>
+        <p:spPr/>
+        <p:txBody>
+          <a:bodyPr/>
+          <a:lstStyle/>
+          <a:p>
+            <a:fld id="{7A7FBF7A-E0A0-435F-9540-C356DFC5D048}" type="slidenum">
+              <a:rPr lang="pt-PT" smtClean="0"/>
+              <a:t>14</a:t>
+            </a:fld>
+            <a:endParaRPr lang="pt-PT"/>
+          </a:p>
+        </p:txBody>
+      </p:sp>
     </p:spTree>
     <p:extLst>
       <p:ext uri="{BB962C8B-B14F-4D97-AF65-F5344CB8AC3E}">
@@ -11252,7 +12245,7 @@
 </p:sld>
 </file>
 
-<file path=ppt/slides/slide14.xml><?xml version="1.0" encoding="utf-8"?>
+<file path=ppt/slides/slide15.xml><?xml version="1.0" encoding="utf-8"?>
 <p:sld xmlns:a="http://schemas.openxmlformats.org/drawingml/2006/main" xmlns:r="http://schemas.openxmlformats.org/officeDocument/2006/relationships" xmlns:p="http://schemas.openxmlformats.org/presentationml/2006/main">
   <p:cSld>
     <p:spTree>
@@ -12424,7 +13417,7 @@
 </p:sld>
 </file>
 
-<file path=ppt/slides/slide15.xml><?xml version="1.0" encoding="utf-8"?>
+<file path=ppt/slides/slide16.xml><?xml version="1.0" encoding="utf-8"?>
 <p:sld xmlns:a="http://schemas.openxmlformats.org/drawingml/2006/main" xmlns:r="http://schemas.openxmlformats.org/officeDocument/2006/relationships" xmlns:p="http://schemas.openxmlformats.org/presentationml/2006/main">
   <p:cSld>
     <p:spTree>
@@ -12512,15 +13505,6 @@
               </a:rPr>
               <a:t>4</a:t>
             </a:r>
-            <a:endParaRPr lang="en" sz="3200" dirty="0">
-              <a:solidFill>
-                <a:schemeClr val="dk1"/>
-              </a:solidFill>
-              <a:latin typeface="Lora"/>
-              <a:ea typeface="Lora"/>
-              <a:cs typeface="Lora"/>
-              <a:sym typeface="Lora"/>
-            </a:endParaRPr>
           </a:p>
         </p:txBody>
       </p:sp>
@@ -12544,7 +13528,7 @@
 </p:sld>
 </file>
 
-<file path=ppt/slides/slide16.xml><?xml version="1.0" encoding="utf-8"?>
+<file path=ppt/slides/slide17.xml><?xml version="1.0" encoding="utf-8"?>
 <p:sld xmlns:a="http://schemas.openxmlformats.org/drawingml/2006/main" xmlns:r="http://schemas.openxmlformats.org/officeDocument/2006/relationships" xmlns:p="http://schemas.openxmlformats.org/presentationml/2006/main">
   <p:cSld>
     <p:spTree>
@@ -12820,7 +13804,7 @@
 </p:sld>
 </file>
 
-<file path=ppt/slides/slide17.xml><?xml version="1.0" encoding="utf-8"?>
+<file path=ppt/slides/slide18.xml><?xml version="1.0" encoding="utf-8"?>
 <p:sld xmlns:a="http://schemas.openxmlformats.org/drawingml/2006/main" xmlns:r="http://schemas.openxmlformats.org/officeDocument/2006/relationships" xmlns:p="http://schemas.openxmlformats.org/presentationml/2006/main">
   <p:cSld>
     <p:spTree>
@@ -12930,11 +13914,7 @@
             </a:pPr>
             <a:r>
               <a:rPr lang="en" sz="2667" dirty="0" smtClean="0"/>
-              <a:t>Menção a r</a:t>
-            </a:r>
-            <a:r>
-              <a:rPr lang="en" sz="2667" dirty="0" smtClean="0"/>
-              <a:t>ecursividade e </a:t>
+              <a:t>Menção a recursividade e </a:t>
             </a:r>
             <a:r>
               <a:rPr lang="en" sz="2667" dirty="0"/>
@@ -13108,7 +14088,7 @@
 </p:sld>
 </file>
 
-<file path=ppt/slides/slide18.xml><?xml version="1.0" encoding="utf-8"?>
+<file path=ppt/slides/slide19.xml><?xml version="1.0" encoding="utf-8"?>
 <p:sld xmlns:a="http://schemas.openxmlformats.org/drawingml/2006/main" xmlns:r="http://schemas.openxmlformats.org/officeDocument/2006/relationships" xmlns:p="http://schemas.openxmlformats.org/presentationml/2006/main">
   <p:cSld>
     <p:spTree>
@@ -13385,7 +14365,937 @@
 </p:sld>
 </file>
 
-<file path=ppt/slides/slide19.xml><?xml version="1.0" encoding="utf-8"?>
+<file path=ppt/slides/slide2.xml><?xml version="1.0" encoding="utf-8"?>
+<p:sld xmlns:a="http://schemas.openxmlformats.org/drawingml/2006/main" xmlns:r="http://schemas.openxmlformats.org/officeDocument/2006/relationships" xmlns:p="http://schemas.openxmlformats.org/presentationml/2006/main">
+  <p:cSld>
+    <p:spTree>
+      <p:nvGrpSpPr>
+        <p:cNvPr id="1" name="Shape 109"/>
+        <p:cNvGrpSpPr/>
+        <p:nvPr/>
+      </p:nvGrpSpPr>
+      <p:grpSpPr>
+        <a:xfrm>
+          <a:off x="0" y="0"/>
+          <a:ext cx="0" cy="0"/>
+          <a:chOff x="0" y="0"/>
+          <a:chExt cx="0" cy="0"/>
+        </a:xfrm>
+      </p:grpSpPr>
+      <p:sp>
+        <p:nvSpPr>
+          <p:cNvPr id="110" name="Shape 110"/>
+          <p:cNvSpPr txBox="1">
+            <a:spLocks noGrp="1"/>
+          </p:cNvSpPr>
+          <p:nvPr>
+            <p:ph type="title"/>
+          </p:nvPr>
+        </p:nvSpPr>
+        <p:spPr>
+          <a:xfrm>
+            <a:off x="1841667" y="1239750"/>
+            <a:ext cx="5171199" cy="580799"/>
+          </a:xfrm>
+          <a:prstGeom prst="rect">
+            <a:avLst/>
+          </a:prstGeom>
+        </p:spPr>
+        <p:txBody>
+          <a:bodyPr vert="horz" lIns="121900" tIns="121900" rIns="121900" bIns="121900" rtlCol="0" anchor="ctr" anchorCtr="0">
+            <a:noAutofit/>
+          </a:bodyPr>
+          <a:lstStyle/>
+          <a:p>
+            <a:r>
+              <a:rPr lang="en" dirty="0" smtClean="0"/>
+              <a:t>Súmario</a:t>
+            </a:r>
+            <a:endParaRPr lang="en" dirty="0">
+              <a:highlight>
+                <a:srgbClr val="FFCD00"/>
+              </a:highlight>
+            </a:endParaRPr>
+          </a:p>
+        </p:txBody>
+      </p:sp>
+      <p:grpSp>
+        <p:nvGrpSpPr>
+          <p:cNvPr id="112" name="Shape 112"/>
+          <p:cNvGrpSpPr/>
+          <p:nvPr/>
+        </p:nvGrpSpPr>
+        <p:grpSpPr>
+          <a:xfrm>
+            <a:off x="1221944" y="1359667"/>
+            <a:ext cx="286165" cy="286165"/>
+            <a:chOff x="2594050" y="1631825"/>
+            <a:chExt cx="439625" cy="439625"/>
+          </a:xfrm>
+        </p:grpSpPr>
+        <p:sp>
+          <p:nvSpPr>
+            <p:cNvPr id="113" name="Shape 113"/>
+            <p:cNvSpPr/>
+            <p:nvPr/>
+          </p:nvSpPr>
+          <p:spPr>
+            <a:xfrm>
+              <a:off x="2594050" y="1883300"/>
+              <a:ext cx="188175" cy="188150"/>
+            </a:xfrm>
+            <a:custGeom>
+              <a:avLst/>
+              <a:gdLst/>
+              <a:ahLst/>
+              <a:cxnLst/>
+              <a:rect l="0" t="0" r="0" b="0"/>
+              <a:pathLst>
+                <a:path w="7527" h="7526" fill="none" extrusionOk="0">
+                  <a:moveTo>
+                    <a:pt x="5992" y="0"/>
+                  </a:moveTo>
+                  <a:lnTo>
+                    <a:pt x="537" y="6430"/>
+                  </a:lnTo>
+                  <a:lnTo>
+                    <a:pt x="1" y="7526"/>
+                  </a:lnTo>
+                  <a:lnTo>
+                    <a:pt x="1097" y="6990"/>
+                  </a:lnTo>
+                  <a:lnTo>
+                    <a:pt x="7526" y="1534"/>
+                  </a:lnTo>
+                  <a:lnTo>
+                    <a:pt x="5992" y="0"/>
+                  </a:lnTo>
+                  <a:close/>
+                </a:path>
+              </a:pathLst>
+            </a:custGeom>
+            <a:noFill/>
+            <a:ln w="9525" cap="rnd" cmpd="sng">
+              <a:solidFill>
+                <a:srgbClr val="000000"/>
+              </a:solidFill>
+              <a:prstDash val="solid"/>
+              <a:round/>
+              <a:headEnd type="none" w="med" len="med"/>
+              <a:tailEnd type="none" w="med" len="med"/>
+            </a:ln>
+          </p:spPr>
+          <p:txBody>
+            <a:bodyPr lIns="121900" tIns="121900" rIns="121900" bIns="121900" anchor="ctr" anchorCtr="0">
+              <a:noAutofit/>
+            </a:bodyPr>
+            <a:lstStyle/>
+            <a:p>
+              <a:endParaRPr sz="2400"/>
+            </a:p>
+          </p:txBody>
+        </p:sp>
+        <p:sp>
+          <p:nvSpPr>
+            <p:cNvPr id="114" name="Shape 114"/>
+            <p:cNvSpPr/>
+            <p:nvPr/>
+          </p:nvSpPr>
+          <p:spPr>
+            <a:xfrm>
+              <a:off x="2857700" y="1631825"/>
+              <a:ext cx="175975" cy="176000"/>
+            </a:xfrm>
+            <a:custGeom>
+              <a:avLst/>
+              <a:gdLst/>
+              <a:ahLst/>
+              <a:cxnLst/>
+              <a:rect l="0" t="0" r="0" b="0"/>
+              <a:pathLst>
+                <a:path w="7039" h="7040" fill="none" extrusionOk="0">
+                  <a:moveTo>
+                    <a:pt x="268" y="2704"/>
+                  </a:moveTo>
+                  <a:lnTo>
+                    <a:pt x="4336" y="6771"/>
+                  </a:lnTo>
+                  <a:lnTo>
+                    <a:pt x="4336" y="6771"/>
+                  </a:lnTo>
+                  <a:lnTo>
+                    <a:pt x="4336" y="6771"/>
+                  </a:lnTo>
+                  <a:lnTo>
+                    <a:pt x="4652" y="6917"/>
+                  </a:lnTo>
+                  <a:lnTo>
+                    <a:pt x="4993" y="7015"/>
+                  </a:lnTo>
+                  <a:lnTo>
+                    <a:pt x="5310" y="7039"/>
+                  </a:lnTo>
+                  <a:lnTo>
+                    <a:pt x="5651" y="7039"/>
+                  </a:lnTo>
+                  <a:lnTo>
+                    <a:pt x="5992" y="6966"/>
+                  </a:lnTo>
+                  <a:lnTo>
+                    <a:pt x="6308" y="6844"/>
+                  </a:lnTo>
+                  <a:lnTo>
+                    <a:pt x="6454" y="6747"/>
+                  </a:lnTo>
+                  <a:lnTo>
+                    <a:pt x="6601" y="6674"/>
+                  </a:lnTo>
+                  <a:lnTo>
+                    <a:pt x="6747" y="6552"/>
+                  </a:lnTo>
+                  <a:lnTo>
+                    <a:pt x="6893" y="6430"/>
+                  </a:lnTo>
+                  <a:lnTo>
+                    <a:pt x="6893" y="6430"/>
+                  </a:lnTo>
+                  <a:lnTo>
+                    <a:pt x="6942" y="6357"/>
+                  </a:lnTo>
+                  <a:lnTo>
+                    <a:pt x="7015" y="6260"/>
+                  </a:lnTo>
+                  <a:lnTo>
+                    <a:pt x="7039" y="6138"/>
+                  </a:lnTo>
+                  <a:lnTo>
+                    <a:pt x="7039" y="6041"/>
+                  </a:lnTo>
+                  <a:lnTo>
+                    <a:pt x="7039" y="6041"/>
+                  </a:lnTo>
+                  <a:lnTo>
+                    <a:pt x="7039" y="5943"/>
+                  </a:lnTo>
+                  <a:lnTo>
+                    <a:pt x="7015" y="5846"/>
+                  </a:lnTo>
+                  <a:lnTo>
+                    <a:pt x="6942" y="5748"/>
+                  </a:lnTo>
+                  <a:lnTo>
+                    <a:pt x="6893" y="5651"/>
+                  </a:lnTo>
+                  <a:lnTo>
+                    <a:pt x="1389" y="147"/>
+                  </a:lnTo>
+                  <a:lnTo>
+                    <a:pt x="1389" y="147"/>
+                  </a:lnTo>
+                  <a:lnTo>
+                    <a:pt x="1291" y="98"/>
+                  </a:lnTo>
+                  <a:lnTo>
+                    <a:pt x="1194" y="25"/>
+                  </a:lnTo>
+                  <a:lnTo>
+                    <a:pt x="1096" y="0"/>
+                  </a:lnTo>
+                  <a:lnTo>
+                    <a:pt x="999" y="0"/>
+                  </a:lnTo>
+                  <a:lnTo>
+                    <a:pt x="999" y="0"/>
+                  </a:lnTo>
+                  <a:lnTo>
+                    <a:pt x="902" y="0"/>
+                  </a:lnTo>
+                  <a:lnTo>
+                    <a:pt x="780" y="25"/>
+                  </a:lnTo>
+                  <a:lnTo>
+                    <a:pt x="682" y="98"/>
+                  </a:lnTo>
+                  <a:lnTo>
+                    <a:pt x="609" y="147"/>
+                  </a:lnTo>
+                  <a:lnTo>
+                    <a:pt x="609" y="147"/>
+                  </a:lnTo>
+                  <a:lnTo>
+                    <a:pt x="487" y="293"/>
+                  </a:lnTo>
+                  <a:lnTo>
+                    <a:pt x="366" y="439"/>
+                  </a:lnTo>
+                  <a:lnTo>
+                    <a:pt x="293" y="585"/>
+                  </a:lnTo>
+                  <a:lnTo>
+                    <a:pt x="195" y="731"/>
+                  </a:lnTo>
+                  <a:lnTo>
+                    <a:pt x="73" y="1048"/>
+                  </a:lnTo>
+                  <a:lnTo>
+                    <a:pt x="0" y="1389"/>
+                  </a:lnTo>
+                  <a:lnTo>
+                    <a:pt x="0" y="1730"/>
+                  </a:lnTo>
+                  <a:lnTo>
+                    <a:pt x="25" y="2046"/>
+                  </a:lnTo>
+                  <a:lnTo>
+                    <a:pt x="122" y="2387"/>
+                  </a:lnTo>
+                  <a:lnTo>
+                    <a:pt x="268" y="2704"/>
+                  </a:lnTo>
+                  <a:lnTo>
+                    <a:pt x="268" y="2704"/>
+                  </a:lnTo>
+                  <a:close/>
+                </a:path>
+              </a:pathLst>
+            </a:custGeom>
+            <a:noFill/>
+            <a:ln w="9525" cap="rnd" cmpd="sng">
+              <a:solidFill>
+                <a:srgbClr val="000000"/>
+              </a:solidFill>
+              <a:prstDash val="solid"/>
+              <a:round/>
+              <a:headEnd type="none" w="med" len="med"/>
+              <a:tailEnd type="none" w="med" len="med"/>
+            </a:ln>
+          </p:spPr>
+          <p:txBody>
+            <a:bodyPr lIns="121900" tIns="121900" rIns="121900" bIns="121900" anchor="ctr" anchorCtr="0">
+              <a:noAutofit/>
+            </a:bodyPr>
+            <a:lstStyle/>
+            <a:p>
+              <a:endParaRPr sz="2400"/>
+            </a:p>
+          </p:txBody>
+        </p:sp>
+        <p:sp>
+          <p:nvSpPr>
+            <p:cNvPr id="115" name="Shape 115"/>
+            <p:cNvSpPr/>
+            <p:nvPr/>
+          </p:nvSpPr>
+          <p:spPr>
+            <a:xfrm>
+              <a:off x="2662850" y="1699400"/>
+              <a:ext cx="303250" cy="303250"/>
+            </a:xfrm>
+            <a:custGeom>
+              <a:avLst/>
+              <a:gdLst/>
+              <a:ahLst/>
+              <a:cxnLst/>
+              <a:rect l="0" t="0" r="0" b="0"/>
+              <a:pathLst>
+                <a:path w="12130" h="12130" fill="none" extrusionOk="0">
+                  <a:moveTo>
+                    <a:pt x="8038" y="1"/>
+                  </a:moveTo>
+                  <a:lnTo>
+                    <a:pt x="4872" y="3191"/>
+                  </a:lnTo>
+                  <a:lnTo>
+                    <a:pt x="4872" y="3191"/>
+                  </a:lnTo>
+                  <a:lnTo>
+                    <a:pt x="4628" y="3094"/>
+                  </a:lnTo>
+                  <a:lnTo>
+                    <a:pt x="4385" y="2997"/>
+                  </a:lnTo>
+                  <a:lnTo>
+                    <a:pt x="4092" y="2899"/>
+                  </a:lnTo>
+                  <a:lnTo>
+                    <a:pt x="3800" y="2850"/>
+                  </a:lnTo>
+                  <a:lnTo>
+                    <a:pt x="3484" y="2777"/>
+                  </a:lnTo>
+                  <a:lnTo>
+                    <a:pt x="3167" y="2729"/>
+                  </a:lnTo>
+                  <a:lnTo>
+                    <a:pt x="2850" y="2704"/>
+                  </a:lnTo>
+                  <a:lnTo>
+                    <a:pt x="2534" y="2704"/>
+                  </a:lnTo>
+                  <a:lnTo>
+                    <a:pt x="2534" y="2704"/>
+                  </a:lnTo>
+                  <a:lnTo>
+                    <a:pt x="2241" y="2704"/>
+                  </a:lnTo>
+                  <a:lnTo>
+                    <a:pt x="1949" y="2729"/>
+                  </a:lnTo>
+                  <a:lnTo>
+                    <a:pt x="1633" y="2777"/>
+                  </a:lnTo>
+                  <a:lnTo>
+                    <a:pt x="1316" y="2850"/>
+                  </a:lnTo>
+                  <a:lnTo>
+                    <a:pt x="999" y="2972"/>
+                  </a:lnTo>
+                  <a:lnTo>
+                    <a:pt x="707" y="3094"/>
+                  </a:lnTo>
+                  <a:lnTo>
+                    <a:pt x="415" y="3289"/>
+                  </a:lnTo>
+                  <a:lnTo>
+                    <a:pt x="147" y="3508"/>
+                  </a:lnTo>
+                  <a:lnTo>
+                    <a:pt x="147" y="3508"/>
+                  </a:lnTo>
+                  <a:lnTo>
+                    <a:pt x="74" y="3581"/>
+                  </a:lnTo>
+                  <a:lnTo>
+                    <a:pt x="25" y="3678"/>
+                  </a:lnTo>
+                  <a:lnTo>
+                    <a:pt x="1" y="3776"/>
+                  </a:lnTo>
+                  <a:lnTo>
+                    <a:pt x="1" y="3898"/>
+                  </a:lnTo>
+                  <a:lnTo>
+                    <a:pt x="1" y="3898"/>
+                  </a:lnTo>
+                  <a:lnTo>
+                    <a:pt x="1" y="3995"/>
+                  </a:lnTo>
+                  <a:lnTo>
+                    <a:pt x="25" y="4093"/>
+                  </a:lnTo>
+                  <a:lnTo>
+                    <a:pt x="74" y="4190"/>
+                  </a:lnTo>
+                  <a:lnTo>
+                    <a:pt x="147" y="4287"/>
+                  </a:lnTo>
+                  <a:lnTo>
+                    <a:pt x="7843" y="11984"/>
+                  </a:lnTo>
+                  <a:lnTo>
+                    <a:pt x="7843" y="11984"/>
+                  </a:lnTo>
+                  <a:lnTo>
+                    <a:pt x="7941" y="12057"/>
+                  </a:lnTo>
+                  <a:lnTo>
+                    <a:pt x="8038" y="12105"/>
+                  </a:lnTo>
+                  <a:lnTo>
+                    <a:pt x="8135" y="12130"/>
+                  </a:lnTo>
+                  <a:lnTo>
+                    <a:pt x="8233" y="12130"/>
+                  </a:lnTo>
+                  <a:lnTo>
+                    <a:pt x="8233" y="12130"/>
+                  </a:lnTo>
+                  <a:lnTo>
+                    <a:pt x="8355" y="12130"/>
+                  </a:lnTo>
+                  <a:lnTo>
+                    <a:pt x="8452" y="12105"/>
+                  </a:lnTo>
+                  <a:lnTo>
+                    <a:pt x="8549" y="12057"/>
+                  </a:lnTo>
+                  <a:lnTo>
+                    <a:pt x="8622" y="11984"/>
+                  </a:lnTo>
+                  <a:lnTo>
+                    <a:pt x="8622" y="11984"/>
+                  </a:lnTo>
+                  <a:lnTo>
+                    <a:pt x="8842" y="11716"/>
+                  </a:lnTo>
+                  <a:lnTo>
+                    <a:pt x="9036" y="11423"/>
+                  </a:lnTo>
+                  <a:lnTo>
+                    <a:pt x="9158" y="11131"/>
+                  </a:lnTo>
+                  <a:lnTo>
+                    <a:pt x="9280" y="10814"/>
+                  </a:lnTo>
+                  <a:lnTo>
+                    <a:pt x="9353" y="10498"/>
+                  </a:lnTo>
+                  <a:lnTo>
+                    <a:pt x="9402" y="10181"/>
+                  </a:lnTo>
+                  <a:lnTo>
+                    <a:pt x="9426" y="9889"/>
+                  </a:lnTo>
+                  <a:lnTo>
+                    <a:pt x="9426" y="9597"/>
+                  </a:lnTo>
+                  <a:lnTo>
+                    <a:pt x="9426" y="9597"/>
+                  </a:lnTo>
+                  <a:lnTo>
+                    <a:pt x="9426" y="9280"/>
+                  </a:lnTo>
+                  <a:lnTo>
+                    <a:pt x="9402" y="8964"/>
+                  </a:lnTo>
+                  <a:lnTo>
+                    <a:pt x="9353" y="8647"/>
+                  </a:lnTo>
+                  <a:lnTo>
+                    <a:pt x="9280" y="8330"/>
+                  </a:lnTo>
+                  <a:lnTo>
+                    <a:pt x="9231" y="8038"/>
+                  </a:lnTo>
+                  <a:lnTo>
+                    <a:pt x="9134" y="7746"/>
+                  </a:lnTo>
+                  <a:lnTo>
+                    <a:pt x="9036" y="7502"/>
+                  </a:lnTo>
+                  <a:lnTo>
+                    <a:pt x="8939" y="7259"/>
+                  </a:lnTo>
+                  <a:lnTo>
+                    <a:pt x="12130" y="4093"/>
+                  </a:lnTo>
+                </a:path>
+              </a:pathLst>
+            </a:custGeom>
+            <a:noFill/>
+            <a:ln w="9525" cap="rnd" cmpd="sng">
+              <a:solidFill>
+                <a:srgbClr val="000000"/>
+              </a:solidFill>
+              <a:prstDash val="solid"/>
+              <a:round/>
+              <a:headEnd type="none" w="med" len="med"/>
+              <a:tailEnd type="none" w="med" len="med"/>
+            </a:ln>
+          </p:spPr>
+          <p:txBody>
+            <a:bodyPr lIns="121900" tIns="121900" rIns="121900" bIns="121900" anchor="ctr" anchorCtr="0">
+              <a:noAutofit/>
+            </a:bodyPr>
+            <a:lstStyle/>
+            <a:p>
+              <a:endParaRPr sz="2400"/>
+            </a:p>
+          </p:txBody>
+        </p:sp>
+        <p:sp>
+          <p:nvSpPr>
+            <p:cNvPr id="116" name="Shape 116"/>
+            <p:cNvSpPr/>
+            <p:nvPr/>
+          </p:nvSpPr>
+          <p:spPr>
+            <a:xfrm>
+              <a:off x="2814911" y="1754061"/>
+              <a:ext cx="49950" cy="49950"/>
+            </a:xfrm>
+            <a:custGeom>
+              <a:avLst/>
+              <a:gdLst/>
+              <a:ahLst/>
+              <a:cxnLst/>
+              <a:rect l="0" t="0" r="0" b="0"/>
+              <a:pathLst>
+                <a:path w="1998" h="1998" fill="none" extrusionOk="0">
+                  <a:moveTo>
+                    <a:pt x="1" y="1997"/>
+                  </a:moveTo>
+                  <a:lnTo>
+                    <a:pt x="1998" y="0"/>
+                  </a:lnTo>
+                </a:path>
+              </a:pathLst>
+            </a:custGeom>
+            <a:noFill/>
+            <a:ln w="9525" cap="rnd" cmpd="sng">
+              <a:solidFill>
+                <a:srgbClr val="000000"/>
+              </a:solidFill>
+              <a:prstDash val="solid"/>
+              <a:round/>
+              <a:headEnd type="none" w="med" len="med"/>
+              <a:tailEnd type="none" w="med" len="med"/>
+            </a:ln>
+          </p:spPr>
+          <p:txBody>
+            <a:bodyPr lIns="121900" tIns="121900" rIns="121900" bIns="121900" anchor="ctr" anchorCtr="0">
+              <a:noAutofit/>
+            </a:bodyPr>
+            <a:lstStyle/>
+            <a:p>
+              <a:endParaRPr sz="2400"/>
+            </a:p>
+          </p:txBody>
+        </p:sp>
+      </p:grpSp>
+      <p:sp>
+        <p:nvSpPr>
+          <p:cNvPr id="10" name="Shape 111"/>
+          <p:cNvSpPr txBox="1">
+            <a:spLocks/>
+          </p:cNvSpPr>
+          <p:nvPr/>
+        </p:nvSpPr>
+        <p:spPr>
+          <a:xfrm>
+            <a:off x="1365424" y="2162176"/>
+            <a:ext cx="9084861" cy="4294608"/>
+          </a:xfrm>
+          <a:prstGeom prst="rect">
+            <a:avLst/>
+          </a:prstGeom>
+        </p:spPr>
+        <p:txBody>
+          <a:bodyPr vert="horz" lIns="121900" tIns="121900" rIns="121900" bIns="121900" rtlCol="0" anchor="t" anchorCtr="0">
+            <a:noAutofit/>
+          </a:bodyPr>
+          <a:lstStyle>
+            <a:lvl1pPr marL="228600" lvl="0" indent="-228600" algn="l" defTabSz="914400" rtl="0" eaLnBrk="1" latinLnBrk="0" hangingPunct="1">
+              <a:lnSpc>
+                <a:spcPct val="90000"/>
+              </a:lnSpc>
+              <a:spcBef>
+                <a:spcPts val="800"/>
+              </a:spcBef>
+              <a:buClr>
+                <a:srgbClr val="FFCD00"/>
+              </a:buClr>
+              <a:buSzPct val="100000"/>
+              <a:buFont typeface="Quattrocento Sans"/>
+              <a:buChar char="◉"/>
+              <a:defRPr sz="3200" kern="1200">
+                <a:solidFill>
+                  <a:schemeClr val="tx1"/>
+                </a:solidFill>
+                <a:latin typeface="Quattrocento Sans"/>
+                <a:ea typeface="Quattrocento Sans"/>
+                <a:cs typeface="Quattrocento Sans"/>
+                <a:sym typeface="Quattrocento Sans"/>
+              </a:defRPr>
+            </a:lvl1pPr>
+            <a:lvl2pPr marL="685800" lvl="1" indent="-228600" algn="l" defTabSz="914400" rtl="0" eaLnBrk="1" latinLnBrk="0" hangingPunct="1">
+              <a:lnSpc>
+                <a:spcPct val="90000"/>
+              </a:lnSpc>
+              <a:spcBef>
+                <a:spcPts val="640"/>
+              </a:spcBef>
+              <a:buClr>
+                <a:srgbClr val="FFCD00"/>
+              </a:buClr>
+              <a:buSzPct val="100000"/>
+              <a:buFont typeface="Quattrocento Sans"/>
+              <a:buChar char="•"/>
+              <a:defRPr sz="2667" kern="1200">
+                <a:solidFill>
+                  <a:schemeClr val="tx1"/>
+                </a:solidFill>
+                <a:latin typeface="Quattrocento Sans"/>
+                <a:ea typeface="Quattrocento Sans"/>
+                <a:cs typeface="Quattrocento Sans"/>
+                <a:sym typeface="Quattrocento Sans"/>
+              </a:defRPr>
+            </a:lvl2pPr>
+            <a:lvl3pPr marL="1143000" lvl="2" indent="-228600" algn="l" defTabSz="914400" rtl="0" eaLnBrk="1" latinLnBrk="0" hangingPunct="1">
+              <a:lnSpc>
+                <a:spcPct val="90000"/>
+              </a:lnSpc>
+              <a:spcBef>
+                <a:spcPts val="640"/>
+              </a:spcBef>
+              <a:buClr>
+                <a:srgbClr val="FFCD00"/>
+              </a:buClr>
+              <a:buSzPct val="100000"/>
+              <a:buFont typeface="Quattrocento Sans"/>
+              <a:buChar char="•"/>
+              <a:defRPr sz="2667" kern="1200">
+                <a:solidFill>
+                  <a:schemeClr val="tx1"/>
+                </a:solidFill>
+                <a:latin typeface="Quattrocento Sans"/>
+                <a:ea typeface="Quattrocento Sans"/>
+                <a:cs typeface="Quattrocento Sans"/>
+                <a:sym typeface="Quattrocento Sans"/>
+              </a:defRPr>
+            </a:lvl3pPr>
+            <a:lvl4pPr marL="1600200" lvl="3" indent="-228600" algn="l" defTabSz="914400" rtl="0" eaLnBrk="1" latinLnBrk="0" hangingPunct="1">
+              <a:lnSpc>
+                <a:spcPct val="90000"/>
+              </a:lnSpc>
+              <a:spcBef>
+                <a:spcPts val="480"/>
+              </a:spcBef>
+              <a:buClr>
+                <a:srgbClr val="FFCD00"/>
+              </a:buClr>
+              <a:buSzPct val="100000"/>
+              <a:buFont typeface="Quattrocento Sans"/>
+              <a:buChar char="•"/>
+              <a:defRPr sz="2400" kern="1200">
+                <a:solidFill>
+                  <a:schemeClr val="tx1"/>
+                </a:solidFill>
+                <a:latin typeface="Quattrocento Sans"/>
+                <a:ea typeface="Quattrocento Sans"/>
+                <a:cs typeface="Quattrocento Sans"/>
+                <a:sym typeface="Quattrocento Sans"/>
+              </a:defRPr>
+            </a:lvl4pPr>
+            <a:lvl5pPr marL="2057400" lvl="4" indent="-228600" algn="l" defTabSz="914400" rtl="0" eaLnBrk="1" latinLnBrk="0" hangingPunct="1">
+              <a:lnSpc>
+                <a:spcPct val="90000"/>
+              </a:lnSpc>
+              <a:spcBef>
+                <a:spcPts val="480"/>
+              </a:spcBef>
+              <a:buClr>
+                <a:srgbClr val="FFCD00"/>
+              </a:buClr>
+              <a:buSzPct val="100000"/>
+              <a:buFont typeface="Quattrocento Sans"/>
+              <a:buChar char="•"/>
+              <a:defRPr sz="2400" kern="1200">
+                <a:solidFill>
+                  <a:schemeClr val="tx1"/>
+                </a:solidFill>
+                <a:latin typeface="Quattrocento Sans"/>
+                <a:ea typeface="Quattrocento Sans"/>
+                <a:cs typeface="Quattrocento Sans"/>
+                <a:sym typeface="Quattrocento Sans"/>
+              </a:defRPr>
+            </a:lvl5pPr>
+            <a:lvl6pPr marL="2514600" lvl="5" indent="-228600" algn="l" defTabSz="914400" rtl="0" eaLnBrk="1" latinLnBrk="0" hangingPunct="1">
+              <a:lnSpc>
+                <a:spcPct val="90000"/>
+              </a:lnSpc>
+              <a:spcBef>
+                <a:spcPts val="480"/>
+              </a:spcBef>
+              <a:buClr>
+                <a:srgbClr val="FFCD00"/>
+              </a:buClr>
+              <a:buSzPct val="100000"/>
+              <a:buFont typeface="Quattrocento Sans"/>
+              <a:buChar char="•"/>
+              <a:defRPr sz="2400" kern="1200">
+                <a:solidFill>
+                  <a:schemeClr val="tx1"/>
+                </a:solidFill>
+                <a:latin typeface="Quattrocento Sans"/>
+                <a:ea typeface="Quattrocento Sans"/>
+                <a:cs typeface="Quattrocento Sans"/>
+                <a:sym typeface="Quattrocento Sans"/>
+              </a:defRPr>
+            </a:lvl6pPr>
+            <a:lvl7pPr marL="2971800" lvl="6" indent="-228600" algn="l" defTabSz="914400" rtl="0" eaLnBrk="1" latinLnBrk="0" hangingPunct="1">
+              <a:lnSpc>
+                <a:spcPct val="90000"/>
+              </a:lnSpc>
+              <a:spcBef>
+                <a:spcPts val="480"/>
+              </a:spcBef>
+              <a:buClr>
+                <a:srgbClr val="FFCD00"/>
+              </a:buClr>
+              <a:buSzPct val="100000"/>
+              <a:buFont typeface="Quattrocento Sans"/>
+              <a:buChar char="•"/>
+              <a:defRPr sz="2400" kern="1200">
+                <a:solidFill>
+                  <a:schemeClr val="tx1"/>
+                </a:solidFill>
+                <a:latin typeface="Quattrocento Sans"/>
+                <a:ea typeface="Quattrocento Sans"/>
+                <a:cs typeface="Quattrocento Sans"/>
+                <a:sym typeface="Quattrocento Sans"/>
+              </a:defRPr>
+            </a:lvl7pPr>
+            <a:lvl8pPr marL="3429000" lvl="7" indent="-228600" algn="l" defTabSz="914400" rtl="0" eaLnBrk="1" latinLnBrk="0" hangingPunct="1">
+              <a:lnSpc>
+                <a:spcPct val="90000"/>
+              </a:lnSpc>
+              <a:spcBef>
+                <a:spcPts val="480"/>
+              </a:spcBef>
+              <a:buClr>
+                <a:srgbClr val="FFCD00"/>
+              </a:buClr>
+              <a:buSzPct val="100000"/>
+              <a:buFont typeface="Quattrocento Sans"/>
+              <a:buChar char="•"/>
+              <a:defRPr sz="2400" kern="1200">
+                <a:solidFill>
+                  <a:schemeClr val="tx1"/>
+                </a:solidFill>
+                <a:latin typeface="Quattrocento Sans"/>
+                <a:ea typeface="Quattrocento Sans"/>
+                <a:cs typeface="Quattrocento Sans"/>
+                <a:sym typeface="Quattrocento Sans"/>
+              </a:defRPr>
+            </a:lvl8pPr>
+            <a:lvl9pPr marL="3886200" lvl="8" indent="-228600" algn="l" defTabSz="914400" rtl="0" eaLnBrk="1" latinLnBrk="0" hangingPunct="1">
+              <a:lnSpc>
+                <a:spcPct val="90000"/>
+              </a:lnSpc>
+              <a:spcBef>
+                <a:spcPts val="480"/>
+              </a:spcBef>
+              <a:buClr>
+                <a:srgbClr val="FFCD00"/>
+              </a:buClr>
+              <a:buSzPct val="100000"/>
+              <a:buFont typeface="Quattrocento Sans"/>
+              <a:buChar char="•"/>
+              <a:defRPr sz="2400" kern="1200">
+                <a:solidFill>
+                  <a:schemeClr val="tx1"/>
+                </a:solidFill>
+                <a:latin typeface="Quattrocento Sans"/>
+                <a:ea typeface="Quattrocento Sans"/>
+                <a:cs typeface="Quattrocento Sans"/>
+                <a:sym typeface="Quattrocento Sans"/>
+              </a:defRPr>
+            </a:lvl9pPr>
+          </a:lstStyle>
+          <a:p>
+            <a:pPr marL="819143" indent="-514350">
+              <a:lnSpc>
+                <a:spcPct val="100000"/>
+              </a:lnSpc>
+              <a:spcBef>
+                <a:spcPts val="0"/>
+              </a:spcBef>
+              <a:buAutoNum type="arabicPeriod"/>
+            </a:pPr>
+            <a:r>
+              <a:rPr lang="pt-PT" sz="3600" dirty="0" smtClean="0"/>
+              <a:t>Contexto / Motivação / Objetivos</a:t>
+            </a:r>
+          </a:p>
+          <a:p>
+            <a:pPr marL="819143" indent="-514350">
+              <a:lnSpc>
+                <a:spcPct val="100000"/>
+              </a:lnSpc>
+              <a:spcBef>
+                <a:spcPts val="0"/>
+              </a:spcBef>
+              <a:buAutoNum type="arabicPeriod"/>
+            </a:pPr>
+            <a:r>
+              <a:rPr lang="pt-PT" sz="3600" dirty="0" smtClean="0"/>
+              <a:t>Metodologias de Ensino</a:t>
+            </a:r>
+          </a:p>
+          <a:p>
+            <a:pPr marL="819143" indent="-514350">
+              <a:lnSpc>
+                <a:spcPct val="100000"/>
+              </a:lnSpc>
+              <a:spcBef>
+                <a:spcPts val="0"/>
+              </a:spcBef>
+              <a:buAutoNum type="arabicPeriod"/>
+            </a:pPr>
+            <a:r>
+              <a:rPr lang="pt-PT" sz="3600" dirty="0" smtClean="0"/>
+              <a:t>Trabalho Desenvolvido</a:t>
+            </a:r>
+          </a:p>
+          <a:p>
+            <a:pPr marL="819143" indent="-514350">
+              <a:lnSpc>
+                <a:spcPct val="100000"/>
+              </a:lnSpc>
+              <a:spcBef>
+                <a:spcPts val="0"/>
+              </a:spcBef>
+              <a:buAutoNum type="arabicPeriod"/>
+            </a:pPr>
+            <a:r>
+              <a:rPr lang="pt-PT" sz="3600" dirty="0" smtClean="0"/>
+              <a:t>Jogos</a:t>
+            </a:r>
+          </a:p>
+          <a:p>
+            <a:pPr marL="819143" indent="-514350">
+              <a:lnSpc>
+                <a:spcPct val="100000"/>
+              </a:lnSpc>
+              <a:spcBef>
+                <a:spcPts val="0"/>
+              </a:spcBef>
+              <a:buAutoNum type="arabicPeriod"/>
+            </a:pPr>
+            <a:r>
+              <a:rPr lang="pt-PT" sz="3600" dirty="0" smtClean="0"/>
+              <a:t>Validação</a:t>
+            </a:r>
+          </a:p>
+          <a:p>
+            <a:pPr marL="819143" indent="-514350">
+              <a:lnSpc>
+                <a:spcPct val="100000"/>
+              </a:lnSpc>
+              <a:spcBef>
+                <a:spcPts val="0"/>
+              </a:spcBef>
+              <a:buAutoNum type="arabicPeriod"/>
+            </a:pPr>
+            <a:r>
+              <a:rPr lang="pt-PT" sz="3600" dirty="0" smtClean="0"/>
+              <a:t>Conclusão e Trabalho Futuro</a:t>
+            </a:r>
+          </a:p>
+        </p:txBody>
+      </p:sp>
+    </p:spTree>
+    <p:extLst>
+      <p:ext uri="{BB962C8B-B14F-4D97-AF65-F5344CB8AC3E}">
+        <p14:creationId xmlns:p14="http://schemas.microsoft.com/office/powerpoint/2010/main" val="3677061111"/>
+      </p:ext>
+    </p:extLst>
+  </p:cSld>
+  <p:clrMapOvr>
+    <a:masterClrMapping/>
+  </p:clrMapOvr>
+  <p:timing>
+    <p:tnLst>
+      <p:par>
+        <p:cTn id="1" dur="indefinite" restart="never" nodeType="tmRoot"/>
+      </p:par>
+    </p:tnLst>
+  </p:timing>
+</p:sld>
+</file>
+
+<file path=ppt/slides/slide20.xml><?xml version="1.0" encoding="utf-8"?>
 <p:sld xmlns:a="http://schemas.openxmlformats.org/drawingml/2006/main" xmlns:r="http://schemas.openxmlformats.org/officeDocument/2006/relationships" xmlns:p="http://schemas.openxmlformats.org/presentationml/2006/main">
   <p:cSld>
     <p:spTree>
@@ -13671,132 +15581,7 @@
 </p:sld>
 </file>
 
-<file path=ppt/slides/slide2.xml><?xml version="1.0" encoding="utf-8"?>
-<p:sld xmlns:a="http://schemas.openxmlformats.org/drawingml/2006/main" xmlns:r="http://schemas.openxmlformats.org/officeDocument/2006/relationships" xmlns:p="http://schemas.openxmlformats.org/presentationml/2006/main">
-  <p:cSld>
-    <p:spTree>
-      <p:nvGrpSpPr>
-        <p:cNvPr id="1" name="Shape 97"/>
-        <p:cNvGrpSpPr/>
-        <p:nvPr/>
-      </p:nvGrpSpPr>
-      <p:grpSpPr>
-        <a:xfrm>
-          <a:off x="0" y="0"/>
-          <a:ext cx="0" cy="0"/>
-          <a:chOff x="0" y="0"/>
-          <a:chExt cx="0" cy="0"/>
-        </a:xfrm>
-      </p:grpSpPr>
-      <p:sp>
-        <p:nvSpPr>
-          <p:cNvPr id="98" name="Shape 98"/>
-          <p:cNvSpPr txBox="1">
-            <a:spLocks noGrp="1"/>
-          </p:cNvSpPr>
-          <p:nvPr>
-            <p:ph type="ctrTitle"/>
-          </p:nvPr>
-        </p:nvSpPr>
-        <p:spPr>
-          <a:xfrm>
-            <a:off x="2696301" y="2258031"/>
-            <a:ext cx="4799874" cy="2161569"/>
-          </a:xfrm>
-          <a:prstGeom prst="rect">
-            <a:avLst/>
-          </a:prstGeom>
-        </p:spPr>
-        <p:txBody>
-          <a:bodyPr vert="horz" lIns="121900" tIns="121900" rIns="121900" bIns="121900" rtlCol="0" anchor="b" anchorCtr="0">
-            <a:noAutofit/>
-          </a:bodyPr>
-          <a:lstStyle/>
-          <a:p>
-            <a:r>
-              <a:rPr lang="en" dirty="0" smtClean="0"/>
-              <a:t>Contexto</a:t>
-            </a:r>
-            <a:br>
-              <a:rPr lang="en" dirty="0" smtClean="0"/>
-            </a:br>
-            <a:r>
-              <a:rPr lang="en" dirty="0" smtClean="0"/>
-              <a:t>Motivação</a:t>
-            </a:r>
-            <a:br>
-              <a:rPr lang="en" dirty="0" smtClean="0"/>
-            </a:br>
-            <a:r>
-              <a:rPr lang="en" dirty="0" smtClean="0"/>
-              <a:t>Objetivos</a:t>
-            </a:r>
-            <a:endParaRPr lang="en" dirty="0"/>
-          </a:p>
-        </p:txBody>
-      </p:sp>
-      <p:sp>
-        <p:nvSpPr>
-          <p:cNvPr id="100" name="Shape 100"/>
-          <p:cNvSpPr txBox="1"/>
-          <p:nvPr/>
-        </p:nvSpPr>
-        <p:spPr>
-          <a:xfrm>
-            <a:off x="1511967" y="3054867"/>
-            <a:ext cx="725199" cy="749599"/>
-          </a:xfrm>
-          <a:prstGeom prst="rect">
-            <a:avLst/>
-          </a:prstGeom>
-          <a:noFill/>
-          <a:ln>
-            <a:noFill/>
-          </a:ln>
-        </p:spPr>
-        <p:txBody>
-          <a:bodyPr lIns="121900" tIns="121900" rIns="121900" bIns="121900" anchor="ctr" anchorCtr="0">
-            <a:noAutofit/>
-          </a:bodyPr>
-          <a:lstStyle/>
-          <a:p>
-            <a:pPr algn="ctr"/>
-            <a:r>
-              <a:rPr lang="en" sz="3200" dirty="0">
-                <a:solidFill>
-                  <a:schemeClr val="dk1"/>
-                </a:solidFill>
-                <a:latin typeface="Lora"/>
-                <a:ea typeface="Lora"/>
-                <a:cs typeface="Lora"/>
-                <a:sym typeface="Lora"/>
-              </a:rPr>
-              <a:t>1</a:t>
-            </a:r>
-          </a:p>
-        </p:txBody>
-      </p:sp>
-    </p:spTree>
-    <p:extLst>
-      <p:ext uri="{BB962C8B-B14F-4D97-AF65-F5344CB8AC3E}">
-        <p14:creationId xmlns:p14="http://schemas.microsoft.com/office/powerpoint/2010/main" val="1343108407"/>
-      </p:ext>
-    </p:extLst>
-  </p:cSld>
-  <p:clrMapOvr>
-    <a:masterClrMapping/>
-  </p:clrMapOvr>
-  <p:timing>
-    <p:tnLst>
-      <p:par>
-        <p:cTn id="1" dur="indefinite" restart="never" nodeType="tmRoot"/>
-      </p:par>
-    </p:tnLst>
-  </p:timing>
-</p:sld>
-</file>
-
-<file path=ppt/slides/slide20.xml><?xml version="1.0" encoding="utf-8"?>
+<file path=ppt/slides/slide21.xml><?xml version="1.0" encoding="utf-8"?>
 <p:sld xmlns:a="http://schemas.openxmlformats.org/drawingml/2006/main" xmlns:r="http://schemas.openxmlformats.org/officeDocument/2006/relationships" xmlns:p="http://schemas.openxmlformats.org/presentationml/2006/main">
   <p:cSld>
     <p:spTree>
@@ -14060,7 +15845,7 @@
 </p:sld>
 </file>
 
-<file path=ppt/slides/slide21.xml><?xml version="1.0" encoding="utf-8"?>
+<file path=ppt/slides/slide22.xml><?xml version="1.0" encoding="utf-8"?>
 <p:sld xmlns:a="http://schemas.openxmlformats.org/drawingml/2006/main" xmlns:r="http://schemas.openxmlformats.org/officeDocument/2006/relationships" xmlns:p="http://schemas.openxmlformats.org/presentationml/2006/main">
   <p:cSld>
     <p:spTree>
@@ -14325,7 +16110,7 @@
 </p:sld>
 </file>
 
-<file path=ppt/slides/slide22.xml><?xml version="1.0" encoding="utf-8"?>
+<file path=ppt/slides/slide23.xml><?xml version="1.0" encoding="utf-8"?>
 <p:sld xmlns:a="http://schemas.openxmlformats.org/drawingml/2006/main" xmlns:r="http://schemas.openxmlformats.org/officeDocument/2006/relationships" xmlns:p="http://schemas.openxmlformats.org/presentationml/2006/main">
   <p:cSld>
     <p:spTree>
@@ -14589,7 +16374,7 @@
 </p:sld>
 </file>
 
-<file path=ppt/slides/slide23.xml><?xml version="1.0" encoding="utf-8"?>
+<file path=ppt/slides/slide24.xml><?xml version="1.0" encoding="utf-8"?>
 <p:sld xmlns:a="http://schemas.openxmlformats.org/drawingml/2006/main" xmlns:r="http://schemas.openxmlformats.org/officeDocument/2006/relationships" xmlns:p="http://schemas.openxmlformats.org/presentationml/2006/main">
   <p:cSld>
     <p:spTree>
@@ -14854,7 +16639,7 @@
 </p:sld>
 </file>
 
-<file path=ppt/slides/slide24.xml><?xml version="1.0" encoding="utf-8"?>
+<file path=ppt/slides/slide25.xml><?xml version="1.0" encoding="utf-8"?>
 <p:sld xmlns:a="http://schemas.openxmlformats.org/drawingml/2006/main" xmlns:r="http://schemas.openxmlformats.org/officeDocument/2006/relationships" xmlns:p="http://schemas.openxmlformats.org/presentationml/2006/main">
   <p:cSld>
     <p:spTree>
@@ -15118,7 +16903,7 @@
 </p:sld>
 </file>
 
-<file path=ppt/slides/slide25.xml><?xml version="1.0" encoding="utf-8"?>
+<file path=ppt/slides/slide26.xml><?xml version="1.0" encoding="utf-8"?>
 <p:sld xmlns:a="http://schemas.openxmlformats.org/drawingml/2006/main" xmlns:r="http://schemas.openxmlformats.org/officeDocument/2006/relationships" xmlns:p="http://schemas.openxmlformats.org/presentationml/2006/main">
   <p:cSld>
     <p:spTree>
@@ -15382,7 +17167,7 @@
 </p:sld>
 </file>
 
-<file path=ppt/slides/slide26.xml><?xml version="1.0" encoding="utf-8"?>
+<file path=ppt/slides/slide27.xml><?xml version="1.0" encoding="utf-8"?>
 <p:sld xmlns:a="http://schemas.openxmlformats.org/drawingml/2006/main" xmlns:r="http://schemas.openxmlformats.org/officeDocument/2006/relationships" xmlns:p="http://schemas.openxmlformats.org/presentationml/2006/main">
   <p:cSld>
     <p:spTree>
@@ -15493,7 +17278,7 @@
 </p:sld>
 </file>
 
-<file path=ppt/slides/slide27.xml><?xml version="1.0" encoding="utf-8"?>
+<file path=ppt/slides/slide28.xml><?xml version="1.0" encoding="utf-8"?>
 <p:sld xmlns:a="http://schemas.openxmlformats.org/drawingml/2006/main" xmlns:r="http://schemas.openxmlformats.org/officeDocument/2006/relationships" xmlns:p="http://schemas.openxmlformats.org/presentationml/2006/main">
   <p:cSld>
     <p:spTree>
@@ -16220,7 +18005,7 @@
 </p:sld>
 </file>
 
-<file path=ppt/slides/slide28.xml><?xml version="1.0" encoding="utf-8"?>
+<file path=ppt/slides/slide29.xml><?xml version="1.0" encoding="utf-8"?>
 <p:sld xmlns:a="http://schemas.openxmlformats.org/drawingml/2006/main" xmlns:r="http://schemas.openxmlformats.org/officeDocument/2006/relationships" xmlns:p="http://schemas.openxmlformats.org/presentationml/2006/main">
   <p:cSld>
     <p:spTree>
@@ -16331,7 +18116,132 @@
 </p:sld>
 </file>
 
-<file path=ppt/slides/slide29.xml><?xml version="1.0" encoding="utf-8"?>
+<file path=ppt/slides/slide3.xml><?xml version="1.0" encoding="utf-8"?>
+<p:sld xmlns:a="http://schemas.openxmlformats.org/drawingml/2006/main" xmlns:r="http://schemas.openxmlformats.org/officeDocument/2006/relationships" xmlns:p="http://schemas.openxmlformats.org/presentationml/2006/main">
+  <p:cSld>
+    <p:spTree>
+      <p:nvGrpSpPr>
+        <p:cNvPr id="1" name="Shape 97"/>
+        <p:cNvGrpSpPr/>
+        <p:nvPr/>
+      </p:nvGrpSpPr>
+      <p:grpSpPr>
+        <a:xfrm>
+          <a:off x="0" y="0"/>
+          <a:ext cx="0" cy="0"/>
+          <a:chOff x="0" y="0"/>
+          <a:chExt cx="0" cy="0"/>
+        </a:xfrm>
+      </p:grpSpPr>
+      <p:sp>
+        <p:nvSpPr>
+          <p:cNvPr id="98" name="Shape 98"/>
+          <p:cNvSpPr txBox="1">
+            <a:spLocks noGrp="1"/>
+          </p:cNvSpPr>
+          <p:nvPr>
+            <p:ph type="ctrTitle"/>
+          </p:nvPr>
+        </p:nvSpPr>
+        <p:spPr>
+          <a:xfrm>
+            <a:off x="2696301" y="2258031"/>
+            <a:ext cx="4799874" cy="2161569"/>
+          </a:xfrm>
+          <a:prstGeom prst="rect">
+            <a:avLst/>
+          </a:prstGeom>
+        </p:spPr>
+        <p:txBody>
+          <a:bodyPr vert="horz" lIns="121900" tIns="121900" rIns="121900" bIns="121900" rtlCol="0" anchor="b" anchorCtr="0">
+            <a:noAutofit/>
+          </a:bodyPr>
+          <a:lstStyle/>
+          <a:p>
+            <a:r>
+              <a:rPr lang="en" dirty="0" smtClean="0"/>
+              <a:t>Contexto</a:t>
+            </a:r>
+            <a:br>
+              <a:rPr lang="en" dirty="0" smtClean="0"/>
+            </a:br>
+            <a:r>
+              <a:rPr lang="en" dirty="0" smtClean="0"/>
+              <a:t>Motivação</a:t>
+            </a:r>
+            <a:br>
+              <a:rPr lang="en" dirty="0" smtClean="0"/>
+            </a:br>
+            <a:r>
+              <a:rPr lang="en" dirty="0" smtClean="0"/>
+              <a:t>Objetivos</a:t>
+            </a:r>
+            <a:endParaRPr lang="en" dirty="0"/>
+          </a:p>
+        </p:txBody>
+      </p:sp>
+      <p:sp>
+        <p:nvSpPr>
+          <p:cNvPr id="100" name="Shape 100"/>
+          <p:cNvSpPr txBox="1"/>
+          <p:nvPr/>
+        </p:nvSpPr>
+        <p:spPr>
+          <a:xfrm>
+            <a:off x="1511967" y="3054867"/>
+            <a:ext cx="725199" cy="749599"/>
+          </a:xfrm>
+          <a:prstGeom prst="rect">
+            <a:avLst/>
+          </a:prstGeom>
+          <a:noFill/>
+          <a:ln>
+            <a:noFill/>
+          </a:ln>
+        </p:spPr>
+        <p:txBody>
+          <a:bodyPr lIns="121900" tIns="121900" rIns="121900" bIns="121900" anchor="ctr" anchorCtr="0">
+            <a:noAutofit/>
+          </a:bodyPr>
+          <a:lstStyle/>
+          <a:p>
+            <a:pPr algn="ctr"/>
+            <a:r>
+              <a:rPr lang="en" sz="3200" dirty="0">
+                <a:solidFill>
+                  <a:schemeClr val="dk1"/>
+                </a:solidFill>
+                <a:latin typeface="Lora"/>
+                <a:ea typeface="Lora"/>
+                <a:cs typeface="Lora"/>
+                <a:sym typeface="Lora"/>
+              </a:rPr>
+              <a:t>1</a:t>
+            </a:r>
+          </a:p>
+        </p:txBody>
+      </p:sp>
+    </p:spTree>
+    <p:extLst>
+      <p:ext uri="{BB962C8B-B14F-4D97-AF65-F5344CB8AC3E}">
+        <p14:creationId xmlns:p14="http://schemas.microsoft.com/office/powerpoint/2010/main" val="1343108407"/>
+      </p:ext>
+    </p:extLst>
+  </p:cSld>
+  <p:clrMapOvr>
+    <a:masterClrMapping/>
+  </p:clrMapOvr>
+  <p:timing>
+    <p:tnLst>
+      <p:par>
+        <p:cTn id="1" dur="indefinite" restart="never" nodeType="tmRoot"/>
+      </p:par>
+    </p:tnLst>
+  </p:timing>
+</p:sld>
+</file>
+
+<file path=ppt/slides/slide30.xml><?xml version="1.0" encoding="utf-8"?>
 <p:sld xmlns:a="http://schemas.openxmlformats.org/drawingml/2006/main" xmlns:r="http://schemas.openxmlformats.org/officeDocument/2006/relationships" xmlns:p="http://schemas.openxmlformats.org/presentationml/2006/main">
   <p:cSld>
     <p:spTree>
@@ -17029,7 +18939,1184 @@
 </p:sld>
 </file>
 
-<file path=ppt/slides/slide3.xml><?xml version="1.0" encoding="utf-8"?>
+<file path=ppt/slides/slide31.xml><?xml version="1.0" encoding="utf-8"?>
+<p:sld xmlns:a="http://schemas.openxmlformats.org/drawingml/2006/main" xmlns:r="http://schemas.openxmlformats.org/officeDocument/2006/relationships" xmlns:p="http://schemas.openxmlformats.org/presentationml/2006/main">
+  <p:cSld>
+    <p:spTree>
+      <p:nvGrpSpPr>
+        <p:cNvPr id="1" name="Shape 109"/>
+        <p:cNvGrpSpPr/>
+        <p:nvPr/>
+      </p:nvGrpSpPr>
+      <p:grpSpPr>
+        <a:xfrm>
+          <a:off x="0" y="0"/>
+          <a:ext cx="0" cy="0"/>
+          <a:chOff x="0" y="0"/>
+          <a:chExt cx="0" cy="0"/>
+        </a:xfrm>
+      </p:grpSpPr>
+      <p:sp>
+        <p:nvSpPr>
+          <p:cNvPr id="110" name="Shape 110"/>
+          <p:cNvSpPr txBox="1">
+            <a:spLocks noGrp="1"/>
+          </p:cNvSpPr>
+          <p:nvPr>
+            <p:ph type="title"/>
+          </p:nvPr>
+        </p:nvSpPr>
+        <p:spPr>
+          <a:xfrm>
+            <a:off x="1841667" y="1239750"/>
+            <a:ext cx="5460833" cy="580799"/>
+          </a:xfrm>
+          <a:prstGeom prst="rect">
+            <a:avLst/>
+          </a:prstGeom>
+        </p:spPr>
+        <p:txBody>
+          <a:bodyPr vert="horz" lIns="121900" tIns="121900" rIns="121900" bIns="121900" rtlCol="0" anchor="ctr" anchorCtr="0">
+            <a:noAutofit/>
+          </a:bodyPr>
+          <a:lstStyle/>
+          <a:p>
+            <a:r>
+              <a:rPr lang="en" dirty="0" smtClean="0"/>
+              <a:t>Trabalho Futuro</a:t>
+            </a:r>
+            <a:endParaRPr lang="en" dirty="0">
+              <a:highlight>
+                <a:srgbClr val="FFCD00"/>
+              </a:highlight>
+            </a:endParaRPr>
+          </a:p>
+        </p:txBody>
+      </p:sp>
+      <p:sp>
+        <p:nvSpPr>
+          <p:cNvPr id="111" name="Shape 111"/>
+          <p:cNvSpPr txBox="1">
+            <a:spLocks noGrp="1"/>
+          </p:cNvSpPr>
+          <p:nvPr>
+            <p:ph type="body" idx="1"/>
+          </p:nvPr>
+        </p:nvSpPr>
+        <p:spPr>
+          <a:xfrm>
+            <a:off x="1365709" y="2374900"/>
+            <a:ext cx="9615667" cy="3479799"/>
+          </a:xfrm>
+          <a:prstGeom prst="rect">
+            <a:avLst/>
+          </a:prstGeom>
+        </p:spPr>
+        <p:txBody>
+          <a:bodyPr vert="horz" lIns="121900" tIns="121900" rIns="121900" bIns="121900" rtlCol="0" anchor="t" anchorCtr="0">
+            <a:noAutofit/>
+          </a:bodyPr>
+          <a:lstStyle/>
+          <a:p>
+            <a:pPr marL="609585" indent="-304792">
+              <a:lnSpc>
+                <a:spcPct val="100000"/>
+              </a:lnSpc>
+              <a:spcBef>
+                <a:spcPts val="0"/>
+              </a:spcBef>
+            </a:pPr>
+            <a:r>
+              <a:rPr lang="pt-PT" sz="2800" dirty="0" smtClean="0"/>
+              <a:t>Melhor validação do trabalho usando experiencias com estudantes</a:t>
+            </a:r>
+          </a:p>
+          <a:p>
+            <a:pPr marL="609585" indent="-304792">
+              <a:lnSpc>
+                <a:spcPct val="100000"/>
+              </a:lnSpc>
+              <a:spcBef>
+                <a:spcPts val="0"/>
+              </a:spcBef>
+            </a:pPr>
+            <a:endParaRPr lang="pt-PT" sz="2800" dirty="0" smtClean="0"/>
+          </a:p>
+          <a:p>
+            <a:pPr marL="609585" indent="-304792">
+              <a:lnSpc>
+                <a:spcPct val="100000"/>
+              </a:lnSpc>
+              <a:spcBef>
+                <a:spcPts val="0"/>
+              </a:spcBef>
+            </a:pPr>
+            <a:r>
+              <a:rPr lang="pt-PT" sz="2800" dirty="0" smtClean="0"/>
+              <a:t>Implementação das melhorias sugeridas pelos especialistas</a:t>
+            </a:r>
+          </a:p>
+          <a:p>
+            <a:pPr marL="609585" indent="-304792">
+              <a:lnSpc>
+                <a:spcPct val="100000"/>
+              </a:lnSpc>
+              <a:spcBef>
+                <a:spcPts val="0"/>
+              </a:spcBef>
+            </a:pPr>
+            <a:endParaRPr lang="pt-PT" sz="2800" dirty="0" smtClean="0"/>
+          </a:p>
+          <a:p>
+            <a:pPr marL="609585" indent="-304792">
+              <a:lnSpc>
+                <a:spcPct val="100000"/>
+              </a:lnSpc>
+              <a:spcBef>
+                <a:spcPts val="0"/>
+              </a:spcBef>
+            </a:pPr>
+            <a:r>
+              <a:rPr lang="pt-PT" sz="2800" dirty="0" smtClean="0"/>
+              <a:t>Implementação dos restantes tutoriais e material de apoio</a:t>
+            </a:r>
+            <a:endParaRPr lang="pt-PT" sz="2800" dirty="0"/>
+          </a:p>
+        </p:txBody>
+      </p:sp>
+      <p:grpSp>
+        <p:nvGrpSpPr>
+          <p:cNvPr id="112" name="Shape 112"/>
+          <p:cNvGrpSpPr/>
+          <p:nvPr/>
+        </p:nvGrpSpPr>
+        <p:grpSpPr>
+          <a:xfrm>
+            <a:off x="1221944" y="1359667"/>
+            <a:ext cx="286165" cy="286165"/>
+            <a:chOff x="2594050" y="1631825"/>
+            <a:chExt cx="439625" cy="439625"/>
+          </a:xfrm>
+        </p:grpSpPr>
+        <p:sp>
+          <p:nvSpPr>
+            <p:cNvPr id="113" name="Shape 113"/>
+            <p:cNvSpPr/>
+            <p:nvPr/>
+          </p:nvSpPr>
+          <p:spPr>
+            <a:xfrm>
+              <a:off x="2594050" y="1883300"/>
+              <a:ext cx="188175" cy="188150"/>
+            </a:xfrm>
+            <a:custGeom>
+              <a:avLst/>
+              <a:gdLst/>
+              <a:ahLst/>
+              <a:cxnLst/>
+              <a:rect l="0" t="0" r="0" b="0"/>
+              <a:pathLst>
+                <a:path w="7527" h="7526" fill="none" extrusionOk="0">
+                  <a:moveTo>
+                    <a:pt x="5992" y="0"/>
+                  </a:moveTo>
+                  <a:lnTo>
+                    <a:pt x="537" y="6430"/>
+                  </a:lnTo>
+                  <a:lnTo>
+                    <a:pt x="1" y="7526"/>
+                  </a:lnTo>
+                  <a:lnTo>
+                    <a:pt x="1097" y="6990"/>
+                  </a:lnTo>
+                  <a:lnTo>
+                    <a:pt x="7526" y="1534"/>
+                  </a:lnTo>
+                  <a:lnTo>
+                    <a:pt x="5992" y="0"/>
+                  </a:lnTo>
+                  <a:close/>
+                </a:path>
+              </a:pathLst>
+            </a:custGeom>
+            <a:noFill/>
+            <a:ln w="9525" cap="rnd" cmpd="sng">
+              <a:solidFill>
+                <a:srgbClr val="000000"/>
+              </a:solidFill>
+              <a:prstDash val="solid"/>
+              <a:round/>
+              <a:headEnd type="none" w="med" len="med"/>
+              <a:tailEnd type="none" w="med" len="med"/>
+            </a:ln>
+          </p:spPr>
+          <p:txBody>
+            <a:bodyPr lIns="121900" tIns="121900" rIns="121900" bIns="121900" anchor="ctr" anchorCtr="0">
+              <a:noAutofit/>
+            </a:bodyPr>
+            <a:lstStyle/>
+            <a:p>
+              <a:endParaRPr sz="2400"/>
+            </a:p>
+          </p:txBody>
+        </p:sp>
+        <p:sp>
+          <p:nvSpPr>
+            <p:cNvPr id="114" name="Shape 114"/>
+            <p:cNvSpPr/>
+            <p:nvPr/>
+          </p:nvSpPr>
+          <p:spPr>
+            <a:xfrm>
+              <a:off x="2857700" y="1631825"/>
+              <a:ext cx="175975" cy="176000"/>
+            </a:xfrm>
+            <a:custGeom>
+              <a:avLst/>
+              <a:gdLst/>
+              <a:ahLst/>
+              <a:cxnLst/>
+              <a:rect l="0" t="0" r="0" b="0"/>
+              <a:pathLst>
+                <a:path w="7039" h="7040" fill="none" extrusionOk="0">
+                  <a:moveTo>
+                    <a:pt x="268" y="2704"/>
+                  </a:moveTo>
+                  <a:lnTo>
+                    <a:pt x="4336" y="6771"/>
+                  </a:lnTo>
+                  <a:lnTo>
+                    <a:pt x="4336" y="6771"/>
+                  </a:lnTo>
+                  <a:lnTo>
+                    <a:pt x="4336" y="6771"/>
+                  </a:lnTo>
+                  <a:lnTo>
+                    <a:pt x="4652" y="6917"/>
+                  </a:lnTo>
+                  <a:lnTo>
+                    <a:pt x="4993" y="7015"/>
+                  </a:lnTo>
+                  <a:lnTo>
+                    <a:pt x="5310" y="7039"/>
+                  </a:lnTo>
+                  <a:lnTo>
+                    <a:pt x="5651" y="7039"/>
+                  </a:lnTo>
+                  <a:lnTo>
+                    <a:pt x="5992" y="6966"/>
+                  </a:lnTo>
+                  <a:lnTo>
+                    <a:pt x="6308" y="6844"/>
+                  </a:lnTo>
+                  <a:lnTo>
+                    <a:pt x="6454" y="6747"/>
+                  </a:lnTo>
+                  <a:lnTo>
+                    <a:pt x="6601" y="6674"/>
+                  </a:lnTo>
+                  <a:lnTo>
+                    <a:pt x="6747" y="6552"/>
+                  </a:lnTo>
+                  <a:lnTo>
+                    <a:pt x="6893" y="6430"/>
+                  </a:lnTo>
+                  <a:lnTo>
+                    <a:pt x="6893" y="6430"/>
+                  </a:lnTo>
+                  <a:lnTo>
+                    <a:pt x="6942" y="6357"/>
+                  </a:lnTo>
+                  <a:lnTo>
+                    <a:pt x="7015" y="6260"/>
+                  </a:lnTo>
+                  <a:lnTo>
+                    <a:pt x="7039" y="6138"/>
+                  </a:lnTo>
+                  <a:lnTo>
+                    <a:pt x="7039" y="6041"/>
+                  </a:lnTo>
+                  <a:lnTo>
+                    <a:pt x="7039" y="6041"/>
+                  </a:lnTo>
+                  <a:lnTo>
+                    <a:pt x="7039" y="5943"/>
+                  </a:lnTo>
+                  <a:lnTo>
+                    <a:pt x="7015" y="5846"/>
+                  </a:lnTo>
+                  <a:lnTo>
+                    <a:pt x="6942" y="5748"/>
+                  </a:lnTo>
+                  <a:lnTo>
+                    <a:pt x="6893" y="5651"/>
+                  </a:lnTo>
+                  <a:lnTo>
+                    <a:pt x="1389" y="147"/>
+                  </a:lnTo>
+                  <a:lnTo>
+                    <a:pt x="1389" y="147"/>
+                  </a:lnTo>
+                  <a:lnTo>
+                    <a:pt x="1291" y="98"/>
+                  </a:lnTo>
+                  <a:lnTo>
+                    <a:pt x="1194" y="25"/>
+                  </a:lnTo>
+                  <a:lnTo>
+                    <a:pt x="1096" y="0"/>
+                  </a:lnTo>
+                  <a:lnTo>
+                    <a:pt x="999" y="0"/>
+                  </a:lnTo>
+                  <a:lnTo>
+                    <a:pt x="999" y="0"/>
+                  </a:lnTo>
+                  <a:lnTo>
+                    <a:pt x="902" y="0"/>
+                  </a:lnTo>
+                  <a:lnTo>
+                    <a:pt x="780" y="25"/>
+                  </a:lnTo>
+                  <a:lnTo>
+                    <a:pt x="682" y="98"/>
+                  </a:lnTo>
+                  <a:lnTo>
+                    <a:pt x="609" y="147"/>
+                  </a:lnTo>
+                  <a:lnTo>
+                    <a:pt x="609" y="147"/>
+                  </a:lnTo>
+                  <a:lnTo>
+                    <a:pt x="487" y="293"/>
+                  </a:lnTo>
+                  <a:lnTo>
+                    <a:pt x="366" y="439"/>
+                  </a:lnTo>
+                  <a:lnTo>
+                    <a:pt x="293" y="585"/>
+                  </a:lnTo>
+                  <a:lnTo>
+                    <a:pt x="195" y="731"/>
+                  </a:lnTo>
+                  <a:lnTo>
+                    <a:pt x="73" y="1048"/>
+                  </a:lnTo>
+                  <a:lnTo>
+                    <a:pt x="0" y="1389"/>
+                  </a:lnTo>
+                  <a:lnTo>
+                    <a:pt x="0" y="1730"/>
+                  </a:lnTo>
+                  <a:lnTo>
+                    <a:pt x="25" y="2046"/>
+                  </a:lnTo>
+                  <a:lnTo>
+                    <a:pt x="122" y="2387"/>
+                  </a:lnTo>
+                  <a:lnTo>
+                    <a:pt x="268" y="2704"/>
+                  </a:lnTo>
+                  <a:lnTo>
+                    <a:pt x="268" y="2704"/>
+                  </a:lnTo>
+                  <a:close/>
+                </a:path>
+              </a:pathLst>
+            </a:custGeom>
+            <a:noFill/>
+            <a:ln w="9525" cap="rnd" cmpd="sng">
+              <a:solidFill>
+                <a:srgbClr val="000000"/>
+              </a:solidFill>
+              <a:prstDash val="solid"/>
+              <a:round/>
+              <a:headEnd type="none" w="med" len="med"/>
+              <a:tailEnd type="none" w="med" len="med"/>
+            </a:ln>
+          </p:spPr>
+          <p:txBody>
+            <a:bodyPr lIns="121900" tIns="121900" rIns="121900" bIns="121900" anchor="ctr" anchorCtr="0">
+              <a:noAutofit/>
+            </a:bodyPr>
+            <a:lstStyle/>
+            <a:p>
+              <a:endParaRPr sz="2400"/>
+            </a:p>
+          </p:txBody>
+        </p:sp>
+        <p:sp>
+          <p:nvSpPr>
+            <p:cNvPr id="115" name="Shape 115"/>
+            <p:cNvSpPr/>
+            <p:nvPr/>
+          </p:nvSpPr>
+          <p:spPr>
+            <a:xfrm>
+              <a:off x="2662850" y="1699400"/>
+              <a:ext cx="303250" cy="303250"/>
+            </a:xfrm>
+            <a:custGeom>
+              <a:avLst/>
+              <a:gdLst/>
+              <a:ahLst/>
+              <a:cxnLst/>
+              <a:rect l="0" t="0" r="0" b="0"/>
+              <a:pathLst>
+                <a:path w="12130" h="12130" fill="none" extrusionOk="0">
+                  <a:moveTo>
+                    <a:pt x="8038" y="1"/>
+                  </a:moveTo>
+                  <a:lnTo>
+                    <a:pt x="4872" y="3191"/>
+                  </a:lnTo>
+                  <a:lnTo>
+                    <a:pt x="4872" y="3191"/>
+                  </a:lnTo>
+                  <a:lnTo>
+                    <a:pt x="4628" y="3094"/>
+                  </a:lnTo>
+                  <a:lnTo>
+                    <a:pt x="4385" y="2997"/>
+                  </a:lnTo>
+                  <a:lnTo>
+                    <a:pt x="4092" y="2899"/>
+                  </a:lnTo>
+                  <a:lnTo>
+                    <a:pt x="3800" y="2850"/>
+                  </a:lnTo>
+                  <a:lnTo>
+                    <a:pt x="3484" y="2777"/>
+                  </a:lnTo>
+                  <a:lnTo>
+                    <a:pt x="3167" y="2729"/>
+                  </a:lnTo>
+                  <a:lnTo>
+                    <a:pt x="2850" y="2704"/>
+                  </a:lnTo>
+                  <a:lnTo>
+                    <a:pt x="2534" y="2704"/>
+                  </a:lnTo>
+                  <a:lnTo>
+                    <a:pt x="2534" y="2704"/>
+                  </a:lnTo>
+                  <a:lnTo>
+                    <a:pt x="2241" y="2704"/>
+                  </a:lnTo>
+                  <a:lnTo>
+                    <a:pt x="1949" y="2729"/>
+                  </a:lnTo>
+                  <a:lnTo>
+                    <a:pt x="1633" y="2777"/>
+                  </a:lnTo>
+                  <a:lnTo>
+                    <a:pt x="1316" y="2850"/>
+                  </a:lnTo>
+                  <a:lnTo>
+                    <a:pt x="999" y="2972"/>
+                  </a:lnTo>
+                  <a:lnTo>
+                    <a:pt x="707" y="3094"/>
+                  </a:lnTo>
+                  <a:lnTo>
+                    <a:pt x="415" y="3289"/>
+                  </a:lnTo>
+                  <a:lnTo>
+                    <a:pt x="147" y="3508"/>
+                  </a:lnTo>
+                  <a:lnTo>
+                    <a:pt x="147" y="3508"/>
+                  </a:lnTo>
+                  <a:lnTo>
+                    <a:pt x="74" y="3581"/>
+                  </a:lnTo>
+                  <a:lnTo>
+                    <a:pt x="25" y="3678"/>
+                  </a:lnTo>
+                  <a:lnTo>
+                    <a:pt x="1" y="3776"/>
+                  </a:lnTo>
+                  <a:lnTo>
+                    <a:pt x="1" y="3898"/>
+                  </a:lnTo>
+                  <a:lnTo>
+                    <a:pt x="1" y="3898"/>
+                  </a:lnTo>
+                  <a:lnTo>
+                    <a:pt x="1" y="3995"/>
+                  </a:lnTo>
+                  <a:lnTo>
+                    <a:pt x="25" y="4093"/>
+                  </a:lnTo>
+                  <a:lnTo>
+                    <a:pt x="74" y="4190"/>
+                  </a:lnTo>
+                  <a:lnTo>
+                    <a:pt x="147" y="4287"/>
+                  </a:lnTo>
+                  <a:lnTo>
+                    <a:pt x="7843" y="11984"/>
+                  </a:lnTo>
+                  <a:lnTo>
+                    <a:pt x="7843" y="11984"/>
+                  </a:lnTo>
+                  <a:lnTo>
+                    <a:pt x="7941" y="12057"/>
+                  </a:lnTo>
+                  <a:lnTo>
+                    <a:pt x="8038" y="12105"/>
+                  </a:lnTo>
+                  <a:lnTo>
+                    <a:pt x="8135" y="12130"/>
+                  </a:lnTo>
+                  <a:lnTo>
+                    <a:pt x="8233" y="12130"/>
+                  </a:lnTo>
+                  <a:lnTo>
+                    <a:pt x="8233" y="12130"/>
+                  </a:lnTo>
+                  <a:lnTo>
+                    <a:pt x="8355" y="12130"/>
+                  </a:lnTo>
+                  <a:lnTo>
+                    <a:pt x="8452" y="12105"/>
+                  </a:lnTo>
+                  <a:lnTo>
+                    <a:pt x="8549" y="12057"/>
+                  </a:lnTo>
+                  <a:lnTo>
+                    <a:pt x="8622" y="11984"/>
+                  </a:lnTo>
+                  <a:lnTo>
+                    <a:pt x="8622" y="11984"/>
+                  </a:lnTo>
+                  <a:lnTo>
+                    <a:pt x="8842" y="11716"/>
+                  </a:lnTo>
+                  <a:lnTo>
+                    <a:pt x="9036" y="11423"/>
+                  </a:lnTo>
+                  <a:lnTo>
+                    <a:pt x="9158" y="11131"/>
+                  </a:lnTo>
+                  <a:lnTo>
+                    <a:pt x="9280" y="10814"/>
+                  </a:lnTo>
+                  <a:lnTo>
+                    <a:pt x="9353" y="10498"/>
+                  </a:lnTo>
+                  <a:lnTo>
+                    <a:pt x="9402" y="10181"/>
+                  </a:lnTo>
+                  <a:lnTo>
+                    <a:pt x="9426" y="9889"/>
+                  </a:lnTo>
+                  <a:lnTo>
+                    <a:pt x="9426" y="9597"/>
+                  </a:lnTo>
+                  <a:lnTo>
+                    <a:pt x="9426" y="9597"/>
+                  </a:lnTo>
+                  <a:lnTo>
+                    <a:pt x="9426" y="9280"/>
+                  </a:lnTo>
+                  <a:lnTo>
+                    <a:pt x="9402" y="8964"/>
+                  </a:lnTo>
+                  <a:lnTo>
+                    <a:pt x="9353" y="8647"/>
+                  </a:lnTo>
+                  <a:lnTo>
+                    <a:pt x="9280" y="8330"/>
+                  </a:lnTo>
+                  <a:lnTo>
+                    <a:pt x="9231" y="8038"/>
+                  </a:lnTo>
+                  <a:lnTo>
+                    <a:pt x="9134" y="7746"/>
+                  </a:lnTo>
+                  <a:lnTo>
+                    <a:pt x="9036" y="7502"/>
+                  </a:lnTo>
+                  <a:lnTo>
+                    <a:pt x="8939" y="7259"/>
+                  </a:lnTo>
+                  <a:lnTo>
+                    <a:pt x="12130" y="4093"/>
+                  </a:lnTo>
+                </a:path>
+              </a:pathLst>
+            </a:custGeom>
+            <a:noFill/>
+            <a:ln w="9525" cap="rnd" cmpd="sng">
+              <a:solidFill>
+                <a:srgbClr val="000000"/>
+              </a:solidFill>
+              <a:prstDash val="solid"/>
+              <a:round/>
+              <a:headEnd type="none" w="med" len="med"/>
+              <a:tailEnd type="none" w="med" len="med"/>
+            </a:ln>
+          </p:spPr>
+          <p:txBody>
+            <a:bodyPr lIns="121900" tIns="121900" rIns="121900" bIns="121900" anchor="ctr" anchorCtr="0">
+              <a:noAutofit/>
+            </a:bodyPr>
+            <a:lstStyle/>
+            <a:p>
+              <a:endParaRPr sz="2400"/>
+            </a:p>
+          </p:txBody>
+        </p:sp>
+        <p:sp>
+          <p:nvSpPr>
+            <p:cNvPr id="116" name="Shape 116"/>
+            <p:cNvSpPr/>
+            <p:nvPr/>
+          </p:nvSpPr>
+          <p:spPr>
+            <a:xfrm>
+              <a:off x="2814911" y="1754061"/>
+              <a:ext cx="49950" cy="49950"/>
+            </a:xfrm>
+            <a:custGeom>
+              <a:avLst/>
+              <a:gdLst/>
+              <a:ahLst/>
+              <a:cxnLst/>
+              <a:rect l="0" t="0" r="0" b="0"/>
+              <a:pathLst>
+                <a:path w="1998" h="1998" fill="none" extrusionOk="0">
+                  <a:moveTo>
+                    <a:pt x="1" y="1997"/>
+                  </a:moveTo>
+                  <a:lnTo>
+                    <a:pt x="1998" y="0"/>
+                  </a:lnTo>
+                </a:path>
+              </a:pathLst>
+            </a:custGeom>
+            <a:noFill/>
+            <a:ln w="9525" cap="rnd" cmpd="sng">
+              <a:solidFill>
+                <a:srgbClr val="000000"/>
+              </a:solidFill>
+              <a:prstDash val="solid"/>
+              <a:round/>
+              <a:headEnd type="none" w="med" len="med"/>
+              <a:tailEnd type="none" w="med" len="med"/>
+            </a:ln>
+          </p:spPr>
+          <p:txBody>
+            <a:bodyPr lIns="121900" tIns="121900" rIns="121900" bIns="121900" anchor="ctr" anchorCtr="0">
+              <a:noAutofit/>
+            </a:bodyPr>
+            <a:lstStyle/>
+            <a:p>
+              <a:endParaRPr sz="2400"/>
+            </a:p>
+          </p:txBody>
+        </p:sp>
+      </p:grpSp>
+    </p:spTree>
+    <p:extLst>
+      <p:ext uri="{BB962C8B-B14F-4D97-AF65-F5344CB8AC3E}">
+        <p14:creationId xmlns:p14="http://schemas.microsoft.com/office/powerpoint/2010/main" val="3611074311"/>
+      </p:ext>
+    </p:extLst>
+  </p:cSld>
+  <p:clrMapOvr>
+    <a:masterClrMapping/>
+  </p:clrMapOvr>
+  <p:timing>
+    <p:tnLst>
+      <p:par>
+        <p:cTn id="1" dur="indefinite" restart="never" nodeType="tmRoot"/>
+      </p:par>
+    </p:tnLst>
+  </p:timing>
+</p:sld>
+</file>
+
+<file path=ppt/slides/slide32.xml><?xml version="1.0" encoding="utf-8"?>
+<p:sld xmlns:a="http://schemas.openxmlformats.org/drawingml/2006/main" xmlns:r="http://schemas.openxmlformats.org/officeDocument/2006/relationships" xmlns:p="http://schemas.openxmlformats.org/presentationml/2006/main">
+  <p:cSld>
+    <p:spTree>
+      <p:nvGrpSpPr>
+        <p:cNvPr id="1" name="Shape 88"/>
+        <p:cNvGrpSpPr/>
+        <p:nvPr/>
+      </p:nvGrpSpPr>
+      <p:grpSpPr>
+        <a:xfrm>
+          <a:off x="0" y="0"/>
+          <a:ext cx="0" cy="0"/>
+          <a:chOff x="0" y="0"/>
+          <a:chExt cx="0" cy="0"/>
+        </a:xfrm>
+      </p:grpSpPr>
+      <p:sp>
+        <p:nvSpPr>
+          <p:cNvPr id="89" name="Shape 89"/>
+          <p:cNvSpPr txBox="1">
+            <a:spLocks noGrp="1"/>
+          </p:cNvSpPr>
+          <p:nvPr>
+            <p:ph type="subTitle" idx="4294967295"/>
+          </p:nvPr>
+        </p:nvSpPr>
+        <p:spPr>
+          <a:xfrm>
+            <a:off x="3162166" y="3146174"/>
+            <a:ext cx="6695199" cy="1309712"/>
+          </a:xfrm>
+          <a:prstGeom prst="rect">
+            <a:avLst/>
+          </a:prstGeom>
+        </p:spPr>
+        <p:txBody>
+          <a:bodyPr vert="horz" lIns="121900" tIns="121900" rIns="121900" bIns="121900" rtlCol="0" anchor="t" anchorCtr="0">
+            <a:noAutofit/>
+          </a:bodyPr>
+          <a:lstStyle/>
+          <a:p>
+            <a:pPr>
+              <a:spcBef>
+                <a:spcPts val="0"/>
+              </a:spcBef>
+              <a:buClr>
+                <a:schemeClr val="dk1"/>
+              </a:buClr>
+              <a:buSzPct val="61111"/>
+              <a:buNone/>
+            </a:pPr>
+            <a:r>
+              <a:rPr lang="en" sz="3600" b="1" i="1" dirty="0" smtClean="0">
+                <a:highlight>
+                  <a:srgbClr val="FFCD00"/>
+                </a:highlight>
+                <a:latin typeface="Lora"/>
+                <a:ea typeface="Lora"/>
+                <a:cs typeface="Lora"/>
+                <a:sym typeface="Lora"/>
+              </a:rPr>
+              <a:t>Luis Eduardo Reis</a:t>
+            </a:r>
+          </a:p>
+          <a:p>
+            <a:pPr>
+              <a:spcBef>
+                <a:spcPts val="0"/>
+              </a:spcBef>
+              <a:buClr>
+                <a:schemeClr val="dk1"/>
+              </a:buClr>
+              <a:buSzPct val="61111"/>
+              <a:buNone/>
+            </a:pPr>
+            <a:r>
+              <a:rPr lang="en" u="sng" dirty="0" smtClean="0">
+                <a:solidFill>
+                  <a:schemeClr val="accent1">
+                    <a:lumMod val="75000"/>
+                  </a:schemeClr>
+                </a:solidFill>
+              </a:rPr>
+              <a:t>ei12085@fe.up.pt</a:t>
+            </a:r>
+          </a:p>
+        </p:txBody>
+      </p:sp>
+      <p:cxnSp>
+        <p:nvCxnSpPr>
+          <p:cNvPr id="90" name="Shape 90"/>
+          <p:cNvCxnSpPr/>
+          <p:nvPr/>
+        </p:nvCxnSpPr>
+        <p:spPr>
+          <a:xfrm>
+            <a:off x="8601" y="1905000"/>
+            <a:ext cx="3196399" cy="0"/>
+          </a:xfrm>
+          <a:prstGeom prst="straightConnector1">
+            <a:avLst/>
+          </a:prstGeom>
+          <a:noFill/>
+          <a:ln w="9525" cap="flat" cmpd="sng">
+            <a:solidFill>
+              <a:srgbClr val="CCCCCC"/>
+            </a:solidFill>
+            <a:prstDash val="solid"/>
+            <a:round/>
+            <a:headEnd type="none" w="lg" len="lg"/>
+            <a:tailEnd type="none" w="lg" len="lg"/>
+          </a:ln>
+        </p:spPr>
+      </p:cxnSp>
+      <p:pic>
+        <p:nvPicPr>
+          <p:cNvPr id="91" name="Shape 91"/>
+          <p:cNvPicPr preferRelativeResize="0"/>
+          <p:nvPr/>
+        </p:nvPicPr>
+        <p:blipFill>
+          <a:blip r:embed="rId3" cstate="print">
+            <a:extLst>
+              <a:ext uri="{28A0092B-C50C-407E-A947-70E740481C1C}">
+                <a14:useLocalDpi xmlns:a14="http://schemas.microsoft.com/office/drawing/2010/main" val="0"/>
+              </a:ext>
+            </a:extLst>
+          </a:blip>
+          <a:stretch>
+            <a:fillRect/>
+          </a:stretch>
+        </p:blipFill>
+        <p:spPr>
+          <a:xfrm>
+            <a:off x="1112800" y="1153834"/>
+            <a:ext cx="1511600" cy="1502326"/>
+          </a:xfrm>
+          <a:prstGeom prst="ellipse">
+            <a:avLst/>
+          </a:prstGeom>
+          <a:noFill/>
+          <a:ln>
+            <a:noFill/>
+          </a:ln>
+        </p:spPr>
+      </p:pic>
+      <p:sp>
+        <p:nvSpPr>
+          <p:cNvPr id="92" name="Shape 92"/>
+          <p:cNvSpPr txBox="1">
+            <a:spLocks noGrp="1"/>
+          </p:cNvSpPr>
+          <p:nvPr>
+            <p:ph type="ctrTitle" idx="4294967295"/>
+          </p:nvPr>
+        </p:nvSpPr>
+        <p:spPr>
+          <a:xfrm>
+            <a:off x="3162166" y="1088734"/>
+            <a:ext cx="7201033" cy="1546399"/>
+          </a:xfrm>
+          <a:prstGeom prst="rect">
+            <a:avLst/>
+          </a:prstGeom>
+        </p:spPr>
+        <p:txBody>
+          <a:bodyPr vert="horz" lIns="121900" tIns="121900" rIns="121900" bIns="121900" rtlCol="0" anchor="ctr" anchorCtr="0">
+            <a:noAutofit/>
+          </a:bodyPr>
+          <a:lstStyle/>
+          <a:p>
+            <a:pPr>
+              <a:spcBef>
+                <a:spcPts val="0"/>
+              </a:spcBef>
+            </a:pPr>
+            <a:r>
+              <a:rPr lang="pt-PT" dirty="0" smtClean="0"/>
+              <a:t>Abordagem híbrida para o ensino do desenvolvimento de jogos digitais e programação</a:t>
+            </a:r>
+            <a:endParaRPr lang="en" dirty="0"/>
+          </a:p>
+        </p:txBody>
+      </p:sp>
+      <p:cxnSp>
+        <p:nvCxnSpPr>
+          <p:cNvPr id="93" name="Shape 93"/>
+          <p:cNvCxnSpPr/>
+          <p:nvPr/>
+        </p:nvCxnSpPr>
+        <p:spPr>
+          <a:xfrm>
+            <a:off x="10248900" y="1905000"/>
+            <a:ext cx="1942967" cy="0"/>
+          </a:xfrm>
+          <a:prstGeom prst="straightConnector1">
+            <a:avLst/>
+          </a:prstGeom>
+          <a:noFill/>
+          <a:ln w="9525" cap="flat" cmpd="sng">
+            <a:solidFill>
+              <a:srgbClr val="CCCCCC"/>
+            </a:solidFill>
+            <a:prstDash val="solid"/>
+            <a:round/>
+            <a:headEnd type="none" w="lg" len="lg"/>
+            <a:tailEnd type="none" w="lg" len="lg"/>
+          </a:ln>
+        </p:spPr>
+      </p:cxnSp>
+      <p:pic>
+        <p:nvPicPr>
+          <p:cNvPr id="4" name="Picture 3"/>
+          <p:cNvPicPr>
+            <a:picLocks noChangeAspect="1"/>
+          </p:cNvPicPr>
+          <p:nvPr/>
+        </p:nvPicPr>
+        <p:blipFill>
+          <a:blip r:embed="rId4" cstate="print">
+            <a:extLst>
+              <a:ext uri="{28A0092B-C50C-407E-A947-70E740481C1C}">
+                <a14:useLocalDpi xmlns:a14="http://schemas.microsoft.com/office/drawing/2010/main" val="0"/>
+              </a:ext>
+            </a:extLst>
+          </a:blip>
+          <a:stretch>
+            <a:fillRect/>
+          </a:stretch>
+        </p:blipFill>
+        <p:spPr>
+          <a:xfrm>
+            <a:off x="255696" y="5361473"/>
+            <a:ext cx="3225808" cy="1119158"/>
+          </a:xfrm>
+          <a:prstGeom prst="rect">
+            <a:avLst/>
+          </a:prstGeom>
+        </p:spPr>
+      </p:pic>
+      <p:sp>
+        <p:nvSpPr>
+          <p:cNvPr id="10" name="Shape 89"/>
+          <p:cNvSpPr txBox="1">
+            <a:spLocks/>
+          </p:cNvSpPr>
+          <p:nvPr/>
+        </p:nvSpPr>
+        <p:spPr>
+          <a:xfrm>
+            <a:off x="7020801" y="5750015"/>
+            <a:ext cx="4053600" cy="730616"/>
+          </a:xfrm>
+          <a:prstGeom prst="rect">
+            <a:avLst/>
+          </a:prstGeom>
+        </p:spPr>
+        <p:txBody>
+          <a:bodyPr vert="horz" lIns="121900" tIns="121900" rIns="121900" bIns="121900" rtlCol="0" anchor="t" anchorCtr="0">
+            <a:noAutofit/>
+          </a:bodyPr>
+          <a:lstStyle>
+            <a:lvl1pPr marL="228600" indent="-228600" algn="l" defTabSz="914400" rtl="0" eaLnBrk="1" latinLnBrk="0" hangingPunct="1">
+              <a:lnSpc>
+                <a:spcPct val="90000"/>
+              </a:lnSpc>
+              <a:spcBef>
+                <a:spcPts val="1000"/>
+              </a:spcBef>
+              <a:buFont typeface="Arial" panose="020B0604020202020204" pitchFamily="34" charset="0"/>
+              <a:buChar char="•"/>
+              <a:defRPr sz="2800" kern="1200">
+                <a:solidFill>
+                  <a:schemeClr val="tx1"/>
+                </a:solidFill>
+                <a:latin typeface="+mn-lt"/>
+                <a:ea typeface="+mn-ea"/>
+                <a:cs typeface="+mn-cs"/>
+              </a:defRPr>
+            </a:lvl1pPr>
+            <a:lvl2pPr marL="685800" indent="-228600" algn="l" defTabSz="914400" rtl="0" eaLnBrk="1" latinLnBrk="0" hangingPunct="1">
+              <a:lnSpc>
+                <a:spcPct val="90000"/>
+              </a:lnSpc>
+              <a:spcBef>
+                <a:spcPts val="500"/>
+              </a:spcBef>
+              <a:buFont typeface="Arial" panose="020B0604020202020204" pitchFamily="34" charset="0"/>
+              <a:buChar char="•"/>
+              <a:defRPr sz="2400" kern="1200">
+                <a:solidFill>
+                  <a:schemeClr val="tx1"/>
+                </a:solidFill>
+                <a:latin typeface="+mn-lt"/>
+                <a:ea typeface="+mn-ea"/>
+                <a:cs typeface="+mn-cs"/>
+              </a:defRPr>
+            </a:lvl2pPr>
+            <a:lvl3pPr marL="1143000" indent="-228600" algn="l" defTabSz="914400" rtl="0" eaLnBrk="1" latinLnBrk="0" hangingPunct="1">
+              <a:lnSpc>
+                <a:spcPct val="90000"/>
+              </a:lnSpc>
+              <a:spcBef>
+                <a:spcPts val="500"/>
+              </a:spcBef>
+              <a:buFont typeface="Arial" panose="020B0604020202020204" pitchFamily="34" charset="0"/>
+              <a:buChar char="•"/>
+              <a:defRPr sz="2000" kern="1200">
+                <a:solidFill>
+                  <a:schemeClr val="tx1"/>
+                </a:solidFill>
+                <a:latin typeface="+mn-lt"/>
+                <a:ea typeface="+mn-ea"/>
+                <a:cs typeface="+mn-cs"/>
+              </a:defRPr>
+            </a:lvl3pPr>
+            <a:lvl4pPr marL="1600200" indent="-228600" algn="l" defTabSz="914400" rtl="0" eaLnBrk="1" latinLnBrk="0" hangingPunct="1">
+              <a:lnSpc>
+                <a:spcPct val="90000"/>
+              </a:lnSpc>
+              <a:spcBef>
+                <a:spcPts val="500"/>
+              </a:spcBef>
+              <a:buFont typeface="Arial" panose="020B0604020202020204" pitchFamily="34" charset="0"/>
+              <a:buChar char="•"/>
+              <a:defRPr sz="1800" kern="1200">
+                <a:solidFill>
+                  <a:schemeClr val="tx1"/>
+                </a:solidFill>
+                <a:latin typeface="+mn-lt"/>
+                <a:ea typeface="+mn-ea"/>
+                <a:cs typeface="+mn-cs"/>
+              </a:defRPr>
+            </a:lvl4pPr>
+            <a:lvl5pPr marL="2057400" indent="-228600" algn="l" defTabSz="914400" rtl="0" eaLnBrk="1" latinLnBrk="0" hangingPunct="1">
+              <a:lnSpc>
+                <a:spcPct val="90000"/>
+              </a:lnSpc>
+              <a:spcBef>
+                <a:spcPts val="500"/>
+              </a:spcBef>
+              <a:buFont typeface="Arial" panose="020B0604020202020204" pitchFamily="34" charset="0"/>
+              <a:buChar char="•"/>
+              <a:defRPr sz="1800" kern="1200">
+                <a:solidFill>
+                  <a:schemeClr val="tx1"/>
+                </a:solidFill>
+                <a:latin typeface="+mn-lt"/>
+                <a:ea typeface="+mn-ea"/>
+                <a:cs typeface="+mn-cs"/>
+              </a:defRPr>
+            </a:lvl5pPr>
+            <a:lvl6pPr marL="2514600" indent="-228600" algn="l" defTabSz="914400" rtl="0" eaLnBrk="1" latinLnBrk="0" hangingPunct="1">
+              <a:lnSpc>
+                <a:spcPct val="90000"/>
+              </a:lnSpc>
+              <a:spcBef>
+                <a:spcPts val="500"/>
+              </a:spcBef>
+              <a:buFont typeface="Arial" panose="020B0604020202020204" pitchFamily="34" charset="0"/>
+              <a:buChar char="•"/>
+              <a:defRPr sz="1800" kern="1200">
+                <a:solidFill>
+                  <a:schemeClr val="tx1"/>
+                </a:solidFill>
+                <a:latin typeface="+mn-lt"/>
+                <a:ea typeface="+mn-ea"/>
+                <a:cs typeface="+mn-cs"/>
+              </a:defRPr>
+            </a:lvl6pPr>
+            <a:lvl7pPr marL="2971800" indent="-228600" algn="l" defTabSz="914400" rtl="0" eaLnBrk="1" latinLnBrk="0" hangingPunct="1">
+              <a:lnSpc>
+                <a:spcPct val="90000"/>
+              </a:lnSpc>
+              <a:spcBef>
+                <a:spcPts val="500"/>
+              </a:spcBef>
+              <a:buFont typeface="Arial" panose="020B0604020202020204" pitchFamily="34" charset="0"/>
+              <a:buChar char="•"/>
+              <a:defRPr sz="1800" kern="1200">
+                <a:solidFill>
+                  <a:schemeClr val="tx1"/>
+                </a:solidFill>
+                <a:latin typeface="+mn-lt"/>
+                <a:ea typeface="+mn-ea"/>
+                <a:cs typeface="+mn-cs"/>
+              </a:defRPr>
+            </a:lvl7pPr>
+            <a:lvl8pPr marL="3429000" indent="-228600" algn="l" defTabSz="914400" rtl="0" eaLnBrk="1" latinLnBrk="0" hangingPunct="1">
+              <a:lnSpc>
+                <a:spcPct val="90000"/>
+              </a:lnSpc>
+              <a:spcBef>
+                <a:spcPts val="500"/>
+              </a:spcBef>
+              <a:buFont typeface="Arial" panose="020B0604020202020204" pitchFamily="34" charset="0"/>
+              <a:buChar char="•"/>
+              <a:defRPr sz="1800" kern="1200">
+                <a:solidFill>
+                  <a:schemeClr val="tx1"/>
+                </a:solidFill>
+                <a:latin typeface="+mn-lt"/>
+                <a:ea typeface="+mn-ea"/>
+                <a:cs typeface="+mn-cs"/>
+              </a:defRPr>
+            </a:lvl8pPr>
+            <a:lvl9pPr marL="3886200" indent="-228600" algn="l" defTabSz="914400" rtl="0" eaLnBrk="1" latinLnBrk="0" hangingPunct="1">
+              <a:lnSpc>
+                <a:spcPct val="90000"/>
+              </a:lnSpc>
+              <a:spcBef>
+                <a:spcPts val="500"/>
+              </a:spcBef>
+              <a:buFont typeface="Arial" panose="020B0604020202020204" pitchFamily="34" charset="0"/>
+              <a:buChar char="•"/>
+              <a:defRPr sz="1800" kern="1200">
+                <a:solidFill>
+                  <a:schemeClr val="tx1"/>
+                </a:solidFill>
+                <a:latin typeface="+mn-lt"/>
+                <a:ea typeface="+mn-ea"/>
+                <a:cs typeface="+mn-cs"/>
+              </a:defRPr>
+            </a:lvl9pPr>
+          </a:lstStyle>
+          <a:p>
+            <a:pPr>
+              <a:spcBef>
+                <a:spcPts val="0"/>
+              </a:spcBef>
+              <a:buClr>
+                <a:schemeClr val="dk1"/>
+              </a:buClr>
+              <a:buSzPct val="61111"/>
+              <a:buFont typeface="Arial" panose="020B0604020202020204" pitchFamily="34" charset="0"/>
+              <a:buNone/>
+            </a:pPr>
+            <a:r>
+              <a:rPr lang="en" sz="3600" dirty="0" smtClean="0">
+                <a:solidFill>
+                  <a:schemeClr val="bg2">
+                    <a:lumMod val="75000"/>
+                  </a:schemeClr>
+                </a:solidFill>
+              </a:rPr>
+              <a:t>12 de Julho de 2017</a:t>
+            </a:r>
+            <a:endParaRPr lang="en" sz="3600" dirty="0">
+              <a:solidFill>
+                <a:schemeClr val="bg2">
+                  <a:lumMod val="75000"/>
+                </a:schemeClr>
+              </a:solidFill>
+            </a:endParaRPr>
+          </a:p>
+        </p:txBody>
+      </p:sp>
+    </p:spTree>
+    <p:extLst>
+      <p:ext uri="{BB962C8B-B14F-4D97-AF65-F5344CB8AC3E}">
+        <p14:creationId xmlns:p14="http://schemas.microsoft.com/office/powerpoint/2010/main" val="3699980994"/>
+      </p:ext>
+    </p:extLst>
+  </p:cSld>
+  <p:clrMapOvr>
+    <a:masterClrMapping/>
+  </p:clrMapOvr>
+  <p:timing>
+    <p:tnLst>
+      <p:par>
+        <p:cTn id="1" dur="indefinite" restart="never" nodeType="tmRoot"/>
+      </p:par>
+    </p:tnLst>
+  </p:timing>
+</p:sld>
+</file>
+
+<file path=ppt/slides/slide4.xml><?xml version="1.0" encoding="utf-8"?>
 <p:sld xmlns:a="http://schemas.openxmlformats.org/drawingml/2006/main" xmlns:r="http://schemas.openxmlformats.org/officeDocument/2006/relationships" xmlns:p="http://schemas.openxmlformats.org/presentationml/2006/main">
   <p:cSld>
     <p:spTree>
@@ -18302,7 +21389,7 @@
 </p:sld>
 </file>
 
-<file path=ppt/slides/slide30.xml><?xml version="1.0" encoding="utf-8"?>
+<file path=ppt/slides/slide5.xml><?xml version="1.0" encoding="utf-8"?>
 <p:sld xmlns:a="http://schemas.openxmlformats.org/drawingml/2006/main" xmlns:r="http://schemas.openxmlformats.org/officeDocument/2006/relationships" xmlns:p="http://schemas.openxmlformats.org/presentationml/2006/main">
   <p:cSld>
     <p:spTree>
@@ -18331,8 +21418,8 @@
         </p:nvSpPr>
         <p:spPr>
           <a:xfrm>
-            <a:off x="1841667" y="1239750"/>
-            <a:ext cx="5460833" cy="580799"/>
+            <a:off x="1841667" y="1230225"/>
+            <a:ext cx="5171199" cy="580799"/>
           </a:xfrm>
           <a:prstGeom prst="rect">
             <a:avLst/>
@@ -18346,7 +21433,7 @@
           <a:p>
             <a:r>
               <a:rPr lang="en" dirty="0" smtClean="0"/>
-              <a:t>Trabalho Futuro</a:t>
+              <a:t>Objetivos deste Trabalho</a:t>
             </a:r>
             <a:endParaRPr lang="en" dirty="0">
               <a:highlight>
@@ -18368,8 +21455,8 @@
         </p:nvSpPr>
         <p:spPr>
           <a:xfrm>
-            <a:off x="1365709" y="2374900"/>
-            <a:ext cx="9615667" cy="3479799"/>
+            <a:off x="1841667" y="2155293"/>
+            <a:ext cx="9079600" cy="4149600"/>
           </a:xfrm>
           <a:prstGeom prst="rect">
             <a:avLst/>
@@ -18382,68 +21469,72 @@
           <a:lstStyle/>
           <a:p>
             <a:pPr marL="609585" indent="-304792">
-              <a:lnSpc>
-                <a:spcPct val="100000"/>
-              </a:lnSpc>
               <a:spcBef>
                 <a:spcPts val="0"/>
               </a:spcBef>
             </a:pPr>
             <a:r>
-              <a:rPr lang="pt-PT" sz="2800" dirty="0" smtClean="0"/>
-              <a:t>Melhor validação do trabalho usando experiencias com estudantes</a:t>
+              <a:rPr lang="pt-PT" dirty="0" smtClean="0"/>
+              <a:t>Introdução à Programação</a:t>
             </a:r>
           </a:p>
           <a:p>
             <a:pPr marL="609585" indent="-304792">
-              <a:lnSpc>
-                <a:spcPct val="100000"/>
-              </a:lnSpc>
               <a:spcBef>
                 <a:spcPts val="0"/>
               </a:spcBef>
             </a:pPr>
-            <a:endParaRPr lang="pt-PT" sz="2800" dirty="0" smtClean="0"/>
+            <a:endParaRPr lang="pt-PT" dirty="0" smtClean="0"/>
           </a:p>
           <a:p>
             <a:pPr marL="609585" indent="-304792">
-              <a:lnSpc>
-                <a:spcPct val="100000"/>
-              </a:lnSpc>
               <a:spcBef>
                 <a:spcPts val="0"/>
               </a:spcBef>
             </a:pPr>
             <a:r>
-              <a:rPr lang="pt-PT" sz="2800" dirty="0" smtClean="0"/>
-              <a:t>Implementação das melhorias sugeridas pelos especialistas</a:t>
+              <a:rPr lang="pt-PT" dirty="0" smtClean="0"/>
+              <a:t>Introdução simultânea aos Jogos Digitais</a:t>
             </a:r>
           </a:p>
           <a:p>
             <a:pPr marL="609585" indent="-304792">
-              <a:lnSpc>
-                <a:spcPct val="100000"/>
-              </a:lnSpc>
               <a:spcBef>
                 <a:spcPts val="0"/>
               </a:spcBef>
             </a:pPr>
-            <a:endParaRPr lang="pt-PT" sz="2800" dirty="0" smtClean="0"/>
+            <a:endParaRPr lang="pt-PT" dirty="0" smtClean="0"/>
           </a:p>
           <a:p>
             <a:pPr marL="609585" indent="-304792">
-              <a:lnSpc>
-                <a:spcPct val="100000"/>
-              </a:lnSpc>
               <a:spcBef>
                 <a:spcPts val="0"/>
               </a:spcBef>
             </a:pPr>
             <a:r>
-              <a:rPr lang="pt-PT" sz="2800" dirty="0" smtClean="0"/>
-              <a:t>Implementação dos restantes tutoriais e material de apoio</a:t>
+              <a:rPr lang="pt-PT" dirty="0" smtClean="0"/>
+              <a:t>Conjunto de Atividades PBL</a:t>
             </a:r>
-            <a:endParaRPr lang="pt-PT" sz="2800" dirty="0"/>
+          </a:p>
+          <a:p>
+            <a:pPr marL="609585" indent="-304792">
+              <a:spcBef>
+                <a:spcPts val="0"/>
+              </a:spcBef>
+            </a:pPr>
+            <a:endParaRPr lang="pt-PT" dirty="0" smtClean="0"/>
+          </a:p>
+          <a:p>
+            <a:pPr marL="609585" indent="-304792">
+              <a:spcBef>
+                <a:spcPts val="0"/>
+              </a:spcBef>
+            </a:pPr>
+            <a:r>
+              <a:rPr lang="pt-PT" dirty="0" smtClean="0"/>
+              <a:t>Criação de Conteúdos</a:t>
+            </a:r>
+            <a:endParaRPr lang="pt-PT" dirty="0"/>
           </a:p>
         </p:txBody>
       </p:sp>
@@ -18984,1187 +22075,6 @@
     </p:spTree>
     <p:extLst>
       <p:ext uri="{BB962C8B-B14F-4D97-AF65-F5344CB8AC3E}">
-        <p14:creationId xmlns:p14="http://schemas.microsoft.com/office/powerpoint/2010/main" val="3611074311"/>
-      </p:ext>
-    </p:extLst>
-  </p:cSld>
-  <p:clrMapOvr>
-    <a:masterClrMapping/>
-  </p:clrMapOvr>
-  <p:timing>
-    <p:tnLst>
-      <p:par>
-        <p:cTn id="1" dur="indefinite" restart="never" nodeType="tmRoot"/>
-      </p:par>
-    </p:tnLst>
-  </p:timing>
-</p:sld>
-</file>
-
-<file path=ppt/slides/slide31.xml><?xml version="1.0" encoding="utf-8"?>
-<p:sld xmlns:a="http://schemas.openxmlformats.org/drawingml/2006/main" xmlns:r="http://schemas.openxmlformats.org/officeDocument/2006/relationships" xmlns:p="http://schemas.openxmlformats.org/presentationml/2006/main">
-  <p:cSld>
-    <p:spTree>
-      <p:nvGrpSpPr>
-        <p:cNvPr id="1" name="Shape 88"/>
-        <p:cNvGrpSpPr/>
-        <p:nvPr/>
-      </p:nvGrpSpPr>
-      <p:grpSpPr>
-        <a:xfrm>
-          <a:off x="0" y="0"/>
-          <a:ext cx="0" cy="0"/>
-          <a:chOff x="0" y="0"/>
-          <a:chExt cx="0" cy="0"/>
-        </a:xfrm>
-      </p:grpSpPr>
-      <p:sp>
-        <p:nvSpPr>
-          <p:cNvPr id="89" name="Shape 89"/>
-          <p:cNvSpPr txBox="1">
-            <a:spLocks noGrp="1"/>
-          </p:cNvSpPr>
-          <p:nvPr>
-            <p:ph type="subTitle" idx="4294967295"/>
-          </p:nvPr>
-        </p:nvSpPr>
-        <p:spPr>
-          <a:xfrm>
-            <a:off x="3162166" y="3146174"/>
-            <a:ext cx="6695199" cy="1309712"/>
-          </a:xfrm>
-          <a:prstGeom prst="rect">
-            <a:avLst/>
-          </a:prstGeom>
-        </p:spPr>
-        <p:txBody>
-          <a:bodyPr vert="horz" lIns="121900" tIns="121900" rIns="121900" bIns="121900" rtlCol="0" anchor="t" anchorCtr="0">
-            <a:noAutofit/>
-          </a:bodyPr>
-          <a:lstStyle/>
-          <a:p>
-            <a:pPr>
-              <a:spcBef>
-                <a:spcPts val="0"/>
-              </a:spcBef>
-              <a:buClr>
-                <a:schemeClr val="dk1"/>
-              </a:buClr>
-              <a:buSzPct val="61111"/>
-              <a:buNone/>
-            </a:pPr>
-            <a:r>
-              <a:rPr lang="en" sz="3600" b="1" i="1" dirty="0" smtClean="0">
-                <a:highlight>
-                  <a:srgbClr val="FFCD00"/>
-                </a:highlight>
-                <a:latin typeface="Lora"/>
-                <a:ea typeface="Lora"/>
-                <a:cs typeface="Lora"/>
-                <a:sym typeface="Lora"/>
-              </a:rPr>
-              <a:t>Luis Eduardo Reis</a:t>
-            </a:r>
-          </a:p>
-          <a:p>
-            <a:pPr>
-              <a:spcBef>
-                <a:spcPts val="0"/>
-              </a:spcBef>
-              <a:buClr>
-                <a:schemeClr val="dk1"/>
-              </a:buClr>
-              <a:buSzPct val="61111"/>
-              <a:buNone/>
-            </a:pPr>
-            <a:r>
-              <a:rPr lang="en" u="sng" dirty="0" smtClean="0">
-                <a:solidFill>
-                  <a:schemeClr val="accent1">
-                    <a:lumMod val="75000"/>
-                  </a:schemeClr>
-                </a:solidFill>
-              </a:rPr>
-              <a:t>ei12085@fe.up.pt</a:t>
-            </a:r>
-          </a:p>
-        </p:txBody>
-      </p:sp>
-      <p:cxnSp>
-        <p:nvCxnSpPr>
-          <p:cNvPr id="90" name="Shape 90"/>
-          <p:cNvCxnSpPr/>
-          <p:nvPr/>
-        </p:nvCxnSpPr>
-        <p:spPr>
-          <a:xfrm>
-            <a:off x="8601" y="1905000"/>
-            <a:ext cx="3196399" cy="0"/>
-          </a:xfrm>
-          <a:prstGeom prst="straightConnector1">
-            <a:avLst/>
-          </a:prstGeom>
-          <a:noFill/>
-          <a:ln w="9525" cap="flat" cmpd="sng">
-            <a:solidFill>
-              <a:srgbClr val="CCCCCC"/>
-            </a:solidFill>
-            <a:prstDash val="solid"/>
-            <a:round/>
-            <a:headEnd type="none" w="lg" len="lg"/>
-            <a:tailEnd type="none" w="lg" len="lg"/>
-          </a:ln>
-        </p:spPr>
-      </p:cxnSp>
-      <p:pic>
-        <p:nvPicPr>
-          <p:cNvPr id="91" name="Shape 91"/>
-          <p:cNvPicPr preferRelativeResize="0"/>
-          <p:nvPr/>
-        </p:nvPicPr>
-        <p:blipFill>
-          <a:blip r:embed="rId3" cstate="print">
-            <a:extLst>
-              <a:ext uri="{28A0092B-C50C-407E-A947-70E740481C1C}">
-                <a14:useLocalDpi xmlns:a14="http://schemas.microsoft.com/office/drawing/2010/main" val="0"/>
-              </a:ext>
-            </a:extLst>
-          </a:blip>
-          <a:stretch>
-            <a:fillRect/>
-          </a:stretch>
-        </p:blipFill>
-        <p:spPr>
-          <a:xfrm>
-            <a:off x="1112800" y="1153834"/>
-            <a:ext cx="1511600" cy="1502326"/>
-          </a:xfrm>
-          <a:prstGeom prst="ellipse">
-            <a:avLst/>
-          </a:prstGeom>
-          <a:noFill/>
-          <a:ln>
-            <a:noFill/>
-          </a:ln>
-        </p:spPr>
-      </p:pic>
-      <p:sp>
-        <p:nvSpPr>
-          <p:cNvPr id="92" name="Shape 92"/>
-          <p:cNvSpPr txBox="1">
-            <a:spLocks noGrp="1"/>
-          </p:cNvSpPr>
-          <p:nvPr>
-            <p:ph type="ctrTitle" idx="4294967295"/>
-          </p:nvPr>
-        </p:nvSpPr>
-        <p:spPr>
-          <a:xfrm>
-            <a:off x="3162166" y="1088734"/>
-            <a:ext cx="7201033" cy="1546399"/>
-          </a:xfrm>
-          <a:prstGeom prst="rect">
-            <a:avLst/>
-          </a:prstGeom>
-        </p:spPr>
-        <p:txBody>
-          <a:bodyPr vert="horz" lIns="121900" tIns="121900" rIns="121900" bIns="121900" rtlCol="0" anchor="ctr" anchorCtr="0">
-            <a:noAutofit/>
-          </a:bodyPr>
-          <a:lstStyle/>
-          <a:p>
-            <a:pPr>
-              <a:spcBef>
-                <a:spcPts val="0"/>
-              </a:spcBef>
-            </a:pPr>
-            <a:r>
-              <a:rPr lang="pt-PT" dirty="0" smtClean="0"/>
-              <a:t>Abordagem híbrida para o ensino do desenvolvimento de jogos digitais e programação</a:t>
-            </a:r>
-            <a:endParaRPr lang="en" dirty="0"/>
-          </a:p>
-        </p:txBody>
-      </p:sp>
-      <p:cxnSp>
-        <p:nvCxnSpPr>
-          <p:cNvPr id="93" name="Shape 93"/>
-          <p:cNvCxnSpPr/>
-          <p:nvPr/>
-        </p:nvCxnSpPr>
-        <p:spPr>
-          <a:xfrm>
-            <a:off x="10248900" y="1905000"/>
-            <a:ext cx="1942967" cy="0"/>
-          </a:xfrm>
-          <a:prstGeom prst="straightConnector1">
-            <a:avLst/>
-          </a:prstGeom>
-          <a:noFill/>
-          <a:ln w="9525" cap="flat" cmpd="sng">
-            <a:solidFill>
-              <a:srgbClr val="CCCCCC"/>
-            </a:solidFill>
-            <a:prstDash val="solid"/>
-            <a:round/>
-            <a:headEnd type="none" w="lg" len="lg"/>
-            <a:tailEnd type="none" w="lg" len="lg"/>
-          </a:ln>
-        </p:spPr>
-      </p:cxnSp>
-      <p:pic>
-        <p:nvPicPr>
-          <p:cNvPr id="4" name="Picture 3"/>
-          <p:cNvPicPr>
-            <a:picLocks noChangeAspect="1"/>
-          </p:cNvPicPr>
-          <p:nvPr/>
-        </p:nvPicPr>
-        <p:blipFill>
-          <a:blip r:embed="rId4" cstate="print">
-            <a:extLst>
-              <a:ext uri="{28A0092B-C50C-407E-A947-70E740481C1C}">
-                <a14:useLocalDpi xmlns:a14="http://schemas.microsoft.com/office/drawing/2010/main" val="0"/>
-              </a:ext>
-            </a:extLst>
-          </a:blip>
-          <a:stretch>
-            <a:fillRect/>
-          </a:stretch>
-        </p:blipFill>
-        <p:spPr>
-          <a:xfrm>
-            <a:off x="255696" y="5361473"/>
-            <a:ext cx="3225808" cy="1119158"/>
-          </a:xfrm>
-          <a:prstGeom prst="rect">
-            <a:avLst/>
-          </a:prstGeom>
-        </p:spPr>
-      </p:pic>
-      <p:sp>
-        <p:nvSpPr>
-          <p:cNvPr id="10" name="Shape 89"/>
-          <p:cNvSpPr txBox="1">
-            <a:spLocks/>
-          </p:cNvSpPr>
-          <p:nvPr/>
-        </p:nvSpPr>
-        <p:spPr>
-          <a:xfrm>
-            <a:off x="7020801" y="5750015"/>
-            <a:ext cx="4053600" cy="730616"/>
-          </a:xfrm>
-          <a:prstGeom prst="rect">
-            <a:avLst/>
-          </a:prstGeom>
-        </p:spPr>
-        <p:txBody>
-          <a:bodyPr vert="horz" lIns="121900" tIns="121900" rIns="121900" bIns="121900" rtlCol="0" anchor="t" anchorCtr="0">
-            <a:noAutofit/>
-          </a:bodyPr>
-          <a:lstStyle>
-            <a:lvl1pPr marL="228600" indent="-228600" algn="l" defTabSz="914400" rtl="0" eaLnBrk="1" latinLnBrk="0" hangingPunct="1">
-              <a:lnSpc>
-                <a:spcPct val="90000"/>
-              </a:lnSpc>
-              <a:spcBef>
-                <a:spcPts val="1000"/>
-              </a:spcBef>
-              <a:buFont typeface="Arial" panose="020B0604020202020204" pitchFamily="34" charset="0"/>
-              <a:buChar char="•"/>
-              <a:defRPr sz="2800" kern="1200">
-                <a:solidFill>
-                  <a:schemeClr val="tx1"/>
-                </a:solidFill>
-                <a:latin typeface="+mn-lt"/>
-                <a:ea typeface="+mn-ea"/>
-                <a:cs typeface="+mn-cs"/>
-              </a:defRPr>
-            </a:lvl1pPr>
-            <a:lvl2pPr marL="685800" indent="-228600" algn="l" defTabSz="914400" rtl="0" eaLnBrk="1" latinLnBrk="0" hangingPunct="1">
-              <a:lnSpc>
-                <a:spcPct val="90000"/>
-              </a:lnSpc>
-              <a:spcBef>
-                <a:spcPts val="500"/>
-              </a:spcBef>
-              <a:buFont typeface="Arial" panose="020B0604020202020204" pitchFamily="34" charset="0"/>
-              <a:buChar char="•"/>
-              <a:defRPr sz="2400" kern="1200">
-                <a:solidFill>
-                  <a:schemeClr val="tx1"/>
-                </a:solidFill>
-                <a:latin typeface="+mn-lt"/>
-                <a:ea typeface="+mn-ea"/>
-                <a:cs typeface="+mn-cs"/>
-              </a:defRPr>
-            </a:lvl2pPr>
-            <a:lvl3pPr marL="1143000" indent="-228600" algn="l" defTabSz="914400" rtl="0" eaLnBrk="1" latinLnBrk="0" hangingPunct="1">
-              <a:lnSpc>
-                <a:spcPct val="90000"/>
-              </a:lnSpc>
-              <a:spcBef>
-                <a:spcPts val="500"/>
-              </a:spcBef>
-              <a:buFont typeface="Arial" panose="020B0604020202020204" pitchFamily="34" charset="0"/>
-              <a:buChar char="•"/>
-              <a:defRPr sz="2000" kern="1200">
-                <a:solidFill>
-                  <a:schemeClr val="tx1"/>
-                </a:solidFill>
-                <a:latin typeface="+mn-lt"/>
-                <a:ea typeface="+mn-ea"/>
-                <a:cs typeface="+mn-cs"/>
-              </a:defRPr>
-            </a:lvl3pPr>
-            <a:lvl4pPr marL="1600200" indent="-228600" algn="l" defTabSz="914400" rtl="0" eaLnBrk="1" latinLnBrk="0" hangingPunct="1">
-              <a:lnSpc>
-                <a:spcPct val="90000"/>
-              </a:lnSpc>
-              <a:spcBef>
-                <a:spcPts val="500"/>
-              </a:spcBef>
-              <a:buFont typeface="Arial" panose="020B0604020202020204" pitchFamily="34" charset="0"/>
-              <a:buChar char="•"/>
-              <a:defRPr sz="1800" kern="1200">
-                <a:solidFill>
-                  <a:schemeClr val="tx1"/>
-                </a:solidFill>
-                <a:latin typeface="+mn-lt"/>
-                <a:ea typeface="+mn-ea"/>
-                <a:cs typeface="+mn-cs"/>
-              </a:defRPr>
-            </a:lvl4pPr>
-            <a:lvl5pPr marL="2057400" indent="-228600" algn="l" defTabSz="914400" rtl="0" eaLnBrk="1" latinLnBrk="0" hangingPunct="1">
-              <a:lnSpc>
-                <a:spcPct val="90000"/>
-              </a:lnSpc>
-              <a:spcBef>
-                <a:spcPts val="500"/>
-              </a:spcBef>
-              <a:buFont typeface="Arial" panose="020B0604020202020204" pitchFamily="34" charset="0"/>
-              <a:buChar char="•"/>
-              <a:defRPr sz="1800" kern="1200">
-                <a:solidFill>
-                  <a:schemeClr val="tx1"/>
-                </a:solidFill>
-                <a:latin typeface="+mn-lt"/>
-                <a:ea typeface="+mn-ea"/>
-                <a:cs typeface="+mn-cs"/>
-              </a:defRPr>
-            </a:lvl5pPr>
-            <a:lvl6pPr marL="2514600" indent="-228600" algn="l" defTabSz="914400" rtl="0" eaLnBrk="1" latinLnBrk="0" hangingPunct="1">
-              <a:lnSpc>
-                <a:spcPct val="90000"/>
-              </a:lnSpc>
-              <a:spcBef>
-                <a:spcPts val="500"/>
-              </a:spcBef>
-              <a:buFont typeface="Arial" panose="020B0604020202020204" pitchFamily="34" charset="0"/>
-              <a:buChar char="•"/>
-              <a:defRPr sz="1800" kern="1200">
-                <a:solidFill>
-                  <a:schemeClr val="tx1"/>
-                </a:solidFill>
-                <a:latin typeface="+mn-lt"/>
-                <a:ea typeface="+mn-ea"/>
-                <a:cs typeface="+mn-cs"/>
-              </a:defRPr>
-            </a:lvl6pPr>
-            <a:lvl7pPr marL="2971800" indent="-228600" algn="l" defTabSz="914400" rtl="0" eaLnBrk="1" latinLnBrk="0" hangingPunct="1">
-              <a:lnSpc>
-                <a:spcPct val="90000"/>
-              </a:lnSpc>
-              <a:spcBef>
-                <a:spcPts val="500"/>
-              </a:spcBef>
-              <a:buFont typeface="Arial" panose="020B0604020202020204" pitchFamily="34" charset="0"/>
-              <a:buChar char="•"/>
-              <a:defRPr sz="1800" kern="1200">
-                <a:solidFill>
-                  <a:schemeClr val="tx1"/>
-                </a:solidFill>
-                <a:latin typeface="+mn-lt"/>
-                <a:ea typeface="+mn-ea"/>
-                <a:cs typeface="+mn-cs"/>
-              </a:defRPr>
-            </a:lvl7pPr>
-            <a:lvl8pPr marL="3429000" indent="-228600" algn="l" defTabSz="914400" rtl="0" eaLnBrk="1" latinLnBrk="0" hangingPunct="1">
-              <a:lnSpc>
-                <a:spcPct val="90000"/>
-              </a:lnSpc>
-              <a:spcBef>
-                <a:spcPts val="500"/>
-              </a:spcBef>
-              <a:buFont typeface="Arial" panose="020B0604020202020204" pitchFamily="34" charset="0"/>
-              <a:buChar char="•"/>
-              <a:defRPr sz="1800" kern="1200">
-                <a:solidFill>
-                  <a:schemeClr val="tx1"/>
-                </a:solidFill>
-                <a:latin typeface="+mn-lt"/>
-                <a:ea typeface="+mn-ea"/>
-                <a:cs typeface="+mn-cs"/>
-              </a:defRPr>
-            </a:lvl8pPr>
-            <a:lvl9pPr marL="3886200" indent="-228600" algn="l" defTabSz="914400" rtl="0" eaLnBrk="1" latinLnBrk="0" hangingPunct="1">
-              <a:lnSpc>
-                <a:spcPct val="90000"/>
-              </a:lnSpc>
-              <a:spcBef>
-                <a:spcPts val="500"/>
-              </a:spcBef>
-              <a:buFont typeface="Arial" panose="020B0604020202020204" pitchFamily="34" charset="0"/>
-              <a:buChar char="•"/>
-              <a:defRPr sz="1800" kern="1200">
-                <a:solidFill>
-                  <a:schemeClr val="tx1"/>
-                </a:solidFill>
-                <a:latin typeface="+mn-lt"/>
-                <a:ea typeface="+mn-ea"/>
-                <a:cs typeface="+mn-cs"/>
-              </a:defRPr>
-            </a:lvl9pPr>
-          </a:lstStyle>
-          <a:p>
-            <a:pPr>
-              <a:spcBef>
-                <a:spcPts val="0"/>
-              </a:spcBef>
-              <a:buClr>
-                <a:schemeClr val="dk1"/>
-              </a:buClr>
-              <a:buSzPct val="61111"/>
-              <a:buFont typeface="Arial" panose="020B0604020202020204" pitchFamily="34" charset="0"/>
-              <a:buNone/>
-            </a:pPr>
-            <a:r>
-              <a:rPr lang="en" sz="3600" dirty="0" smtClean="0">
-                <a:solidFill>
-                  <a:schemeClr val="bg2">
-                    <a:lumMod val="75000"/>
-                  </a:schemeClr>
-                </a:solidFill>
-              </a:rPr>
-              <a:t>12 de Julho de 2017</a:t>
-            </a:r>
-            <a:endParaRPr lang="en" sz="3600" dirty="0">
-              <a:solidFill>
-                <a:schemeClr val="bg2">
-                  <a:lumMod val="75000"/>
-                </a:schemeClr>
-              </a:solidFill>
-            </a:endParaRPr>
-          </a:p>
-        </p:txBody>
-      </p:sp>
-    </p:spTree>
-    <p:extLst>
-      <p:ext uri="{BB962C8B-B14F-4D97-AF65-F5344CB8AC3E}">
-        <p14:creationId xmlns:p14="http://schemas.microsoft.com/office/powerpoint/2010/main" val="3699980994"/>
-      </p:ext>
-    </p:extLst>
-  </p:cSld>
-  <p:clrMapOvr>
-    <a:masterClrMapping/>
-  </p:clrMapOvr>
-  <p:timing>
-    <p:tnLst>
-      <p:par>
-        <p:cTn id="1" dur="indefinite" restart="never" nodeType="tmRoot"/>
-      </p:par>
-    </p:tnLst>
-  </p:timing>
-</p:sld>
-</file>
-
-<file path=ppt/slides/slide4.xml><?xml version="1.0" encoding="utf-8"?>
-<p:sld xmlns:a="http://schemas.openxmlformats.org/drawingml/2006/main" xmlns:r="http://schemas.openxmlformats.org/officeDocument/2006/relationships" xmlns:p="http://schemas.openxmlformats.org/presentationml/2006/main">
-  <p:cSld>
-    <p:spTree>
-      <p:nvGrpSpPr>
-        <p:cNvPr id="1" name="Shape 109"/>
-        <p:cNvGrpSpPr/>
-        <p:nvPr/>
-      </p:nvGrpSpPr>
-      <p:grpSpPr>
-        <a:xfrm>
-          <a:off x="0" y="0"/>
-          <a:ext cx="0" cy="0"/>
-          <a:chOff x="0" y="0"/>
-          <a:chExt cx="0" cy="0"/>
-        </a:xfrm>
-      </p:grpSpPr>
-      <p:sp>
-        <p:nvSpPr>
-          <p:cNvPr id="110" name="Shape 110"/>
-          <p:cNvSpPr txBox="1">
-            <a:spLocks noGrp="1"/>
-          </p:cNvSpPr>
-          <p:nvPr>
-            <p:ph type="title"/>
-          </p:nvPr>
-        </p:nvSpPr>
-        <p:spPr>
-          <a:xfrm>
-            <a:off x="1841667" y="1230225"/>
-            <a:ext cx="5171199" cy="580799"/>
-          </a:xfrm>
-          <a:prstGeom prst="rect">
-            <a:avLst/>
-          </a:prstGeom>
-        </p:spPr>
-        <p:txBody>
-          <a:bodyPr vert="horz" lIns="121900" tIns="121900" rIns="121900" bIns="121900" rtlCol="0" anchor="ctr" anchorCtr="0">
-            <a:noAutofit/>
-          </a:bodyPr>
-          <a:lstStyle/>
-          <a:p>
-            <a:r>
-              <a:rPr lang="en" dirty="0" smtClean="0"/>
-              <a:t>Objetivos deste Trabalho</a:t>
-            </a:r>
-            <a:endParaRPr lang="en" dirty="0">
-              <a:highlight>
-                <a:srgbClr val="FFCD00"/>
-              </a:highlight>
-            </a:endParaRPr>
-          </a:p>
-        </p:txBody>
-      </p:sp>
-      <p:sp>
-        <p:nvSpPr>
-          <p:cNvPr id="111" name="Shape 111"/>
-          <p:cNvSpPr txBox="1">
-            <a:spLocks noGrp="1"/>
-          </p:cNvSpPr>
-          <p:nvPr>
-            <p:ph type="body" idx="1"/>
-          </p:nvPr>
-        </p:nvSpPr>
-        <p:spPr>
-          <a:xfrm>
-            <a:off x="1841667" y="2155293"/>
-            <a:ext cx="9079600" cy="4149600"/>
-          </a:xfrm>
-          <a:prstGeom prst="rect">
-            <a:avLst/>
-          </a:prstGeom>
-        </p:spPr>
-        <p:txBody>
-          <a:bodyPr vert="horz" lIns="121900" tIns="121900" rIns="121900" bIns="121900" rtlCol="0" anchor="t" anchorCtr="0">
-            <a:noAutofit/>
-          </a:bodyPr>
-          <a:lstStyle/>
-          <a:p>
-            <a:pPr marL="609585" indent="-304792">
-              <a:spcBef>
-                <a:spcPts val="0"/>
-              </a:spcBef>
-            </a:pPr>
-            <a:r>
-              <a:rPr lang="pt-PT" dirty="0" smtClean="0"/>
-              <a:t>Introdução à Programação</a:t>
-            </a:r>
-          </a:p>
-          <a:p>
-            <a:pPr marL="609585" indent="-304792">
-              <a:spcBef>
-                <a:spcPts val="0"/>
-              </a:spcBef>
-            </a:pPr>
-            <a:endParaRPr lang="pt-PT" dirty="0" smtClean="0"/>
-          </a:p>
-          <a:p>
-            <a:pPr marL="609585" indent="-304792">
-              <a:spcBef>
-                <a:spcPts val="0"/>
-              </a:spcBef>
-            </a:pPr>
-            <a:r>
-              <a:rPr lang="pt-PT" dirty="0" smtClean="0"/>
-              <a:t>Introdução simultânea aos Jogos Digitais</a:t>
-            </a:r>
-          </a:p>
-          <a:p>
-            <a:pPr marL="609585" indent="-304792">
-              <a:spcBef>
-                <a:spcPts val="0"/>
-              </a:spcBef>
-            </a:pPr>
-            <a:endParaRPr lang="pt-PT" dirty="0" smtClean="0"/>
-          </a:p>
-          <a:p>
-            <a:pPr marL="609585" indent="-304792">
-              <a:spcBef>
-                <a:spcPts val="0"/>
-              </a:spcBef>
-            </a:pPr>
-            <a:r>
-              <a:rPr lang="pt-PT" dirty="0" smtClean="0"/>
-              <a:t>Conjunto de Atividades PBL</a:t>
-            </a:r>
-          </a:p>
-          <a:p>
-            <a:pPr marL="609585" indent="-304792">
-              <a:spcBef>
-                <a:spcPts val="0"/>
-              </a:spcBef>
-            </a:pPr>
-            <a:endParaRPr lang="pt-PT" dirty="0" smtClean="0"/>
-          </a:p>
-          <a:p>
-            <a:pPr marL="609585" indent="-304792">
-              <a:spcBef>
-                <a:spcPts val="0"/>
-              </a:spcBef>
-            </a:pPr>
-            <a:r>
-              <a:rPr lang="pt-PT" dirty="0" smtClean="0"/>
-              <a:t>Criação de Conteúdos</a:t>
-            </a:r>
-            <a:endParaRPr lang="pt-PT" dirty="0"/>
-          </a:p>
-        </p:txBody>
-      </p:sp>
-      <p:grpSp>
-        <p:nvGrpSpPr>
-          <p:cNvPr id="112" name="Shape 112"/>
-          <p:cNvGrpSpPr/>
-          <p:nvPr/>
-        </p:nvGrpSpPr>
-        <p:grpSpPr>
-          <a:xfrm>
-            <a:off x="1221944" y="1359667"/>
-            <a:ext cx="286165" cy="286165"/>
-            <a:chOff x="2594050" y="1631825"/>
-            <a:chExt cx="439625" cy="439625"/>
-          </a:xfrm>
-        </p:grpSpPr>
-        <p:sp>
-          <p:nvSpPr>
-            <p:cNvPr id="113" name="Shape 113"/>
-            <p:cNvSpPr/>
-            <p:nvPr/>
-          </p:nvSpPr>
-          <p:spPr>
-            <a:xfrm>
-              <a:off x="2594050" y="1883300"/>
-              <a:ext cx="188175" cy="188150"/>
-            </a:xfrm>
-            <a:custGeom>
-              <a:avLst/>
-              <a:gdLst/>
-              <a:ahLst/>
-              <a:cxnLst/>
-              <a:rect l="0" t="0" r="0" b="0"/>
-              <a:pathLst>
-                <a:path w="7527" h="7526" fill="none" extrusionOk="0">
-                  <a:moveTo>
-                    <a:pt x="5992" y="0"/>
-                  </a:moveTo>
-                  <a:lnTo>
-                    <a:pt x="537" y="6430"/>
-                  </a:lnTo>
-                  <a:lnTo>
-                    <a:pt x="1" y="7526"/>
-                  </a:lnTo>
-                  <a:lnTo>
-                    <a:pt x="1097" y="6990"/>
-                  </a:lnTo>
-                  <a:lnTo>
-                    <a:pt x="7526" y="1534"/>
-                  </a:lnTo>
-                  <a:lnTo>
-                    <a:pt x="5992" y="0"/>
-                  </a:lnTo>
-                  <a:close/>
-                </a:path>
-              </a:pathLst>
-            </a:custGeom>
-            <a:noFill/>
-            <a:ln w="9525" cap="rnd" cmpd="sng">
-              <a:solidFill>
-                <a:srgbClr val="000000"/>
-              </a:solidFill>
-              <a:prstDash val="solid"/>
-              <a:round/>
-              <a:headEnd type="none" w="med" len="med"/>
-              <a:tailEnd type="none" w="med" len="med"/>
-            </a:ln>
-          </p:spPr>
-          <p:txBody>
-            <a:bodyPr lIns="121900" tIns="121900" rIns="121900" bIns="121900" anchor="ctr" anchorCtr="0">
-              <a:noAutofit/>
-            </a:bodyPr>
-            <a:lstStyle/>
-            <a:p>
-              <a:endParaRPr sz="2400"/>
-            </a:p>
-          </p:txBody>
-        </p:sp>
-        <p:sp>
-          <p:nvSpPr>
-            <p:cNvPr id="114" name="Shape 114"/>
-            <p:cNvSpPr/>
-            <p:nvPr/>
-          </p:nvSpPr>
-          <p:spPr>
-            <a:xfrm>
-              <a:off x="2857700" y="1631825"/>
-              <a:ext cx="175975" cy="176000"/>
-            </a:xfrm>
-            <a:custGeom>
-              <a:avLst/>
-              <a:gdLst/>
-              <a:ahLst/>
-              <a:cxnLst/>
-              <a:rect l="0" t="0" r="0" b="0"/>
-              <a:pathLst>
-                <a:path w="7039" h="7040" fill="none" extrusionOk="0">
-                  <a:moveTo>
-                    <a:pt x="268" y="2704"/>
-                  </a:moveTo>
-                  <a:lnTo>
-                    <a:pt x="4336" y="6771"/>
-                  </a:lnTo>
-                  <a:lnTo>
-                    <a:pt x="4336" y="6771"/>
-                  </a:lnTo>
-                  <a:lnTo>
-                    <a:pt x="4336" y="6771"/>
-                  </a:lnTo>
-                  <a:lnTo>
-                    <a:pt x="4652" y="6917"/>
-                  </a:lnTo>
-                  <a:lnTo>
-                    <a:pt x="4993" y="7015"/>
-                  </a:lnTo>
-                  <a:lnTo>
-                    <a:pt x="5310" y="7039"/>
-                  </a:lnTo>
-                  <a:lnTo>
-                    <a:pt x="5651" y="7039"/>
-                  </a:lnTo>
-                  <a:lnTo>
-                    <a:pt x="5992" y="6966"/>
-                  </a:lnTo>
-                  <a:lnTo>
-                    <a:pt x="6308" y="6844"/>
-                  </a:lnTo>
-                  <a:lnTo>
-                    <a:pt x="6454" y="6747"/>
-                  </a:lnTo>
-                  <a:lnTo>
-                    <a:pt x="6601" y="6674"/>
-                  </a:lnTo>
-                  <a:lnTo>
-                    <a:pt x="6747" y="6552"/>
-                  </a:lnTo>
-                  <a:lnTo>
-                    <a:pt x="6893" y="6430"/>
-                  </a:lnTo>
-                  <a:lnTo>
-                    <a:pt x="6893" y="6430"/>
-                  </a:lnTo>
-                  <a:lnTo>
-                    <a:pt x="6942" y="6357"/>
-                  </a:lnTo>
-                  <a:lnTo>
-                    <a:pt x="7015" y="6260"/>
-                  </a:lnTo>
-                  <a:lnTo>
-                    <a:pt x="7039" y="6138"/>
-                  </a:lnTo>
-                  <a:lnTo>
-                    <a:pt x="7039" y="6041"/>
-                  </a:lnTo>
-                  <a:lnTo>
-                    <a:pt x="7039" y="6041"/>
-                  </a:lnTo>
-                  <a:lnTo>
-                    <a:pt x="7039" y="5943"/>
-                  </a:lnTo>
-                  <a:lnTo>
-                    <a:pt x="7015" y="5846"/>
-                  </a:lnTo>
-                  <a:lnTo>
-                    <a:pt x="6942" y="5748"/>
-                  </a:lnTo>
-                  <a:lnTo>
-                    <a:pt x="6893" y="5651"/>
-                  </a:lnTo>
-                  <a:lnTo>
-                    <a:pt x="1389" y="147"/>
-                  </a:lnTo>
-                  <a:lnTo>
-                    <a:pt x="1389" y="147"/>
-                  </a:lnTo>
-                  <a:lnTo>
-                    <a:pt x="1291" y="98"/>
-                  </a:lnTo>
-                  <a:lnTo>
-                    <a:pt x="1194" y="25"/>
-                  </a:lnTo>
-                  <a:lnTo>
-                    <a:pt x="1096" y="0"/>
-                  </a:lnTo>
-                  <a:lnTo>
-                    <a:pt x="999" y="0"/>
-                  </a:lnTo>
-                  <a:lnTo>
-                    <a:pt x="999" y="0"/>
-                  </a:lnTo>
-                  <a:lnTo>
-                    <a:pt x="902" y="0"/>
-                  </a:lnTo>
-                  <a:lnTo>
-                    <a:pt x="780" y="25"/>
-                  </a:lnTo>
-                  <a:lnTo>
-                    <a:pt x="682" y="98"/>
-                  </a:lnTo>
-                  <a:lnTo>
-                    <a:pt x="609" y="147"/>
-                  </a:lnTo>
-                  <a:lnTo>
-                    <a:pt x="609" y="147"/>
-                  </a:lnTo>
-                  <a:lnTo>
-                    <a:pt x="487" y="293"/>
-                  </a:lnTo>
-                  <a:lnTo>
-                    <a:pt x="366" y="439"/>
-                  </a:lnTo>
-                  <a:lnTo>
-                    <a:pt x="293" y="585"/>
-                  </a:lnTo>
-                  <a:lnTo>
-                    <a:pt x="195" y="731"/>
-                  </a:lnTo>
-                  <a:lnTo>
-                    <a:pt x="73" y="1048"/>
-                  </a:lnTo>
-                  <a:lnTo>
-                    <a:pt x="0" y="1389"/>
-                  </a:lnTo>
-                  <a:lnTo>
-                    <a:pt x="0" y="1730"/>
-                  </a:lnTo>
-                  <a:lnTo>
-                    <a:pt x="25" y="2046"/>
-                  </a:lnTo>
-                  <a:lnTo>
-                    <a:pt x="122" y="2387"/>
-                  </a:lnTo>
-                  <a:lnTo>
-                    <a:pt x="268" y="2704"/>
-                  </a:lnTo>
-                  <a:lnTo>
-                    <a:pt x="268" y="2704"/>
-                  </a:lnTo>
-                  <a:close/>
-                </a:path>
-              </a:pathLst>
-            </a:custGeom>
-            <a:noFill/>
-            <a:ln w="9525" cap="rnd" cmpd="sng">
-              <a:solidFill>
-                <a:srgbClr val="000000"/>
-              </a:solidFill>
-              <a:prstDash val="solid"/>
-              <a:round/>
-              <a:headEnd type="none" w="med" len="med"/>
-              <a:tailEnd type="none" w="med" len="med"/>
-            </a:ln>
-          </p:spPr>
-          <p:txBody>
-            <a:bodyPr lIns="121900" tIns="121900" rIns="121900" bIns="121900" anchor="ctr" anchorCtr="0">
-              <a:noAutofit/>
-            </a:bodyPr>
-            <a:lstStyle/>
-            <a:p>
-              <a:endParaRPr sz="2400"/>
-            </a:p>
-          </p:txBody>
-        </p:sp>
-        <p:sp>
-          <p:nvSpPr>
-            <p:cNvPr id="115" name="Shape 115"/>
-            <p:cNvSpPr/>
-            <p:nvPr/>
-          </p:nvSpPr>
-          <p:spPr>
-            <a:xfrm>
-              <a:off x="2662850" y="1699400"/>
-              <a:ext cx="303250" cy="303250"/>
-            </a:xfrm>
-            <a:custGeom>
-              <a:avLst/>
-              <a:gdLst/>
-              <a:ahLst/>
-              <a:cxnLst/>
-              <a:rect l="0" t="0" r="0" b="0"/>
-              <a:pathLst>
-                <a:path w="12130" h="12130" fill="none" extrusionOk="0">
-                  <a:moveTo>
-                    <a:pt x="8038" y="1"/>
-                  </a:moveTo>
-                  <a:lnTo>
-                    <a:pt x="4872" y="3191"/>
-                  </a:lnTo>
-                  <a:lnTo>
-                    <a:pt x="4872" y="3191"/>
-                  </a:lnTo>
-                  <a:lnTo>
-                    <a:pt x="4628" y="3094"/>
-                  </a:lnTo>
-                  <a:lnTo>
-                    <a:pt x="4385" y="2997"/>
-                  </a:lnTo>
-                  <a:lnTo>
-                    <a:pt x="4092" y="2899"/>
-                  </a:lnTo>
-                  <a:lnTo>
-                    <a:pt x="3800" y="2850"/>
-                  </a:lnTo>
-                  <a:lnTo>
-                    <a:pt x="3484" y="2777"/>
-                  </a:lnTo>
-                  <a:lnTo>
-                    <a:pt x="3167" y="2729"/>
-                  </a:lnTo>
-                  <a:lnTo>
-                    <a:pt x="2850" y="2704"/>
-                  </a:lnTo>
-                  <a:lnTo>
-                    <a:pt x="2534" y="2704"/>
-                  </a:lnTo>
-                  <a:lnTo>
-                    <a:pt x="2534" y="2704"/>
-                  </a:lnTo>
-                  <a:lnTo>
-                    <a:pt x="2241" y="2704"/>
-                  </a:lnTo>
-                  <a:lnTo>
-                    <a:pt x="1949" y="2729"/>
-                  </a:lnTo>
-                  <a:lnTo>
-                    <a:pt x="1633" y="2777"/>
-                  </a:lnTo>
-                  <a:lnTo>
-                    <a:pt x="1316" y="2850"/>
-                  </a:lnTo>
-                  <a:lnTo>
-                    <a:pt x="999" y="2972"/>
-                  </a:lnTo>
-                  <a:lnTo>
-                    <a:pt x="707" y="3094"/>
-                  </a:lnTo>
-                  <a:lnTo>
-                    <a:pt x="415" y="3289"/>
-                  </a:lnTo>
-                  <a:lnTo>
-                    <a:pt x="147" y="3508"/>
-                  </a:lnTo>
-                  <a:lnTo>
-                    <a:pt x="147" y="3508"/>
-                  </a:lnTo>
-                  <a:lnTo>
-                    <a:pt x="74" y="3581"/>
-                  </a:lnTo>
-                  <a:lnTo>
-                    <a:pt x="25" y="3678"/>
-                  </a:lnTo>
-                  <a:lnTo>
-                    <a:pt x="1" y="3776"/>
-                  </a:lnTo>
-                  <a:lnTo>
-                    <a:pt x="1" y="3898"/>
-                  </a:lnTo>
-                  <a:lnTo>
-                    <a:pt x="1" y="3898"/>
-                  </a:lnTo>
-                  <a:lnTo>
-                    <a:pt x="1" y="3995"/>
-                  </a:lnTo>
-                  <a:lnTo>
-                    <a:pt x="25" y="4093"/>
-                  </a:lnTo>
-                  <a:lnTo>
-                    <a:pt x="74" y="4190"/>
-                  </a:lnTo>
-                  <a:lnTo>
-                    <a:pt x="147" y="4287"/>
-                  </a:lnTo>
-                  <a:lnTo>
-                    <a:pt x="7843" y="11984"/>
-                  </a:lnTo>
-                  <a:lnTo>
-                    <a:pt x="7843" y="11984"/>
-                  </a:lnTo>
-                  <a:lnTo>
-                    <a:pt x="7941" y="12057"/>
-                  </a:lnTo>
-                  <a:lnTo>
-                    <a:pt x="8038" y="12105"/>
-                  </a:lnTo>
-                  <a:lnTo>
-                    <a:pt x="8135" y="12130"/>
-                  </a:lnTo>
-                  <a:lnTo>
-                    <a:pt x="8233" y="12130"/>
-                  </a:lnTo>
-                  <a:lnTo>
-                    <a:pt x="8233" y="12130"/>
-                  </a:lnTo>
-                  <a:lnTo>
-                    <a:pt x="8355" y="12130"/>
-                  </a:lnTo>
-                  <a:lnTo>
-                    <a:pt x="8452" y="12105"/>
-                  </a:lnTo>
-                  <a:lnTo>
-                    <a:pt x="8549" y="12057"/>
-                  </a:lnTo>
-                  <a:lnTo>
-                    <a:pt x="8622" y="11984"/>
-                  </a:lnTo>
-                  <a:lnTo>
-                    <a:pt x="8622" y="11984"/>
-                  </a:lnTo>
-                  <a:lnTo>
-                    <a:pt x="8842" y="11716"/>
-                  </a:lnTo>
-                  <a:lnTo>
-                    <a:pt x="9036" y="11423"/>
-                  </a:lnTo>
-                  <a:lnTo>
-                    <a:pt x="9158" y="11131"/>
-                  </a:lnTo>
-                  <a:lnTo>
-                    <a:pt x="9280" y="10814"/>
-                  </a:lnTo>
-                  <a:lnTo>
-                    <a:pt x="9353" y="10498"/>
-                  </a:lnTo>
-                  <a:lnTo>
-                    <a:pt x="9402" y="10181"/>
-                  </a:lnTo>
-                  <a:lnTo>
-                    <a:pt x="9426" y="9889"/>
-                  </a:lnTo>
-                  <a:lnTo>
-                    <a:pt x="9426" y="9597"/>
-                  </a:lnTo>
-                  <a:lnTo>
-                    <a:pt x="9426" y="9597"/>
-                  </a:lnTo>
-                  <a:lnTo>
-                    <a:pt x="9426" y="9280"/>
-                  </a:lnTo>
-                  <a:lnTo>
-                    <a:pt x="9402" y="8964"/>
-                  </a:lnTo>
-                  <a:lnTo>
-                    <a:pt x="9353" y="8647"/>
-                  </a:lnTo>
-                  <a:lnTo>
-                    <a:pt x="9280" y="8330"/>
-                  </a:lnTo>
-                  <a:lnTo>
-                    <a:pt x="9231" y="8038"/>
-                  </a:lnTo>
-                  <a:lnTo>
-                    <a:pt x="9134" y="7746"/>
-                  </a:lnTo>
-                  <a:lnTo>
-                    <a:pt x="9036" y="7502"/>
-                  </a:lnTo>
-                  <a:lnTo>
-                    <a:pt x="8939" y="7259"/>
-                  </a:lnTo>
-                  <a:lnTo>
-                    <a:pt x="12130" y="4093"/>
-                  </a:lnTo>
-                </a:path>
-              </a:pathLst>
-            </a:custGeom>
-            <a:noFill/>
-            <a:ln w="9525" cap="rnd" cmpd="sng">
-              <a:solidFill>
-                <a:srgbClr val="000000"/>
-              </a:solidFill>
-              <a:prstDash val="solid"/>
-              <a:round/>
-              <a:headEnd type="none" w="med" len="med"/>
-              <a:tailEnd type="none" w="med" len="med"/>
-            </a:ln>
-          </p:spPr>
-          <p:txBody>
-            <a:bodyPr lIns="121900" tIns="121900" rIns="121900" bIns="121900" anchor="ctr" anchorCtr="0">
-              <a:noAutofit/>
-            </a:bodyPr>
-            <a:lstStyle/>
-            <a:p>
-              <a:endParaRPr sz="2400"/>
-            </a:p>
-          </p:txBody>
-        </p:sp>
-        <p:sp>
-          <p:nvSpPr>
-            <p:cNvPr id="116" name="Shape 116"/>
-            <p:cNvSpPr/>
-            <p:nvPr/>
-          </p:nvSpPr>
-          <p:spPr>
-            <a:xfrm>
-              <a:off x="2814911" y="1754061"/>
-              <a:ext cx="49950" cy="49950"/>
-            </a:xfrm>
-            <a:custGeom>
-              <a:avLst/>
-              <a:gdLst/>
-              <a:ahLst/>
-              <a:cxnLst/>
-              <a:rect l="0" t="0" r="0" b="0"/>
-              <a:pathLst>
-                <a:path w="1998" h="1998" fill="none" extrusionOk="0">
-                  <a:moveTo>
-                    <a:pt x="1" y="1997"/>
-                  </a:moveTo>
-                  <a:lnTo>
-                    <a:pt x="1998" y="0"/>
-                  </a:lnTo>
-                </a:path>
-              </a:pathLst>
-            </a:custGeom>
-            <a:noFill/>
-            <a:ln w="9525" cap="rnd" cmpd="sng">
-              <a:solidFill>
-                <a:srgbClr val="000000"/>
-              </a:solidFill>
-              <a:prstDash val="solid"/>
-              <a:round/>
-              <a:headEnd type="none" w="med" len="med"/>
-              <a:tailEnd type="none" w="med" len="med"/>
-            </a:ln>
-          </p:spPr>
-          <p:txBody>
-            <a:bodyPr lIns="121900" tIns="121900" rIns="121900" bIns="121900" anchor="ctr" anchorCtr="0">
-              <a:noAutofit/>
-            </a:bodyPr>
-            <a:lstStyle/>
-            <a:p>
-              <a:endParaRPr sz="2400"/>
-            </a:p>
-          </p:txBody>
-        </p:sp>
-      </p:grpSp>
-    </p:spTree>
-    <p:extLst>
-      <p:ext uri="{BB962C8B-B14F-4D97-AF65-F5344CB8AC3E}">
         <p14:creationId xmlns:p14="http://schemas.microsoft.com/office/powerpoint/2010/main" val="1194336621"/>
       </p:ext>
     </p:extLst>
@@ -20182,7 +22092,7 @@
 </p:sld>
 </file>
 
-<file path=ppt/slides/slide5.xml><?xml version="1.0" encoding="utf-8"?>
+<file path=ppt/slides/slide6.xml><?xml version="1.0" encoding="utf-8"?>
 <p:sld xmlns:a="http://schemas.openxmlformats.org/drawingml/2006/main" xmlns:r="http://schemas.openxmlformats.org/officeDocument/2006/relationships" xmlns:p="http://schemas.openxmlformats.org/presentationml/2006/main">
   <p:cSld>
     <p:spTree>
@@ -20286,928 +22196,6 @@
     <p:extLst>
       <p:ext uri="{BB962C8B-B14F-4D97-AF65-F5344CB8AC3E}">
         <p14:creationId xmlns:p14="http://schemas.microsoft.com/office/powerpoint/2010/main" val="3462018828"/>
-      </p:ext>
-    </p:extLst>
-  </p:cSld>
-  <p:clrMapOvr>
-    <a:masterClrMapping/>
-  </p:clrMapOvr>
-  <p:timing>
-    <p:tnLst>
-      <p:par>
-        <p:cTn id="1" dur="indefinite" restart="never" nodeType="tmRoot"/>
-      </p:par>
-    </p:tnLst>
-  </p:timing>
-</p:sld>
-</file>
-
-<file path=ppt/slides/slide6.xml><?xml version="1.0" encoding="utf-8"?>
-<p:sld xmlns:a="http://schemas.openxmlformats.org/drawingml/2006/main" xmlns:r="http://schemas.openxmlformats.org/officeDocument/2006/relationships" xmlns:p="http://schemas.openxmlformats.org/presentationml/2006/main">
-  <p:cSld>
-    <p:spTree>
-      <p:nvGrpSpPr>
-        <p:cNvPr id="1" name="Shape 109"/>
-        <p:cNvGrpSpPr/>
-        <p:nvPr/>
-      </p:nvGrpSpPr>
-      <p:grpSpPr>
-        <a:xfrm>
-          <a:off x="0" y="0"/>
-          <a:ext cx="0" cy="0"/>
-          <a:chOff x="0" y="0"/>
-          <a:chExt cx="0" cy="0"/>
-        </a:xfrm>
-      </p:grpSpPr>
-      <p:sp>
-        <p:nvSpPr>
-          <p:cNvPr id="110" name="Shape 110"/>
-          <p:cNvSpPr txBox="1">
-            <a:spLocks noGrp="1"/>
-          </p:cNvSpPr>
-          <p:nvPr>
-            <p:ph type="title"/>
-          </p:nvPr>
-        </p:nvSpPr>
-        <p:spPr>
-          <a:xfrm>
-            <a:off x="1841667" y="1239750"/>
-            <a:ext cx="5171199" cy="580799"/>
-          </a:xfrm>
-          <a:prstGeom prst="rect">
-            <a:avLst/>
-          </a:prstGeom>
-        </p:spPr>
-        <p:txBody>
-          <a:bodyPr vert="horz" lIns="121900" tIns="121900" rIns="121900" bIns="121900" rtlCol="0" anchor="ctr" anchorCtr="0">
-            <a:noAutofit/>
-          </a:bodyPr>
-          <a:lstStyle/>
-          <a:p>
-            <a:r>
-              <a:rPr lang="pt-PT" dirty="0" smtClean="0"/>
-              <a:t>Ensino da Programação</a:t>
-            </a:r>
-            <a:endParaRPr lang="pt-PT" dirty="0">
-              <a:highlight>
-                <a:srgbClr val="FFCD00"/>
-              </a:highlight>
-            </a:endParaRPr>
-          </a:p>
-        </p:txBody>
-      </p:sp>
-      <p:sp>
-        <p:nvSpPr>
-          <p:cNvPr id="111" name="Shape 111"/>
-          <p:cNvSpPr txBox="1">
-            <a:spLocks noGrp="1"/>
-          </p:cNvSpPr>
-          <p:nvPr>
-            <p:ph type="body" idx="1"/>
-          </p:nvPr>
-        </p:nvSpPr>
-        <p:spPr>
-          <a:xfrm>
-            <a:off x="1600367" y="3355730"/>
-            <a:ext cx="9079600" cy="2641542"/>
-          </a:xfrm>
-          <a:prstGeom prst="rect">
-            <a:avLst/>
-          </a:prstGeom>
-        </p:spPr>
-        <p:txBody>
-          <a:bodyPr vert="horz" lIns="121900" tIns="121900" rIns="121900" bIns="121900" rtlCol="0" anchor="t" anchorCtr="0">
-            <a:noAutofit/>
-          </a:bodyPr>
-          <a:lstStyle/>
-          <a:p>
-            <a:pPr marL="609585" indent="-304792">
-              <a:lnSpc>
-                <a:spcPct val="100000"/>
-              </a:lnSpc>
-              <a:spcBef>
-                <a:spcPts val="0"/>
-              </a:spcBef>
-            </a:pPr>
-            <a:r>
-              <a:rPr lang="pt-PT" sz="2800" dirty="0" smtClean="0"/>
-              <a:t>Linguagens mais usadas (C, C++, Java)</a:t>
-            </a:r>
-            <a:endParaRPr lang="pt-PT" sz="2800" dirty="0" smtClean="0"/>
-          </a:p>
-          <a:p>
-            <a:pPr marL="609585" indent="-304792">
-              <a:lnSpc>
-                <a:spcPct val="100000"/>
-              </a:lnSpc>
-              <a:spcBef>
-                <a:spcPts val="0"/>
-              </a:spcBef>
-            </a:pPr>
-            <a:endParaRPr lang="pt-PT" sz="2800" dirty="0" smtClean="0"/>
-          </a:p>
-          <a:p>
-            <a:pPr marL="609585" indent="-304792">
-              <a:lnSpc>
-                <a:spcPct val="100000"/>
-              </a:lnSpc>
-              <a:spcBef>
-                <a:spcPts val="0"/>
-              </a:spcBef>
-            </a:pPr>
-            <a:r>
-              <a:rPr lang="pt-PT" sz="2800" dirty="0" smtClean="0"/>
-              <a:t>Paradigmas e Programas de estudos em unidades curriculares de introdução à programação</a:t>
-            </a:r>
-            <a:endParaRPr lang="pt-PT" sz="2800" dirty="0"/>
-          </a:p>
-        </p:txBody>
-      </p:sp>
-      <p:grpSp>
-        <p:nvGrpSpPr>
-          <p:cNvPr id="112" name="Shape 112"/>
-          <p:cNvGrpSpPr/>
-          <p:nvPr/>
-        </p:nvGrpSpPr>
-        <p:grpSpPr>
-          <a:xfrm>
-            <a:off x="1221944" y="1359667"/>
-            <a:ext cx="286165" cy="286165"/>
-            <a:chOff x="2594050" y="1631825"/>
-            <a:chExt cx="439625" cy="439625"/>
-          </a:xfrm>
-        </p:grpSpPr>
-        <p:sp>
-          <p:nvSpPr>
-            <p:cNvPr id="113" name="Shape 113"/>
-            <p:cNvSpPr/>
-            <p:nvPr/>
-          </p:nvSpPr>
-          <p:spPr>
-            <a:xfrm>
-              <a:off x="2594050" y="1883300"/>
-              <a:ext cx="188175" cy="188150"/>
-            </a:xfrm>
-            <a:custGeom>
-              <a:avLst/>
-              <a:gdLst/>
-              <a:ahLst/>
-              <a:cxnLst/>
-              <a:rect l="0" t="0" r="0" b="0"/>
-              <a:pathLst>
-                <a:path w="7527" h="7526" fill="none" extrusionOk="0">
-                  <a:moveTo>
-                    <a:pt x="5992" y="0"/>
-                  </a:moveTo>
-                  <a:lnTo>
-                    <a:pt x="537" y="6430"/>
-                  </a:lnTo>
-                  <a:lnTo>
-                    <a:pt x="1" y="7526"/>
-                  </a:lnTo>
-                  <a:lnTo>
-                    <a:pt x="1097" y="6990"/>
-                  </a:lnTo>
-                  <a:lnTo>
-                    <a:pt x="7526" y="1534"/>
-                  </a:lnTo>
-                  <a:lnTo>
-                    <a:pt x="5992" y="0"/>
-                  </a:lnTo>
-                  <a:close/>
-                </a:path>
-              </a:pathLst>
-            </a:custGeom>
-            <a:noFill/>
-            <a:ln w="9525" cap="rnd" cmpd="sng">
-              <a:solidFill>
-                <a:srgbClr val="000000"/>
-              </a:solidFill>
-              <a:prstDash val="solid"/>
-              <a:round/>
-              <a:headEnd type="none" w="med" len="med"/>
-              <a:tailEnd type="none" w="med" len="med"/>
-            </a:ln>
-          </p:spPr>
-          <p:txBody>
-            <a:bodyPr lIns="121900" tIns="121900" rIns="121900" bIns="121900" anchor="ctr" anchorCtr="0">
-              <a:noAutofit/>
-            </a:bodyPr>
-            <a:lstStyle/>
-            <a:p>
-              <a:endParaRPr sz="2400"/>
-            </a:p>
-          </p:txBody>
-        </p:sp>
-        <p:sp>
-          <p:nvSpPr>
-            <p:cNvPr id="114" name="Shape 114"/>
-            <p:cNvSpPr/>
-            <p:nvPr/>
-          </p:nvSpPr>
-          <p:spPr>
-            <a:xfrm>
-              <a:off x="2857700" y="1631825"/>
-              <a:ext cx="175975" cy="176000"/>
-            </a:xfrm>
-            <a:custGeom>
-              <a:avLst/>
-              <a:gdLst/>
-              <a:ahLst/>
-              <a:cxnLst/>
-              <a:rect l="0" t="0" r="0" b="0"/>
-              <a:pathLst>
-                <a:path w="7039" h="7040" fill="none" extrusionOk="0">
-                  <a:moveTo>
-                    <a:pt x="268" y="2704"/>
-                  </a:moveTo>
-                  <a:lnTo>
-                    <a:pt x="4336" y="6771"/>
-                  </a:lnTo>
-                  <a:lnTo>
-                    <a:pt x="4336" y="6771"/>
-                  </a:lnTo>
-                  <a:lnTo>
-                    <a:pt x="4336" y="6771"/>
-                  </a:lnTo>
-                  <a:lnTo>
-                    <a:pt x="4652" y="6917"/>
-                  </a:lnTo>
-                  <a:lnTo>
-                    <a:pt x="4993" y="7015"/>
-                  </a:lnTo>
-                  <a:lnTo>
-                    <a:pt x="5310" y="7039"/>
-                  </a:lnTo>
-                  <a:lnTo>
-                    <a:pt x="5651" y="7039"/>
-                  </a:lnTo>
-                  <a:lnTo>
-                    <a:pt x="5992" y="6966"/>
-                  </a:lnTo>
-                  <a:lnTo>
-                    <a:pt x="6308" y="6844"/>
-                  </a:lnTo>
-                  <a:lnTo>
-                    <a:pt x="6454" y="6747"/>
-                  </a:lnTo>
-                  <a:lnTo>
-                    <a:pt x="6601" y="6674"/>
-                  </a:lnTo>
-                  <a:lnTo>
-                    <a:pt x="6747" y="6552"/>
-                  </a:lnTo>
-                  <a:lnTo>
-                    <a:pt x="6893" y="6430"/>
-                  </a:lnTo>
-                  <a:lnTo>
-                    <a:pt x="6893" y="6430"/>
-                  </a:lnTo>
-                  <a:lnTo>
-                    <a:pt x="6942" y="6357"/>
-                  </a:lnTo>
-                  <a:lnTo>
-                    <a:pt x="7015" y="6260"/>
-                  </a:lnTo>
-                  <a:lnTo>
-                    <a:pt x="7039" y="6138"/>
-                  </a:lnTo>
-                  <a:lnTo>
-                    <a:pt x="7039" y="6041"/>
-                  </a:lnTo>
-                  <a:lnTo>
-                    <a:pt x="7039" y="6041"/>
-                  </a:lnTo>
-                  <a:lnTo>
-                    <a:pt x="7039" y="5943"/>
-                  </a:lnTo>
-                  <a:lnTo>
-                    <a:pt x="7015" y="5846"/>
-                  </a:lnTo>
-                  <a:lnTo>
-                    <a:pt x="6942" y="5748"/>
-                  </a:lnTo>
-                  <a:lnTo>
-                    <a:pt x="6893" y="5651"/>
-                  </a:lnTo>
-                  <a:lnTo>
-                    <a:pt x="1389" y="147"/>
-                  </a:lnTo>
-                  <a:lnTo>
-                    <a:pt x="1389" y="147"/>
-                  </a:lnTo>
-                  <a:lnTo>
-                    <a:pt x="1291" y="98"/>
-                  </a:lnTo>
-                  <a:lnTo>
-                    <a:pt x="1194" y="25"/>
-                  </a:lnTo>
-                  <a:lnTo>
-                    <a:pt x="1096" y="0"/>
-                  </a:lnTo>
-                  <a:lnTo>
-                    <a:pt x="999" y="0"/>
-                  </a:lnTo>
-                  <a:lnTo>
-                    <a:pt x="999" y="0"/>
-                  </a:lnTo>
-                  <a:lnTo>
-                    <a:pt x="902" y="0"/>
-                  </a:lnTo>
-                  <a:lnTo>
-                    <a:pt x="780" y="25"/>
-                  </a:lnTo>
-                  <a:lnTo>
-                    <a:pt x="682" y="98"/>
-                  </a:lnTo>
-                  <a:lnTo>
-                    <a:pt x="609" y="147"/>
-                  </a:lnTo>
-                  <a:lnTo>
-                    <a:pt x="609" y="147"/>
-                  </a:lnTo>
-                  <a:lnTo>
-                    <a:pt x="487" y="293"/>
-                  </a:lnTo>
-                  <a:lnTo>
-                    <a:pt x="366" y="439"/>
-                  </a:lnTo>
-                  <a:lnTo>
-                    <a:pt x="293" y="585"/>
-                  </a:lnTo>
-                  <a:lnTo>
-                    <a:pt x="195" y="731"/>
-                  </a:lnTo>
-                  <a:lnTo>
-                    <a:pt x="73" y="1048"/>
-                  </a:lnTo>
-                  <a:lnTo>
-                    <a:pt x="0" y="1389"/>
-                  </a:lnTo>
-                  <a:lnTo>
-                    <a:pt x="0" y="1730"/>
-                  </a:lnTo>
-                  <a:lnTo>
-                    <a:pt x="25" y="2046"/>
-                  </a:lnTo>
-                  <a:lnTo>
-                    <a:pt x="122" y="2387"/>
-                  </a:lnTo>
-                  <a:lnTo>
-                    <a:pt x="268" y="2704"/>
-                  </a:lnTo>
-                  <a:lnTo>
-                    <a:pt x="268" y="2704"/>
-                  </a:lnTo>
-                  <a:close/>
-                </a:path>
-              </a:pathLst>
-            </a:custGeom>
-            <a:noFill/>
-            <a:ln w="9525" cap="rnd" cmpd="sng">
-              <a:solidFill>
-                <a:srgbClr val="000000"/>
-              </a:solidFill>
-              <a:prstDash val="solid"/>
-              <a:round/>
-              <a:headEnd type="none" w="med" len="med"/>
-              <a:tailEnd type="none" w="med" len="med"/>
-            </a:ln>
-          </p:spPr>
-          <p:txBody>
-            <a:bodyPr lIns="121900" tIns="121900" rIns="121900" bIns="121900" anchor="ctr" anchorCtr="0">
-              <a:noAutofit/>
-            </a:bodyPr>
-            <a:lstStyle/>
-            <a:p>
-              <a:endParaRPr sz="2400"/>
-            </a:p>
-          </p:txBody>
-        </p:sp>
-        <p:sp>
-          <p:nvSpPr>
-            <p:cNvPr id="115" name="Shape 115"/>
-            <p:cNvSpPr/>
-            <p:nvPr/>
-          </p:nvSpPr>
-          <p:spPr>
-            <a:xfrm>
-              <a:off x="2662850" y="1699400"/>
-              <a:ext cx="303250" cy="303250"/>
-            </a:xfrm>
-            <a:custGeom>
-              <a:avLst/>
-              <a:gdLst/>
-              <a:ahLst/>
-              <a:cxnLst/>
-              <a:rect l="0" t="0" r="0" b="0"/>
-              <a:pathLst>
-                <a:path w="12130" h="12130" fill="none" extrusionOk="0">
-                  <a:moveTo>
-                    <a:pt x="8038" y="1"/>
-                  </a:moveTo>
-                  <a:lnTo>
-                    <a:pt x="4872" y="3191"/>
-                  </a:lnTo>
-                  <a:lnTo>
-                    <a:pt x="4872" y="3191"/>
-                  </a:lnTo>
-                  <a:lnTo>
-                    <a:pt x="4628" y="3094"/>
-                  </a:lnTo>
-                  <a:lnTo>
-                    <a:pt x="4385" y="2997"/>
-                  </a:lnTo>
-                  <a:lnTo>
-                    <a:pt x="4092" y="2899"/>
-                  </a:lnTo>
-                  <a:lnTo>
-                    <a:pt x="3800" y="2850"/>
-                  </a:lnTo>
-                  <a:lnTo>
-                    <a:pt x="3484" y="2777"/>
-                  </a:lnTo>
-                  <a:lnTo>
-                    <a:pt x="3167" y="2729"/>
-                  </a:lnTo>
-                  <a:lnTo>
-                    <a:pt x="2850" y="2704"/>
-                  </a:lnTo>
-                  <a:lnTo>
-                    <a:pt x="2534" y="2704"/>
-                  </a:lnTo>
-                  <a:lnTo>
-                    <a:pt x="2534" y="2704"/>
-                  </a:lnTo>
-                  <a:lnTo>
-                    <a:pt x="2241" y="2704"/>
-                  </a:lnTo>
-                  <a:lnTo>
-                    <a:pt x="1949" y="2729"/>
-                  </a:lnTo>
-                  <a:lnTo>
-                    <a:pt x="1633" y="2777"/>
-                  </a:lnTo>
-                  <a:lnTo>
-                    <a:pt x="1316" y="2850"/>
-                  </a:lnTo>
-                  <a:lnTo>
-                    <a:pt x="999" y="2972"/>
-                  </a:lnTo>
-                  <a:lnTo>
-                    <a:pt x="707" y="3094"/>
-                  </a:lnTo>
-                  <a:lnTo>
-                    <a:pt x="415" y="3289"/>
-                  </a:lnTo>
-                  <a:lnTo>
-                    <a:pt x="147" y="3508"/>
-                  </a:lnTo>
-                  <a:lnTo>
-                    <a:pt x="147" y="3508"/>
-                  </a:lnTo>
-                  <a:lnTo>
-                    <a:pt x="74" y="3581"/>
-                  </a:lnTo>
-                  <a:lnTo>
-                    <a:pt x="25" y="3678"/>
-                  </a:lnTo>
-                  <a:lnTo>
-                    <a:pt x="1" y="3776"/>
-                  </a:lnTo>
-                  <a:lnTo>
-                    <a:pt x="1" y="3898"/>
-                  </a:lnTo>
-                  <a:lnTo>
-                    <a:pt x="1" y="3898"/>
-                  </a:lnTo>
-                  <a:lnTo>
-                    <a:pt x="1" y="3995"/>
-                  </a:lnTo>
-                  <a:lnTo>
-                    <a:pt x="25" y="4093"/>
-                  </a:lnTo>
-                  <a:lnTo>
-                    <a:pt x="74" y="4190"/>
-                  </a:lnTo>
-                  <a:lnTo>
-                    <a:pt x="147" y="4287"/>
-                  </a:lnTo>
-                  <a:lnTo>
-                    <a:pt x="7843" y="11984"/>
-                  </a:lnTo>
-                  <a:lnTo>
-                    <a:pt x="7843" y="11984"/>
-                  </a:lnTo>
-                  <a:lnTo>
-                    <a:pt x="7941" y="12057"/>
-                  </a:lnTo>
-                  <a:lnTo>
-                    <a:pt x="8038" y="12105"/>
-                  </a:lnTo>
-                  <a:lnTo>
-                    <a:pt x="8135" y="12130"/>
-                  </a:lnTo>
-                  <a:lnTo>
-                    <a:pt x="8233" y="12130"/>
-                  </a:lnTo>
-                  <a:lnTo>
-                    <a:pt x="8233" y="12130"/>
-                  </a:lnTo>
-                  <a:lnTo>
-                    <a:pt x="8355" y="12130"/>
-                  </a:lnTo>
-                  <a:lnTo>
-                    <a:pt x="8452" y="12105"/>
-                  </a:lnTo>
-                  <a:lnTo>
-                    <a:pt x="8549" y="12057"/>
-                  </a:lnTo>
-                  <a:lnTo>
-                    <a:pt x="8622" y="11984"/>
-                  </a:lnTo>
-                  <a:lnTo>
-                    <a:pt x="8622" y="11984"/>
-                  </a:lnTo>
-                  <a:lnTo>
-                    <a:pt x="8842" y="11716"/>
-                  </a:lnTo>
-                  <a:lnTo>
-                    <a:pt x="9036" y="11423"/>
-                  </a:lnTo>
-                  <a:lnTo>
-                    <a:pt x="9158" y="11131"/>
-                  </a:lnTo>
-                  <a:lnTo>
-                    <a:pt x="9280" y="10814"/>
-                  </a:lnTo>
-                  <a:lnTo>
-                    <a:pt x="9353" y="10498"/>
-                  </a:lnTo>
-                  <a:lnTo>
-                    <a:pt x="9402" y="10181"/>
-                  </a:lnTo>
-                  <a:lnTo>
-                    <a:pt x="9426" y="9889"/>
-                  </a:lnTo>
-                  <a:lnTo>
-                    <a:pt x="9426" y="9597"/>
-                  </a:lnTo>
-                  <a:lnTo>
-                    <a:pt x="9426" y="9597"/>
-                  </a:lnTo>
-                  <a:lnTo>
-                    <a:pt x="9426" y="9280"/>
-                  </a:lnTo>
-                  <a:lnTo>
-                    <a:pt x="9402" y="8964"/>
-                  </a:lnTo>
-                  <a:lnTo>
-                    <a:pt x="9353" y="8647"/>
-                  </a:lnTo>
-                  <a:lnTo>
-                    <a:pt x="9280" y="8330"/>
-                  </a:lnTo>
-                  <a:lnTo>
-                    <a:pt x="9231" y="8038"/>
-                  </a:lnTo>
-                  <a:lnTo>
-                    <a:pt x="9134" y="7746"/>
-                  </a:lnTo>
-                  <a:lnTo>
-                    <a:pt x="9036" y="7502"/>
-                  </a:lnTo>
-                  <a:lnTo>
-                    <a:pt x="8939" y="7259"/>
-                  </a:lnTo>
-                  <a:lnTo>
-                    <a:pt x="12130" y="4093"/>
-                  </a:lnTo>
-                </a:path>
-              </a:pathLst>
-            </a:custGeom>
-            <a:noFill/>
-            <a:ln w="9525" cap="rnd" cmpd="sng">
-              <a:solidFill>
-                <a:srgbClr val="000000"/>
-              </a:solidFill>
-              <a:prstDash val="solid"/>
-              <a:round/>
-              <a:headEnd type="none" w="med" len="med"/>
-              <a:tailEnd type="none" w="med" len="med"/>
-            </a:ln>
-          </p:spPr>
-          <p:txBody>
-            <a:bodyPr lIns="121900" tIns="121900" rIns="121900" bIns="121900" anchor="ctr" anchorCtr="0">
-              <a:noAutofit/>
-            </a:bodyPr>
-            <a:lstStyle/>
-            <a:p>
-              <a:endParaRPr sz="2400"/>
-            </a:p>
-          </p:txBody>
-        </p:sp>
-        <p:sp>
-          <p:nvSpPr>
-            <p:cNvPr id="116" name="Shape 116"/>
-            <p:cNvSpPr/>
-            <p:nvPr/>
-          </p:nvSpPr>
-          <p:spPr>
-            <a:xfrm>
-              <a:off x="2814911" y="1754061"/>
-              <a:ext cx="49950" cy="49950"/>
-            </a:xfrm>
-            <a:custGeom>
-              <a:avLst/>
-              <a:gdLst/>
-              <a:ahLst/>
-              <a:cxnLst/>
-              <a:rect l="0" t="0" r="0" b="0"/>
-              <a:pathLst>
-                <a:path w="1998" h="1998" fill="none" extrusionOk="0">
-                  <a:moveTo>
-                    <a:pt x="1" y="1997"/>
-                  </a:moveTo>
-                  <a:lnTo>
-                    <a:pt x="1998" y="0"/>
-                  </a:lnTo>
-                </a:path>
-              </a:pathLst>
-            </a:custGeom>
-            <a:noFill/>
-            <a:ln w="9525" cap="rnd" cmpd="sng">
-              <a:solidFill>
-                <a:srgbClr val="000000"/>
-              </a:solidFill>
-              <a:prstDash val="solid"/>
-              <a:round/>
-              <a:headEnd type="none" w="med" len="med"/>
-              <a:tailEnd type="none" w="med" len="med"/>
-            </a:ln>
-          </p:spPr>
-          <p:txBody>
-            <a:bodyPr lIns="121900" tIns="121900" rIns="121900" bIns="121900" anchor="ctr" anchorCtr="0">
-              <a:noAutofit/>
-            </a:bodyPr>
-            <a:lstStyle/>
-            <a:p>
-              <a:endParaRPr sz="2400"/>
-            </a:p>
-          </p:txBody>
-        </p:sp>
-      </p:grpSp>
-      <p:sp>
-        <p:nvSpPr>
-          <p:cNvPr id="10" name="Shape 111"/>
-          <p:cNvSpPr txBox="1">
-            <a:spLocks/>
-          </p:cNvSpPr>
-          <p:nvPr/>
-        </p:nvSpPr>
-        <p:spPr>
-          <a:xfrm>
-            <a:off x="1393562" y="1997620"/>
-            <a:ext cx="9079600" cy="961538"/>
-          </a:xfrm>
-          <a:prstGeom prst="rect">
-            <a:avLst/>
-          </a:prstGeom>
-        </p:spPr>
-        <p:txBody>
-          <a:bodyPr vert="horz" lIns="121900" tIns="121900" rIns="121900" bIns="121900" rtlCol="0" anchor="t" anchorCtr="0">
-            <a:noAutofit/>
-          </a:bodyPr>
-          <a:lstStyle>
-            <a:lvl1pPr marL="228600" lvl="0" indent="-228600" algn="l" defTabSz="914400" rtl="0" eaLnBrk="1" latinLnBrk="0" hangingPunct="1">
-              <a:lnSpc>
-                <a:spcPct val="90000"/>
-              </a:lnSpc>
-              <a:spcBef>
-                <a:spcPts val="800"/>
-              </a:spcBef>
-              <a:buClr>
-                <a:srgbClr val="FFCD00"/>
-              </a:buClr>
-              <a:buSzPct val="100000"/>
-              <a:buFont typeface="Quattrocento Sans"/>
-              <a:buChar char="◉"/>
-              <a:defRPr sz="3200" kern="1200">
-                <a:solidFill>
-                  <a:schemeClr val="tx1"/>
-                </a:solidFill>
-                <a:latin typeface="Quattrocento Sans"/>
-                <a:ea typeface="Quattrocento Sans"/>
-                <a:cs typeface="Quattrocento Sans"/>
-                <a:sym typeface="Quattrocento Sans"/>
-              </a:defRPr>
-            </a:lvl1pPr>
-            <a:lvl2pPr marL="685800" lvl="1" indent="-228600" algn="l" defTabSz="914400" rtl="0" eaLnBrk="1" latinLnBrk="0" hangingPunct="1">
-              <a:lnSpc>
-                <a:spcPct val="90000"/>
-              </a:lnSpc>
-              <a:spcBef>
-                <a:spcPts val="640"/>
-              </a:spcBef>
-              <a:buClr>
-                <a:srgbClr val="FFCD00"/>
-              </a:buClr>
-              <a:buSzPct val="100000"/>
-              <a:buFont typeface="Quattrocento Sans"/>
-              <a:buChar char="•"/>
-              <a:defRPr sz="2667" kern="1200">
-                <a:solidFill>
-                  <a:schemeClr val="tx1"/>
-                </a:solidFill>
-                <a:latin typeface="Quattrocento Sans"/>
-                <a:ea typeface="Quattrocento Sans"/>
-                <a:cs typeface="Quattrocento Sans"/>
-                <a:sym typeface="Quattrocento Sans"/>
-              </a:defRPr>
-            </a:lvl2pPr>
-            <a:lvl3pPr marL="1143000" lvl="2" indent="-228600" algn="l" defTabSz="914400" rtl="0" eaLnBrk="1" latinLnBrk="0" hangingPunct="1">
-              <a:lnSpc>
-                <a:spcPct val="90000"/>
-              </a:lnSpc>
-              <a:spcBef>
-                <a:spcPts val="640"/>
-              </a:spcBef>
-              <a:buClr>
-                <a:srgbClr val="FFCD00"/>
-              </a:buClr>
-              <a:buSzPct val="100000"/>
-              <a:buFont typeface="Quattrocento Sans"/>
-              <a:buChar char="•"/>
-              <a:defRPr sz="2667" kern="1200">
-                <a:solidFill>
-                  <a:schemeClr val="tx1"/>
-                </a:solidFill>
-                <a:latin typeface="Quattrocento Sans"/>
-                <a:ea typeface="Quattrocento Sans"/>
-                <a:cs typeface="Quattrocento Sans"/>
-                <a:sym typeface="Quattrocento Sans"/>
-              </a:defRPr>
-            </a:lvl3pPr>
-            <a:lvl4pPr marL="1600200" lvl="3" indent="-228600" algn="l" defTabSz="914400" rtl="0" eaLnBrk="1" latinLnBrk="0" hangingPunct="1">
-              <a:lnSpc>
-                <a:spcPct val="90000"/>
-              </a:lnSpc>
-              <a:spcBef>
-                <a:spcPts val="480"/>
-              </a:spcBef>
-              <a:buClr>
-                <a:srgbClr val="FFCD00"/>
-              </a:buClr>
-              <a:buSzPct val="100000"/>
-              <a:buFont typeface="Quattrocento Sans"/>
-              <a:buChar char="•"/>
-              <a:defRPr sz="2400" kern="1200">
-                <a:solidFill>
-                  <a:schemeClr val="tx1"/>
-                </a:solidFill>
-                <a:latin typeface="Quattrocento Sans"/>
-                <a:ea typeface="Quattrocento Sans"/>
-                <a:cs typeface="Quattrocento Sans"/>
-                <a:sym typeface="Quattrocento Sans"/>
-              </a:defRPr>
-            </a:lvl4pPr>
-            <a:lvl5pPr marL="2057400" lvl="4" indent="-228600" algn="l" defTabSz="914400" rtl="0" eaLnBrk="1" latinLnBrk="0" hangingPunct="1">
-              <a:lnSpc>
-                <a:spcPct val="90000"/>
-              </a:lnSpc>
-              <a:spcBef>
-                <a:spcPts val="480"/>
-              </a:spcBef>
-              <a:buClr>
-                <a:srgbClr val="FFCD00"/>
-              </a:buClr>
-              <a:buSzPct val="100000"/>
-              <a:buFont typeface="Quattrocento Sans"/>
-              <a:buChar char="•"/>
-              <a:defRPr sz="2400" kern="1200">
-                <a:solidFill>
-                  <a:schemeClr val="tx1"/>
-                </a:solidFill>
-                <a:latin typeface="Quattrocento Sans"/>
-                <a:ea typeface="Quattrocento Sans"/>
-                <a:cs typeface="Quattrocento Sans"/>
-                <a:sym typeface="Quattrocento Sans"/>
-              </a:defRPr>
-            </a:lvl5pPr>
-            <a:lvl6pPr marL="2514600" lvl="5" indent="-228600" algn="l" defTabSz="914400" rtl="0" eaLnBrk="1" latinLnBrk="0" hangingPunct="1">
-              <a:lnSpc>
-                <a:spcPct val="90000"/>
-              </a:lnSpc>
-              <a:spcBef>
-                <a:spcPts val="480"/>
-              </a:spcBef>
-              <a:buClr>
-                <a:srgbClr val="FFCD00"/>
-              </a:buClr>
-              <a:buSzPct val="100000"/>
-              <a:buFont typeface="Quattrocento Sans"/>
-              <a:buChar char="•"/>
-              <a:defRPr sz="2400" kern="1200">
-                <a:solidFill>
-                  <a:schemeClr val="tx1"/>
-                </a:solidFill>
-                <a:latin typeface="Quattrocento Sans"/>
-                <a:ea typeface="Quattrocento Sans"/>
-                <a:cs typeface="Quattrocento Sans"/>
-                <a:sym typeface="Quattrocento Sans"/>
-              </a:defRPr>
-            </a:lvl6pPr>
-            <a:lvl7pPr marL="2971800" lvl="6" indent="-228600" algn="l" defTabSz="914400" rtl="0" eaLnBrk="1" latinLnBrk="0" hangingPunct="1">
-              <a:lnSpc>
-                <a:spcPct val="90000"/>
-              </a:lnSpc>
-              <a:spcBef>
-                <a:spcPts val="480"/>
-              </a:spcBef>
-              <a:buClr>
-                <a:srgbClr val="FFCD00"/>
-              </a:buClr>
-              <a:buSzPct val="100000"/>
-              <a:buFont typeface="Quattrocento Sans"/>
-              <a:buChar char="•"/>
-              <a:defRPr sz="2400" kern="1200">
-                <a:solidFill>
-                  <a:schemeClr val="tx1"/>
-                </a:solidFill>
-                <a:latin typeface="Quattrocento Sans"/>
-                <a:ea typeface="Quattrocento Sans"/>
-                <a:cs typeface="Quattrocento Sans"/>
-                <a:sym typeface="Quattrocento Sans"/>
-              </a:defRPr>
-            </a:lvl7pPr>
-            <a:lvl8pPr marL="3429000" lvl="7" indent="-228600" algn="l" defTabSz="914400" rtl="0" eaLnBrk="1" latinLnBrk="0" hangingPunct="1">
-              <a:lnSpc>
-                <a:spcPct val="90000"/>
-              </a:lnSpc>
-              <a:spcBef>
-                <a:spcPts val="480"/>
-              </a:spcBef>
-              <a:buClr>
-                <a:srgbClr val="FFCD00"/>
-              </a:buClr>
-              <a:buSzPct val="100000"/>
-              <a:buFont typeface="Quattrocento Sans"/>
-              <a:buChar char="•"/>
-              <a:defRPr sz="2400" kern="1200">
-                <a:solidFill>
-                  <a:schemeClr val="tx1"/>
-                </a:solidFill>
-                <a:latin typeface="Quattrocento Sans"/>
-                <a:ea typeface="Quattrocento Sans"/>
-                <a:cs typeface="Quattrocento Sans"/>
-                <a:sym typeface="Quattrocento Sans"/>
-              </a:defRPr>
-            </a:lvl8pPr>
-            <a:lvl9pPr marL="3886200" lvl="8" indent="-228600" algn="l" defTabSz="914400" rtl="0" eaLnBrk="1" latinLnBrk="0" hangingPunct="1">
-              <a:lnSpc>
-                <a:spcPct val="90000"/>
-              </a:lnSpc>
-              <a:spcBef>
-                <a:spcPts val="480"/>
-              </a:spcBef>
-              <a:buClr>
-                <a:srgbClr val="FFCD00"/>
-              </a:buClr>
-              <a:buSzPct val="100000"/>
-              <a:buFont typeface="Quattrocento Sans"/>
-              <a:buChar char="•"/>
-              <a:defRPr sz="2400" kern="1200">
-                <a:solidFill>
-                  <a:schemeClr val="tx1"/>
-                </a:solidFill>
-                <a:latin typeface="Quattrocento Sans"/>
-                <a:ea typeface="Quattrocento Sans"/>
-                <a:cs typeface="Quattrocento Sans"/>
-                <a:sym typeface="Quattrocento Sans"/>
-              </a:defRPr>
-            </a:lvl9pPr>
-          </a:lstStyle>
-          <a:p>
-            <a:pPr marL="304793" indent="0">
-              <a:lnSpc>
-                <a:spcPct val="100000"/>
-              </a:lnSpc>
-              <a:spcBef>
-                <a:spcPts val="0"/>
-              </a:spcBef>
-              <a:buNone/>
-            </a:pPr>
-            <a:r>
-              <a:rPr lang="pt-PT" sz="2800" dirty="0" smtClean="0"/>
-              <a:t>Análise breve do estado atual do ensino da programação</a:t>
-            </a:r>
-          </a:p>
-        </p:txBody>
-      </p:sp>
-    </p:spTree>
-    <p:extLst>
-      <p:ext uri="{BB962C8B-B14F-4D97-AF65-F5344CB8AC3E}">
-        <p14:creationId xmlns:p14="http://schemas.microsoft.com/office/powerpoint/2010/main" val="2532866178"/>
       </p:ext>
     </p:extLst>
   </p:cSld>
@@ -21268,7 +22256,7 @@
           <a:p>
             <a:r>
               <a:rPr lang="pt-PT" dirty="0" smtClean="0"/>
-              <a:t>Ensino dos Jogos</a:t>
+              <a:t>Ensino da Programação</a:t>
             </a:r>
             <a:endParaRPr lang="pt-PT" dirty="0">
               <a:highlight>
@@ -21290,8 +22278,8 @@
         </p:nvSpPr>
         <p:spPr>
           <a:xfrm>
-            <a:off x="1393562" y="4273547"/>
-            <a:ext cx="9079600" cy="1025770"/>
+            <a:off x="1600367" y="3355730"/>
+            <a:ext cx="9079600" cy="2641542"/>
           </a:xfrm>
           <a:prstGeom prst="rect">
             <a:avLst/>
@@ -21313,7 +22301,32 @@
             </a:pPr>
             <a:r>
               <a:rPr lang="pt-PT" sz="2800" dirty="0" smtClean="0"/>
-              <a:t>Seguindo o IGDA Curriculum Framework</a:t>
+              <a:t>Linguagens mais usadas (C, C++, Java)</a:t>
+            </a:r>
+          </a:p>
+          <a:p>
+            <a:pPr marL="609585" indent="-304792">
+              <a:lnSpc>
+                <a:spcPct val="100000"/>
+              </a:lnSpc>
+              <a:spcBef>
+                <a:spcPts val="0"/>
+              </a:spcBef>
+            </a:pPr>
+            <a:endParaRPr lang="pt-PT" sz="2800" dirty="0" smtClean="0"/>
+          </a:p>
+          <a:p>
+            <a:pPr marL="609585" indent="-304792">
+              <a:lnSpc>
+                <a:spcPct val="100000"/>
+              </a:lnSpc>
+              <a:spcBef>
+                <a:spcPts val="0"/>
+              </a:spcBef>
+            </a:pPr>
+            <a:r>
+              <a:rPr lang="pt-PT" sz="2800" dirty="0" smtClean="0"/>
+              <a:t>Paradigmas e Programas de estudos em unidades curriculares de introdução à programação</a:t>
             </a:r>
             <a:endParaRPr lang="pt-PT" sz="2800" dirty="0"/>
           </a:p>
@@ -21863,7 +22876,7 @@
         </p:nvSpPr>
         <p:spPr>
           <a:xfrm>
-            <a:off x="1279015" y="2526470"/>
+            <a:off x="1393562" y="1997620"/>
             <a:ext cx="9079600" cy="961538"/>
           </a:xfrm>
           <a:prstGeom prst="rect">
@@ -22095,7 +23108,7 @@
             </a:pPr>
             <a:r>
               <a:rPr lang="pt-PT" sz="2800" dirty="0" smtClean="0"/>
-              <a:t>Análise das componentes principais componentes de um programa de introdução ao desenvolvimento de jogos  </a:t>
+              <a:t>Análise breve do estado atual do ensino da programação</a:t>
             </a:r>
           </a:p>
         </p:txBody>
@@ -22103,7 +23116,7 @@
     </p:spTree>
     <p:extLst>
       <p:ext uri="{BB962C8B-B14F-4D97-AF65-F5344CB8AC3E}">
-        <p14:creationId xmlns:p14="http://schemas.microsoft.com/office/powerpoint/2010/main" val="3621700701"/>
+        <p14:creationId xmlns:p14="http://schemas.microsoft.com/office/powerpoint/2010/main" val="2532866178"/>
       </p:ext>
     </p:extLst>
   </p:cSld>
@@ -22164,7 +23177,7 @@
           <a:p>
             <a:r>
               <a:rPr lang="pt-PT" dirty="0" smtClean="0"/>
-              <a:t>Jogos no Ensino</a:t>
+              <a:t>Ensino dos Jogos</a:t>
             </a:r>
             <a:endParaRPr lang="pt-PT" dirty="0">
               <a:highlight>
@@ -22186,8 +23199,8 @@
         </p:nvSpPr>
         <p:spPr>
           <a:xfrm>
-            <a:off x="1508109" y="2514599"/>
-            <a:ext cx="9079600" cy="2697161"/>
+            <a:off x="1393562" y="4273547"/>
+            <a:ext cx="9079600" cy="1025770"/>
           </a:xfrm>
           <a:prstGeom prst="rect">
             <a:avLst/>
@@ -22208,46 +23221,10 @@
               </a:spcBef>
             </a:pPr>
             <a:r>
-              <a:rPr lang="pt-PT" sz="6000" dirty="0" smtClean="0"/>
-              <a:t>Jogos Didáticos</a:t>
+              <a:rPr lang="pt-PT" sz="2800" dirty="0" smtClean="0"/>
+              <a:t>Seguindo o IGDA Curriculum Framework</a:t>
             </a:r>
-          </a:p>
-          <a:p>
-            <a:pPr marL="609585" indent="-304792">
-              <a:lnSpc>
-                <a:spcPct val="100000"/>
-              </a:lnSpc>
-              <a:spcBef>
-                <a:spcPts val="0"/>
-              </a:spcBef>
-            </a:pPr>
-            <a:endParaRPr lang="en-US" sz="2800" dirty="0" smtClean="0"/>
-          </a:p>
-          <a:p>
-            <a:pPr marL="609585" indent="-304792">
-              <a:lnSpc>
-                <a:spcPct val="100000"/>
-              </a:lnSpc>
-              <a:spcBef>
-                <a:spcPts val="0"/>
-              </a:spcBef>
-            </a:pPr>
-            <a:endParaRPr lang="pt-PT" sz="2800" dirty="0" smtClean="0"/>
-          </a:p>
-          <a:p>
-            <a:pPr marL="609585" indent="-304792">
-              <a:lnSpc>
-                <a:spcPct val="100000"/>
-              </a:lnSpc>
-              <a:spcBef>
-                <a:spcPts val="0"/>
-              </a:spcBef>
-            </a:pPr>
-            <a:r>
-              <a:rPr lang="pt-PT" sz="6000" dirty="0" smtClean="0"/>
-              <a:t>Ludificação</a:t>
-            </a:r>
-            <a:endParaRPr lang="pt-PT" sz="6000" dirty="0"/>
+            <a:endParaRPr lang="pt-PT" sz="2800" dirty="0"/>
           </a:p>
         </p:txBody>
       </p:sp>
@@ -22785,10 +23762,257 @@
           </p:txBody>
         </p:sp>
       </p:grpSp>
+      <p:sp>
+        <p:nvSpPr>
+          <p:cNvPr id="10" name="Shape 111"/>
+          <p:cNvSpPr txBox="1">
+            <a:spLocks/>
+          </p:cNvSpPr>
+          <p:nvPr/>
+        </p:nvSpPr>
+        <p:spPr>
+          <a:xfrm>
+            <a:off x="1279015" y="2526470"/>
+            <a:ext cx="9079600" cy="961538"/>
+          </a:xfrm>
+          <a:prstGeom prst="rect">
+            <a:avLst/>
+          </a:prstGeom>
+        </p:spPr>
+        <p:txBody>
+          <a:bodyPr vert="horz" lIns="121900" tIns="121900" rIns="121900" bIns="121900" rtlCol="0" anchor="t" anchorCtr="0">
+            <a:noAutofit/>
+          </a:bodyPr>
+          <a:lstStyle>
+            <a:lvl1pPr marL="228600" lvl="0" indent="-228600" algn="l" defTabSz="914400" rtl="0" eaLnBrk="1" latinLnBrk="0" hangingPunct="1">
+              <a:lnSpc>
+                <a:spcPct val="90000"/>
+              </a:lnSpc>
+              <a:spcBef>
+                <a:spcPts val="800"/>
+              </a:spcBef>
+              <a:buClr>
+                <a:srgbClr val="FFCD00"/>
+              </a:buClr>
+              <a:buSzPct val="100000"/>
+              <a:buFont typeface="Quattrocento Sans"/>
+              <a:buChar char="◉"/>
+              <a:defRPr sz="3200" kern="1200">
+                <a:solidFill>
+                  <a:schemeClr val="tx1"/>
+                </a:solidFill>
+                <a:latin typeface="Quattrocento Sans"/>
+                <a:ea typeface="Quattrocento Sans"/>
+                <a:cs typeface="Quattrocento Sans"/>
+                <a:sym typeface="Quattrocento Sans"/>
+              </a:defRPr>
+            </a:lvl1pPr>
+            <a:lvl2pPr marL="685800" lvl="1" indent="-228600" algn="l" defTabSz="914400" rtl="0" eaLnBrk="1" latinLnBrk="0" hangingPunct="1">
+              <a:lnSpc>
+                <a:spcPct val="90000"/>
+              </a:lnSpc>
+              <a:spcBef>
+                <a:spcPts val="640"/>
+              </a:spcBef>
+              <a:buClr>
+                <a:srgbClr val="FFCD00"/>
+              </a:buClr>
+              <a:buSzPct val="100000"/>
+              <a:buFont typeface="Quattrocento Sans"/>
+              <a:buChar char="•"/>
+              <a:defRPr sz="2667" kern="1200">
+                <a:solidFill>
+                  <a:schemeClr val="tx1"/>
+                </a:solidFill>
+                <a:latin typeface="Quattrocento Sans"/>
+                <a:ea typeface="Quattrocento Sans"/>
+                <a:cs typeface="Quattrocento Sans"/>
+                <a:sym typeface="Quattrocento Sans"/>
+              </a:defRPr>
+            </a:lvl2pPr>
+            <a:lvl3pPr marL="1143000" lvl="2" indent="-228600" algn="l" defTabSz="914400" rtl="0" eaLnBrk="1" latinLnBrk="0" hangingPunct="1">
+              <a:lnSpc>
+                <a:spcPct val="90000"/>
+              </a:lnSpc>
+              <a:spcBef>
+                <a:spcPts val="640"/>
+              </a:spcBef>
+              <a:buClr>
+                <a:srgbClr val="FFCD00"/>
+              </a:buClr>
+              <a:buSzPct val="100000"/>
+              <a:buFont typeface="Quattrocento Sans"/>
+              <a:buChar char="•"/>
+              <a:defRPr sz="2667" kern="1200">
+                <a:solidFill>
+                  <a:schemeClr val="tx1"/>
+                </a:solidFill>
+                <a:latin typeface="Quattrocento Sans"/>
+                <a:ea typeface="Quattrocento Sans"/>
+                <a:cs typeface="Quattrocento Sans"/>
+                <a:sym typeface="Quattrocento Sans"/>
+              </a:defRPr>
+            </a:lvl3pPr>
+            <a:lvl4pPr marL="1600200" lvl="3" indent="-228600" algn="l" defTabSz="914400" rtl="0" eaLnBrk="1" latinLnBrk="0" hangingPunct="1">
+              <a:lnSpc>
+                <a:spcPct val="90000"/>
+              </a:lnSpc>
+              <a:spcBef>
+                <a:spcPts val="480"/>
+              </a:spcBef>
+              <a:buClr>
+                <a:srgbClr val="FFCD00"/>
+              </a:buClr>
+              <a:buSzPct val="100000"/>
+              <a:buFont typeface="Quattrocento Sans"/>
+              <a:buChar char="•"/>
+              <a:defRPr sz="2400" kern="1200">
+                <a:solidFill>
+                  <a:schemeClr val="tx1"/>
+                </a:solidFill>
+                <a:latin typeface="Quattrocento Sans"/>
+                <a:ea typeface="Quattrocento Sans"/>
+                <a:cs typeface="Quattrocento Sans"/>
+                <a:sym typeface="Quattrocento Sans"/>
+              </a:defRPr>
+            </a:lvl4pPr>
+            <a:lvl5pPr marL="2057400" lvl="4" indent="-228600" algn="l" defTabSz="914400" rtl="0" eaLnBrk="1" latinLnBrk="0" hangingPunct="1">
+              <a:lnSpc>
+                <a:spcPct val="90000"/>
+              </a:lnSpc>
+              <a:spcBef>
+                <a:spcPts val="480"/>
+              </a:spcBef>
+              <a:buClr>
+                <a:srgbClr val="FFCD00"/>
+              </a:buClr>
+              <a:buSzPct val="100000"/>
+              <a:buFont typeface="Quattrocento Sans"/>
+              <a:buChar char="•"/>
+              <a:defRPr sz="2400" kern="1200">
+                <a:solidFill>
+                  <a:schemeClr val="tx1"/>
+                </a:solidFill>
+                <a:latin typeface="Quattrocento Sans"/>
+                <a:ea typeface="Quattrocento Sans"/>
+                <a:cs typeface="Quattrocento Sans"/>
+                <a:sym typeface="Quattrocento Sans"/>
+              </a:defRPr>
+            </a:lvl5pPr>
+            <a:lvl6pPr marL="2514600" lvl="5" indent="-228600" algn="l" defTabSz="914400" rtl="0" eaLnBrk="1" latinLnBrk="0" hangingPunct="1">
+              <a:lnSpc>
+                <a:spcPct val="90000"/>
+              </a:lnSpc>
+              <a:spcBef>
+                <a:spcPts val="480"/>
+              </a:spcBef>
+              <a:buClr>
+                <a:srgbClr val="FFCD00"/>
+              </a:buClr>
+              <a:buSzPct val="100000"/>
+              <a:buFont typeface="Quattrocento Sans"/>
+              <a:buChar char="•"/>
+              <a:defRPr sz="2400" kern="1200">
+                <a:solidFill>
+                  <a:schemeClr val="tx1"/>
+                </a:solidFill>
+                <a:latin typeface="Quattrocento Sans"/>
+                <a:ea typeface="Quattrocento Sans"/>
+                <a:cs typeface="Quattrocento Sans"/>
+                <a:sym typeface="Quattrocento Sans"/>
+              </a:defRPr>
+            </a:lvl6pPr>
+            <a:lvl7pPr marL="2971800" lvl="6" indent="-228600" algn="l" defTabSz="914400" rtl="0" eaLnBrk="1" latinLnBrk="0" hangingPunct="1">
+              <a:lnSpc>
+                <a:spcPct val="90000"/>
+              </a:lnSpc>
+              <a:spcBef>
+                <a:spcPts val="480"/>
+              </a:spcBef>
+              <a:buClr>
+                <a:srgbClr val="FFCD00"/>
+              </a:buClr>
+              <a:buSzPct val="100000"/>
+              <a:buFont typeface="Quattrocento Sans"/>
+              <a:buChar char="•"/>
+              <a:defRPr sz="2400" kern="1200">
+                <a:solidFill>
+                  <a:schemeClr val="tx1"/>
+                </a:solidFill>
+                <a:latin typeface="Quattrocento Sans"/>
+                <a:ea typeface="Quattrocento Sans"/>
+                <a:cs typeface="Quattrocento Sans"/>
+                <a:sym typeface="Quattrocento Sans"/>
+              </a:defRPr>
+            </a:lvl7pPr>
+            <a:lvl8pPr marL="3429000" lvl="7" indent="-228600" algn="l" defTabSz="914400" rtl="0" eaLnBrk="1" latinLnBrk="0" hangingPunct="1">
+              <a:lnSpc>
+                <a:spcPct val="90000"/>
+              </a:lnSpc>
+              <a:spcBef>
+                <a:spcPts val="480"/>
+              </a:spcBef>
+              <a:buClr>
+                <a:srgbClr val="FFCD00"/>
+              </a:buClr>
+              <a:buSzPct val="100000"/>
+              <a:buFont typeface="Quattrocento Sans"/>
+              <a:buChar char="•"/>
+              <a:defRPr sz="2400" kern="1200">
+                <a:solidFill>
+                  <a:schemeClr val="tx1"/>
+                </a:solidFill>
+                <a:latin typeface="Quattrocento Sans"/>
+                <a:ea typeface="Quattrocento Sans"/>
+                <a:cs typeface="Quattrocento Sans"/>
+                <a:sym typeface="Quattrocento Sans"/>
+              </a:defRPr>
+            </a:lvl8pPr>
+            <a:lvl9pPr marL="3886200" lvl="8" indent="-228600" algn="l" defTabSz="914400" rtl="0" eaLnBrk="1" latinLnBrk="0" hangingPunct="1">
+              <a:lnSpc>
+                <a:spcPct val="90000"/>
+              </a:lnSpc>
+              <a:spcBef>
+                <a:spcPts val="480"/>
+              </a:spcBef>
+              <a:buClr>
+                <a:srgbClr val="FFCD00"/>
+              </a:buClr>
+              <a:buSzPct val="100000"/>
+              <a:buFont typeface="Quattrocento Sans"/>
+              <a:buChar char="•"/>
+              <a:defRPr sz="2400" kern="1200">
+                <a:solidFill>
+                  <a:schemeClr val="tx1"/>
+                </a:solidFill>
+                <a:latin typeface="Quattrocento Sans"/>
+                <a:ea typeface="Quattrocento Sans"/>
+                <a:cs typeface="Quattrocento Sans"/>
+                <a:sym typeface="Quattrocento Sans"/>
+              </a:defRPr>
+            </a:lvl9pPr>
+          </a:lstStyle>
+          <a:p>
+            <a:pPr marL="304793" indent="0">
+              <a:lnSpc>
+                <a:spcPct val="100000"/>
+              </a:lnSpc>
+              <a:spcBef>
+                <a:spcPts val="0"/>
+              </a:spcBef>
+              <a:buNone/>
+            </a:pPr>
+            <a:r>
+              <a:rPr lang="pt-PT" sz="2800" dirty="0" smtClean="0"/>
+              <a:t>Análise das componentes principais componentes de um programa de introdução ao desenvolvimento de jogos  </a:t>
+            </a:r>
+          </a:p>
+        </p:txBody>
+      </p:sp>
     </p:spTree>
     <p:extLst>
       <p:ext uri="{BB962C8B-B14F-4D97-AF65-F5344CB8AC3E}">
-        <p14:creationId xmlns:p14="http://schemas.microsoft.com/office/powerpoint/2010/main" val="2835051010"/>
+        <p14:creationId xmlns:p14="http://schemas.microsoft.com/office/powerpoint/2010/main" val="3621700701"/>
       </p:ext>
     </p:extLst>
   </p:cSld>
@@ -22893,15 +24117,6 @@
               </a:rPr>
               <a:t>3</a:t>
             </a:r>
-            <a:endParaRPr lang="en" sz="3200" dirty="0">
-              <a:solidFill>
-                <a:schemeClr val="dk1"/>
-              </a:solidFill>
-              <a:latin typeface="Lora"/>
-              <a:ea typeface="Lora"/>
-              <a:cs typeface="Lora"/>
-              <a:sym typeface="Lora"/>
-            </a:endParaRPr>
           </a:p>
         </p:txBody>
       </p:sp>

--- a/apresentacao/apresentacao.pptx
+++ b/apresentacao/apresentacao.pptx
@@ -5,7 +5,7 @@
     <p:sldMasterId id="2147483648" r:id="rId1"/>
   </p:sldMasterIdLst>
   <p:notesMasterIdLst>
-    <p:notesMasterId r:id="rId34"/>
+    <p:notesMasterId r:id="rId37"/>
   </p:notesMasterIdLst>
   <p:sldIdLst>
     <p:sldId id="257" r:id="rId2"/>
@@ -22,24 +22,27 @@
     <p:sldId id="294" r:id="rId13"/>
     <p:sldId id="281" r:id="rId14"/>
     <p:sldId id="282" r:id="rId15"/>
-    <p:sldId id="284" r:id="rId16"/>
-    <p:sldId id="277" r:id="rId17"/>
-    <p:sldId id="267" r:id="rId18"/>
-    <p:sldId id="268" r:id="rId19"/>
-    <p:sldId id="269" r:id="rId20"/>
-    <p:sldId id="270" r:id="rId21"/>
-    <p:sldId id="271" r:id="rId22"/>
-    <p:sldId id="272" r:id="rId23"/>
-    <p:sldId id="273" r:id="rId24"/>
-    <p:sldId id="274" r:id="rId25"/>
-    <p:sldId id="275" r:id="rId26"/>
-    <p:sldId id="276" r:id="rId27"/>
-    <p:sldId id="263" r:id="rId28"/>
-    <p:sldId id="289" r:id="rId29"/>
-    <p:sldId id="288" r:id="rId30"/>
-    <p:sldId id="290" r:id="rId31"/>
-    <p:sldId id="292" r:id="rId32"/>
-    <p:sldId id="291" r:id="rId33"/>
+    <p:sldId id="295" r:id="rId16"/>
+    <p:sldId id="284" r:id="rId17"/>
+    <p:sldId id="296" r:id="rId18"/>
+    <p:sldId id="277" r:id="rId19"/>
+    <p:sldId id="267" r:id="rId20"/>
+    <p:sldId id="268" r:id="rId21"/>
+    <p:sldId id="269" r:id="rId22"/>
+    <p:sldId id="270" r:id="rId23"/>
+    <p:sldId id="271" r:id="rId24"/>
+    <p:sldId id="272" r:id="rId25"/>
+    <p:sldId id="273" r:id="rId26"/>
+    <p:sldId id="274" r:id="rId27"/>
+    <p:sldId id="275" r:id="rId28"/>
+    <p:sldId id="276" r:id="rId29"/>
+    <p:sldId id="263" r:id="rId30"/>
+    <p:sldId id="289" r:id="rId31"/>
+    <p:sldId id="288" r:id="rId32"/>
+    <p:sldId id="290" r:id="rId33"/>
+    <p:sldId id="297" r:id="rId34"/>
+    <p:sldId id="292" r:id="rId35"/>
+    <p:sldId id="291" r:id="rId36"/>
   </p:sldIdLst>
   <p:sldSz cx="12192000" cy="6858000"/>
   <p:notesSz cx="6858000" cy="9144000"/>
@@ -1228,6 +1231,112 @@
     </p:spTree>
     <p:extLst>
       <p:ext uri="{BB962C8B-B14F-4D97-AF65-F5344CB8AC3E}">
+        <p14:creationId xmlns:p14="http://schemas.microsoft.com/office/powerpoint/2010/main" val="2155624583"/>
+      </p:ext>
+    </p:extLst>
+  </p:cSld>
+  <p:clrMapOvr>
+    <a:masterClrMapping/>
+  </p:clrMapOvr>
+</p:notes>
+</file>
+
+<file path=ppt/notesSlides/notesSlide16.xml><?xml version="1.0" encoding="utf-8"?>
+<p:notes xmlns:a="http://schemas.openxmlformats.org/drawingml/2006/main" xmlns:r="http://schemas.openxmlformats.org/officeDocument/2006/relationships" xmlns:p="http://schemas.openxmlformats.org/presentationml/2006/main" showMasterSp="0" showMasterPhAnim="0">
+  <p:cSld>
+    <p:spTree>
+      <p:nvGrpSpPr>
+        <p:cNvPr id="1" name="Shape 106"/>
+        <p:cNvGrpSpPr/>
+        <p:nvPr/>
+      </p:nvGrpSpPr>
+      <p:grpSpPr>
+        <a:xfrm>
+          <a:off x="0" y="0"/>
+          <a:ext cx="0" cy="0"/>
+          <a:chOff x="0" y="0"/>
+          <a:chExt cx="0" cy="0"/>
+        </a:xfrm>
+      </p:grpSpPr>
+      <p:sp>
+        <p:nvSpPr>
+          <p:cNvPr id="107" name="Shape 107"/>
+          <p:cNvSpPr>
+            <a:spLocks noGrp="1" noRot="1" noChangeAspect="1"/>
+          </p:cNvSpPr>
+          <p:nvPr>
+            <p:ph type="sldImg" idx="2"/>
+          </p:nvPr>
+        </p:nvSpPr>
+        <p:spPr>
+          <a:xfrm>
+            <a:off x="381000" y="685800"/>
+            <a:ext cx="6096000" cy="3429000"/>
+          </a:xfrm>
+          <a:custGeom>
+            <a:avLst/>
+            <a:gdLst/>
+            <a:ahLst/>
+            <a:cxnLst/>
+            <a:rect l="0" t="0" r="0" b="0"/>
+            <a:pathLst>
+              <a:path w="120000" h="120000" extrusionOk="0">
+                <a:moveTo>
+                  <a:pt x="0" y="0"/>
+                </a:moveTo>
+                <a:lnTo>
+                  <a:pt x="120000" y="0"/>
+                </a:lnTo>
+                <a:lnTo>
+                  <a:pt x="120000" y="120000"/>
+                </a:lnTo>
+                <a:lnTo>
+                  <a:pt x="0" y="120000"/>
+                </a:lnTo>
+                <a:close/>
+              </a:path>
+            </a:pathLst>
+          </a:custGeom>
+        </p:spPr>
+      </p:sp>
+      <p:sp>
+        <p:nvSpPr>
+          <p:cNvPr id="108" name="Shape 108"/>
+          <p:cNvSpPr txBox="1">
+            <a:spLocks noGrp="1"/>
+          </p:cNvSpPr>
+          <p:nvPr>
+            <p:ph type="body" idx="1"/>
+          </p:nvPr>
+        </p:nvSpPr>
+        <p:spPr>
+          <a:xfrm>
+            <a:off x="685800" y="4343400"/>
+            <a:ext cx="5486399" cy="4114800"/>
+          </a:xfrm>
+          <a:prstGeom prst="rect">
+            <a:avLst/>
+          </a:prstGeom>
+        </p:spPr>
+        <p:txBody>
+          <a:bodyPr lIns="91425" tIns="91425" rIns="91425" bIns="91425" anchor="t" anchorCtr="0">
+            <a:noAutofit/>
+          </a:bodyPr>
+          <a:lstStyle/>
+          <a:p>
+            <a:pPr lvl="0">
+              <a:spcBef>
+                <a:spcPts val="0"/>
+              </a:spcBef>
+              <a:buNone/>
+            </a:pPr>
+            <a:endParaRPr/>
+          </a:p>
+        </p:txBody>
+      </p:sp>
+    </p:spTree>
+    <p:extLst>
+      <p:ext uri="{BB962C8B-B14F-4D97-AF65-F5344CB8AC3E}">
         <p14:creationId xmlns:p14="http://schemas.microsoft.com/office/powerpoint/2010/main" val="3939780526"/>
       </p:ext>
     </p:extLst>
@@ -1238,7 +1347,113 @@
 </p:notes>
 </file>
 
-<file path=ppt/notesSlides/notesSlide16.xml><?xml version="1.0" encoding="utf-8"?>
+<file path=ppt/notesSlides/notesSlide17.xml><?xml version="1.0" encoding="utf-8"?>
+<p:notes xmlns:a="http://schemas.openxmlformats.org/drawingml/2006/main" xmlns:r="http://schemas.openxmlformats.org/officeDocument/2006/relationships" xmlns:p="http://schemas.openxmlformats.org/presentationml/2006/main" showMasterSp="0" showMasterPhAnim="0">
+  <p:cSld>
+    <p:spTree>
+      <p:nvGrpSpPr>
+        <p:cNvPr id="1" name="Shape 106"/>
+        <p:cNvGrpSpPr/>
+        <p:nvPr/>
+      </p:nvGrpSpPr>
+      <p:grpSpPr>
+        <a:xfrm>
+          <a:off x="0" y="0"/>
+          <a:ext cx="0" cy="0"/>
+          <a:chOff x="0" y="0"/>
+          <a:chExt cx="0" cy="0"/>
+        </a:xfrm>
+      </p:grpSpPr>
+      <p:sp>
+        <p:nvSpPr>
+          <p:cNvPr id="107" name="Shape 107"/>
+          <p:cNvSpPr>
+            <a:spLocks noGrp="1" noRot="1" noChangeAspect="1"/>
+          </p:cNvSpPr>
+          <p:nvPr>
+            <p:ph type="sldImg" idx="2"/>
+          </p:nvPr>
+        </p:nvSpPr>
+        <p:spPr>
+          <a:xfrm>
+            <a:off x="381000" y="685800"/>
+            <a:ext cx="6096000" cy="3429000"/>
+          </a:xfrm>
+          <a:custGeom>
+            <a:avLst/>
+            <a:gdLst/>
+            <a:ahLst/>
+            <a:cxnLst/>
+            <a:rect l="0" t="0" r="0" b="0"/>
+            <a:pathLst>
+              <a:path w="120000" h="120000" extrusionOk="0">
+                <a:moveTo>
+                  <a:pt x="0" y="0"/>
+                </a:moveTo>
+                <a:lnTo>
+                  <a:pt x="120000" y="0"/>
+                </a:lnTo>
+                <a:lnTo>
+                  <a:pt x="120000" y="120000"/>
+                </a:lnTo>
+                <a:lnTo>
+                  <a:pt x="0" y="120000"/>
+                </a:lnTo>
+                <a:close/>
+              </a:path>
+            </a:pathLst>
+          </a:custGeom>
+        </p:spPr>
+      </p:sp>
+      <p:sp>
+        <p:nvSpPr>
+          <p:cNvPr id="108" name="Shape 108"/>
+          <p:cNvSpPr txBox="1">
+            <a:spLocks noGrp="1"/>
+          </p:cNvSpPr>
+          <p:nvPr>
+            <p:ph type="body" idx="1"/>
+          </p:nvPr>
+        </p:nvSpPr>
+        <p:spPr>
+          <a:xfrm>
+            <a:off x="685800" y="4343400"/>
+            <a:ext cx="5486399" cy="4114800"/>
+          </a:xfrm>
+          <a:prstGeom prst="rect">
+            <a:avLst/>
+          </a:prstGeom>
+        </p:spPr>
+        <p:txBody>
+          <a:bodyPr lIns="91425" tIns="91425" rIns="91425" bIns="91425" anchor="t" anchorCtr="0">
+            <a:noAutofit/>
+          </a:bodyPr>
+          <a:lstStyle/>
+          <a:p>
+            <a:pPr lvl="0">
+              <a:spcBef>
+                <a:spcPts val="0"/>
+              </a:spcBef>
+              <a:buNone/>
+            </a:pPr>
+            <a:endParaRPr/>
+          </a:p>
+        </p:txBody>
+      </p:sp>
+    </p:spTree>
+    <p:extLst>
+      <p:ext uri="{BB962C8B-B14F-4D97-AF65-F5344CB8AC3E}">
+        <p14:creationId xmlns:p14="http://schemas.microsoft.com/office/powerpoint/2010/main" val="3403002218"/>
+      </p:ext>
+    </p:extLst>
+  </p:cSld>
+  <p:clrMapOvr>
+    <a:masterClrMapping/>
+  </p:clrMapOvr>
+</p:notes>
+</file>
+
+<file path=ppt/notesSlides/notesSlide18.xml><?xml version="1.0" encoding="utf-8"?>
 <p:notes xmlns:a="http://schemas.openxmlformats.org/drawingml/2006/main" xmlns:r="http://schemas.openxmlformats.org/officeDocument/2006/relationships" xmlns:p="http://schemas.openxmlformats.org/presentationml/2006/main" showMasterSp="0" showMasterPhAnim="0">
   <p:cSld>
     <p:spTree>
@@ -1335,218 +1550,6 @@
     <p:extLst>
       <p:ext uri="{BB962C8B-B14F-4D97-AF65-F5344CB8AC3E}">
         <p14:creationId xmlns:p14="http://schemas.microsoft.com/office/powerpoint/2010/main" val="3179801295"/>
-      </p:ext>
-    </p:extLst>
-  </p:cSld>
-  <p:clrMapOvr>
-    <a:masterClrMapping/>
-  </p:clrMapOvr>
-</p:notes>
-</file>
-
-<file path=ppt/notesSlides/notesSlide17.xml><?xml version="1.0" encoding="utf-8"?>
-<p:notes xmlns:a="http://schemas.openxmlformats.org/drawingml/2006/main" xmlns:r="http://schemas.openxmlformats.org/officeDocument/2006/relationships" xmlns:p="http://schemas.openxmlformats.org/presentationml/2006/main" showMasterSp="0" showMasterPhAnim="0">
-  <p:cSld>
-    <p:spTree>
-      <p:nvGrpSpPr>
-        <p:cNvPr id="1" name="Shape 162"/>
-        <p:cNvGrpSpPr/>
-        <p:nvPr/>
-      </p:nvGrpSpPr>
-      <p:grpSpPr>
-        <a:xfrm>
-          <a:off x="0" y="0"/>
-          <a:ext cx="0" cy="0"/>
-          <a:chOff x="0" y="0"/>
-          <a:chExt cx="0" cy="0"/>
-        </a:xfrm>
-      </p:grpSpPr>
-      <p:sp>
-        <p:nvSpPr>
-          <p:cNvPr id="163" name="Shape 163"/>
-          <p:cNvSpPr>
-            <a:spLocks noGrp="1" noRot="1" noChangeAspect="1"/>
-          </p:cNvSpPr>
-          <p:nvPr>
-            <p:ph type="sldImg" idx="2"/>
-          </p:nvPr>
-        </p:nvSpPr>
-        <p:spPr>
-          <a:xfrm>
-            <a:off x="381000" y="685800"/>
-            <a:ext cx="6096000" cy="3429000"/>
-          </a:xfrm>
-          <a:custGeom>
-            <a:avLst/>
-            <a:gdLst/>
-            <a:ahLst/>
-            <a:cxnLst/>
-            <a:rect l="0" t="0" r="0" b="0"/>
-            <a:pathLst>
-              <a:path w="120000" h="120000" extrusionOk="0">
-                <a:moveTo>
-                  <a:pt x="0" y="0"/>
-                </a:moveTo>
-                <a:lnTo>
-                  <a:pt x="120000" y="0"/>
-                </a:lnTo>
-                <a:lnTo>
-                  <a:pt x="120000" y="120000"/>
-                </a:lnTo>
-                <a:lnTo>
-                  <a:pt x="0" y="120000"/>
-                </a:lnTo>
-                <a:close/>
-              </a:path>
-            </a:pathLst>
-          </a:custGeom>
-        </p:spPr>
-      </p:sp>
-      <p:sp>
-        <p:nvSpPr>
-          <p:cNvPr id="164" name="Shape 164"/>
-          <p:cNvSpPr txBox="1">
-            <a:spLocks noGrp="1"/>
-          </p:cNvSpPr>
-          <p:nvPr>
-            <p:ph type="body" idx="1"/>
-          </p:nvPr>
-        </p:nvSpPr>
-        <p:spPr>
-          <a:xfrm>
-            <a:off x="685800" y="4343400"/>
-            <a:ext cx="5486399" cy="4114800"/>
-          </a:xfrm>
-          <a:prstGeom prst="rect">
-            <a:avLst/>
-          </a:prstGeom>
-        </p:spPr>
-        <p:txBody>
-          <a:bodyPr lIns="91425" tIns="91425" rIns="91425" bIns="91425" anchor="t" anchorCtr="0">
-            <a:noAutofit/>
-          </a:bodyPr>
-          <a:lstStyle/>
-          <a:p>
-            <a:pPr lvl="0">
-              <a:spcBef>
-                <a:spcPts val="0"/>
-              </a:spcBef>
-              <a:buNone/>
-            </a:pPr>
-            <a:endParaRPr/>
-          </a:p>
-        </p:txBody>
-      </p:sp>
-    </p:spTree>
-    <p:extLst>
-      <p:ext uri="{BB962C8B-B14F-4D97-AF65-F5344CB8AC3E}">
-        <p14:creationId xmlns:p14="http://schemas.microsoft.com/office/powerpoint/2010/main" val="751417652"/>
-      </p:ext>
-    </p:extLst>
-  </p:cSld>
-  <p:clrMapOvr>
-    <a:masterClrMapping/>
-  </p:clrMapOvr>
-</p:notes>
-</file>
-
-<file path=ppt/notesSlides/notesSlide18.xml><?xml version="1.0" encoding="utf-8"?>
-<p:notes xmlns:a="http://schemas.openxmlformats.org/drawingml/2006/main" xmlns:r="http://schemas.openxmlformats.org/officeDocument/2006/relationships" xmlns:p="http://schemas.openxmlformats.org/presentationml/2006/main" showMasterSp="0" showMasterPhAnim="0">
-  <p:cSld>
-    <p:spTree>
-      <p:nvGrpSpPr>
-        <p:cNvPr id="1" name="Shape 162"/>
-        <p:cNvGrpSpPr/>
-        <p:nvPr/>
-      </p:nvGrpSpPr>
-      <p:grpSpPr>
-        <a:xfrm>
-          <a:off x="0" y="0"/>
-          <a:ext cx="0" cy="0"/>
-          <a:chOff x="0" y="0"/>
-          <a:chExt cx="0" cy="0"/>
-        </a:xfrm>
-      </p:grpSpPr>
-      <p:sp>
-        <p:nvSpPr>
-          <p:cNvPr id="163" name="Shape 163"/>
-          <p:cNvSpPr>
-            <a:spLocks noGrp="1" noRot="1" noChangeAspect="1"/>
-          </p:cNvSpPr>
-          <p:nvPr>
-            <p:ph type="sldImg" idx="2"/>
-          </p:nvPr>
-        </p:nvSpPr>
-        <p:spPr>
-          <a:xfrm>
-            <a:off x="381000" y="685800"/>
-            <a:ext cx="6096000" cy="3429000"/>
-          </a:xfrm>
-          <a:custGeom>
-            <a:avLst/>
-            <a:gdLst/>
-            <a:ahLst/>
-            <a:cxnLst/>
-            <a:rect l="0" t="0" r="0" b="0"/>
-            <a:pathLst>
-              <a:path w="120000" h="120000" extrusionOk="0">
-                <a:moveTo>
-                  <a:pt x="0" y="0"/>
-                </a:moveTo>
-                <a:lnTo>
-                  <a:pt x="120000" y="0"/>
-                </a:lnTo>
-                <a:lnTo>
-                  <a:pt x="120000" y="120000"/>
-                </a:lnTo>
-                <a:lnTo>
-                  <a:pt x="0" y="120000"/>
-                </a:lnTo>
-                <a:close/>
-              </a:path>
-            </a:pathLst>
-          </a:custGeom>
-        </p:spPr>
-      </p:sp>
-      <p:sp>
-        <p:nvSpPr>
-          <p:cNvPr id="164" name="Shape 164"/>
-          <p:cNvSpPr txBox="1">
-            <a:spLocks noGrp="1"/>
-          </p:cNvSpPr>
-          <p:nvPr>
-            <p:ph type="body" idx="1"/>
-          </p:nvPr>
-        </p:nvSpPr>
-        <p:spPr>
-          <a:xfrm>
-            <a:off x="685800" y="4343400"/>
-            <a:ext cx="5486399" cy="4114800"/>
-          </a:xfrm>
-          <a:prstGeom prst="rect">
-            <a:avLst/>
-          </a:prstGeom>
-        </p:spPr>
-        <p:txBody>
-          <a:bodyPr lIns="91425" tIns="91425" rIns="91425" bIns="91425" anchor="t" anchorCtr="0">
-            <a:noAutofit/>
-          </a:bodyPr>
-          <a:lstStyle/>
-          <a:p>
-            <a:pPr lvl="0">
-              <a:spcBef>
-                <a:spcPts val="0"/>
-              </a:spcBef>
-              <a:buNone/>
-            </a:pPr>
-            <a:endParaRPr/>
-          </a:p>
-        </p:txBody>
-      </p:sp>
-    </p:spTree>
-    <p:extLst>
-      <p:ext uri="{BB962C8B-B14F-4D97-AF65-F5344CB8AC3E}">
-        <p14:creationId xmlns:p14="http://schemas.microsoft.com/office/powerpoint/2010/main" val="1271673147"/>
       </p:ext>
     </p:extLst>
   </p:cSld>
@@ -1652,7 +1655,7 @@
     </p:spTree>
     <p:extLst>
       <p:ext uri="{BB962C8B-B14F-4D97-AF65-F5344CB8AC3E}">
-        <p14:creationId xmlns:p14="http://schemas.microsoft.com/office/powerpoint/2010/main" val="1038068066"/>
+        <p14:creationId xmlns:p14="http://schemas.microsoft.com/office/powerpoint/2010/main" val="751417652"/>
       </p:ext>
     </p:extLst>
   </p:cSld>
@@ -1864,7 +1867,7 @@
     </p:spTree>
     <p:extLst>
       <p:ext uri="{BB962C8B-B14F-4D97-AF65-F5344CB8AC3E}">
-        <p14:creationId xmlns:p14="http://schemas.microsoft.com/office/powerpoint/2010/main" val="3161024579"/>
+        <p14:creationId xmlns:p14="http://schemas.microsoft.com/office/powerpoint/2010/main" val="1271673147"/>
       </p:ext>
     </p:extLst>
   </p:cSld>
@@ -1970,7 +1973,7 @@
     </p:spTree>
     <p:extLst>
       <p:ext uri="{BB962C8B-B14F-4D97-AF65-F5344CB8AC3E}">
-        <p14:creationId xmlns:p14="http://schemas.microsoft.com/office/powerpoint/2010/main" val="2152190089"/>
+        <p14:creationId xmlns:p14="http://schemas.microsoft.com/office/powerpoint/2010/main" val="1038068066"/>
       </p:ext>
     </p:extLst>
   </p:cSld>
@@ -2076,7 +2079,7 @@
     </p:spTree>
     <p:extLst>
       <p:ext uri="{BB962C8B-B14F-4D97-AF65-F5344CB8AC3E}">
-        <p14:creationId xmlns:p14="http://schemas.microsoft.com/office/powerpoint/2010/main" val="2269367949"/>
+        <p14:creationId xmlns:p14="http://schemas.microsoft.com/office/powerpoint/2010/main" val="3161024579"/>
       </p:ext>
     </p:extLst>
   </p:cSld>
@@ -2182,7 +2185,7 @@
     </p:spTree>
     <p:extLst>
       <p:ext uri="{BB962C8B-B14F-4D97-AF65-F5344CB8AC3E}">
-        <p14:creationId xmlns:p14="http://schemas.microsoft.com/office/powerpoint/2010/main" val="1947071620"/>
+        <p14:creationId xmlns:p14="http://schemas.microsoft.com/office/powerpoint/2010/main" val="2152190089"/>
       </p:ext>
     </p:extLst>
   </p:cSld>
@@ -2288,7 +2291,7 @@
     </p:spTree>
     <p:extLst>
       <p:ext uri="{BB962C8B-B14F-4D97-AF65-F5344CB8AC3E}">
-        <p14:creationId xmlns:p14="http://schemas.microsoft.com/office/powerpoint/2010/main" val="3922391164"/>
+        <p14:creationId xmlns:p14="http://schemas.microsoft.com/office/powerpoint/2010/main" val="2269367949"/>
       </p:ext>
     </p:extLst>
   </p:cSld>
@@ -2394,7 +2397,7 @@
     </p:spTree>
     <p:extLst>
       <p:ext uri="{BB962C8B-B14F-4D97-AF65-F5344CB8AC3E}">
-        <p14:creationId xmlns:p14="http://schemas.microsoft.com/office/powerpoint/2010/main" val="3107614937"/>
+        <p14:creationId xmlns:p14="http://schemas.microsoft.com/office/powerpoint/2010/main" val="1947071620"/>
       </p:ext>
     </p:extLst>
   </p:cSld>
@@ -2500,7 +2503,7 @@
     </p:spTree>
     <p:extLst>
       <p:ext uri="{BB962C8B-B14F-4D97-AF65-F5344CB8AC3E}">
-        <p14:creationId xmlns:p14="http://schemas.microsoft.com/office/powerpoint/2010/main" val="4028518023"/>
+        <p14:creationId xmlns:p14="http://schemas.microsoft.com/office/powerpoint/2010/main" val="3922391164"/>
       </p:ext>
     </p:extLst>
   </p:cSld>
@@ -2515,7 +2518,7 @@
   <p:cSld>
     <p:spTree>
       <p:nvGrpSpPr>
-        <p:cNvPr id="1" name="Shape 94"/>
+        <p:cNvPr id="1" name="Shape 162"/>
         <p:cNvGrpSpPr/>
         <p:nvPr/>
       </p:nvGrpSpPr>
@@ -2529,7 +2532,7 @@
       </p:grpSpPr>
       <p:sp>
         <p:nvSpPr>
-          <p:cNvPr id="95" name="Shape 95"/>
+          <p:cNvPr id="163" name="Shape 163"/>
           <p:cNvSpPr>
             <a:spLocks noGrp="1" noRot="1" noChangeAspect="1"/>
           </p:cNvSpPr>
@@ -2570,7 +2573,7 @@
       </p:sp>
       <p:sp>
         <p:nvSpPr>
-          <p:cNvPr id="96" name="Shape 96"/>
+          <p:cNvPr id="164" name="Shape 164"/>
           <p:cNvSpPr txBox="1">
             <a:spLocks noGrp="1"/>
           </p:cNvSpPr>
@@ -2606,7 +2609,7 @@
     </p:spTree>
     <p:extLst>
       <p:ext uri="{BB962C8B-B14F-4D97-AF65-F5344CB8AC3E}">
-        <p14:creationId xmlns:p14="http://schemas.microsoft.com/office/powerpoint/2010/main" val="3915309404"/>
+        <p14:creationId xmlns:p14="http://schemas.microsoft.com/office/powerpoint/2010/main" val="3107614937"/>
       </p:ext>
     </p:extLst>
   </p:cSld>
@@ -2621,7 +2624,7 @@
   <p:cSld>
     <p:spTree>
       <p:nvGrpSpPr>
-        <p:cNvPr id="1" name="Shape 106"/>
+        <p:cNvPr id="1" name="Shape 162"/>
         <p:cNvGrpSpPr/>
         <p:nvPr/>
       </p:nvGrpSpPr>
@@ -2635,7 +2638,7 @@
       </p:grpSpPr>
       <p:sp>
         <p:nvSpPr>
-          <p:cNvPr id="107" name="Shape 107"/>
+          <p:cNvPr id="163" name="Shape 163"/>
           <p:cNvSpPr>
             <a:spLocks noGrp="1" noRot="1" noChangeAspect="1"/>
           </p:cNvSpPr>
@@ -2676,7 +2679,7 @@
       </p:sp>
       <p:sp>
         <p:nvSpPr>
-          <p:cNvPr id="108" name="Shape 108"/>
+          <p:cNvPr id="164" name="Shape 164"/>
           <p:cNvSpPr txBox="1">
             <a:spLocks noGrp="1"/>
           </p:cNvSpPr>
@@ -2712,7 +2715,7 @@
     </p:spTree>
     <p:extLst>
       <p:ext uri="{BB962C8B-B14F-4D97-AF65-F5344CB8AC3E}">
-        <p14:creationId xmlns:p14="http://schemas.microsoft.com/office/powerpoint/2010/main" val="1484230397"/>
+        <p14:creationId xmlns:p14="http://schemas.microsoft.com/office/powerpoint/2010/main" val="4028518023"/>
       </p:ext>
     </p:extLst>
   </p:cSld>
@@ -2818,7 +2821,7 @@
     </p:spTree>
     <p:extLst>
       <p:ext uri="{BB962C8B-B14F-4D97-AF65-F5344CB8AC3E}">
-        <p14:creationId xmlns:p14="http://schemas.microsoft.com/office/powerpoint/2010/main" val="2646298591"/>
+        <p14:creationId xmlns:p14="http://schemas.microsoft.com/office/powerpoint/2010/main" val="3915309404"/>
       </p:ext>
     </p:extLst>
   </p:cSld>
@@ -3030,7 +3033,7 @@
     </p:spTree>
     <p:extLst>
       <p:ext uri="{BB962C8B-B14F-4D97-AF65-F5344CB8AC3E}">
-        <p14:creationId xmlns:p14="http://schemas.microsoft.com/office/powerpoint/2010/main" val="2178892153"/>
+        <p14:creationId xmlns:p14="http://schemas.microsoft.com/office/powerpoint/2010/main" val="1484230397"/>
       </p:ext>
     </p:extLst>
   </p:cSld>
@@ -3041,6 +3044,112 @@
 </file>
 
 <file path=ppt/notesSlides/notesSlide31.xml><?xml version="1.0" encoding="utf-8"?>
+<p:notes xmlns:a="http://schemas.openxmlformats.org/drawingml/2006/main" xmlns:r="http://schemas.openxmlformats.org/officeDocument/2006/relationships" xmlns:p="http://schemas.openxmlformats.org/presentationml/2006/main" showMasterSp="0" showMasterPhAnim="0">
+  <p:cSld>
+    <p:spTree>
+      <p:nvGrpSpPr>
+        <p:cNvPr id="1" name="Shape 94"/>
+        <p:cNvGrpSpPr/>
+        <p:nvPr/>
+      </p:nvGrpSpPr>
+      <p:grpSpPr>
+        <a:xfrm>
+          <a:off x="0" y="0"/>
+          <a:ext cx="0" cy="0"/>
+          <a:chOff x="0" y="0"/>
+          <a:chExt cx="0" cy="0"/>
+        </a:xfrm>
+      </p:grpSpPr>
+      <p:sp>
+        <p:nvSpPr>
+          <p:cNvPr id="95" name="Shape 95"/>
+          <p:cNvSpPr>
+            <a:spLocks noGrp="1" noRot="1" noChangeAspect="1"/>
+          </p:cNvSpPr>
+          <p:nvPr>
+            <p:ph type="sldImg" idx="2"/>
+          </p:nvPr>
+        </p:nvSpPr>
+        <p:spPr>
+          <a:xfrm>
+            <a:off x="381000" y="685800"/>
+            <a:ext cx="6096000" cy="3429000"/>
+          </a:xfrm>
+          <a:custGeom>
+            <a:avLst/>
+            <a:gdLst/>
+            <a:ahLst/>
+            <a:cxnLst/>
+            <a:rect l="0" t="0" r="0" b="0"/>
+            <a:pathLst>
+              <a:path w="120000" h="120000" extrusionOk="0">
+                <a:moveTo>
+                  <a:pt x="0" y="0"/>
+                </a:moveTo>
+                <a:lnTo>
+                  <a:pt x="120000" y="0"/>
+                </a:lnTo>
+                <a:lnTo>
+                  <a:pt x="120000" y="120000"/>
+                </a:lnTo>
+                <a:lnTo>
+                  <a:pt x="0" y="120000"/>
+                </a:lnTo>
+                <a:close/>
+              </a:path>
+            </a:pathLst>
+          </a:custGeom>
+        </p:spPr>
+      </p:sp>
+      <p:sp>
+        <p:nvSpPr>
+          <p:cNvPr id="96" name="Shape 96"/>
+          <p:cNvSpPr txBox="1">
+            <a:spLocks noGrp="1"/>
+          </p:cNvSpPr>
+          <p:nvPr>
+            <p:ph type="body" idx="1"/>
+          </p:nvPr>
+        </p:nvSpPr>
+        <p:spPr>
+          <a:xfrm>
+            <a:off x="685800" y="4343400"/>
+            <a:ext cx="5486399" cy="4114800"/>
+          </a:xfrm>
+          <a:prstGeom prst="rect">
+            <a:avLst/>
+          </a:prstGeom>
+        </p:spPr>
+        <p:txBody>
+          <a:bodyPr lIns="91425" tIns="91425" rIns="91425" bIns="91425" anchor="t" anchorCtr="0">
+            <a:noAutofit/>
+          </a:bodyPr>
+          <a:lstStyle/>
+          <a:p>
+            <a:pPr lvl="0">
+              <a:spcBef>
+                <a:spcPts val="0"/>
+              </a:spcBef>
+              <a:buNone/>
+            </a:pPr>
+            <a:endParaRPr/>
+          </a:p>
+        </p:txBody>
+      </p:sp>
+    </p:spTree>
+    <p:extLst>
+      <p:ext uri="{BB962C8B-B14F-4D97-AF65-F5344CB8AC3E}">
+        <p14:creationId xmlns:p14="http://schemas.microsoft.com/office/powerpoint/2010/main" val="2646298591"/>
+      </p:ext>
+    </p:extLst>
+  </p:cSld>
+  <p:clrMapOvr>
+    <a:masterClrMapping/>
+  </p:clrMapOvr>
+</p:notes>
+</file>
+
+<file path=ppt/notesSlides/notesSlide32.xml><?xml version="1.0" encoding="utf-8"?>
 <p:notes xmlns:a="http://schemas.openxmlformats.org/drawingml/2006/main" xmlns:r="http://schemas.openxmlformats.org/officeDocument/2006/relationships" xmlns:p="http://schemas.openxmlformats.org/presentationml/2006/main" showMasterSp="0" showMasterPhAnim="0">
   <p:cSld>
     <p:spTree>
@@ -3136,6 +3245,218 @@
     </p:spTree>
     <p:extLst>
       <p:ext uri="{BB962C8B-B14F-4D97-AF65-F5344CB8AC3E}">
+        <p14:creationId xmlns:p14="http://schemas.microsoft.com/office/powerpoint/2010/main" val="2178892153"/>
+      </p:ext>
+    </p:extLst>
+  </p:cSld>
+  <p:clrMapOvr>
+    <a:masterClrMapping/>
+  </p:clrMapOvr>
+</p:notes>
+</file>
+
+<file path=ppt/notesSlides/notesSlide33.xml><?xml version="1.0" encoding="utf-8"?>
+<p:notes xmlns:a="http://schemas.openxmlformats.org/drawingml/2006/main" xmlns:r="http://schemas.openxmlformats.org/officeDocument/2006/relationships" xmlns:p="http://schemas.openxmlformats.org/presentationml/2006/main" showMasterSp="0" showMasterPhAnim="0">
+  <p:cSld>
+    <p:spTree>
+      <p:nvGrpSpPr>
+        <p:cNvPr id="1" name="Shape 106"/>
+        <p:cNvGrpSpPr/>
+        <p:nvPr/>
+      </p:nvGrpSpPr>
+      <p:grpSpPr>
+        <a:xfrm>
+          <a:off x="0" y="0"/>
+          <a:ext cx="0" cy="0"/>
+          <a:chOff x="0" y="0"/>
+          <a:chExt cx="0" cy="0"/>
+        </a:xfrm>
+      </p:grpSpPr>
+      <p:sp>
+        <p:nvSpPr>
+          <p:cNvPr id="107" name="Shape 107"/>
+          <p:cNvSpPr>
+            <a:spLocks noGrp="1" noRot="1" noChangeAspect="1"/>
+          </p:cNvSpPr>
+          <p:nvPr>
+            <p:ph type="sldImg" idx="2"/>
+          </p:nvPr>
+        </p:nvSpPr>
+        <p:spPr>
+          <a:xfrm>
+            <a:off x="381000" y="685800"/>
+            <a:ext cx="6096000" cy="3429000"/>
+          </a:xfrm>
+          <a:custGeom>
+            <a:avLst/>
+            <a:gdLst/>
+            <a:ahLst/>
+            <a:cxnLst/>
+            <a:rect l="0" t="0" r="0" b="0"/>
+            <a:pathLst>
+              <a:path w="120000" h="120000" extrusionOk="0">
+                <a:moveTo>
+                  <a:pt x="0" y="0"/>
+                </a:moveTo>
+                <a:lnTo>
+                  <a:pt x="120000" y="0"/>
+                </a:lnTo>
+                <a:lnTo>
+                  <a:pt x="120000" y="120000"/>
+                </a:lnTo>
+                <a:lnTo>
+                  <a:pt x="0" y="120000"/>
+                </a:lnTo>
+                <a:close/>
+              </a:path>
+            </a:pathLst>
+          </a:custGeom>
+        </p:spPr>
+      </p:sp>
+      <p:sp>
+        <p:nvSpPr>
+          <p:cNvPr id="108" name="Shape 108"/>
+          <p:cNvSpPr txBox="1">
+            <a:spLocks noGrp="1"/>
+          </p:cNvSpPr>
+          <p:nvPr>
+            <p:ph type="body" idx="1"/>
+          </p:nvPr>
+        </p:nvSpPr>
+        <p:spPr>
+          <a:xfrm>
+            <a:off x="685800" y="4343400"/>
+            <a:ext cx="5486399" cy="4114800"/>
+          </a:xfrm>
+          <a:prstGeom prst="rect">
+            <a:avLst/>
+          </a:prstGeom>
+        </p:spPr>
+        <p:txBody>
+          <a:bodyPr lIns="91425" tIns="91425" rIns="91425" bIns="91425" anchor="t" anchorCtr="0">
+            <a:noAutofit/>
+          </a:bodyPr>
+          <a:lstStyle/>
+          <a:p>
+            <a:pPr lvl="0">
+              <a:spcBef>
+                <a:spcPts val="0"/>
+              </a:spcBef>
+              <a:buNone/>
+            </a:pPr>
+            <a:endParaRPr/>
+          </a:p>
+        </p:txBody>
+      </p:sp>
+    </p:spTree>
+    <p:extLst>
+      <p:ext uri="{BB962C8B-B14F-4D97-AF65-F5344CB8AC3E}">
+        <p14:creationId xmlns:p14="http://schemas.microsoft.com/office/powerpoint/2010/main" val="628359726"/>
+      </p:ext>
+    </p:extLst>
+  </p:cSld>
+  <p:clrMapOvr>
+    <a:masterClrMapping/>
+  </p:clrMapOvr>
+</p:notes>
+</file>
+
+<file path=ppt/notesSlides/notesSlide34.xml><?xml version="1.0" encoding="utf-8"?>
+<p:notes xmlns:a="http://schemas.openxmlformats.org/drawingml/2006/main" xmlns:r="http://schemas.openxmlformats.org/officeDocument/2006/relationships" xmlns:p="http://schemas.openxmlformats.org/presentationml/2006/main" showMasterSp="0" showMasterPhAnim="0">
+  <p:cSld>
+    <p:spTree>
+      <p:nvGrpSpPr>
+        <p:cNvPr id="1" name="Shape 106"/>
+        <p:cNvGrpSpPr/>
+        <p:nvPr/>
+      </p:nvGrpSpPr>
+      <p:grpSpPr>
+        <a:xfrm>
+          <a:off x="0" y="0"/>
+          <a:ext cx="0" cy="0"/>
+          <a:chOff x="0" y="0"/>
+          <a:chExt cx="0" cy="0"/>
+        </a:xfrm>
+      </p:grpSpPr>
+      <p:sp>
+        <p:nvSpPr>
+          <p:cNvPr id="107" name="Shape 107"/>
+          <p:cNvSpPr>
+            <a:spLocks noGrp="1" noRot="1" noChangeAspect="1"/>
+          </p:cNvSpPr>
+          <p:nvPr>
+            <p:ph type="sldImg" idx="2"/>
+          </p:nvPr>
+        </p:nvSpPr>
+        <p:spPr>
+          <a:xfrm>
+            <a:off x="381000" y="685800"/>
+            <a:ext cx="6096000" cy="3429000"/>
+          </a:xfrm>
+          <a:custGeom>
+            <a:avLst/>
+            <a:gdLst/>
+            <a:ahLst/>
+            <a:cxnLst/>
+            <a:rect l="0" t="0" r="0" b="0"/>
+            <a:pathLst>
+              <a:path w="120000" h="120000" extrusionOk="0">
+                <a:moveTo>
+                  <a:pt x="0" y="0"/>
+                </a:moveTo>
+                <a:lnTo>
+                  <a:pt x="120000" y="0"/>
+                </a:lnTo>
+                <a:lnTo>
+                  <a:pt x="120000" y="120000"/>
+                </a:lnTo>
+                <a:lnTo>
+                  <a:pt x="0" y="120000"/>
+                </a:lnTo>
+                <a:close/>
+              </a:path>
+            </a:pathLst>
+          </a:custGeom>
+        </p:spPr>
+      </p:sp>
+      <p:sp>
+        <p:nvSpPr>
+          <p:cNvPr id="108" name="Shape 108"/>
+          <p:cNvSpPr txBox="1">
+            <a:spLocks noGrp="1"/>
+          </p:cNvSpPr>
+          <p:nvPr>
+            <p:ph type="body" idx="1"/>
+          </p:nvPr>
+        </p:nvSpPr>
+        <p:spPr>
+          <a:xfrm>
+            <a:off x="685800" y="4343400"/>
+            <a:ext cx="5486399" cy="4114800"/>
+          </a:xfrm>
+          <a:prstGeom prst="rect">
+            <a:avLst/>
+          </a:prstGeom>
+        </p:spPr>
+        <p:txBody>
+          <a:bodyPr lIns="91425" tIns="91425" rIns="91425" bIns="91425" anchor="t" anchorCtr="0">
+            <a:noAutofit/>
+          </a:bodyPr>
+          <a:lstStyle/>
+          <a:p>
+            <a:pPr lvl="0">
+              <a:spcBef>
+                <a:spcPts val="0"/>
+              </a:spcBef>
+              <a:buNone/>
+            </a:pPr>
+            <a:endParaRPr/>
+          </a:p>
+        </p:txBody>
+      </p:sp>
+    </p:spTree>
+    <p:extLst>
+      <p:ext uri="{BB962C8B-B14F-4D97-AF65-F5344CB8AC3E}">
         <p14:creationId xmlns:p14="http://schemas.microsoft.com/office/powerpoint/2010/main" val="3317216398"/>
       </p:ext>
     </p:extLst>
@@ -3146,7 +3467,7 @@
 </p:notes>
 </file>
 
-<file path=ppt/notesSlides/notesSlide32.xml><?xml version="1.0" encoding="utf-8"?>
+<file path=ppt/notesSlides/notesSlide35.xml><?xml version="1.0" encoding="utf-8"?>
 <p:notes xmlns:a="http://schemas.openxmlformats.org/drawingml/2006/main" xmlns:r="http://schemas.openxmlformats.org/officeDocument/2006/relationships" xmlns:p="http://schemas.openxmlformats.org/presentationml/2006/main" showMasterSp="0" showMasterPhAnim="0">
   <p:cSld>
     <p:spTree>
@@ -4435,6 +4756,38 @@
           <a:chExt cx="0" cy="0"/>
         </a:xfrm>
       </p:grpSpPr>
+      <p:sp>
+        <p:nvSpPr>
+          <p:cNvPr id="4" name="Marcador de Posição do Número do Diapositivo 3"/>
+          <p:cNvSpPr>
+            <a:spLocks noGrp="1"/>
+          </p:cNvSpPr>
+          <p:nvPr>
+            <p:ph type="sldNum" sz="quarter" idx="12"/>
+          </p:nvPr>
+        </p:nvSpPr>
+        <p:spPr/>
+        <p:txBody>
+          <a:bodyPr/>
+          <a:lstStyle>
+            <a:lvl1pPr>
+              <a:defRPr sz="3200"/>
+            </a:lvl1pPr>
+          </a:lstStyle>
+          <a:p>
+            <a:fld id="{7A7FBF7A-E0A0-435F-9540-C356DFC5D048}" type="slidenum">
+              <a:rPr lang="pt-PT" smtClean="0"/>
+              <a:pPr/>
+              <a:t>‹nº›</a:t>
+            </a:fld>
+            <a:r>
+              <a:rPr lang="pt-PT" dirty="0" smtClean="0"/>
+              <a:t>/35</a:t>
+            </a:r>
+            <a:endParaRPr lang="pt-PT" dirty="0"/>
+          </a:p>
+        </p:txBody>
+      </p:sp>
     </p:spTree>
     <p:extLst>
       <p:ext uri="{BB962C8B-B14F-4D97-AF65-F5344CB8AC3E}">
@@ -4832,6 +5185,38 @@
           </a:ln>
         </p:spPr>
       </p:cxnSp>
+      <p:sp>
+        <p:nvSpPr>
+          <p:cNvPr id="4" name="Marcador de Posição do Número do Diapositivo 3"/>
+          <p:cNvSpPr>
+            <a:spLocks noGrp="1"/>
+          </p:cNvSpPr>
+          <p:nvPr>
+            <p:ph type="sldNum" sz="quarter" idx="12"/>
+          </p:nvPr>
+        </p:nvSpPr>
+        <p:spPr/>
+        <p:txBody>
+          <a:bodyPr/>
+          <a:lstStyle>
+            <a:lvl1pPr>
+              <a:defRPr sz="3200"/>
+            </a:lvl1pPr>
+          </a:lstStyle>
+          <a:p>
+            <a:fld id="{7A7FBF7A-E0A0-435F-9540-C356DFC5D048}" type="slidenum">
+              <a:rPr lang="pt-PT" smtClean="0"/>
+              <a:pPr/>
+              <a:t>‹nº›</a:t>
+            </a:fld>
+            <a:r>
+              <a:rPr lang="pt-PT" dirty="0" smtClean="0"/>
+              <a:t>/35</a:t>
+            </a:r>
+            <a:endParaRPr lang="pt-PT" dirty="0"/>
+          </a:p>
+        </p:txBody>
+      </p:sp>
     </p:spTree>
     <p:extLst>
       <p:ext uri="{BB962C8B-B14F-4D97-AF65-F5344CB8AC3E}">
@@ -5302,6 +5687,38 @@
           </a:ln>
         </p:spPr>
       </p:cxnSp>
+      <p:sp>
+        <p:nvSpPr>
+          <p:cNvPr id="4" name="Marcador de Posição do Número do Diapositivo 3"/>
+          <p:cNvSpPr>
+            <a:spLocks noGrp="1"/>
+          </p:cNvSpPr>
+          <p:nvPr>
+            <p:ph type="sldNum" sz="quarter" idx="12"/>
+          </p:nvPr>
+        </p:nvSpPr>
+        <p:spPr/>
+        <p:txBody>
+          <a:bodyPr/>
+          <a:lstStyle>
+            <a:lvl1pPr>
+              <a:defRPr sz="3200"/>
+            </a:lvl1pPr>
+          </a:lstStyle>
+          <a:p>
+            <a:fld id="{7A7FBF7A-E0A0-435F-9540-C356DFC5D048}" type="slidenum">
+              <a:rPr lang="pt-PT" smtClean="0"/>
+              <a:pPr/>
+              <a:t>‹nº›</a:t>
+            </a:fld>
+            <a:r>
+              <a:rPr lang="pt-PT" dirty="0" smtClean="0"/>
+              <a:t>/35</a:t>
+            </a:r>
+            <a:endParaRPr lang="pt-PT" dirty="0"/>
+          </a:p>
+        </p:txBody>
+      </p:sp>
     </p:spTree>
     <p:extLst>
       <p:ext uri="{BB962C8B-B14F-4D97-AF65-F5344CB8AC3E}">
@@ -7830,7 +8247,7 @@
         </p:nvSpPr>
         <p:spPr>
           <a:xfrm>
-            <a:off x="7020801" y="5750015"/>
+            <a:off x="7029268" y="5555744"/>
             <a:ext cx="4053600" cy="730616"/>
           </a:xfrm>
           <a:prstGeom prst="rect">
@@ -8034,6 +8451,30 @@
                 </a:schemeClr>
               </a:solidFill>
             </a:endParaRPr>
+          </a:p>
+        </p:txBody>
+      </p:sp>
+      <p:sp>
+        <p:nvSpPr>
+          <p:cNvPr id="2" name="Marcador de Posição do Número do Diapositivo 1"/>
+          <p:cNvSpPr>
+            <a:spLocks noGrp="1"/>
+          </p:cNvSpPr>
+          <p:nvPr>
+            <p:ph type="sldNum" sz="quarter" idx="12"/>
+          </p:nvPr>
+        </p:nvSpPr>
+        <p:spPr/>
+        <p:txBody>
+          <a:bodyPr/>
+          <a:lstStyle/>
+          <a:p>
+            <a:fld id="{7A7FBF7A-E0A0-435F-9540-C356DFC5D048}" type="slidenum">
+              <a:rPr lang="pt-PT" smtClean="0"/>
+              <a:pPr/>
+              <a:t>1</a:t>
+            </a:fld>
+            <a:endParaRPr lang="pt-PT" dirty="0"/>
           </a:p>
         </p:txBody>
       </p:sp>
@@ -8123,7 +8564,7 @@
         </p:nvSpPr>
         <p:spPr>
           <a:xfrm>
-            <a:off x="1841667" y="2959158"/>
+            <a:off x="1508109" y="2104024"/>
             <a:ext cx="9079600" cy="3609318"/>
           </a:xfrm>
           <a:prstGeom prst="rect">
@@ -8146,9 +8587,162 @@
             </a:pPr>
             <a:r>
               <a:rPr lang="pt-PT" sz="2800" dirty="0" smtClean="0"/>
-              <a:t>PBL</a:t>
+              <a:t>Metodologia de </a:t>
             </a:r>
-            <a:endParaRPr lang="pt-PT" sz="2800" dirty="0"/>
+            <a:r>
+              <a:rPr lang="pt-PT" sz="2800" dirty="0" err="1" smtClean="0"/>
+              <a:t>Problem</a:t>
+            </a:r>
+            <a:r>
+              <a:rPr lang="pt-PT" sz="2800" dirty="0" smtClean="0"/>
+              <a:t> </a:t>
+            </a:r>
+            <a:r>
+              <a:rPr lang="pt-PT" sz="2800" dirty="0" err="1" smtClean="0"/>
+              <a:t>Based</a:t>
+            </a:r>
+            <a:r>
+              <a:rPr lang="pt-PT" sz="2800" dirty="0" smtClean="0"/>
+              <a:t> </a:t>
+            </a:r>
+            <a:r>
+              <a:rPr lang="pt-PT" sz="2800" dirty="0" err="1" smtClean="0"/>
+              <a:t>Learning</a:t>
+            </a:r>
+            <a:r>
+              <a:rPr lang="pt-PT" sz="2800" dirty="0" smtClean="0"/>
+              <a:t> (PBL)</a:t>
+            </a:r>
+          </a:p>
+          <a:p>
+            <a:pPr marL="609585" indent="-304792">
+              <a:lnSpc>
+                <a:spcPct val="100000"/>
+              </a:lnSpc>
+              <a:spcBef>
+                <a:spcPts val="0"/>
+              </a:spcBef>
+            </a:pPr>
+            <a:endParaRPr lang="en-US" sz="2800" dirty="0"/>
+          </a:p>
+          <a:p>
+            <a:pPr marL="609585" indent="-304792">
+              <a:lnSpc>
+                <a:spcPct val="100000"/>
+              </a:lnSpc>
+              <a:spcBef>
+                <a:spcPts val="0"/>
+              </a:spcBef>
+            </a:pPr>
+            <a:r>
+              <a:rPr lang="pt-PT" sz="2800" dirty="0" smtClean="0"/>
+              <a:t>Ludificação em Ciclos de Aprendizagem:</a:t>
+            </a:r>
+          </a:p>
+          <a:p>
+            <a:pPr marL="1066785" lvl="1" indent="-304792">
+              <a:lnSpc>
+                <a:spcPct val="100000"/>
+              </a:lnSpc>
+              <a:spcBef>
+                <a:spcPts val="0"/>
+              </a:spcBef>
+            </a:pPr>
+            <a:r>
+              <a:rPr lang="pt-PT" sz="2267" dirty="0" smtClean="0"/>
+              <a:t>Introdução / </a:t>
+            </a:r>
+            <a:r>
+              <a:rPr lang="pt-PT" sz="2267" dirty="0" err="1" smtClean="0"/>
+              <a:t>Onboarding</a:t>
+            </a:r>
+            <a:endParaRPr lang="pt-PT" sz="2267" dirty="0" smtClean="0"/>
+          </a:p>
+          <a:p>
+            <a:pPr marL="1066785" lvl="1" indent="-304792">
+              <a:lnSpc>
+                <a:spcPct val="100000"/>
+              </a:lnSpc>
+              <a:spcBef>
+                <a:spcPts val="0"/>
+              </a:spcBef>
+            </a:pPr>
+            <a:r>
+              <a:rPr lang="pt-PT" sz="2267" dirty="0" smtClean="0"/>
+              <a:t>Desenvolvimento do Jogo </a:t>
+            </a:r>
+            <a:r>
+              <a:rPr lang="pt-PT" sz="2267" dirty="0" smtClean="0"/>
+              <a:t>/ </a:t>
+            </a:r>
+            <a:r>
+              <a:rPr lang="pt-PT" sz="2267" dirty="0" err="1" smtClean="0"/>
+              <a:t>Scaffholding</a:t>
+            </a:r>
+            <a:endParaRPr lang="pt-PT" sz="2267" dirty="0" smtClean="0"/>
+          </a:p>
+          <a:p>
+            <a:pPr marL="1066785" lvl="1" indent="-304792">
+              <a:lnSpc>
+                <a:spcPct val="100000"/>
+              </a:lnSpc>
+              <a:spcBef>
+                <a:spcPts val="0"/>
+              </a:spcBef>
+            </a:pPr>
+            <a:r>
+              <a:rPr lang="pt-PT" sz="2267" dirty="0" smtClean="0"/>
+              <a:t>Desafios / </a:t>
+            </a:r>
+            <a:r>
+              <a:rPr lang="pt-PT" sz="2267" dirty="0" err="1" smtClean="0"/>
+              <a:t>End</a:t>
+            </a:r>
+            <a:r>
+              <a:rPr lang="pt-PT" sz="2267" dirty="0" smtClean="0"/>
+              <a:t> Game</a:t>
+            </a:r>
+          </a:p>
+          <a:p>
+            <a:pPr marL="609585" indent="-304792">
+              <a:lnSpc>
+                <a:spcPct val="100000"/>
+              </a:lnSpc>
+              <a:spcBef>
+                <a:spcPts val="0"/>
+              </a:spcBef>
+            </a:pPr>
+            <a:endParaRPr lang="en-US" sz="2800" dirty="0"/>
+          </a:p>
+          <a:p>
+            <a:pPr marL="609585" indent="-304792">
+              <a:lnSpc>
+                <a:spcPct val="100000"/>
+              </a:lnSpc>
+              <a:spcBef>
+                <a:spcPts val="0"/>
+              </a:spcBef>
+            </a:pPr>
+            <a:r>
+              <a:rPr lang="pt-PT" sz="2800" dirty="0" smtClean="0"/>
+              <a:t>Compatibilidade com B-</a:t>
+            </a:r>
+            <a:r>
+              <a:rPr lang="pt-PT" sz="2800" dirty="0" err="1" smtClean="0"/>
+              <a:t>Learning</a:t>
+            </a:r>
+            <a:endParaRPr lang="pt-PT" sz="2800" dirty="0" smtClean="0"/>
+          </a:p>
+          <a:p>
+            <a:pPr marL="609585" indent="-304792">
+              <a:lnSpc>
+                <a:spcPct val="100000"/>
+              </a:lnSpc>
+              <a:spcBef>
+                <a:spcPts val="0"/>
+              </a:spcBef>
+            </a:pPr>
+            <a:endParaRPr lang="en-US" sz="2800" dirty="0"/>
           </a:p>
         </p:txBody>
       </p:sp>
@@ -8688,261 +9282,25 @@
       </p:grpSp>
       <p:sp>
         <p:nvSpPr>
-          <p:cNvPr id="10" name="Shape 111"/>
-          <p:cNvSpPr txBox="1">
-            <a:spLocks/>
+          <p:cNvPr id="2" name="Marcador de Posição do Número do Diapositivo 1"/>
+          <p:cNvSpPr>
+            <a:spLocks noGrp="1"/>
           </p:cNvSpPr>
-          <p:nvPr/>
+          <p:nvPr>
+            <p:ph type="sldNum" sz="quarter" idx="12"/>
+          </p:nvPr>
         </p:nvSpPr>
-        <p:spPr>
-          <a:xfrm>
-            <a:off x="1393562" y="1997620"/>
-            <a:ext cx="9079600" cy="533400"/>
-          </a:xfrm>
-          <a:prstGeom prst="rect">
-            <a:avLst/>
-          </a:prstGeom>
-        </p:spPr>
+        <p:spPr/>
         <p:txBody>
-          <a:bodyPr vert="horz" lIns="121900" tIns="121900" rIns="121900" bIns="121900" rtlCol="0" anchor="t" anchorCtr="0">
-            <a:noAutofit/>
-          </a:bodyPr>
-          <a:lstStyle>
-            <a:lvl1pPr marL="228600" lvl="0" indent="-228600" algn="l" defTabSz="914400" rtl="0" eaLnBrk="1" latinLnBrk="0" hangingPunct="1">
-              <a:lnSpc>
-                <a:spcPct val="90000"/>
-              </a:lnSpc>
-              <a:spcBef>
-                <a:spcPts val="800"/>
-              </a:spcBef>
-              <a:buClr>
-                <a:srgbClr val="FFCD00"/>
-              </a:buClr>
-              <a:buSzPct val="100000"/>
-              <a:buFont typeface="Quattrocento Sans"/>
-              <a:buChar char="◉"/>
-              <a:defRPr sz="3200" kern="1200">
-                <a:solidFill>
-                  <a:schemeClr val="tx1"/>
-                </a:solidFill>
-                <a:latin typeface="Quattrocento Sans"/>
-                <a:ea typeface="Quattrocento Sans"/>
-                <a:cs typeface="Quattrocento Sans"/>
-                <a:sym typeface="Quattrocento Sans"/>
-              </a:defRPr>
-            </a:lvl1pPr>
-            <a:lvl2pPr marL="685800" lvl="1" indent="-228600" algn="l" defTabSz="914400" rtl="0" eaLnBrk="1" latinLnBrk="0" hangingPunct="1">
-              <a:lnSpc>
-                <a:spcPct val="90000"/>
-              </a:lnSpc>
-              <a:spcBef>
-                <a:spcPts val="640"/>
-              </a:spcBef>
-              <a:buClr>
-                <a:srgbClr val="FFCD00"/>
-              </a:buClr>
-              <a:buSzPct val="100000"/>
-              <a:buFont typeface="Quattrocento Sans"/>
-              <a:buChar char="•"/>
-              <a:defRPr sz="2667" kern="1200">
-                <a:solidFill>
-                  <a:schemeClr val="tx1"/>
-                </a:solidFill>
-                <a:latin typeface="Quattrocento Sans"/>
-                <a:ea typeface="Quattrocento Sans"/>
-                <a:cs typeface="Quattrocento Sans"/>
-                <a:sym typeface="Quattrocento Sans"/>
-              </a:defRPr>
-            </a:lvl2pPr>
-            <a:lvl3pPr marL="1143000" lvl="2" indent="-228600" algn="l" defTabSz="914400" rtl="0" eaLnBrk="1" latinLnBrk="0" hangingPunct="1">
-              <a:lnSpc>
-                <a:spcPct val="90000"/>
-              </a:lnSpc>
-              <a:spcBef>
-                <a:spcPts val="640"/>
-              </a:spcBef>
-              <a:buClr>
-                <a:srgbClr val="FFCD00"/>
-              </a:buClr>
-              <a:buSzPct val="100000"/>
-              <a:buFont typeface="Quattrocento Sans"/>
-              <a:buChar char="•"/>
-              <a:defRPr sz="2667" kern="1200">
-                <a:solidFill>
-                  <a:schemeClr val="tx1"/>
-                </a:solidFill>
-                <a:latin typeface="Quattrocento Sans"/>
-                <a:ea typeface="Quattrocento Sans"/>
-                <a:cs typeface="Quattrocento Sans"/>
-                <a:sym typeface="Quattrocento Sans"/>
-              </a:defRPr>
-            </a:lvl3pPr>
-            <a:lvl4pPr marL="1600200" lvl="3" indent="-228600" algn="l" defTabSz="914400" rtl="0" eaLnBrk="1" latinLnBrk="0" hangingPunct="1">
-              <a:lnSpc>
-                <a:spcPct val="90000"/>
-              </a:lnSpc>
-              <a:spcBef>
-                <a:spcPts val="480"/>
-              </a:spcBef>
-              <a:buClr>
-                <a:srgbClr val="FFCD00"/>
-              </a:buClr>
-              <a:buSzPct val="100000"/>
-              <a:buFont typeface="Quattrocento Sans"/>
-              <a:buChar char="•"/>
-              <a:defRPr sz="2400" kern="1200">
-                <a:solidFill>
-                  <a:schemeClr val="tx1"/>
-                </a:solidFill>
-                <a:latin typeface="Quattrocento Sans"/>
-                <a:ea typeface="Quattrocento Sans"/>
-                <a:cs typeface="Quattrocento Sans"/>
-                <a:sym typeface="Quattrocento Sans"/>
-              </a:defRPr>
-            </a:lvl4pPr>
-            <a:lvl5pPr marL="2057400" lvl="4" indent="-228600" algn="l" defTabSz="914400" rtl="0" eaLnBrk="1" latinLnBrk="0" hangingPunct="1">
-              <a:lnSpc>
-                <a:spcPct val="90000"/>
-              </a:lnSpc>
-              <a:spcBef>
-                <a:spcPts val="480"/>
-              </a:spcBef>
-              <a:buClr>
-                <a:srgbClr val="FFCD00"/>
-              </a:buClr>
-              <a:buSzPct val="100000"/>
-              <a:buFont typeface="Quattrocento Sans"/>
-              <a:buChar char="•"/>
-              <a:defRPr sz="2400" kern="1200">
-                <a:solidFill>
-                  <a:schemeClr val="tx1"/>
-                </a:solidFill>
-                <a:latin typeface="Quattrocento Sans"/>
-                <a:ea typeface="Quattrocento Sans"/>
-                <a:cs typeface="Quattrocento Sans"/>
-                <a:sym typeface="Quattrocento Sans"/>
-              </a:defRPr>
-            </a:lvl5pPr>
-            <a:lvl6pPr marL="2514600" lvl="5" indent="-228600" algn="l" defTabSz="914400" rtl="0" eaLnBrk="1" latinLnBrk="0" hangingPunct="1">
-              <a:lnSpc>
-                <a:spcPct val="90000"/>
-              </a:lnSpc>
-              <a:spcBef>
-                <a:spcPts val="480"/>
-              </a:spcBef>
-              <a:buClr>
-                <a:srgbClr val="FFCD00"/>
-              </a:buClr>
-              <a:buSzPct val="100000"/>
-              <a:buFont typeface="Quattrocento Sans"/>
-              <a:buChar char="•"/>
-              <a:defRPr sz="2400" kern="1200">
-                <a:solidFill>
-                  <a:schemeClr val="tx1"/>
-                </a:solidFill>
-                <a:latin typeface="Quattrocento Sans"/>
-                <a:ea typeface="Quattrocento Sans"/>
-                <a:cs typeface="Quattrocento Sans"/>
-                <a:sym typeface="Quattrocento Sans"/>
-              </a:defRPr>
-            </a:lvl6pPr>
-            <a:lvl7pPr marL="2971800" lvl="6" indent="-228600" algn="l" defTabSz="914400" rtl="0" eaLnBrk="1" latinLnBrk="0" hangingPunct="1">
-              <a:lnSpc>
-                <a:spcPct val="90000"/>
-              </a:lnSpc>
-              <a:spcBef>
-                <a:spcPts val="480"/>
-              </a:spcBef>
-              <a:buClr>
-                <a:srgbClr val="FFCD00"/>
-              </a:buClr>
-              <a:buSzPct val="100000"/>
-              <a:buFont typeface="Quattrocento Sans"/>
-              <a:buChar char="•"/>
-              <a:defRPr sz="2400" kern="1200">
-                <a:solidFill>
-                  <a:schemeClr val="tx1"/>
-                </a:solidFill>
-                <a:latin typeface="Quattrocento Sans"/>
-                <a:ea typeface="Quattrocento Sans"/>
-                <a:cs typeface="Quattrocento Sans"/>
-                <a:sym typeface="Quattrocento Sans"/>
-              </a:defRPr>
-            </a:lvl7pPr>
-            <a:lvl8pPr marL="3429000" lvl="7" indent="-228600" algn="l" defTabSz="914400" rtl="0" eaLnBrk="1" latinLnBrk="0" hangingPunct="1">
-              <a:lnSpc>
-                <a:spcPct val="90000"/>
-              </a:lnSpc>
-              <a:spcBef>
-                <a:spcPts val="480"/>
-              </a:spcBef>
-              <a:buClr>
-                <a:srgbClr val="FFCD00"/>
-              </a:buClr>
-              <a:buSzPct val="100000"/>
-              <a:buFont typeface="Quattrocento Sans"/>
-              <a:buChar char="•"/>
-              <a:defRPr sz="2400" kern="1200">
-                <a:solidFill>
-                  <a:schemeClr val="tx1"/>
-                </a:solidFill>
-                <a:latin typeface="Quattrocento Sans"/>
-                <a:ea typeface="Quattrocento Sans"/>
-                <a:cs typeface="Quattrocento Sans"/>
-                <a:sym typeface="Quattrocento Sans"/>
-              </a:defRPr>
-            </a:lvl8pPr>
-            <a:lvl9pPr marL="3886200" lvl="8" indent="-228600" algn="l" defTabSz="914400" rtl="0" eaLnBrk="1" latinLnBrk="0" hangingPunct="1">
-              <a:lnSpc>
-                <a:spcPct val="90000"/>
-              </a:lnSpc>
-              <a:spcBef>
-                <a:spcPts val="480"/>
-              </a:spcBef>
-              <a:buClr>
-                <a:srgbClr val="FFCD00"/>
-              </a:buClr>
-              <a:buSzPct val="100000"/>
-              <a:buFont typeface="Quattrocento Sans"/>
-              <a:buChar char="•"/>
-              <a:defRPr sz="2400" kern="1200">
-                <a:solidFill>
-                  <a:schemeClr val="tx1"/>
-                </a:solidFill>
-                <a:latin typeface="Quattrocento Sans"/>
-                <a:ea typeface="Quattrocento Sans"/>
-                <a:cs typeface="Quattrocento Sans"/>
-                <a:sym typeface="Quattrocento Sans"/>
-              </a:defRPr>
-            </a:lvl9pPr>
-          </a:lstStyle>
-          <a:p>
-            <a:pPr marL="304793" indent="0">
-              <a:lnSpc>
-                <a:spcPct val="100000"/>
-              </a:lnSpc>
-              <a:spcBef>
-                <a:spcPts val="0"/>
-              </a:spcBef>
-              <a:buNone/>
-            </a:pPr>
-            <a:r>
-              <a:rPr lang="pt-PT" sz="2800" dirty="0" err="1" smtClean="0"/>
-              <a:t>Lorem</a:t>
-            </a:r>
-            <a:r>
-              <a:rPr lang="pt-PT" sz="2800" dirty="0" smtClean="0"/>
-              <a:t> </a:t>
-            </a:r>
-            <a:r>
-              <a:rPr lang="pt-PT" sz="2800" dirty="0" err="1" smtClean="0"/>
-              <a:t>ipsu</a:t>
-            </a:r>
-            <a:r>
-              <a:rPr lang="pt-PT" sz="2800" dirty="0" err="1"/>
-              <a:t>m</a:t>
-            </a:r>
-            <a:endParaRPr lang="pt-PT" sz="2800" dirty="0" smtClean="0"/>
+          <a:bodyPr/>
+          <a:lstStyle/>
+          <a:p>
+            <a:fld id="{7A7FBF7A-E0A0-435F-9540-C356DFC5D048}" type="slidenum">
+              <a:rPr lang="pt-PT" smtClean="0"/>
+              <a:pPr/>
+              <a:t>10</a:t>
+            </a:fld>
+            <a:endParaRPr lang="pt-PT" dirty="0"/>
           </a:p>
         </p:txBody>
       </p:sp>
@@ -9020,145 +9378,6 @@
           </a:p>
         </p:txBody>
       </p:sp>
-      <p:sp>
-        <p:nvSpPr>
-          <p:cNvPr id="111" name="Shape 111"/>
-          <p:cNvSpPr txBox="1">
-            <a:spLocks noGrp="1"/>
-          </p:cNvSpPr>
-          <p:nvPr>
-            <p:ph type="body" idx="1"/>
-          </p:nvPr>
-        </p:nvSpPr>
-        <p:spPr>
-          <a:xfrm>
-            <a:off x="1841667" y="2155293"/>
-            <a:ext cx="9079600" cy="4149600"/>
-          </a:xfrm>
-          <a:prstGeom prst="rect">
-            <a:avLst/>
-          </a:prstGeom>
-        </p:spPr>
-        <p:txBody>
-          <a:bodyPr vert="horz" lIns="121900" tIns="121900" rIns="121900" bIns="121900" rtlCol="0" anchor="t" anchorCtr="0">
-            <a:noAutofit/>
-          </a:bodyPr>
-          <a:lstStyle/>
-          <a:p>
-            <a:pPr marL="609585" indent="-304792">
-              <a:lnSpc>
-                <a:spcPct val="100000"/>
-              </a:lnSpc>
-              <a:spcBef>
-                <a:spcPts val="0"/>
-              </a:spcBef>
-            </a:pPr>
-            <a:r>
-              <a:rPr lang="pt-PT" sz="2800" dirty="0" smtClean="0"/>
-              <a:t>Fundamentos da Programação</a:t>
-            </a:r>
-          </a:p>
-          <a:p>
-            <a:pPr marL="609585" indent="-304792">
-              <a:lnSpc>
-                <a:spcPct val="100000"/>
-              </a:lnSpc>
-              <a:spcBef>
-                <a:spcPts val="0"/>
-              </a:spcBef>
-            </a:pPr>
-            <a:r>
-              <a:rPr lang="pt-PT" sz="2800" dirty="0" smtClean="0"/>
-              <a:t>Estruturas de Dados</a:t>
-            </a:r>
-          </a:p>
-          <a:p>
-            <a:pPr marL="609585" indent="-304792">
-              <a:lnSpc>
-                <a:spcPct val="100000"/>
-              </a:lnSpc>
-              <a:spcBef>
-                <a:spcPts val="0"/>
-              </a:spcBef>
-            </a:pPr>
-            <a:r>
-              <a:rPr lang="pt-PT" sz="2800" dirty="0" smtClean="0"/>
-              <a:t>Projetos de Software</a:t>
-            </a:r>
-          </a:p>
-          <a:p>
-            <a:pPr marL="609585" indent="-304792">
-              <a:lnSpc>
-                <a:spcPct val="100000"/>
-              </a:lnSpc>
-              <a:spcBef>
-                <a:spcPts val="0"/>
-              </a:spcBef>
-            </a:pPr>
-            <a:r>
-              <a:rPr lang="pt-PT" sz="2800" dirty="0" smtClean="0"/>
-              <a:t>Gráficos e Visualização</a:t>
-            </a:r>
-          </a:p>
-          <a:p>
-            <a:pPr marL="609585" indent="-304792">
-              <a:lnSpc>
-                <a:spcPct val="100000"/>
-              </a:lnSpc>
-              <a:spcBef>
-                <a:spcPts val="0"/>
-              </a:spcBef>
-            </a:pPr>
-            <a:r>
-              <a:rPr lang="pt-PT" sz="2800" dirty="0" smtClean="0"/>
-              <a:t>Linguagens de Programação</a:t>
-            </a:r>
-          </a:p>
-          <a:p>
-            <a:pPr marL="609585" indent="-304792">
-              <a:lnSpc>
-                <a:spcPct val="100000"/>
-              </a:lnSpc>
-              <a:spcBef>
-                <a:spcPts val="0"/>
-              </a:spcBef>
-            </a:pPr>
-            <a:r>
-              <a:rPr lang="pt-PT" sz="2800" dirty="0" smtClean="0"/>
-              <a:t>Algoritmos e Complexidade</a:t>
-            </a:r>
-          </a:p>
-          <a:p>
-            <a:pPr marL="609585" indent="-304792">
-              <a:lnSpc>
-                <a:spcPct val="100000"/>
-              </a:lnSpc>
-              <a:spcBef>
-                <a:spcPts val="0"/>
-              </a:spcBef>
-            </a:pPr>
-            <a:r>
-              <a:rPr lang="pt-PT" sz="2800" dirty="0" smtClean="0"/>
-              <a:t>Fundamentos e Design de Jogos Digitais</a:t>
-            </a:r>
-          </a:p>
-          <a:p>
-            <a:pPr marL="609585" indent="-304792">
-              <a:lnSpc>
-                <a:spcPct val="100000"/>
-              </a:lnSpc>
-              <a:spcBef>
-                <a:spcPts val="0"/>
-              </a:spcBef>
-            </a:pPr>
-            <a:r>
-              <a:rPr lang="pt-PT" sz="2800" dirty="0" smtClean="0"/>
-              <a:t>Programação de Jogos Digitais</a:t>
-            </a:r>
-            <a:endParaRPr lang="pt-PT" sz="2800" dirty="0"/>
-          </a:p>
-        </p:txBody>
-      </p:sp>
       <p:grpSp>
         <p:nvGrpSpPr>
           <p:cNvPr id="112" name="Shape 112"/>
@@ -9693,6 +9912,408 @@
           </p:txBody>
         </p:sp>
       </p:grpSp>
+      <p:sp>
+        <p:nvSpPr>
+          <p:cNvPr id="2" name="Marcador de Posição do Número do Diapositivo 1"/>
+          <p:cNvSpPr>
+            <a:spLocks noGrp="1"/>
+          </p:cNvSpPr>
+          <p:nvPr>
+            <p:ph type="sldNum" sz="quarter" idx="12"/>
+          </p:nvPr>
+        </p:nvSpPr>
+        <p:spPr/>
+        <p:txBody>
+          <a:bodyPr/>
+          <a:lstStyle/>
+          <a:p>
+            <a:fld id="{7A7FBF7A-E0A0-435F-9540-C356DFC5D048}" type="slidenum">
+              <a:rPr lang="pt-PT" smtClean="0"/>
+              <a:pPr/>
+              <a:t>11</a:t>
+            </a:fld>
+            <a:endParaRPr lang="pt-PT" dirty="0"/>
+          </a:p>
+        </p:txBody>
+      </p:sp>
+      <p:sp>
+        <p:nvSpPr>
+          <p:cNvPr id="10" name="Shape 111"/>
+          <p:cNvSpPr txBox="1">
+            <a:spLocks/>
+          </p:cNvSpPr>
+          <p:nvPr/>
+        </p:nvSpPr>
+        <p:spPr>
+          <a:xfrm>
+            <a:off x="1344433" y="2143455"/>
+            <a:ext cx="7924312" cy="3584245"/>
+          </a:xfrm>
+          <a:prstGeom prst="rect">
+            <a:avLst/>
+          </a:prstGeom>
+        </p:spPr>
+        <p:txBody>
+          <a:bodyPr vert="horz" lIns="121900" tIns="121900" rIns="121900" bIns="121900" rtlCol="0" anchor="t" anchorCtr="0">
+            <a:noAutofit/>
+          </a:bodyPr>
+          <a:lstStyle>
+            <a:lvl1pPr marL="228600" lvl="0" indent="-228600" algn="l" defTabSz="914400" rtl="0" eaLnBrk="1" latinLnBrk="0" hangingPunct="1">
+              <a:lnSpc>
+                <a:spcPct val="90000"/>
+              </a:lnSpc>
+              <a:spcBef>
+                <a:spcPts val="800"/>
+              </a:spcBef>
+              <a:buClr>
+                <a:srgbClr val="FFCD00"/>
+              </a:buClr>
+              <a:buSzPct val="100000"/>
+              <a:buFont typeface="Quattrocento Sans"/>
+              <a:buChar char="◉"/>
+              <a:defRPr sz="3200" kern="1200">
+                <a:solidFill>
+                  <a:schemeClr val="tx1"/>
+                </a:solidFill>
+                <a:latin typeface="Quattrocento Sans"/>
+                <a:ea typeface="Quattrocento Sans"/>
+                <a:cs typeface="Quattrocento Sans"/>
+                <a:sym typeface="Quattrocento Sans"/>
+              </a:defRPr>
+            </a:lvl1pPr>
+            <a:lvl2pPr marL="685800" lvl="1" indent="-228600" algn="l" defTabSz="914400" rtl="0" eaLnBrk="1" latinLnBrk="0" hangingPunct="1">
+              <a:lnSpc>
+                <a:spcPct val="90000"/>
+              </a:lnSpc>
+              <a:spcBef>
+                <a:spcPts val="640"/>
+              </a:spcBef>
+              <a:buClr>
+                <a:srgbClr val="FFCD00"/>
+              </a:buClr>
+              <a:buSzPct val="100000"/>
+              <a:buFont typeface="Quattrocento Sans"/>
+              <a:buChar char="•"/>
+              <a:defRPr sz="2667" kern="1200">
+                <a:solidFill>
+                  <a:schemeClr val="tx1"/>
+                </a:solidFill>
+                <a:latin typeface="Quattrocento Sans"/>
+                <a:ea typeface="Quattrocento Sans"/>
+                <a:cs typeface="Quattrocento Sans"/>
+                <a:sym typeface="Quattrocento Sans"/>
+              </a:defRPr>
+            </a:lvl2pPr>
+            <a:lvl3pPr marL="1143000" lvl="2" indent="-228600" algn="l" defTabSz="914400" rtl="0" eaLnBrk="1" latinLnBrk="0" hangingPunct="1">
+              <a:lnSpc>
+                <a:spcPct val="90000"/>
+              </a:lnSpc>
+              <a:spcBef>
+                <a:spcPts val="640"/>
+              </a:spcBef>
+              <a:buClr>
+                <a:srgbClr val="FFCD00"/>
+              </a:buClr>
+              <a:buSzPct val="100000"/>
+              <a:buFont typeface="Quattrocento Sans"/>
+              <a:buChar char="•"/>
+              <a:defRPr sz="2667" kern="1200">
+                <a:solidFill>
+                  <a:schemeClr val="tx1"/>
+                </a:solidFill>
+                <a:latin typeface="Quattrocento Sans"/>
+                <a:ea typeface="Quattrocento Sans"/>
+                <a:cs typeface="Quattrocento Sans"/>
+                <a:sym typeface="Quattrocento Sans"/>
+              </a:defRPr>
+            </a:lvl3pPr>
+            <a:lvl4pPr marL="1600200" lvl="3" indent="-228600" algn="l" defTabSz="914400" rtl="0" eaLnBrk="1" latinLnBrk="0" hangingPunct="1">
+              <a:lnSpc>
+                <a:spcPct val="90000"/>
+              </a:lnSpc>
+              <a:spcBef>
+                <a:spcPts val="480"/>
+              </a:spcBef>
+              <a:buClr>
+                <a:srgbClr val="FFCD00"/>
+              </a:buClr>
+              <a:buSzPct val="100000"/>
+              <a:buFont typeface="Quattrocento Sans"/>
+              <a:buChar char="•"/>
+              <a:defRPr sz="2400" kern="1200">
+                <a:solidFill>
+                  <a:schemeClr val="tx1"/>
+                </a:solidFill>
+                <a:latin typeface="Quattrocento Sans"/>
+                <a:ea typeface="Quattrocento Sans"/>
+                <a:cs typeface="Quattrocento Sans"/>
+                <a:sym typeface="Quattrocento Sans"/>
+              </a:defRPr>
+            </a:lvl4pPr>
+            <a:lvl5pPr marL="2057400" lvl="4" indent="-228600" algn="l" defTabSz="914400" rtl="0" eaLnBrk="1" latinLnBrk="0" hangingPunct="1">
+              <a:lnSpc>
+                <a:spcPct val="90000"/>
+              </a:lnSpc>
+              <a:spcBef>
+                <a:spcPts val="480"/>
+              </a:spcBef>
+              <a:buClr>
+                <a:srgbClr val="FFCD00"/>
+              </a:buClr>
+              <a:buSzPct val="100000"/>
+              <a:buFont typeface="Quattrocento Sans"/>
+              <a:buChar char="•"/>
+              <a:defRPr sz="2400" kern="1200">
+                <a:solidFill>
+                  <a:schemeClr val="tx1"/>
+                </a:solidFill>
+                <a:latin typeface="Quattrocento Sans"/>
+                <a:ea typeface="Quattrocento Sans"/>
+                <a:cs typeface="Quattrocento Sans"/>
+                <a:sym typeface="Quattrocento Sans"/>
+              </a:defRPr>
+            </a:lvl5pPr>
+            <a:lvl6pPr marL="2514600" lvl="5" indent="-228600" algn="l" defTabSz="914400" rtl="0" eaLnBrk="1" latinLnBrk="0" hangingPunct="1">
+              <a:lnSpc>
+                <a:spcPct val="90000"/>
+              </a:lnSpc>
+              <a:spcBef>
+                <a:spcPts val="480"/>
+              </a:spcBef>
+              <a:buClr>
+                <a:srgbClr val="FFCD00"/>
+              </a:buClr>
+              <a:buSzPct val="100000"/>
+              <a:buFont typeface="Quattrocento Sans"/>
+              <a:buChar char="•"/>
+              <a:defRPr sz="2400" kern="1200">
+                <a:solidFill>
+                  <a:schemeClr val="tx1"/>
+                </a:solidFill>
+                <a:latin typeface="Quattrocento Sans"/>
+                <a:ea typeface="Quattrocento Sans"/>
+                <a:cs typeface="Quattrocento Sans"/>
+                <a:sym typeface="Quattrocento Sans"/>
+              </a:defRPr>
+            </a:lvl6pPr>
+            <a:lvl7pPr marL="2971800" lvl="6" indent="-228600" algn="l" defTabSz="914400" rtl="0" eaLnBrk="1" latinLnBrk="0" hangingPunct="1">
+              <a:lnSpc>
+                <a:spcPct val="90000"/>
+              </a:lnSpc>
+              <a:spcBef>
+                <a:spcPts val="480"/>
+              </a:spcBef>
+              <a:buClr>
+                <a:srgbClr val="FFCD00"/>
+              </a:buClr>
+              <a:buSzPct val="100000"/>
+              <a:buFont typeface="Quattrocento Sans"/>
+              <a:buChar char="•"/>
+              <a:defRPr sz="2400" kern="1200">
+                <a:solidFill>
+                  <a:schemeClr val="tx1"/>
+                </a:solidFill>
+                <a:latin typeface="Quattrocento Sans"/>
+                <a:ea typeface="Quattrocento Sans"/>
+                <a:cs typeface="Quattrocento Sans"/>
+                <a:sym typeface="Quattrocento Sans"/>
+              </a:defRPr>
+            </a:lvl7pPr>
+            <a:lvl8pPr marL="3429000" lvl="7" indent="-228600" algn="l" defTabSz="914400" rtl="0" eaLnBrk="1" latinLnBrk="0" hangingPunct="1">
+              <a:lnSpc>
+                <a:spcPct val="90000"/>
+              </a:lnSpc>
+              <a:spcBef>
+                <a:spcPts val="480"/>
+              </a:spcBef>
+              <a:buClr>
+                <a:srgbClr val="FFCD00"/>
+              </a:buClr>
+              <a:buSzPct val="100000"/>
+              <a:buFont typeface="Quattrocento Sans"/>
+              <a:buChar char="•"/>
+              <a:defRPr sz="2400" kern="1200">
+                <a:solidFill>
+                  <a:schemeClr val="tx1"/>
+                </a:solidFill>
+                <a:latin typeface="Quattrocento Sans"/>
+                <a:ea typeface="Quattrocento Sans"/>
+                <a:cs typeface="Quattrocento Sans"/>
+                <a:sym typeface="Quattrocento Sans"/>
+              </a:defRPr>
+            </a:lvl8pPr>
+            <a:lvl9pPr marL="3886200" lvl="8" indent="-228600" algn="l" defTabSz="914400" rtl="0" eaLnBrk="1" latinLnBrk="0" hangingPunct="1">
+              <a:lnSpc>
+                <a:spcPct val="90000"/>
+              </a:lnSpc>
+              <a:spcBef>
+                <a:spcPts val="480"/>
+              </a:spcBef>
+              <a:buClr>
+                <a:srgbClr val="FFCD00"/>
+              </a:buClr>
+              <a:buSzPct val="100000"/>
+              <a:buFont typeface="Quattrocento Sans"/>
+              <a:buChar char="•"/>
+              <a:defRPr sz="2400" kern="1200">
+                <a:solidFill>
+                  <a:schemeClr val="tx1"/>
+                </a:solidFill>
+                <a:latin typeface="Quattrocento Sans"/>
+                <a:ea typeface="Quattrocento Sans"/>
+                <a:cs typeface="Quattrocento Sans"/>
+                <a:sym typeface="Quattrocento Sans"/>
+              </a:defRPr>
+            </a:lvl9pPr>
+          </a:lstStyle>
+          <a:p>
+            <a:pPr marL="819143" indent="-514350">
+              <a:lnSpc>
+                <a:spcPct val="100000"/>
+              </a:lnSpc>
+              <a:spcBef>
+                <a:spcPts val="0"/>
+              </a:spcBef>
+              <a:buFont typeface="Quattrocento Sans"/>
+              <a:buAutoNum type="arabicPeriod"/>
+            </a:pPr>
+            <a:r>
+              <a:rPr lang="pt-PT" sz="2800" dirty="0"/>
+              <a:t>Fundamentos da </a:t>
+            </a:r>
+            <a:r>
+              <a:rPr lang="pt-PT" sz="2800" dirty="0" smtClean="0"/>
+              <a:t>Programação</a:t>
+            </a:r>
+          </a:p>
+          <a:p>
+            <a:pPr marL="819143" indent="-514350">
+              <a:lnSpc>
+                <a:spcPct val="100000"/>
+              </a:lnSpc>
+              <a:spcBef>
+                <a:spcPts val="0"/>
+              </a:spcBef>
+              <a:buFont typeface="Quattrocento Sans"/>
+              <a:buAutoNum type="arabicPeriod"/>
+            </a:pPr>
+            <a:r>
+              <a:rPr lang="pt-PT" sz="2800" dirty="0"/>
+              <a:t>Estruturas de </a:t>
+            </a:r>
+            <a:r>
+              <a:rPr lang="pt-PT" sz="2800" dirty="0" smtClean="0"/>
+              <a:t>Dados</a:t>
+            </a:r>
+            <a:endParaRPr lang="pt-PT" sz="2800" dirty="0" smtClean="0"/>
+          </a:p>
+          <a:p>
+            <a:pPr marL="819143" indent="-514350">
+              <a:lnSpc>
+                <a:spcPct val="100000"/>
+              </a:lnSpc>
+              <a:spcBef>
+                <a:spcPts val="0"/>
+              </a:spcBef>
+              <a:buFont typeface="Quattrocento Sans"/>
+              <a:buAutoNum type="arabicPeriod"/>
+            </a:pPr>
+            <a:r>
+              <a:rPr lang="pt-PT" sz="2800" dirty="0" smtClean="0"/>
+              <a:t>Projeto </a:t>
+            </a:r>
+            <a:r>
+              <a:rPr lang="pt-PT" sz="2800" dirty="0"/>
+              <a:t>de Software</a:t>
+            </a:r>
+          </a:p>
+          <a:p>
+            <a:pPr marL="819143" indent="-514350">
+              <a:lnSpc>
+                <a:spcPct val="100000"/>
+              </a:lnSpc>
+              <a:spcBef>
+                <a:spcPts val="0"/>
+              </a:spcBef>
+              <a:buFont typeface="Quattrocento Sans"/>
+              <a:buAutoNum type="arabicPeriod"/>
+            </a:pPr>
+            <a:r>
+              <a:rPr lang="pt-PT" sz="2800" dirty="0"/>
+              <a:t>Gráficos e Visualização</a:t>
+            </a:r>
+          </a:p>
+          <a:p>
+            <a:pPr marL="819143" indent="-514350">
+              <a:lnSpc>
+                <a:spcPct val="100000"/>
+              </a:lnSpc>
+              <a:spcBef>
+                <a:spcPts val="0"/>
+              </a:spcBef>
+              <a:buFont typeface="Quattrocento Sans"/>
+              <a:buAutoNum type="arabicPeriod"/>
+            </a:pPr>
+            <a:r>
+              <a:rPr lang="pt-PT" sz="2800" dirty="0"/>
+              <a:t>Linguagens de Programação</a:t>
+            </a:r>
+          </a:p>
+          <a:p>
+            <a:pPr marL="819143" indent="-514350">
+              <a:lnSpc>
+                <a:spcPct val="100000"/>
+              </a:lnSpc>
+              <a:spcBef>
+                <a:spcPts val="0"/>
+              </a:spcBef>
+              <a:buFont typeface="Quattrocento Sans"/>
+              <a:buAutoNum type="arabicPeriod"/>
+            </a:pPr>
+            <a:r>
+              <a:rPr lang="pt-PT" sz="2800" dirty="0"/>
+              <a:t>Algoritmos e Complexidade</a:t>
+            </a:r>
+          </a:p>
+          <a:p>
+            <a:pPr marL="819143" indent="-514350">
+              <a:lnSpc>
+                <a:spcPct val="100000"/>
+              </a:lnSpc>
+              <a:spcBef>
+                <a:spcPts val="0"/>
+              </a:spcBef>
+              <a:buFont typeface="Quattrocento Sans"/>
+              <a:buAutoNum type="arabicPeriod"/>
+            </a:pPr>
+            <a:r>
+              <a:rPr lang="pt-PT" sz="2800" dirty="0"/>
+              <a:t>Fundamentos e Design de Jogos Digitais</a:t>
+            </a:r>
+          </a:p>
+          <a:p>
+            <a:pPr marL="819143" indent="-514350">
+              <a:lnSpc>
+                <a:spcPct val="100000"/>
+              </a:lnSpc>
+              <a:spcBef>
+                <a:spcPts val="0"/>
+              </a:spcBef>
+              <a:buFont typeface="Quattrocento Sans"/>
+              <a:buAutoNum type="arabicPeriod"/>
+            </a:pPr>
+            <a:r>
+              <a:rPr lang="pt-PT" sz="2800" dirty="0"/>
+              <a:t>Programação de Jogos </a:t>
+            </a:r>
+            <a:r>
+              <a:rPr lang="pt-PT" sz="2800" dirty="0" smtClean="0"/>
+              <a:t>Digitais</a:t>
+            </a:r>
+            <a:endParaRPr lang="pt-PT" sz="2800" dirty="0"/>
+          </a:p>
+        </p:txBody>
+      </p:sp>
     </p:spTree>
     <p:extLst>
       <p:ext uri="{BB962C8B-B14F-4D97-AF65-F5344CB8AC3E}">
@@ -10636,6 +11257,30 @@
               <a:rPr lang="pt-PT" sz="2800" dirty="0" smtClean="0"/>
               <a:t>Critérios de escolha:</a:t>
             </a:r>
+          </a:p>
+        </p:txBody>
+      </p:sp>
+      <p:sp>
+        <p:nvSpPr>
+          <p:cNvPr id="2" name="Marcador de Posição do Número do Diapositivo 1"/>
+          <p:cNvSpPr>
+            <a:spLocks noGrp="1"/>
+          </p:cNvSpPr>
+          <p:nvPr>
+            <p:ph type="sldNum" sz="quarter" idx="12"/>
+          </p:nvPr>
+        </p:nvSpPr>
+        <p:spPr/>
+        <p:txBody>
+          <a:bodyPr/>
+          <a:lstStyle/>
+          <a:p>
+            <a:fld id="{7A7FBF7A-E0A0-435F-9540-C356DFC5D048}" type="slidenum">
+              <a:rPr lang="pt-PT" smtClean="0"/>
+              <a:pPr/>
+              <a:t>12</a:t>
+            </a:fld>
+            <a:endParaRPr lang="pt-PT" dirty="0"/>
           </a:p>
         </p:txBody>
       </p:sp>
@@ -11504,7 +12149,7 @@
         </p:nvSpPr>
         <p:spPr>
           <a:xfrm>
-            <a:off x="7012866" y="3431139"/>
+            <a:off x="7012866" y="3272206"/>
             <a:ext cx="4079428" cy="2851881"/>
           </a:xfrm>
           <a:prstGeom prst="rect">
@@ -11798,6 +12443,7 @@
               <a:rPr lang="pt-PT" sz="2800" dirty="0" smtClean="0"/>
               <a:t>Avaliar</a:t>
             </a:r>
+            <a:endParaRPr lang="pt-PT" sz="2800" dirty="0" smtClean="0"/>
           </a:p>
         </p:txBody>
       </p:sp>
@@ -11811,7 +12457,7 @@
         </p:nvSpPr>
         <p:spPr>
           <a:xfrm>
-            <a:off x="1221944" y="3573526"/>
+            <a:off x="1221944" y="3414593"/>
             <a:ext cx="4079428" cy="2851881"/>
           </a:xfrm>
           <a:prstGeom prst="rect">
@@ -12061,7 +12707,7 @@
         </p:nvSpPr>
         <p:spPr>
           <a:xfrm>
-            <a:off x="5572125" y="4191001"/>
+            <a:off x="5572125" y="4032068"/>
             <a:ext cx="1440741" cy="762000"/>
           </a:xfrm>
           <a:prstGeom prst="rightArrow">
@@ -12093,6 +12739,278 @@
           <a:p>
             <a:pPr algn="ctr"/>
             <a:endParaRPr lang="pt-PT"/>
+          </a:p>
+        </p:txBody>
+      </p:sp>
+      <p:sp>
+        <p:nvSpPr>
+          <p:cNvPr id="2" name="Marcador de Posição do Número do Diapositivo 1"/>
+          <p:cNvSpPr>
+            <a:spLocks noGrp="1"/>
+          </p:cNvSpPr>
+          <p:nvPr>
+            <p:ph type="sldNum" sz="quarter" idx="12"/>
+          </p:nvPr>
+        </p:nvSpPr>
+        <p:spPr/>
+        <p:txBody>
+          <a:bodyPr/>
+          <a:lstStyle/>
+          <a:p>
+            <a:fld id="{7A7FBF7A-E0A0-435F-9540-C356DFC5D048}" type="slidenum">
+              <a:rPr lang="pt-PT" smtClean="0"/>
+              <a:pPr/>
+              <a:t>13</a:t>
+            </a:fld>
+            <a:endParaRPr lang="pt-PT" dirty="0"/>
+          </a:p>
+        </p:txBody>
+      </p:sp>
+      <p:sp>
+        <p:nvSpPr>
+          <p:cNvPr id="14" name="Shape 111"/>
+          <p:cNvSpPr txBox="1">
+            <a:spLocks/>
+          </p:cNvSpPr>
+          <p:nvPr/>
+        </p:nvSpPr>
+        <p:spPr>
+          <a:xfrm>
+            <a:off x="3371834" y="5794031"/>
+            <a:ext cx="9079600" cy="995065"/>
+          </a:xfrm>
+          <a:prstGeom prst="rect">
+            <a:avLst/>
+          </a:prstGeom>
+        </p:spPr>
+        <p:txBody>
+          <a:bodyPr vert="horz" lIns="121900" tIns="121900" rIns="121900" bIns="121900" rtlCol="0" anchor="t" anchorCtr="0">
+            <a:noAutofit/>
+          </a:bodyPr>
+          <a:lstStyle>
+            <a:lvl1pPr marL="228600" lvl="0" indent="-228600" algn="l" defTabSz="914400" rtl="0" eaLnBrk="1" latinLnBrk="0" hangingPunct="1">
+              <a:lnSpc>
+                <a:spcPct val="90000"/>
+              </a:lnSpc>
+              <a:spcBef>
+                <a:spcPts val="800"/>
+              </a:spcBef>
+              <a:buClr>
+                <a:srgbClr val="FFCD00"/>
+              </a:buClr>
+              <a:buSzPct val="100000"/>
+              <a:buFont typeface="Quattrocento Sans"/>
+              <a:buChar char="◉"/>
+              <a:defRPr sz="3200" kern="1200">
+                <a:solidFill>
+                  <a:schemeClr val="tx1"/>
+                </a:solidFill>
+                <a:latin typeface="Quattrocento Sans"/>
+                <a:ea typeface="Quattrocento Sans"/>
+                <a:cs typeface="Quattrocento Sans"/>
+                <a:sym typeface="Quattrocento Sans"/>
+              </a:defRPr>
+            </a:lvl1pPr>
+            <a:lvl2pPr marL="685800" lvl="1" indent="-228600" algn="l" defTabSz="914400" rtl="0" eaLnBrk="1" latinLnBrk="0" hangingPunct="1">
+              <a:lnSpc>
+                <a:spcPct val="90000"/>
+              </a:lnSpc>
+              <a:spcBef>
+                <a:spcPts val="640"/>
+              </a:spcBef>
+              <a:buClr>
+                <a:srgbClr val="FFCD00"/>
+              </a:buClr>
+              <a:buSzPct val="100000"/>
+              <a:buFont typeface="Quattrocento Sans"/>
+              <a:buChar char="•"/>
+              <a:defRPr sz="2667" kern="1200">
+                <a:solidFill>
+                  <a:schemeClr val="tx1"/>
+                </a:solidFill>
+                <a:latin typeface="Quattrocento Sans"/>
+                <a:ea typeface="Quattrocento Sans"/>
+                <a:cs typeface="Quattrocento Sans"/>
+                <a:sym typeface="Quattrocento Sans"/>
+              </a:defRPr>
+            </a:lvl2pPr>
+            <a:lvl3pPr marL="1143000" lvl="2" indent="-228600" algn="l" defTabSz="914400" rtl="0" eaLnBrk="1" latinLnBrk="0" hangingPunct="1">
+              <a:lnSpc>
+                <a:spcPct val="90000"/>
+              </a:lnSpc>
+              <a:spcBef>
+                <a:spcPts val="640"/>
+              </a:spcBef>
+              <a:buClr>
+                <a:srgbClr val="FFCD00"/>
+              </a:buClr>
+              <a:buSzPct val="100000"/>
+              <a:buFont typeface="Quattrocento Sans"/>
+              <a:buChar char="•"/>
+              <a:defRPr sz="2667" kern="1200">
+                <a:solidFill>
+                  <a:schemeClr val="tx1"/>
+                </a:solidFill>
+                <a:latin typeface="Quattrocento Sans"/>
+                <a:ea typeface="Quattrocento Sans"/>
+                <a:cs typeface="Quattrocento Sans"/>
+                <a:sym typeface="Quattrocento Sans"/>
+              </a:defRPr>
+            </a:lvl3pPr>
+            <a:lvl4pPr marL="1600200" lvl="3" indent="-228600" algn="l" defTabSz="914400" rtl="0" eaLnBrk="1" latinLnBrk="0" hangingPunct="1">
+              <a:lnSpc>
+                <a:spcPct val="90000"/>
+              </a:lnSpc>
+              <a:spcBef>
+                <a:spcPts val="480"/>
+              </a:spcBef>
+              <a:buClr>
+                <a:srgbClr val="FFCD00"/>
+              </a:buClr>
+              <a:buSzPct val="100000"/>
+              <a:buFont typeface="Quattrocento Sans"/>
+              <a:buChar char="•"/>
+              <a:defRPr sz="2400" kern="1200">
+                <a:solidFill>
+                  <a:schemeClr val="tx1"/>
+                </a:solidFill>
+                <a:latin typeface="Quattrocento Sans"/>
+                <a:ea typeface="Quattrocento Sans"/>
+                <a:cs typeface="Quattrocento Sans"/>
+                <a:sym typeface="Quattrocento Sans"/>
+              </a:defRPr>
+            </a:lvl4pPr>
+            <a:lvl5pPr marL="2057400" lvl="4" indent="-228600" algn="l" defTabSz="914400" rtl="0" eaLnBrk="1" latinLnBrk="0" hangingPunct="1">
+              <a:lnSpc>
+                <a:spcPct val="90000"/>
+              </a:lnSpc>
+              <a:spcBef>
+                <a:spcPts val="480"/>
+              </a:spcBef>
+              <a:buClr>
+                <a:srgbClr val="FFCD00"/>
+              </a:buClr>
+              <a:buSzPct val="100000"/>
+              <a:buFont typeface="Quattrocento Sans"/>
+              <a:buChar char="•"/>
+              <a:defRPr sz="2400" kern="1200">
+                <a:solidFill>
+                  <a:schemeClr val="tx1"/>
+                </a:solidFill>
+                <a:latin typeface="Quattrocento Sans"/>
+                <a:ea typeface="Quattrocento Sans"/>
+                <a:cs typeface="Quattrocento Sans"/>
+                <a:sym typeface="Quattrocento Sans"/>
+              </a:defRPr>
+            </a:lvl5pPr>
+            <a:lvl6pPr marL="2514600" lvl="5" indent="-228600" algn="l" defTabSz="914400" rtl="0" eaLnBrk="1" latinLnBrk="0" hangingPunct="1">
+              <a:lnSpc>
+                <a:spcPct val="90000"/>
+              </a:lnSpc>
+              <a:spcBef>
+                <a:spcPts val="480"/>
+              </a:spcBef>
+              <a:buClr>
+                <a:srgbClr val="FFCD00"/>
+              </a:buClr>
+              <a:buSzPct val="100000"/>
+              <a:buFont typeface="Quattrocento Sans"/>
+              <a:buChar char="•"/>
+              <a:defRPr sz="2400" kern="1200">
+                <a:solidFill>
+                  <a:schemeClr val="tx1"/>
+                </a:solidFill>
+                <a:latin typeface="Quattrocento Sans"/>
+                <a:ea typeface="Quattrocento Sans"/>
+                <a:cs typeface="Quattrocento Sans"/>
+                <a:sym typeface="Quattrocento Sans"/>
+              </a:defRPr>
+            </a:lvl6pPr>
+            <a:lvl7pPr marL="2971800" lvl="6" indent="-228600" algn="l" defTabSz="914400" rtl="0" eaLnBrk="1" latinLnBrk="0" hangingPunct="1">
+              <a:lnSpc>
+                <a:spcPct val="90000"/>
+              </a:lnSpc>
+              <a:spcBef>
+                <a:spcPts val="480"/>
+              </a:spcBef>
+              <a:buClr>
+                <a:srgbClr val="FFCD00"/>
+              </a:buClr>
+              <a:buSzPct val="100000"/>
+              <a:buFont typeface="Quattrocento Sans"/>
+              <a:buChar char="•"/>
+              <a:defRPr sz="2400" kern="1200">
+                <a:solidFill>
+                  <a:schemeClr val="tx1"/>
+                </a:solidFill>
+                <a:latin typeface="Quattrocento Sans"/>
+                <a:ea typeface="Quattrocento Sans"/>
+                <a:cs typeface="Quattrocento Sans"/>
+                <a:sym typeface="Quattrocento Sans"/>
+              </a:defRPr>
+            </a:lvl7pPr>
+            <a:lvl8pPr marL="3429000" lvl="7" indent="-228600" algn="l" defTabSz="914400" rtl="0" eaLnBrk="1" latinLnBrk="0" hangingPunct="1">
+              <a:lnSpc>
+                <a:spcPct val="90000"/>
+              </a:lnSpc>
+              <a:spcBef>
+                <a:spcPts val="480"/>
+              </a:spcBef>
+              <a:buClr>
+                <a:srgbClr val="FFCD00"/>
+              </a:buClr>
+              <a:buSzPct val="100000"/>
+              <a:buFont typeface="Quattrocento Sans"/>
+              <a:buChar char="•"/>
+              <a:defRPr sz="2400" kern="1200">
+                <a:solidFill>
+                  <a:schemeClr val="tx1"/>
+                </a:solidFill>
+                <a:latin typeface="Quattrocento Sans"/>
+                <a:ea typeface="Quattrocento Sans"/>
+                <a:cs typeface="Quattrocento Sans"/>
+                <a:sym typeface="Quattrocento Sans"/>
+              </a:defRPr>
+            </a:lvl8pPr>
+            <a:lvl9pPr marL="3886200" lvl="8" indent="-228600" algn="l" defTabSz="914400" rtl="0" eaLnBrk="1" latinLnBrk="0" hangingPunct="1">
+              <a:lnSpc>
+                <a:spcPct val="90000"/>
+              </a:lnSpc>
+              <a:spcBef>
+                <a:spcPts val="480"/>
+              </a:spcBef>
+              <a:buClr>
+                <a:srgbClr val="FFCD00"/>
+              </a:buClr>
+              <a:buSzPct val="100000"/>
+              <a:buFont typeface="Quattrocento Sans"/>
+              <a:buChar char="•"/>
+              <a:defRPr sz="2400" kern="1200">
+                <a:solidFill>
+                  <a:schemeClr val="tx1"/>
+                </a:solidFill>
+                <a:latin typeface="Quattrocento Sans"/>
+                <a:ea typeface="Quattrocento Sans"/>
+                <a:cs typeface="Quattrocento Sans"/>
+                <a:sym typeface="Quattrocento Sans"/>
+              </a:defRPr>
+            </a:lvl9pPr>
+          </a:lstStyle>
+          <a:p>
+            <a:pPr marL="304793" indent="0">
+              <a:lnSpc>
+                <a:spcPct val="100000"/>
+              </a:lnSpc>
+              <a:spcBef>
+                <a:spcPts val="0"/>
+              </a:spcBef>
+              <a:buNone/>
+            </a:pPr>
+            <a:r>
+              <a:rPr lang="pt-PT" sz="2000" dirty="0" smtClean="0"/>
+              <a:t>Por se tratar de um contexto introdutório omitiu-se o nível 6 – Criar.</a:t>
+            </a:r>
+            <a:endParaRPr lang="pt-PT" sz="2000" dirty="0" smtClean="0"/>
           </a:p>
         </p:txBody>
       </p:sp>
@@ -12135,7 +13053,7 @@
       </p:grpSpPr>
       <p:pic>
         <p:nvPicPr>
-          <p:cNvPr id="4" name="Picture 3"/>
+          <p:cNvPr id="2" name="Imagem 1"/>
           <p:cNvPicPr>
             <a:picLocks noChangeAspect="1"/>
           </p:cNvPicPr>
@@ -12143,13 +13061,13 @@
         </p:nvPicPr>
         <p:blipFill rotWithShape="1">
           <a:blip r:embed="rId3"/>
-          <a:srcRect t="1" b="42776"/>
+          <a:srcRect t="-1" b="25501"/>
           <a:stretch/>
         </p:blipFill>
         <p:spPr>
           <a:xfrm>
             <a:off x="0" y="0"/>
-            <a:ext cx="12192000" cy="6850379"/>
+            <a:ext cx="12192000" cy="6845300"/>
           </a:xfrm>
           <a:prstGeom prst="rect">
             <a:avLst/>
@@ -12274,6 +13192,670 @@
         </p:nvSpPr>
         <p:spPr>
           <a:xfrm>
+            <a:off x="1841667" y="1239750"/>
+            <a:ext cx="5171199" cy="580799"/>
+          </a:xfrm>
+          <a:prstGeom prst="rect">
+            <a:avLst/>
+          </a:prstGeom>
+        </p:spPr>
+        <p:txBody>
+          <a:bodyPr vert="horz" lIns="121900" tIns="121900" rIns="121900" bIns="121900" rtlCol="0" anchor="ctr" anchorCtr="0">
+            <a:noAutofit/>
+          </a:bodyPr>
+          <a:lstStyle/>
+          <a:p>
+            <a:r>
+              <a:rPr lang="en" dirty="0" smtClean="0"/>
+              <a:t>Framework de </a:t>
+            </a:r>
+            <a:r>
+              <a:rPr lang="en" dirty="0" smtClean="0"/>
+              <a:t>classificação: Exemplo</a:t>
+            </a:r>
+            <a:endParaRPr lang="en" dirty="0">
+              <a:highlight>
+                <a:srgbClr val="FFCD00"/>
+              </a:highlight>
+            </a:endParaRPr>
+          </a:p>
+        </p:txBody>
+      </p:sp>
+      <p:grpSp>
+        <p:nvGrpSpPr>
+          <p:cNvPr id="112" name="Shape 112"/>
+          <p:cNvGrpSpPr/>
+          <p:nvPr/>
+        </p:nvGrpSpPr>
+        <p:grpSpPr>
+          <a:xfrm>
+            <a:off x="1221944" y="1359667"/>
+            <a:ext cx="286165" cy="286165"/>
+            <a:chOff x="2594050" y="1631825"/>
+            <a:chExt cx="439625" cy="439625"/>
+          </a:xfrm>
+        </p:grpSpPr>
+        <p:sp>
+          <p:nvSpPr>
+            <p:cNvPr id="113" name="Shape 113"/>
+            <p:cNvSpPr/>
+            <p:nvPr/>
+          </p:nvSpPr>
+          <p:spPr>
+            <a:xfrm>
+              <a:off x="2594050" y="1883300"/>
+              <a:ext cx="188175" cy="188150"/>
+            </a:xfrm>
+            <a:custGeom>
+              <a:avLst/>
+              <a:gdLst/>
+              <a:ahLst/>
+              <a:cxnLst/>
+              <a:rect l="0" t="0" r="0" b="0"/>
+              <a:pathLst>
+                <a:path w="7527" h="7526" fill="none" extrusionOk="0">
+                  <a:moveTo>
+                    <a:pt x="5992" y="0"/>
+                  </a:moveTo>
+                  <a:lnTo>
+                    <a:pt x="537" y="6430"/>
+                  </a:lnTo>
+                  <a:lnTo>
+                    <a:pt x="1" y="7526"/>
+                  </a:lnTo>
+                  <a:lnTo>
+                    <a:pt x="1097" y="6990"/>
+                  </a:lnTo>
+                  <a:lnTo>
+                    <a:pt x="7526" y="1534"/>
+                  </a:lnTo>
+                  <a:lnTo>
+                    <a:pt x="5992" y="0"/>
+                  </a:lnTo>
+                  <a:close/>
+                </a:path>
+              </a:pathLst>
+            </a:custGeom>
+            <a:noFill/>
+            <a:ln w="9525" cap="rnd" cmpd="sng">
+              <a:solidFill>
+                <a:srgbClr val="000000"/>
+              </a:solidFill>
+              <a:prstDash val="solid"/>
+              <a:round/>
+              <a:headEnd type="none" w="med" len="med"/>
+              <a:tailEnd type="none" w="med" len="med"/>
+            </a:ln>
+          </p:spPr>
+          <p:txBody>
+            <a:bodyPr lIns="121900" tIns="121900" rIns="121900" bIns="121900" anchor="ctr" anchorCtr="0">
+              <a:noAutofit/>
+            </a:bodyPr>
+            <a:lstStyle/>
+            <a:p>
+              <a:endParaRPr sz="2400"/>
+            </a:p>
+          </p:txBody>
+        </p:sp>
+        <p:sp>
+          <p:nvSpPr>
+            <p:cNvPr id="114" name="Shape 114"/>
+            <p:cNvSpPr/>
+            <p:nvPr/>
+          </p:nvSpPr>
+          <p:spPr>
+            <a:xfrm>
+              <a:off x="2857700" y="1631825"/>
+              <a:ext cx="175975" cy="176000"/>
+            </a:xfrm>
+            <a:custGeom>
+              <a:avLst/>
+              <a:gdLst/>
+              <a:ahLst/>
+              <a:cxnLst/>
+              <a:rect l="0" t="0" r="0" b="0"/>
+              <a:pathLst>
+                <a:path w="7039" h="7040" fill="none" extrusionOk="0">
+                  <a:moveTo>
+                    <a:pt x="268" y="2704"/>
+                  </a:moveTo>
+                  <a:lnTo>
+                    <a:pt x="4336" y="6771"/>
+                  </a:lnTo>
+                  <a:lnTo>
+                    <a:pt x="4336" y="6771"/>
+                  </a:lnTo>
+                  <a:lnTo>
+                    <a:pt x="4336" y="6771"/>
+                  </a:lnTo>
+                  <a:lnTo>
+                    <a:pt x="4652" y="6917"/>
+                  </a:lnTo>
+                  <a:lnTo>
+                    <a:pt x="4993" y="7015"/>
+                  </a:lnTo>
+                  <a:lnTo>
+                    <a:pt x="5310" y="7039"/>
+                  </a:lnTo>
+                  <a:lnTo>
+                    <a:pt x="5651" y="7039"/>
+                  </a:lnTo>
+                  <a:lnTo>
+                    <a:pt x="5992" y="6966"/>
+                  </a:lnTo>
+                  <a:lnTo>
+                    <a:pt x="6308" y="6844"/>
+                  </a:lnTo>
+                  <a:lnTo>
+                    <a:pt x="6454" y="6747"/>
+                  </a:lnTo>
+                  <a:lnTo>
+                    <a:pt x="6601" y="6674"/>
+                  </a:lnTo>
+                  <a:lnTo>
+                    <a:pt x="6747" y="6552"/>
+                  </a:lnTo>
+                  <a:lnTo>
+                    <a:pt x="6893" y="6430"/>
+                  </a:lnTo>
+                  <a:lnTo>
+                    <a:pt x="6893" y="6430"/>
+                  </a:lnTo>
+                  <a:lnTo>
+                    <a:pt x="6942" y="6357"/>
+                  </a:lnTo>
+                  <a:lnTo>
+                    <a:pt x="7015" y="6260"/>
+                  </a:lnTo>
+                  <a:lnTo>
+                    <a:pt x="7039" y="6138"/>
+                  </a:lnTo>
+                  <a:lnTo>
+                    <a:pt x="7039" y="6041"/>
+                  </a:lnTo>
+                  <a:lnTo>
+                    <a:pt x="7039" y="6041"/>
+                  </a:lnTo>
+                  <a:lnTo>
+                    <a:pt x="7039" y="5943"/>
+                  </a:lnTo>
+                  <a:lnTo>
+                    <a:pt x="7015" y="5846"/>
+                  </a:lnTo>
+                  <a:lnTo>
+                    <a:pt x="6942" y="5748"/>
+                  </a:lnTo>
+                  <a:lnTo>
+                    <a:pt x="6893" y="5651"/>
+                  </a:lnTo>
+                  <a:lnTo>
+                    <a:pt x="1389" y="147"/>
+                  </a:lnTo>
+                  <a:lnTo>
+                    <a:pt x="1389" y="147"/>
+                  </a:lnTo>
+                  <a:lnTo>
+                    <a:pt x="1291" y="98"/>
+                  </a:lnTo>
+                  <a:lnTo>
+                    <a:pt x="1194" y="25"/>
+                  </a:lnTo>
+                  <a:lnTo>
+                    <a:pt x="1096" y="0"/>
+                  </a:lnTo>
+                  <a:lnTo>
+                    <a:pt x="999" y="0"/>
+                  </a:lnTo>
+                  <a:lnTo>
+                    <a:pt x="999" y="0"/>
+                  </a:lnTo>
+                  <a:lnTo>
+                    <a:pt x="902" y="0"/>
+                  </a:lnTo>
+                  <a:lnTo>
+                    <a:pt x="780" y="25"/>
+                  </a:lnTo>
+                  <a:lnTo>
+                    <a:pt x="682" y="98"/>
+                  </a:lnTo>
+                  <a:lnTo>
+                    <a:pt x="609" y="147"/>
+                  </a:lnTo>
+                  <a:lnTo>
+                    <a:pt x="609" y="147"/>
+                  </a:lnTo>
+                  <a:lnTo>
+                    <a:pt x="487" y="293"/>
+                  </a:lnTo>
+                  <a:lnTo>
+                    <a:pt x="366" y="439"/>
+                  </a:lnTo>
+                  <a:lnTo>
+                    <a:pt x="293" y="585"/>
+                  </a:lnTo>
+                  <a:lnTo>
+                    <a:pt x="195" y="731"/>
+                  </a:lnTo>
+                  <a:lnTo>
+                    <a:pt x="73" y="1048"/>
+                  </a:lnTo>
+                  <a:lnTo>
+                    <a:pt x="0" y="1389"/>
+                  </a:lnTo>
+                  <a:lnTo>
+                    <a:pt x="0" y="1730"/>
+                  </a:lnTo>
+                  <a:lnTo>
+                    <a:pt x="25" y="2046"/>
+                  </a:lnTo>
+                  <a:lnTo>
+                    <a:pt x="122" y="2387"/>
+                  </a:lnTo>
+                  <a:lnTo>
+                    <a:pt x="268" y="2704"/>
+                  </a:lnTo>
+                  <a:lnTo>
+                    <a:pt x="268" y="2704"/>
+                  </a:lnTo>
+                  <a:close/>
+                </a:path>
+              </a:pathLst>
+            </a:custGeom>
+            <a:noFill/>
+            <a:ln w="9525" cap="rnd" cmpd="sng">
+              <a:solidFill>
+                <a:srgbClr val="000000"/>
+              </a:solidFill>
+              <a:prstDash val="solid"/>
+              <a:round/>
+              <a:headEnd type="none" w="med" len="med"/>
+              <a:tailEnd type="none" w="med" len="med"/>
+            </a:ln>
+          </p:spPr>
+          <p:txBody>
+            <a:bodyPr lIns="121900" tIns="121900" rIns="121900" bIns="121900" anchor="ctr" anchorCtr="0">
+              <a:noAutofit/>
+            </a:bodyPr>
+            <a:lstStyle/>
+            <a:p>
+              <a:endParaRPr sz="2400"/>
+            </a:p>
+          </p:txBody>
+        </p:sp>
+        <p:sp>
+          <p:nvSpPr>
+            <p:cNvPr id="115" name="Shape 115"/>
+            <p:cNvSpPr/>
+            <p:nvPr/>
+          </p:nvSpPr>
+          <p:spPr>
+            <a:xfrm>
+              <a:off x="2662850" y="1699400"/>
+              <a:ext cx="303250" cy="303250"/>
+            </a:xfrm>
+            <a:custGeom>
+              <a:avLst/>
+              <a:gdLst/>
+              <a:ahLst/>
+              <a:cxnLst/>
+              <a:rect l="0" t="0" r="0" b="0"/>
+              <a:pathLst>
+                <a:path w="12130" h="12130" fill="none" extrusionOk="0">
+                  <a:moveTo>
+                    <a:pt x="8038" y="1"/>
+                  </a:moveTo>
+                  <a:lnTo>
+                    <a:pt x="4872" y="3191"/>
+                  </a:lnTo>
+                  <a:lnTo>
+                    <a:pt x="4872" y="3191"/>
+                  </a:lnTo>
+                  <a:lnTo>
+                    <a:pt x="4628" y="3094"/>
+                  </a:lnTo>
+                  <a:lnTo>
+                    <a:pt x="4385" y="2997"/>
+                  </a:lnTo>
+                  <a:lnTo>
+                    <a:pt x="4092" y="2899"/>
+                  </a:lnTo>
+                  <a:lnTo>
+                    <a:pt x="3800" y="2850"/>
+                  </a:lnTo>
+                  <a:lnTo>
+                    <a:pt x="3484" y="2777"/>
+                  </a:lnTo>
+                  <a:lnTo>
+                    <a:pt x="3167" y="2729"/>
+                  </a:lnTo>
+                  <a:lnTo>
+                    <a:pt x="2850" y="2704"/>
+                  </a:lnTo>
+                  <a:lnTo>
+                    <a:pt x="2534" y="2704"/>
+                  </a:lnTo>
+                  <a:lnTo>
+                    <a:pt x="2534" y="2704"/>
+                  </a:lnTo>
+                  <a:lnTo>
+                    <a:pt x="2241" y="2704"/>
+                  </a:lnTo>
+                  <a:lnTo>
+                    <a:pt x="1949" y="2729"/>
+                  </a:lnTo>
+                  <a:lnTo>
+                    <a:pt x="1633" y="2777"/>
+                  </a:lnTo>
+                  <a:lnTo>
+                    <a:pt x="1316" y="2850"/>
+                  </a:lnTo>
+                  <a:lnTo>
+                    <a:pt x="999" y="2972"/>
+                  </a:lnTo>
+                  <a:lnTo>
+                    <a:pt x="707" y="3094"/>
+                  </a:lnTo>
+                  <a:lnTo>
+                    <a:pt x="415" y="3289"/>
+                  </a:lnTo>
+                  <a:lnTo>
+                    <a:pt x="147" y="3508"/>
+                  </a:lnTo>
+                  <a:lnTo>
+                    <a:pt x="147" y="3508"/>
+                  </a:lnTo>
+                  <a:lnTo>
+                    <a:pt x="74" y="3581"/>
+                  </a:lnTo>
+                  <a:lnTo>
+                    <a:pt x="25" y="3678"/>
+                  </a:lnTo>
+                  <a:lnTo>
+                    <a:pt x="1" y="3776"/>
+                  </a:lnTo>
+                  <a:lnTo>
+                    <a:pt x="1" y="3898"/>
+                  </a:lnTo>
+                  <a:lnTo>
+                    <a:pt x="1" y="3898"/>
+                  </a:lnTo>
+                  <a:lnTo>
+                    <a:pt x="1" y="3995"/>
+                  </a:lnTo>
+                  <a:lnTo>
+                    <a:pt x="25" y="4093"/>
+                  </a:lnTo>
+                  <a:lnTo>
+                    <a:pt x="74" y="4190"/>
+                  </a:lnTo>
+                  <a:lnTo>
+                    <a:pt x="147" y="4287"/>
+                  </a:lnTo>
+                  <a:lnTo>
+                    <a:pt x="7843" y="11984"/>
+                  </a:lnTo>
+                  <a:lnTo>
+                    <a:pt x="7843" y="11984"/>
+                  </a:lnTo>
+                  <a:lnTo>
+                    <a:pt x="7941" y="12057"/>
+                  </a:lnTo>
+                  <a:lnTo>
+                    <a:pt x="8038" y="12105"/>
+                  </a:lnTo>
+                  <a:lnTo>
+                    <a:pt x="8135" y="12130"/>
+                  </a:lnTo>
+                  <a:lnTo>
+                    <a:pt x="8233" y="12130"/>
+                  </a:lnTo>
+                  <a:lnTo>
+                    <a:pt x="8233" y="12130"/>
+                  </a:lnTo>
+                  <a:lnTo>
+                    <a:pt x="8355" y="12130"/>
+                  </a:lnTo>
+                  <a:lnTo>
+                    <a:pt x="8452" y="12105"/>
+                  </a:lnTo>
+                  <a:lnTo>
+                    <a:pt x="8549" y="12057"/>
+                  </a:lnTo>
+                  <a:lnTo>
+                    <a:pt x="8622" y="11984"/>
+                  </a:lnTo>
+                  <a:lnTo>
+                    <a:pt x="8622" y="11984"/>
+                  </a:lnTo>
+                  <a:lnTo>
+                    <a:pt x="8842" y="11716"/>
+                  </a:lnTo>
+                  <a:lnTo>
+                    <a:pt x="9036" y="11423"/>
+                  </a:lnTo>
+                  <a:lnTo>
+                    <a:pt x="9158" y="11131"/>
+                  </a:lnTo>
+                  <a:lnTo>
+                    <a:pt x="9280" y="10814"/>
+                  </a:lnTo>
+                  <a:lnTo>
+                    <a:pt x="9353" y="10498"/>
+                  </a:lnTo>
+                  <a:lnTo>
+                    <a:pt x="9402" y="10181"/>
+                  </a:lnTo>
+                  <a:lnTo>
+                    <a:pt x="9426" y="9889"/>
+                  </a:lnTo>
+                  <a:lnTo>
+                    <a:pt x="9426" y="9597"/>
+                  </a:lnTo>
+                  <a:lnTo>
+                    <a:pt x="9426" y="9597"/>
+                  </a:lnTo>
+                  <a:lnTo>
+                    <a:pt x="9426" y="9280"/>
+                  </a:lnTo>
+                  <a:lnTo>
+                    <a:pt x="9402" y="8964"/>
+                  </a:lnTo>
+                  <a:lnTo>
+                    <a:pt x="9353" y="8647"/>
+                  </a:lnTo>
+                  <a:lnTo>
+                    <a:pt x="9280" y="8330"/>
+                  </a:lnTo>
+                  <a:lnTo>
+                    <a:pt x="9231" y="8038"/>
+                  </a:lnTo>
+                  <a:lnTo>
+                    <a:pt x="9134" y="7746"/>
+                  </a:lnTo>
+                  <a:lnTo>
+                    <a:pt x="9036" y="7502"/>
+                  </a:lnTo>
+                  <a:lnTo>
+                    <a:pt x="8939" y="7259"/>
+                  </a:lnTo>
+                  <a:lnTo>
+                    <a:pt x="12130" y="4093"/>
+                  </a:lnTo>
+                </a:path>
+              </a:pathLst>
+            </a:custGeom>
+            <a:noFill/>
+            <a:ln w="9525" cap="rnd" cmpd="sng">
+              <a:solidFill>
+                <a:srgbClr val="000000"/>
+              </a:solidFill>
+              <a:prstDash val="solid"/>
+              <a:round/>
+              <a:headEnd type="none" w="med" len="med"/>
+              <a:tailEnd type="none" w="med" len="med"/>
+            </a:ln>
+          </p:spPr>
+          <p:txBody>
+            <a:bodyPr lIns="121900" tIns="121900" rIns="121900" bIns="121900" anchor="ctr" anchorCtr="0">
+              <a:noAutofit/>
+            </a:bodyPr>
+            <a:lstStyle/>
+            <a:p>
+              <a:endParaRPr sz="2400"/>
+            </a:p>
+          </p:txBody>
+        </p:sp>
+        <p:sp>
+          <p:nvSpPr>
+            <p:cNvPr id="116" name="Shape 116"/>
+            <p:cNvSpPr/>
+            <p:nvPr/>
+          </p:nvSpPr>
+          <p:spPr>
+            <a:xfrm>
+              <a:off x="2814911" y="1754061"/>
+              <a:ext cx="49950" cy="49950"/>
+            </a:xfrm>
+            <a:custGeom>
+              <a:avLst/>
+              <a:gdLst/>
+              <a:ahLst/>
+              <a:cxnLst/>
+              <a:rect l="0" t="0" r="0" b="0"/>
+              <a:pathLst>
+                <a:path w="1998" h="1998" fill="none" extrusionOk="0">
+                  <a:moveTo>
+                    <a:pt x="1" y="1997"/>
+                  </a:moveTo>
+                  <a:lnTo>
+                    <a:pt x="1998" y="0"/>
+                  </a:lnTo>
+                </a:path>
+              </a:pathLst>
+            </a:custGeom>
+            <a:noFill/>
+            <a:ln w="9525" cap="rnd" cmpd="sng">
+              <a:solidFill>
+                <a:srgbClr val="000000"/>
+              </a:solidFill>
+              <a:prstDash val="solid"/>
+              <a:round/>
+              <a:headEnd type="none" w="med" len="med"/>
+              <a:tailEnd type="none" w="med" len="med"/>
+            </a:ln>
+          </p:spPr>
+          <p:txBody>
+            <a:bodyPr lIns="121900" tIns="121900" rIns="121900" bIns="121900" anchor="ctr" anchorCtr="0">
+              <a:noAutofit/>
+            </a:bodyPr>
+            <a:lstStyle/>
+            <a:p>
+              <a:endParaRPr sz="2400"/>
+            </a:p>
+          </p:txBody>
+        </p:sp>
+      </p:grpSp>
+      <p:sp>
+        <p:nvSpPr>
+          <p:cNvPr id="2" name="Marcador de Posição do Número do Diapositivo 1"/>
+          <p:cNvSpPr>
+            <a:spLocks noGrp="1"/>
+          </p:cNvSpPr>
+          <p:nvPr>
+            <p:ph type="sldNum" sz="quarter" idx="12"/>
+          </p:nvPr>
+        </p:nvSpPr>
+        <p:spPr/>
+        <p:txBody>
+          <a:bodyPr/>
+          <a:lstStyle/>
+          <a:p>
+            <a:fld id="{7A7FBF7A-E0A0-435F-9540-C356DFC5D048}" type="slidenum">
+              <a:rPr lang="pt-PT" smtClean="0"/>
+              <a:pPr/>
+              <a:t>15</a:t>
+            </a:fld>
+            <a:endParaRPr lang="pt-PT" dirty="0"/>
+          </a:p>
+        </p:txBody>
+      </p:sp>
+      <p:pic>
+        <p:nvPicPr>
+          <p:cNvPr id="5" name="Imagem 4"/>
+          <p:cNvPicPr>
+            <a:picLocks noChangeAspect="1"/>
+          </p:cNvPicPr>
+          <p:nvPr/>
+        </p:nvPicPr>
+        <p:blipFill rotWithShape="1">
+          <a:blip r:embed="rId3"/>
+          <a:srcRect b="44275"/>
+          <a:stretch/>
+        </p:blipFill>
+        <p:spPr>
+          <a:xfrm>
+            <a:off x="3140217" y="2155031"/>
+            <a:ext cx="6119141" cy="4512469"/>
+          </a:xfrm>
+          <a:prstGeom prst="rect">
+            <a:avLst/>
+          </a:prstGeom>
+          <a:ln>
+            <a:solidFill>
+              <a:schemeClr val="tx1"/>
+            </a:solidFill>
+          </a:ln>
+        </p:spPr>
+      </p:pic>
+    </p:spTree>
+    <p:extLst>
+      <p:ext uri="{BB962C8B-B14F-4D97-AF65-F5344CB8AC3E}">
+        <p14:creationId xmlns:p14="http://schemas.microsoft.com/office/powerpoint/2010/main" val="4128361744"/>
+      </p:ext>
+    </p:extLst>
+  </p:cSld>
+  <p:clrMapOvr>
+    <a:masterClrMapping/>
+  </p:clrMapOvr>
+  <p:timing>
+    <p:tnLst>
+      <p:par>
+        <p:cTn id="1" dur="indefinite" restart="never" nodeType="tmRoot"/>
+      </p:par>
+    </p:tnLst>
+  </p:timing>
+</p:sld>
+</file>
+
+<file path=ppt/slides/slide16.xml><?xml version="1.0" encoding="utf-8"?>
+<p:sld xmlns:a="http://schemas.openxmlformats.org/drawingml/2006/main" xmlns:r="http://schemas.openxmlformats.org/officeDocument/2006/relationships" xmlns:p="http://schemas.openxmlformats.org/presentationml/2006/main">
+  <p:cSld>
+    <p:spTree>
+      <p:nvGrpSpPr>
+        <p:cNvPr id="1" name="Shape 109"/>
+        <p:cNvGrpSpPr/>
+        <p:nvPr/>
+      </p:nvGrpSpPr>
+      <p:grpSpPr>
+        <a:xfrm>
+          <a:off x="0" y="0"/>
+          <a:ext cx="0" cy="0"/>
+          <a:chOff x="0" y="0"/>
+          <a:chExt cx="0" cy="0"/>
+        </a:xfrm>
+      </p:grpSpPr>
+      <p:sp>
+        <p:nvSpPr>
+          <p:cNvPr id="110" name="Shape 110"/>
+          <p:cNvSpPr txBox="1">
+            <a:spLocks noGrp="1"/>
+          </p:cNvSpPr>
+          <p:nvPr>
+            <p:ph type="title"/>
+          </p:nvPr>
+        </p:nvSpPr>
+        <p:spPr>
+          <a:xfrm>
             <a:off x="1841667" y="1230225"/>
             <a:ext cx="5171199" cy="580799"/>
           </a:xfrm>
@@ -12331,7 +13913,11 @@
             </a:pPr>
             <a:r>
               <a:rPr lang="en" dirty="0" smtClean="0"/>
-              <a:t>Adaptavel às capacidades do estudante</a:t>
+              <a:t>Adaptável </a:t>
+            </a:r>
+            <a:r>
+              <a:rPr lang="en" dirty="0" smtClean="0"/>
+              <a:t>às capacidades do estudante</a:t>
             </a:r>
           </a:p>
           <a:p>
@@ -13397,6 +14983,30 @@
           </a:prstGeom>
         </p:spPr>
       </p:pic>
+      <p:sp>
+        <p:nvSpPr>
+          <p:cNvPr id="2" name="Marcador de Posição do Número do Diapositivo 1"/>
+          <p:cNvSpPr>
+            <a:spLocks noGrp="1"/>
+          </p:cNvSpPr>
+          <p:nvPr>
+            <p:ph type="sldNum" sz="quarter" idx="12"/>
+          </p:nvPr>
+        </p:nvSpPr>
+        <p:spPr/>
+        <p:txBody>
+          <a:bodyPr/>
+          <a:lstStyle/>
+          <a:p>
+            <a:fld id="{7A7FBF7A-E0A0-435F-9540-C356DFC5D048}" type="slidenum">
+              <a:rPr lang="pt-PT" smtClean="0"/>
+              <a:pPr/>
+              <a:t>16</a:t>
+            </a:fld>
+            <a:endParaRPr lang="pt-PT" dirty="0"/>
+          </a:p>
+        </p:txBody>
+      </p:sp>
     </p:spTree>
     <p:extLst>
       <p:ext uri="{BB962C8B-B14F-4D97-AF65-F5344CB8AC3E}">
@@ -13417,7 +15027,929 @@
 </p:sld>
 </file>
 
-<file path=ppt/slides/slide16.xml><?xml version="1.0" encoding="utf-8"?>
+<file path=ppt/slides/slide17.xml><?xml version="1.0" encoding="utf-8"?>
+<p:sld xmlns:a="http://schemas.openxmlformats.org/drawingml/2006/main" xmlns:r="http://schemas.openxmlformats.org/officeDocument/2006/relationships" xmlns:p="http://schemas.openxmlformats.org/presentationml/2006/main">
+  <p:cSld>
+    <p:spTree>
+      <p:nvGrpSpPr>
+        <p:cNvPr id="1" name="Shape 109"/>
+        <p:cNvGrpSpPr/>
+        <p:nvPr/>
+      </p:nvGrpSpPr>
+      <p:grpSpPr>
+        <a:xfrm>
+          <a:off x="0" y="0"/>
+          <a:ext cx="0" cy="0"/>
+          <a:chOff x="0" y="0"/>
+          <a:chExt cx="0" cy="0"/>
+        </a:xfrm>
+      </p:grpSpPr>
+      <p:sp>
+        <p:nvSpPr>
+          <p:cNvPr id="110" name="Shape 110"/>
+          <p:cNvSpPr txBox="1">
+            <a:spLocks noGrp="1"/>
+          </p:cNvSpPr>
+          <p:nvPr>
+            <p:ph type="title"/>
+          </p:nvPr>
+        </p:nvSpPr>
+        <p:spPr>
+          <a:xfrm>
+            <a:off x="1841667" y="1239750"/>
+            <a:ext cx="5171199" cy="580799"/>
+          </a:xfrm>
+          <a:prstGeom prst="rect">
+            <a:avLst/>
+          </a:prstGeom>
+        </p:spPr>
+        <p:txBody>
+          <a:bodyPr vert="horz" lIns="121900" tIns="121900" rIns="121900" bIns="121900" rtlCol="0" anchor="ctr" anchorCtr="0">
+            <a:noAutofit/>
+          </a:bodyPr>
+          <a:lstStyle/>
+          <a:p>
+            <a:r>
+              <a:rPr lang="en" dirty="0" smtClean="0"/>
+              <a:t>Tutoriais</a:t>
+            </a:r>
+            <a:endParaRPr lang="en" dirty="0">
+              <a:highlight>
+                <a:srgbClr val="FFCD00"/>
+              </a:highlight>
+            </a:endParaRPr>
+          </a:p>
+        </p:txBody>
+      </p:sp>
+      <p:grpSp>
+        <p:nvGrpSpPr>
+          <p:cNvPr id="112" name="Shape 112"/>
+          <p:cNvGrpSpPr/>
+          <p:nvPr/>
+        </p:nvGrpSpPr>
+        <p:grpSpPr>
+          <a:xfrm>
+            <a:off x="1221944" y="1359667"/>
+            <a:ext cx="286165" cy="286165"/>
+            <a:chOff x="2594050" y="1631825"/>
+            <a:chExt cx="439625" cy="439625"/>
+          </a:xfrm>
+        </p:grpSpPr>
+        <p:sp>
+          <p:nvSpPr>
+            <p:cNvPr id="113" name="Shape 113"/>
+            <p:cNvSpPr/>
+            <p:nvPr/>
+          </p:nvSpPr>
+          <p:spPr>
+            <a:xfrm>
+              <a:off x="2594050" y="1883300"/>
+              <a:ext cx="188175" cy="188150"/>
+            </a:xfrm>
+            <a:custGeom>
+              <a:avLst/>
+              <a:gdLst/>
+              <a:ahLst/>
+              <a:cxnLst/>
+              <a:rect l="0" t="0" r="0" b="0"/>
+              <a:pathLst>
+                <a:path w="7527" h="7526" fill="none" extrusionOk="0">
+                  <a:moveTo>
+                    <a:pt x="5992" y="0"/>
+                  </a:moveTo>
+                  <a:lnTo>
+                    <a:pt x="537" y="6430"/>
+                  </a:lnTo>
+                  <a:lnTo>
+                    <a:pt x="1" y="7526"/>
+                  </a:lnTo>
+                  <a:lnTo>
+                    <a:pt x="1097" y="6990"/>
+                  </a:lnTo>
+                  <a:lnTo>
+                    <a:pt x="7526" y="1534"/>
+                  </a:lnTo>
+                  <a:lnTo>
+                    <a:pt x="5992" y="0"/>
+                  </a:lnTo>
+                  <a:close/>
+                </a:path>
+              </a:pathLst>
+            </a:custGeom>
+            <a:noFill/>
+            <a:ln w="9525" cap="rnd" cmpd="sng">
+              <a:solidFill>
+                <a:srgbClr val="000000"/>
+              </a:solidFill>
+              <a:prstDash val="solid"/>
+              <a:round/>
+              <a:headEnd type="none" w="med" len="med"/>
+              <a:tailEnd type="none" w="med" len="med"/>
+            </a:ln>
+          </p:spPr>
+          <p:txBody>
+            <a:bodyPr lIns="121900" tIns="121900" rIns="121900" bIns="121900" anchor="ctr" anchorCtr="0">
+              <a:noAutofit/>
+            </a:bodyPr>
+            <a:lstStyle/>
+            <a:p>
+              <a:endParaRPr sz="2400"/>
+            </a:p>
+          </p:txBody>
+        </p:sp>
+        <p:sp>
+          <p:nvSpPr>
+            <p:cNvPr id="114" name="Shape 114"/>
+            <p:cNvSpPr/>
+            <p:nvPr/>
+          </p:nvSpPr>
+          <p:spPr>
+            <a:xfrm>
+              <a:off x="2857700" y="1631825"/>
+              <a:ext cx="175975" cy="176000"/>
+            </a:xfrm>
+            <a:custGeom>
+              <a:avLst/>
+              <a:gdLst/>
+              <a:ahLst/>
+              <a:cxnLst/>
+              <a:rect l="0" t="0" r="0" b="0"/>
+              <a:pathLst>
+                <a:path w="7039" h="7040" fill="none" extrusionOk="0">
+                  <a:moveTo>
+                    <a:pt x="268" y="2704"/>
+                  </a:moveTo>
+                  <a:lnTo>
+                    <a:pt x="4336" y="6771"/>
+                  </a:lnTo>
+                  <a:lnTo>
+                    <a:pt x="4336" y="6771"/>
+                  </a:lnTo>
+                  <a:lnTo>
+                    <a:pt x="4336" y="6771"/>
+                  </a:lnTo>
+                  <a:lnTo>
+                    <a:pt x="4652" y="6917"/>
+                  </a:lnTo>
+                  <a:lnTo>
+                    <a:pt x="4993" y="7015"/>
+                  </a:lnTo>
+                  <a:lnTo>
+                    <a:pt x="5310" y="7039"/>
+                  </a:lnTo>
+                  <a:lnTo>
+                    <a:pt x="5651" y="7039"/>
+                  </a:lnTo>
+                  <a:lnTo>
+                    <a:pt x="5992" y="6966"/>
+                  </a:lnTo>
+                  <a:lnTo>
+                    <a:pt x="6308" y="6844"/>
+                  </a:lnTo>
+                  <a:lnTo>
+                    <a:pt x="6454" y="6747"/>
+                  </a:lnTo>
+                  <a:lnTo>
+                    <a:pt x="6601" y="6674"/>
+                  </a:lnTo>
+                  <a:lnTo>
+                    <a:pt x="6747" y="6552"/>
+                  </a:lnTo>
+                  <a:lnTo>
+                    <a:pt x="6893" y="6430"/>
+                  </a:lnTo>
+                  <a:lnTo>
+                    <a:pt x="6893" y="6430"/>
+                  </a:lnTo>
+                  <a:lnTo>
+                    <a:pt x="6942" y="6357"/>
+                  </a:lnTo>
+                  <a:lnTo>
+                    <a:pt x="7015" y="6260"/>
+                  </a:lnTo>
+                  <a:lnTo>
+                    <a:pt x="7039" y="6138"/>
+                  </a:lnTo>
+                  <a:lnTo>
+                    <a:pt x="7039" y="6041"/>
+                  </a:lnTo>
+                  <a:lnTo>
+                    <a:pt x="7039" y="6041"/>
+                  </a:lnTo>
+                  <a:lnTo>
+                    <a:pt x="7039" y="5943"/>
+                  </a:lnTo>
+                  <a:lnTo>
+                    <a:pt x="7015" y="5846"/>
+                  </a:lnTo>
+                  <a:lnTo>
+                    <a:pt x="6942" y="5748"/>
+                  </a:lnTo>
+                  <a:lnTo>
+                    <a:pt x="6893" y="5651"/>
+                  </a:lnTo>
+                  <a:lnTo>
+                    <a:pt x="1389" y="147"/>
+                  </a:lnTo>
+                  <a:lnTo>
+                    <a:pt x="1389" y="147"/>
+                  </a:lnTo>
+                  <a:lnTo>
+                    <a:pt x="1291" y="98"/>
+                  </a:lnTo>
+                  <a:lnTo>
+                    <a:pt x="1194" y="25"/>
+                  </a:lnTo>
+                  <a:lnTo>
+                    <a:pt x="1096" y="0"/>
+                  </a:lnTo>
+                  <a:lnTo>
+                    <a:pt x="999" y="0"/>
+                  </a:lnTo>
+                  <a:lnTo>
+                    <a:pt x="999" y="0"/>
+                  </a:lnTo>
+                  <a:lnTo>
+                    <a:pt x="902" y="0"/>
+                  </a:lnTo>
+                  <a:lnTo>
+                    <a:pt x="780" y="25"/>
+                  </a:lnTo>
+                  <a:lnTo>
+                    <a:pt x="682" y="98"/>
+                  </a:lnTo>
+                  <a:lnTo>
+                    <a:pt x="609" y="147"/>
+                  </a:lnTo>
+                  <a:lnTo>
+                    <a:pt x="609" y="147"/>
+                  </a:lnTo>
+                  <a:lnTo>
+                    <a:pt x="487" y="293"/>
+                  </a:lnTo>
+                  <a:lnTo>
+                    <a:pt x="366" y="439"/>
+                  </a:lnTo>
+                  <a:lnTo>
+                    <a:pt x="293" y="585"/>
+                  </a:lnTo>
+                  <a:lnTo>
+                    <a:pt x="195" y="731"/>
+                  </a:lnTo>
+                  <a:lnTo>
+                    <a:pt x="73" y="1048"/>
+                  </a:lnTo>
+                  <a:lnTo>
+                    <a:pt x="0" y="1389"/>
+                  </a:lnTo>
+                  <a:lnTo>
+                    <a:pt x="0" y="1730"/>
+                  </a:lnTo>
+                  <a:lnTo>
+                    <a:pt x="25" y="2046"/>
+                  </a:lnTo>
+                  <a:lnTo>
+                    <a:pt x="122" y="2387"/>
+                  </a:lnTo>
+                  <a:lnTo>
+                    <a:pt x="268" y="2704"/>
+                  </a:lnTo>
+                  <a:lnTo>
+                    <a:pt x="268" y="2704"/>
+                  </a:lnTo>
+                  <a:close/>
+                </a:path>
+              </a:pathLst>
+            </a:custGeom>
+            <a:noFill/>
+            <a:ln w="9525" cap="rnd" cmpd="sng">
+              <a:solidFill>
+                <a:srgbClr val="000000"/>
+              </a:solidFill>
+              <a:prstDash val="solid"/>
+              <a:round/>
+              <a:headEnd type="none" w="med" len="med"/>
+              <a:tailEnd type="none" w="med" len="med"/>
+            </a:ln>
+          </p:spPr>
+          <p:txBody>
+            <a:bodyPr lIns="121900" tIns="121900" rIns="121900" bIns="121900" anchor="ctr" anchorCtr="0">
+              <a:noAutofit/>
+            </a:bodyPr>
+            <a:lstStyle/>
+            <a:p>
+              <a:endParaRPr sz="2400"/>
+            </a:p>
+          </p:txBody>
+        </p:sp>
+        <p:sp>
+          <p:nvSpPr>
+            <p:cNvPr id="115" name="Shape 115"/>
+            <p:cNvSpPr/>
+            <p:nvPr/>
+          </p:nvSpPr>
+          <p:spPr>
+            <a:xfrm>
+              <a:off x="2662850" y="1699400"/>
+              <a:ext cx="303250" cy="303250"/>
+            </a:xfrm>
+            <a:custGeom>
+              <a:avLst/>
+              <a:gdLst/>
+              <a:ahLst/>
+              <a:cxnLst/>
+              <a:rect l="0" t="0" r="0" b="0"/>
+              <a:pathLst>
+                <a:path w="12130" h="12130" fill="none" extrusionOk="0">
+                  <a:moveTo>
+                    <a:pt x="8038" y="1"/>
+                  </a:moveTo>
+                  <a:lnTo>
+                    <a:pt x="4872" y="3191"/>
+                  </a:lnTo>
+                  <a:lnTo>
+                    <a:pt x="4872" y="3191"/>
+                  </a:lnTo>
+                  <a:lnTo>
+                    <a:pt x="4628" y="3094"/>
+                  </a:lnTo>
+                  <a:lnTo>
+                    <a:pt x="4385" y="2997"/>
+                  </a:lnTo>
+                  <a:lnTo>
+                    <a:pt x="4092" y="2899"/>
+                  </a:lnTo>
+                  <a:lnTo>
+                    <a:pt x="3800" y="2850"/>
+                  </a:lnTo>
+                  <a:lnTo>
+                    <a:pt x="3484" y="2777"/>
+                  </a:lnTo>
+                  <a:lnTo>
+                    <a:pt x="3167" y="2729"/>
+                  </a:lnTo>
+                  <a:lnTo>
+                    <a:pt x="2850" y="2704"/>
+                  </a:lnTo>
+                  <a:lnTo>
+                    <a:pt x="2534" y="2704"/>
+                  </a:lnTo>
+                  <a:lnTo>
+                    <a:pt x="2534" y="2704"/>
+                  </a:lnTo>
+                  <a:lnTo>
+                    <a:pt x="2241" y="2704"/>
+                  </a:lnTo>
+                  <a:lnTo>
+                    <a:pt x="1949" y="2729"/>
+                  </a:lnTo>
+                  <a:lnTo>
+                    <a:pt x="1633" y="2777"/>
+                  </a:lnTo>
+                  <a:lnTo>
+                    <a:pt x="1316" y="2850"/>
+                  </a:lnTo>
+                  <a:lnTo>
+                    <a:pt x="999" y="2972"/>
+                  </a:lnTo>
+                  <a:lnTo>
+                    <a:pt x="707" y="3094"/>
+                  </a:lnTo>
+                  <a:lnTo>
+                    <a:pt x="415" y="3289"/>
+                  </a:lnTo>
+                  <a:lnTo>
+                    <a:pt x="147" y="3508"/>
+                  </a:lnTo>
+                  <a:lnTo>
+                    <a:pt x="147" y="3508"/>
+                  </a:lnTo>
+                  <a:lnTo>
+                    <a:pt x="74" y="3581"/>
+                  </a:lnTo>
+                  <a:lnTo>
+                    <a:pt x="25" y="3678"/>
+                  </a:lnTo>
+                  <a:lnTo>
+                    <a:pt x="1" y="3776"/>
+                  </a:lnTo>
+                  <a:lnTo>
+                    <a:pt x="1" y="3898"/>
+                  </a:lnTo>
+                  <a:lnTo>
+                    <a:pt x="1" y="3898"/>
+                  </a:lnTo>
+                  <a:lnTo>
+                    <a:pt x="1" y="3995"/>
+                  </a:lnTo>
+                  <a:lnTo>
+                    <a:pt x="25" y="4093"/>
+                  </a:lnTo>
+                  <a:lnTo>
+                    <a:pt x="74" y="4190"/>
+                  </a:lnTo>
+                  <a:lnTo>
+                    <a:pt x="147" y="4287"/>
+                  </a:lnTo>
+                  <a:lnTo>
+                    <a:pt x="7843" y="11984"/>
+                  </a:lnTo>
+                  <a:lnTo>
+                    <a:pt x="7843" y="11984"/>
+                  </a:lnTo>
+                  <a:lnTo>
+                    <a:pt x="7941" y="12057"/>
+                  </a:lnTo>
+                  <a:lnTo>
+                    <a:pt x="8038" y="12105"/>
+                  </a:lnTo>
+                  <a:lnTo>
+                    <a:pt x="8135" y="12130"/>
+                  </a:lnTo>
+                  <a:lnTo>
+                    <a:pt x="8233" y="12130"/>
+                  </a:lnTo>
+                  <a:lnTo>
+                    <a:pt x="8233" y="12130"/>
+                  </a:lnTo>
+                  <a:lnTo>
+                    <a:pt x="8355" y="12130"/>
+                  </a:lnTo>
+                  <a:lnTo>
+                    <a:pt x="8452" y="12105"/>
+                  </a:lnTo>
+                  <a:lnTo>
+                    <a:pt x="8549" y="12057"/>
+                  </a:lnTo>
+                  <a:lnTo>
+                    <a:pt x="8622" y="11984"/>
+                  </a:lnTo>
+                  <a:lnTo>
+                    <a:pt x="8622" y="11984"/>
+                  </a:lnTo>
+                  <a:lnTo>
+                    <a:pt x="8842" y="11716"/>
+                  </a:lnTo>
+                  <a:lnTo>
+                    <a:pt x="9036" y="11423"/>
+                  </a:lnTo>
+                  <a:lnTo>
+                    <a:pt x="9158" y="11131"/>
+                  </a:lnTo>
+                  <a:lnTo>
+                    <a:pt x="9280" y="10814"/>
+                  </a:lnTo>
+                  <a:lnTo>
+                    <a:pt x="9353" y="10498"/>
+                  </a:lnTo>
+                  <a:lnTo>
+                    <a:pt x="9402" y="10181"/>
+                  </a:lnTo>
+                  <a:lnTo>
+                    <a:pt x="9426" y="9889"/>
+                  </a:lnTo>
+                  <a:lnTo>
+                    <a:pt x="9426" y="9597"/>
+                  </a:lnTo>
+                  <a:lnTo>
+                    <a:pt x="9426" y="9597"/>
+                  </a:lnTo>
+                  <a:lnTo>
+                    <a:pt x="9426" y="9280"/>
+                  </a:lnTo>
+                  <a:lnTo>
+                    <a:pt x="9402" y="8964"/>
+                  </a:lnTo>
+                  <a:lnTo>
+                    <a:pt x="9353" y="8647"/>
+                  </a:lnTo>
+                  <a:lnTo>
+                    <a:pt x="9280" y="8330"/>
+                  </a:lnTo>
+                  <a:lnTo>
+                    <a:pt x="9231" y="8038"/>
+                  </a:lnTo>
+                  <a:lnTo>
+                    <a:pt x="9134" y="7746"/>
+                  </a:lnTo>
+                  <a:lnTo>
+                    <a:pt x="9036" y="7502"/>
+                  </a:lnTo>
+                  <a:lnTo>
+                    <a:pt x="8939" y="7259"/>
+                  </a:lnTo>
+                  <a:lnTo>
+                    <a:pt x="12130" y="4093"/>
+                  </a:lnTo>
+                </a:path>
+              </a:pathLst>
+            </a:custGeom>
+            <a:noFill/>
+            <a:ln w="9525" cap="rnd" cmpd="sng">
+              <a:solidFill>
+                <a:srgbClr val="000000"/>
+              </a:solidFill>
+              <a:prstDash val="solid"/>
+              <a:round/>
+              <a:headEnd type="none" w="med" len="med"/>
+              <a:tailEnd type="none" w="med" len="med"/>
+            </a:ln>
+          </p:spPr>
+          <p:txBody>
+            <a:bodyPr lIns="121900" tIns="121900" rIns="121900" bIns="121900" anchor="ctr" anchorCtr="0">
+              <a:noAutofit/>
+            </a:bodyPr>
+            <a:lstStyle/>
+            <a:p>
+              <a:endParaRPr sz="2400"/>
+            </a:p>
+          </p:txBody>
+        </p:sp>
+        <p:sp>
+          <p:nvSpPr>
+            <p:cNvPr id="116" name="Shape 116"/>
+            <p:cNvSpPr/>
+            <p:nvPr/>
+          </p:nvSpPr>
+          <p:spPr>
+            <a:xfrm>
+              <a:off x="2814911" y="1754061"/>
+              <a:ext cx="49950" cy="49950"/>
+            </a:xfrm>
+            <a:custGeom>
+              <a:avLst/>
+              <a:gdLst/>
+              <a:ahLst/>
+              <a:cxnLst/>
+              <a:rect l="0" t="0" r="0" b="0"/>
+              <a:pathLst>
+                <a:path w="1998" h="1998" fill="none" extrusionOk="0">
+                  <a:moveTo>
+                    <a:pt x="1" y="1997"/>
+                  </a:moveTo>
+                  <a:lnTo>
+                    <a:pt x="1998" y="0"/>
+                  </a:lnTo>
+                </a:path>
+              </a:pathLst>
+            </a:custGeom>
+            <a:noFill/>
+            <a:ln w="9525" cap="rnd" cmpd="sng">
+              <a:solidFill>
+                <a:srgbClr val="000000"/>
+              </a:solidFill>
+              <a:prstDash val="solid"/>
+              <a:round/>
+              <a:headEnd type="none" w="med" len="med"/>
+              <a:tailEnd type="none" w="med" len="med"/>
+            </a:ln>
+          </p:spPr>
+          <p:txBody>
+            <a:bodyPr lIns="121900" tIns="121900" rIns="121900" bIns="121900" anchor="ctr" anchorCtr="0">
+              <a:noAutofit/>
+            </a:bodyPr>
+            <a:lstStyle/>
+            <a:p>
+              <a:endParaRPr sz="2400"/>
+            </a:p>
+          </p:txBody>
+        </p:sp>
+      </p:grpSp>
+      <p:sp>
+        <p:nvSpPr>
+          <p:cNvPr id="2" name="Marcador de Posição do Número do Diapositivo 1"/>
+          <p:cNvSpPr>
+            <a:spLocks noGrp="1"/>
+          </p:cNvSpPr>
+          <p:nvPr>
+            <p:ph type="sldNum" sz="quarter" idx="12"/>
+          </p:nvPr>
+        </p:nvSpPr>
+        <p:spPr/>
+        <p:txBody>
+          <a:bodyPr/>
+          <a:lstStyle/>
+          <a:p>
+            <a:fld id="{7A7FBF7A-E0A0-435F-9540-C356DFC5D048}" type="slidenum">
+              <a:rPr lang="pt-PT" smtClean="0"/>
+              <a:pPr/>
+              <a:t>17</a:t>
+            </a:fld>
+            <a:endParaRPr lang="pt-PT" dirty="0"/>
+          </a:p>
+        </p:txBody>
+      </p:sp>
+      <p:pic>
+        <p:nvPicPr>
+          <p:cNvPr id="4" name="Imagem 3"/>
+          <p:cNvPicPr>
+            <a:picLocks noChangeAspect="1"/>
+          </p:cNvPicPr>
+          <p:nvPr/>
+        </p:nvPicPr>
+        <p:blipFill rotWithShape="1">
+          <a:blip r:embed="rId3"/>
+          <a:srcRect r="35442"/>
+          <a:stretch/>
+        </p:blipFill>
+        <p:spPr>
+          <a:xfrm>
+            <a:off x="3822105" y="2370818"/>
+            <a:ext cx="3683885" cy="3985532"/>
+          </a:xfrm>
+          <a:prstGeom prst="rect">
+            <a:avLst/>
+          </a:prstGeom>
+        </p:spPr>
+      </p:pic>
+      <p:pic>
+        <p:nvPicPr>
+          <p:cNvPr id="5" name="Imagem 4"/>
+          <p:cNvPicPr>
+            <a:picLocks noChangeAspect="1"/>
+          </p:cNvPicPr>
+          <p:nvPr/>
+        </p:nvPicPr>
+        <p:blipFill rotWithShape="1">
+          <a:blip r:embed="rId4"/>
+          <a:srcRect r="36117"/>
+          <a:stretch/>
+        </p:blipFill>
+        <p:spPr>
+          <a:xfrm>
+            <a:off x="7980552" y="2370818"/>
+            <a:ext cx="3645391" cy="3985532"/>
+          </a:xfrm>
+          <a:prstGeom prst="rect">
+            <a:avLst/>
+          </a:prstGeom>
+        </p:spPr>
+      </p:pic>
+      <p:sp>
+        <p:nvSpPr>
+          <p:cNvPr id="16" name="Shape 111"/>
+          <p:cNvSpPr txBox="1">
+            <a:spLocks/>
+          </p:cNvSpPr>
+          <p:nvPr/>
+        </p:nvSpPr>
+        <p:spPr>
+          <a:xfrm>
+            <a:off x="-138771" y="2370818"/>
+            <a:ext cx="3960876" cy="3985532"/>
+          </a:xfrm>
+          <a:prstGeom prst="rect">
+            <a:avLst/>
+          </a:prstGeom>
+        </p:spPr>
+        <p:txBody>
+          <a:bodyPr vert="horz" lIns="121900" tIns="121900" rIns="121900" bIns="121900" rtlCol="0" anchor="t" anchorCtr="0">
+            <a:noAutofit/>
+          </a:bodyPr>
+          <a:lstStyle>
+            <a:lvl1pPr marL="228600" lvl="0" indent="-228600" algn="l" defTabSz="914400" rtl="0" eaLnBrk="1" latinLnBrk="0" hangingPunct="1">
+              <a:lnSpc>
+                <a:spcPct val="90000"/>
+              </a:lnSpc>
+              <a:spcBef>
+                <a:spcPts val="800"/>
+              </a:spcBef>
+              <a:buClr>
+                <a:srgbClr val="FFCD00"/>
+              </a:buClr>
+              <a:buSzPct val="100000"/>
+              <a:buFont typeface="Quattrocento Sans"/>
+              <a:buChar char="◉"/>
+              <a:defRPr sz="3200" kern="1200">
+                <a:solidFill>
+                  <a:schemeClr val="tx1"/>
+                </a:solidFill>
+                <a:latin typeface="Quattrocento Sans"/>
+                <a:ea typeface="Quattrocento Sans"/>
+                <a:cs typeface="Quattrocento Sans"/>
+                <a:sym typeface="Quattrocento Sans"/>
+              </a:defRPr>
+            </a:lvl1pPr>
+            <a:lvl2pPr marL="685800" lvl="1" indent="-228600" algn="l" defTabSz="914400" rtl="0" eaLnBrk="1" latinLnBrk="0" hangingPunct="1">
+              <a:lnSpc>
+                <a:spcPct val="90000"/>
+              </a:lnSpc>
+              <a:spcBef>
+                <a:spcPts val="640"/>
+              </a:spcBef>
+              <a:buClr>
+                <a:srgbClr val="FFCD00"/>
+              </a:buClr>
+              <a:buSzPct val="100000"/>
+              <a:buFont typeface="Quattrocento Sans"/>
+              <a:buChar char="•"/>
+              <a:defRPr sz="2667" kern="1200">
+                <a:solidFill>
+                  <a:schemeClr val="tx1"/>
+                </a:solidFill>
+                <a:latin typeface="Quattrocento Sans"/>
+                <a:ea typeface="Quattrocento Sans"/>
+                <a:cs typeface="Quattrocento Sans"/>
+                <a:sym typeface="Quattrocento Sans"/>
+              </a:defRPr>
+            </a:lvl2pPr>
+            <a:lvl3pPr marL="1143000" lvl="2" indent="-228600" algn="l" defTabSz="914400" rtl="0" eaLnBrk="1" latinLnBrk="0" hangingPunct="1">
+              <a:lnSpc>
+                <a:spcPct val="90000"/>
+              </a:lnSpc>
+              <a:spcBef>
+                <a:spcPts val="640"/>
+              </a:spcBef>
+              <a:buClr>
+                <a:srgbClr val="FFCD00"/>
+              </a:buClr>
+              <a:buSzPct val="100000"/>
+              <a:buFont typeface="Quattrocento Sans"/>
+              <a:buChar char="•"/>
+              <a:defRPr sz="2667" kern="1200">
+                <a:solidFill>
+                  <a:schemeClr val="tx1"/>
+                </a:solidFill>
+                <a:latin typeface="Quattrocento Sans"/>
+                <a:ea typeface="Quattrocento Sans"/>
+                <a:cs typeface="Quattrocento Sans"/>
+                <a:sym typeface="Quattrocento Sans"/>
+              </a:defRPr>
+            </a:lvl3pPr>
+            <a:lvl4pPr marL="1600200" lvl="3" indent="-228600" algn="l" defTabSz="914400" rtl="0" eaLnBrk="1" latinLnBrk="0" hangingPunct="1">
+              <a:lnSpc>
+                <a:spcPct val="90000"/>
+              </a:lnSpc>
+              <a:spcBef>
+                <a:spcPts val="480"/>
+              </a:spcBef>
+              <a:buClr>
+                <a:srgbClr val="FFCD00"/>
+              </a:buClr>
+              <a:buSzPct val="100000"/>
+              <a:buFont typeface="Quattrocento Sans"/>
+              <a:buChar char="•"/>
+              <a:defRPr sz="2400" kern="1200">
+                <a:solidFill>
+                  <a:schemeClr val="tx1"/>
+                </a:solidFill>
+                <a:latin typeface="Quattrocento Sans"/>
+                <a:ea typeface="Quattrocento Sans"/>
+                <a:cs typeface="Quattrocento Sans"/>
+                <a:sym typeface="Quattrocento Sans"/>
+              </a:defRPr>
+            </a:lvl4pPr>
+            <a:lvl5pPr marL="2057400" lvl="4" indent="-228600" algn="l" defTabSz="914400" rtl="0" eaLnBrk="1" latinLnBrk="0" hangingPunct="1">
+              <a:lnSpc>
+                <a:spcPct val="90000"/>
+              </a:lnSpc>
+              <a:spcBef>
+                <a:spcPts val="480"/>
+              </a:spcBef>
+              <a:buClr>
+                <a:srgbClr val="FFCD00"/>
+              </a:buClr>
+              <a:buSzPct val="100000"/>
+              <a:buFont typeface="Quattrocento Sans"/>
+              <a:buChar char="•"/>
+              <a:defRPr sz="2400" kern="1200">
+                <a:solidFill>
+                  <a:schemeClr val="tx1"/>
+                </a:solidFill>
+                <a:latin typeface="Quattrocento Sans"/>
+                <a:ea typeface="Quattrocento Sans"/>
+                <a:cs typeface="Quattrocento Sans"/>
+                <a:sym typeface="Quattrocento Sans"/>
+              </a:defRPr>
+            </a:lvl5pPr>
+            <a:lvl6pPr marL="2514600" lvl="5" indent="-228600" algn="l" defTabSz="914400" rtl="0" eaLnBrk="1" latinLnBrk="0" hangingPunct="1">
+              <a:lnSpc>
+                <a:spcPct val="90000"/>
+              </a:lnSpc>
+              <a:spcBef>
+                <a:spcPts val="480"/>
+              </a:spcBef>
+              <a:buClr>
+                <a:srgbClr val="FFCD00"/>
+              </a:buClr>
+              <a:buSzPct val="100000"/>
+              <a:buFont typeface="Quattrocento Sans"/>
+              <a:buChar char="•"/>
+              <a:defRPr sz="2400" kern="1200">
+                <a:solidFill>
+                  <a:schemeClr val="tx1"/>
+                </a:solidFill>
+                <a:latin typeface="Quattrocento Sans"/>
+                <a:ea typeface="Quattrocento Sans"/>
+                <a:cs typeface="Quattrocento Sans"/>
+                <a:sym typeface="Quattrocento Sans"/>
+              </a:defRPr>
+            </a:lvl6pPr>
+            <a:lvl7pPr marL="2971800" lvl="6" indent="-228600" algn="l" defTabSz="914400" rtl="0" eaLnBrk="1" latinLnBrk="0" hangingPunct="1">
+              <a:lnSpc>
+                <a:spcPct val="90000"/>
+              </a:lnSpc>
+              <a:spcBef>
+                <a:spcPts val="480"/>
+              </a:spcBef>
+              <a:buClr>
+                <a:srgbClr val="FFCD00"/>
+              </a:buClr>
+              <a:buSzPct val="100000"/>
+              <a:buFont typeface="Quattrocento Sans"/>
+              <a:buChar char="•"/>
+              <a:defRPr sz="2400" kern="1200">
+                <a:solidFill>
+                  <a:schemeClr val="tx1"/>
+                </a:solidFill>
+                <a:latin typeface="Quattrocento Sans"/>
+                <a:ea typeface="Quattrocento Sans"/>
+                <a:cs typeface="Quattrocento Sans"/>
+                <a:sym typeface="Quattrocento Sans"/>
+              </a:defRPr>
+            </a:lvl7pPr>
+            <a:lvl8pPr marL="3429000" lvl="7" indent="-228600" algn="l" defTabSz="914400" rtl="0" eaLnBrk="1" latinLnBrk="0" hangingPunct="1">
+              <a:lnSpc>
+                <a:spcPct val="90000"/>
+              </a:lnSpc>
+              <a:spcBef>
+                <a:spcPts val="480"/>
+              </a:spcBef>
+              <a:buClr>
+                <a:srgbClr val="FFCD00"/>
+              </a:buClr>
+              <a:buSzPct val="100000"/>
+              <a:buFont typeface="Quattrocento Sans"/>
+              <a:buChar char="•"/>
+              <a:defRPr sz="2400" kern="1200">
+                <a:solidFill>
+                  <a:schemeClr val="tx1"/>
+                </a:solidFill>
+                <a:latin typeface="Quattrocento Sans"/>
+                <a:ea typeface="Quattrocento Sans"/>
+                <a:cs typeface="Quattrocento Sans"/>
+                <a:sym typeface="Quattrocento Sans"/>
+              </a:defRPr>
+            </a:lvl8pPr>
+            <a:lvl9pPr marL="3886200" lvl="8" indent="-228600" algn="l" defTabSz="914400" rtl="0" eaLnBrk="1" latinLnBrk="0" hangingPunct="1">
+              <a:lnSpc>
+                <a:spcPct val="90000"/>
+              </a:lnSpc>
+              <a:spcBef>
+                <a:spcPts val="480"/>
+              </a:spcBef>
+              <a:buClr>
+                <a:srgbClr val="FFCD00"/>
+              </a:buClr>
+              <a:buSzPct val="100000"/>
+              <a:buFont typeface="Quattrocento Sans"/>
+              <a:buChar char="•"/>
+              <a:defRPr sz="2400" kern="1200">
+                <a:solidFill>
+                  <a:schemeClr val="tx1"/>
+                </a:solidFill>
+                <a:latin typeface="Quattrocento Sans"/>
+                <a:ea typeface="Quattrocento Sans"/>
+                <a:cs typeface="Quattrocento Sans"/>
+                <a:sym typeface="Quattrocento Sans"/>
+              </a:defRPr>
+            </a:lvl9pPr>
+          </a:lstStyle>
+          <a:p>
+            <a:pPr marL="609585" indent="-304792">
+              <a:spcBef>
+                <a:spcPts val="0"/>
+              </a:spcBef>
+            </a:pPr>
+            <a:r>
+              <a:rPr lang="pt-PT" dirty="0" smtClean="0"/>
+              <a:t>Foram implementados três tutoriais como prova de conceito e para efeitos de validação</a:t>
+            </a:r>
+            <a:endParaRPr lang="pt-PT" dirty="0" smtClean="0"/>
+          </a:p>
+        </p:txBody>
+      </p:sp>
+    </p:spTree>
+    <p:extLst>
+      <p:ext uri="{BB962C8B-B14F-4D97-AF65-F5344CB8AC3E}">
+        <p14:creationId xmlns:p14="http://schemas.microsoft.com/office/powerpoint/2010/main" val="2417016974"/>
+      </p:ext>
+    </p:extLst>
+  </p:cSld>
+  <p:clrMapOvr>
+    <a:masterClrMapping/>
+  </p:clrMapOvr>
+  <p:timing>
+    <p:tnLst>
+      <p:par>
+        <p:cTn id="1" dur="indefinite" restart="never" nodeType="tmRoot"/>
+      </p:par>
+    </p:tnLst>
+  </p:timing>
+</p:sld>
+</file>
+
+<file path=ppt/slides/slide18.xml><?xml version="1.0" encoding="utf-8"?>
 <p:sld xmlns:a="http://schemas.openxmlformats.org/drawingml/2006/main" xmlns:r="http://schemas.openxmlformats.org/officeDocument/2006/relationships" xmlns:p="http://schemas.openxmlformats.org/presentationml/2006/main">
   <p:cSld>
     <p:spTree>
@@ -13508,6 +16040,30 @@
           </a:p>
         </p:txBody>
       </p:sp>
+      <p:sp>
+        <p:nvSpPr>
+          <p:cNvPr id="2" name="Marcador de Posição do Número do Diapositivo 1"/>
+          <p:cNvSpPr>
+            <a:spLocks noGrp="1"/>
+          </p:cNvSpPr>
+          <p:nvPr>
+            <p:ph type="sldNum" sz="quarter" idx="12"/>
+          </p:nvPr>
+        </p:nvSpPr>
+        <p:spPr/>
+        <p:txBody>
+          <a:bodyPr/>
+          <a:lstStyle/>
+          <a:p>
+            <a:fld id="{7A7FBF7A-E0A0-435F-9540-C356DFC5D048}" type="slidenum">
+              <a:rPr lang="pt-PT" smtClean="0"/>
+              <a:pPr/>
+              <a:t>18</a:t>
+            </a:fld>
+            <a:endParaRPr lang="pt-PT" dirty="0"/>
+          </a:p>
+        </p:txBody>
+      </p:sp>
     </p:spTree>
     <p:extLst>
       <p:ext uri="{BB962C8B-B14F-4D97-AF65-F5344CB8AC3E}">
@@ -13528,7 +16084,7 @@
 </p:sld>
 </file>
 
-<file path=ppt/slides/slide17.xml><?xml version="1.0" encoding="utf-8"?>
+<file path=ppt/slides/slide19.xml><?xml version="1.0" encoding="utf-8"?>
 <p:sld xmlns:a="http://schemas.openxmlformats.org/drawingml/2006/main" xmlns:r="http://schemas.openxmlformats.org/officeDocument/2006/relationships" xmlns:p="http://schemas.openxmlformats.org/presentationml/2006/main">
   <p:cSld>
     <p:spTree>
@@ -13784,6 +16340,30 @@
           </a:p>
         </p:txBody>
       </p:sp>
+      <p:sp>
+        <p:nvSpPr>
+          <p:cNvPr id="2" name="Marcador de Posição do Número do Diapositivo 1"/>
+          <p:cNvSpPr>
+            <a:spLocks noGrp="1"/>
+          </p:cNvSpPr>
+          <p:nvPr>
+            <p:ph type="sldNum" sz="quarter" idx="12"/>
+          </p:nvPr>
+        </p:nvSpPr>
+        <p:spPr/>
+        <p:txBody>
+          <a:bodyPr/>
+          <a:lstStyle/>
+          <a:p>
+            <a:fld id="{7A7FBF7A-E0A0-435F-9540-C356DFC5D048}" type="slidenum">
+              <a:rPr lang="pt-PT" smtClean="0"/>
+              <a:pPr/>
+              <a:t>19</a:t>
+            </a:fld>
+            <a:endParaRPr lang="pt-PT" dirty="0"/>
+          </a:p>
+        </p:txBody>
+      </p:sp>
     </p:spTree>
     <p:extLst>
       <p:ext uri="{BB962C8B-B14F-4D97-AF65-F5344CB8AC3E}">
@@ -13804,7 +16384,961 @@
 </p:sld>
 </file>
 
-<file path=ppt/slides/slide18.xml><?xml version="1.0" encoding="utf-8"?>
+<file path=ppt/slides/slide2.xml><?xml version="1.0" encoding="utf-8"?>
+<p:sld xmlns:a="http://schemas.openxmlformats.org/drawingml/2006/main" xmlns:r="http://schemas.openxmlformats.org/officeDocument/2006/relationships" xmlns:p="http://schemas.openxmlformats.org/presentationml/2006/main">
+  <p:cSld>
+    <p:spTree>
+      <p:nvGrpSpPr>
+        <p:cNvPr id="1" name="Shape 109"/>
+        <p:cNvGrpSpPr/>
+        <p:nvPr/>
+      </p:nvGrpSpPr>
+      <p:grpSpPr>
+        <a:xfrm>
+          <a:off x="0" y="0"/>
+          <a:ext cx="0" cy="0"/>
+          <a:chOff x="0" y="0"/>
+          <a:chExt cx="0" cy="0"/>
+        </a:xfrm>
+      </p:grpSpPr>
+      <p:sp>
+        <p:nvSpPr>
+          <p:cNvPr id="110" name="Shape 110"/>
+          <p:cNvSpPr txBox="1">
+            <a:spLocks noGrp="1"/>
+          </p:cNvSpPr>
+          <p:nvPr>
+            <p:ph type="title"/>
+          </p:nvPr>
+        </p:nvSpPr>
+        <p:spPr>
+          <a:xfrm>
+            <a:off x="1841667" y="1239750"/>
+            <a:ext cx="5171199" cy="580799"/>
+          </a:xfrm>
+          <a:prstGeom prst="rect">
+            <a:avLst/>
+          </a:prstGeom>
+        </p:spPr>
+        <p:txBody>
+          <a:bodyPr vert="horz" lIns="121900" tIns="121900" rIns="121900" bIns="121900" rtlCol="0" anchor="ctr" anchorCtr="0">
+            <a:noAutofit/>
+          </a:bodyPr>
+          <a:lstStyle/>
+          <a:p>
+            <a:r>
+              <a:rPr lang="en" dirty="0" smtClean="0"/>
+              <a:t>Súmario</a:t>
+            </a:r>
+            <a:endParaRPr lang="en" dirty="0">
+              <a:highlight>
+                <a:srgbClr val="FFCD00"/>
+              </a:highlight>
+            </a:endParaRPr>
+          </a:p>
+        </p:txBody>
+      </p:sp>
+      <p:grpSp>
+        <p:nvGrpSpPr>
+          <p:cNvPr id="112" name="Shape 112"/>
+          <p:cNvGrpSpPr/>
+          <p:nvPr/>
+        </p:nvGrpSpPr>
+        <p:grpSpPr>
+          <a:xfrm>
+            <a:off x="1221944" y="1359667"/>
+            <a:ext cx="286165" cy="286165"/>
+            <a:chOff x="2594050" y="1631825"/>
+            <a:chExt cx="439625" cy="439625"/>
+          </a:xfrm>
+        </p:grpSpPr>
+        <p:sp>
+          <p:nvSpPr>
+            <p:cNvPr id="113" name="Shape 113"/>
+            <p:cNvSpPr/>
+            <p:nvPr/>
+          </p:nvSpPr>
+          <p:spPr>
+            <a:xfrm>
+              <a:off x="2594050" y="1883300"/>
+              <a:ext cx="188175" cy="188150"/>
+            </a:xfrm>
+            <a:custGeom>
+              <a:avLst/>
+              <a:gdLst/>
+              <a:ahLst/>
+              <a:cxnLst/>
+              <a:rect l="0" t="0" r="0" b="0"/>
+              <a:pathLst>
+                <a:path w="7527" h="7526" fill="none" extrusionOk="0">
+                  <a:moveTo>
+                    <a:pt x="5992" y="0"/>
+                  </a:moveTo>
+                  <a:lnTo>
+                    <a:pt x="537" y="6430"/>
+                  </a:lnTo>
+                  <a:lnTo>
+                    <a:pt x="1" y="7526"/>
+                  </a:lnTo>
+                  <a:lnTo>
+                    <a:pt x="1097" y="6990"/>
+                  </a:lnTo>
+                  <a:lnTo>
+                    <a:pt x="7526" y="1534"/>
+                  </a:lnTo>
+                  <a:lnTo>
+                    <a:pt x="5992" y="0"/>
+                  </a:lnTo>
+                  <a:close/>
+                </a:path>
+              </a:pathLst>
+            </a:custGeom>
+            <a:noFill/>
+            <a:ln w="9525" cap="rnd" cmpd="sng">
+              <a:solidFill>
+                <a:srgbClr val="000000"/>
+              </a:solidFill>
+              <a:prstDash val="solid"/>
+              <a:round/>
+              <a:headEnd type="none" w="med" len="med"/>
+              <a:tailEnd type="none" w="med" len="med"/>
+            </a:ln>
+          </p:spPr>
+          <p:txBody>
+            <a:bodyPr lIns="121900" tIns="121900" rIns="121900" bIns="121900" anchor="ctr" anchorCtr="0">
+              <a:noAutofit/>
+            </a:bodyPr>
+            <a:lstStyle/>
+            <a:p>
+              <a:endParaRPr sz="2400"/>
+            </a:p>
+          </p:txBody>
+        </p:sp>
+        <p:sp>
+          <p:nvSpPr>
+            <p:cNvPr id="114" name="Shape 114"/>
+            <p:cNvSpPr/>
+            <p:nvPr/>
+          </p:nvSpPr>
+          <p:spPr>
+            <a:xfrm>
+              <a:off x="2857700" y="1631825"/>
+              <a:ext cx="175975" cy="176000"/>
+            </a:xfrm>
+            <a:custGeom>
+              <a:avLst/>
+              <a:gdLst/>
+              <a:ahLst/>
+              <a:cxnLst/>
+              <a:rect l="0" t="0" r="0" b="0"/>
+              <a:pathLst>
+                <a:path w="7039" h="7040" fill="none" extrusionOk="0">
+                  <a:moveTo>
+                    <a:pt x="268" y="2704"/>
+                  </a:moveTo>
+                  <a:lnTo>
+                    <a:pt x="4336" y="6771"/>
+                  </a:lnTo>
+                  <a:lnTo>
+                    <a:pt x="4336" y="6771"/>
+                  </a:lnTo>
+                  <a:lnTo>
+                    <a:pt x="4336" y="6771"/>
+                  </a:lnTo>
+                  <a:lnTo>
+                    <a:pt x="4652" y="6917"/>
+                  </a:lnTo>
+                  <a:lnTo>
+                    <a:pt x="4993" y="7015"/>
+                  </a:lnTo>
+                  <a:lnTo>
+                    <a:pt x="5310" y="7039"/>
+                  </a:lnTo>
+                  <a:lnTo>
+                    <a:pt x="5651" y="7039"/>
+                  </a:lnTo>
+                  <a:lnTo>
+                    <a:pt x="5992" y="6966"/>
+                  </a:lnTo>
+                  <a:lnTo>
+                    <a:pt x="6308" y="6844"/>
+                  </a:lnTo>
+                  <a:lnTo>
+                    <a:pt x="6454" y="6747"/>
+                  </a:lnTo>
+                  <a:lnTo>
+                    <a:pt x="6601" y="6674"/>
+                  </a:lnTo>
+                  <a:lnTo>
+                    <a:pt x="6747" y="6552"/>
+                  </a:lnTo>
+                  <a:lnTo>
+                    <a:pt x="6893" y="6430"/>
+                  </a:lnTo>
+                  <a:lnTo>
+                    <a:pt x="6893" y="6430"/>
+                  </a:lnTo>
+                  <a:lnTo>
+                    <a:pt x="6942" y="6357"/>
+                  </a:lnTo>
+                  <a:lnTo>
+                    <a:pt x="7015" y="6260"/>
+                  </a:lnTo>
+                  <a:lnTo>
+                    <a:pt x="7039" y="6138"/>
+                  </a:lnTo>
+                  <a:lnTo>
+                    <a:pt x="7039" y="6041"/>
+                  </a:lnTo>
+                  <a:lnTo>
+                    <a:pt x="7039" y="6041"/>
+                  </a:lnTo>
+                  <a:lnTo>
+                    <a:pt x="7039" y="5943"/>
+                  </a:lnTo>
+                  <a:lnTo>
+                    <a:pt x="7015" y="5846"/>
+                  </a:lnTo>
+                  <a:lnTo>
+                    <a:pt x="6942" y="5748"/>
+                  </a:lnTo>
+                  <a:lnTo>
+                    <a:pt x="6893" y="5651"/>
+                  </a:lnTo>
+                  <a:lnTo>
+                    <a:pt x="1389" y="147"/>
+                  </a:lnTo>
+                  <a:lnTo>
+                    <a:pt x="1389" y="147"/>
+                  </a:lnTo>
+                  <a:lnTo>
+                    <a:pt x="1291" y="98"/>
+                  </a:lnTo>
+                  <a:lnTo>
+                    <a:pt x="1194" y="25"/>
+                  </a:lnTo>
+                  <a:lnTo>
+                    <a:pt x="1096" y="0"/>
+                  </a:lnTo>
+                  <a:lnTo>
+                    <a:pt x="999" y="0"/>
+                  </a:lnTo>
+                  <a:lnTo>
+                    <a:pt x="999" y="0"/>
+                  </a:lnTo>
+                  <a:lnTo>
+                    <a:pt x="902" y="0"/>
+                  </a:lnTo>
+                  <a:lnTo>
+                    <a:pt x="780" y="25"/>
+                  </a:lnTo>
+                  <a:lnTo>
+                    <a:pt x="682" y="98"/>
+                  </a:lnTo>
+                  <a:lnTo>
+                    <a:pt x="609" y="147"/>
+                  </a:lnTo>
+                  <a:lnTo>
+                    <a:pt x="609" y="147"/>
+                  </a:lnTo>
+                  <a:lnTo>
+                    <a:pt x="487" y="293"/>
+                  </a:lnTo>
+                  <a:lnTo>
+                    <a:pt x="366" y="439"/>
+                  </a:lnTo>
+                  <a:lnTo>
+                    <a:pt x="293" y="585"/>
+                  </a:lnTo>
+                  <a:lnTo>
+                    <a:pt x="195" y="731"/>
+                  </a:lnTo>
+                  <a:lnTo>
+                    <a:pt x="73" y="1048"/>
+                  </a:lnTo>
+                  <a:lnTo>
+                    <a:pt x="0" y="1389"/>
+                  </a:lnTo>
+                  <a:lnTo>
+                    <a:pt x="0" y="1730"/>
+                  </a:lnTo>
+                  <a:lnTo>
+                    <a:pt x="25" y="2046"/>
+                  </a:lnTo>
+                  <a:lnTo>
+                    <a:pt x="122" y="2387"/>
+                  </a:lnTo>
+                  <a:lnTo>
+                    <a:pt x="268" y="2704"/>
+                  </a:lnTo>
+                  <a:lnTo>
+                    <a:pt x="268" y="2704"/>
+                  </a:lnTo>
+                  <a:close/>
+                </a:path>
+              </a:pathLst>
+            </a:custGeom>
+            <a:noFill/>
+            <a:ln w="9525" cap="rnd" cmpd="sng">
+              <a:solidFill>
+                <a:srgbClr val="000000"/>
+              </a:solidFill>
+              <a:prstDash val="solid"/>
+              <a:round/>
+              <a:headEnd type="none" w="med" len="med"/>
+              <a:tailEnd type="none" w="med" len="med"/>
+            </a:ln>
+          </p:spPr>
+          <p:txBody>
+            <a:bodyPr lIns="121900" tIns="121900" rIns="121900" bIns="121900" anchor="ctr" anchorCtr="0">
+              <a:noAutofit/>
+            </a:bodyPr>
+            <a:lstStyle/>
+            <a:p>
+              <a:endParaRPr sz="2400"/>
+            </a:p>
+          </p:txBody>
+        </p:sp>
+        <p:sp>
+          <p:nvSpPr>
+            <p:cNvPr id="115" name="Shape 115"/>
+            <p:cNvSpPr/>
+            <p:nvPr/>
+          </p:nvSpPr>
+          <p:spPr>
+            <a:xfrm>
+              <a:off x="2662850" y="1699400"/>
+              <a:ext cx="303250" cy="303250"/>
+            </a:xfrm>
+            <a:custGeom>
+              <a:avLst/>
+              <a:gdLst/>
+              <a:ahLst/>
+              <a:cxnLst/>
+              <a:rect l="0" t="0" r="0" b="0"/>
+              <a:pathLst>
+                <a:path w="12130" h="12130" fill="none" extrusionOk="0">
+                  <a:moveTo>
+                    <a:pt x="8038" y="1"/>
+                  </a:moveTo>
+                  <a:lnTo>
+                    <a:pt x="4872" y="3191"/>
+                  </a:lnTo>
+                  <a:lnTo>
+                    <a:pt x="4872" y="3191"/>
+                  </a:lnTo>
+                  <a:lnTo>
+                    <a:pt x="4628" y="3094"/>
+                  </a:lnTo>
+                  <a:lnTo>
+                    <a:pt x="4385" y="2997"/>
+                  </a:lnTo>
+                  <a:lnTo>
+                    <a:pt x="4092" y="2899"/>
+                  </a:lnTo>
+                  <a:lnTo>
+                    <a:pt x="3800" y="2850"/>
+                  </a:lnTo>
+                  <a:lnTo>
+                    <a:pt x="3484" y="2777"/>
+                  </a:lnTo>
+                  <a:lnTo>
+                    <a:pt x="3167" y="2729"/>
+                  </a:lnTo>
+                  <a:lnTo>
+                    <a:pt x="2850" y="2704"/>
+                  </a:lnTo>
+                  <a:lnTo>
+                    <a:pt x="2534" y="2704"/>
+                  </a:lnTo>
+                  <a:lnTo>
+                    <a:pt x="2534" y="2704"/>
+                  </a:lnTo>
+                  <a:lnTo>
+                    <a:pt x="2241" y="2704"/>
+                  </a:lnTo>
+                  <a:lnTo>
+                    <a:pt x="1949" y="2729"/>
+                  </a:lnTo>
+                  <a:lnTo>
+                    <a:pt x="1633" y="2777"/>
+                  </a:lnTo>
+                  <a:lnTo>
+                    <a:pt x="1316" y="2850"/>
+                  </a:lnTo>
+                  <a:lnTo>
+                    <a:pt x="999" y="2972"/>
+                  </a:lnTo>
+                  <a:lnTo>
+                    <a:pt x="707" y="3094"/>
+                  </a:lnTo>
+                  <a:lnTo>
+                    <a:pt x="415" y="3289"/>
+                  </a:lnTo>
+                  <a:lnTo>
+                    <a:pt x="147" y="3508"/>
+                  </a:lnTo>
+                  <a:lnTo>
+                    <a:pt x="147" y="3508"/>
+                  </a:lnTo>
+                  <a:lnTo>
+                    <a:pt x="74" y="3581"/>
+                  </a:lnTo>
+                  <a:lnTo>
+                    <a:pt x="25" y="3678"/>
+                  </a:lnTo>
+                  <a:lnTo>
+                    <a:pt x="1" y="3776"/>
+                  </a:lnTo>
+                  <a:lnTo>
+                    <a:pt x="1" y="3898"/>
+                  </a:lnTo>
+                  <a:lnTo>
+                    <a:pt x="1" y="3898"/>
+                  </a:lnTo>
+                  <a:lnTo>
+                    <a:pt x="1" y="3995"/>
+                  </a:lnTo>
+                  <a:lnTo>
+                    <a:pt x="25" y="4093"/>
+                  </a:lnTo>
+                  <a:lnTo>
+                    <a:pt x="74" y="4190"/>
+                  </a:lnTo>
+                  <a:lnTo>
+                    <a:pt x="147" y="4287"/>
+                  </a:lnTo>
+                  <a:lnTo>
+                    <a:pt x="7843" y="11984"/>
+                  </a:lnTo>
+                  <a:lnTo>
+                    <a:pt x="7843" y="11984"/>
+                  </a:lnTo>
+                  <a:lnTo>
+                    <a:pt x="7941" y="12057"/>
+                  </a:lnTo>
+                  <a:lnTo>
+                    <a:pt x="8038" y="12105"/>
+                  </a:lnTo>
+                  <a:lnTo>
+                    <a:pt x="8135" y="12130"/>
+                  </a:lnTo>
+                  <a:lnTo>
+                    <a:pt x="8233" y="12130"/>
+                  </a:lnTo>
+                  <a:lnTo>
+                    <a:pt x="8233" y="12130"/>
+                  </a:lnTo>
+                  <a:lnTo>
+                    <a:pt x="8355" y="12130"/>
+                  </a:lnTo>
+                  <a:lnTo>
+                    <a:pt x="8452" y="12105"/>
+                  </a:lnTo>
+                  <a:lnTo>
+                    <a:pt x="8549" y="12057"/>
+                  </a:lnTo>
+                  <a:lnTo>
+                    <a:pt x="8622" y="11984"/>
+                  </a:lnTo>
+                  <a:lnTo>
+                    <a:pt x="8622" y="11984"/>
+                  </a:lnTo>
+                  <a:lnTo>
+                    <a:pt x="8842" y="11716"/>
+                  </a:lnTo>
+                  <a:lnTo>
+                    <a:pt x="9036" y="11423"/>
+                  </a:lnTo>
+                  <a:lnTo>
+                    <a:pt x="9158" y="11131"/>
+                  </a:lnTo>
+                  <a:lnTo>
+                    <a:pt x="9280" y="10814"/>
+                  </a:lnTo>
+                  <a:lnTo>
+                    <a:pt x="9353" y="10498"/>
+                  </a:lnTo>
+                  <a:lnTo>
+                    <a:pt x="9402" y="10181"/>
+                  </a:lnTo>
+                  <a:lnTo>
+                    <a:pt x="9426" y="9889"/>
+                  </a:lnTo>
+                  <a:lnTo>
+                    <a:pt x="9426" y="9597"/>
+                  </a:lnTo>
+                  <a:lnTo>
+                    <a:pt x="9426" y="9597"/>
+                  </a:lnTo>
+                  <a:lnTo>
+                    <a:pt x="9426" y="9280"/>
+                  </a:lnTo>
+                  <a:lnTo>
+                    <a:pt x="9402" y="8964"/>
+                  </a:lnTo>
+                  <a:lnTo>
+                    <a:pt x="9353" y="8647"/>
+                  </a:lnTo>
+                  <a:lnTo>
+                    <a:pt x="9280" y="8330"/>
+                  </a:lnTo>
+                  <a:lnTo>
+                    <a:pt x="9231" y="8038"/>
+                  </a:lnTo>
+                  <a:lnTo>
+                    <a:pt x="9134" y="7746"/>
+                  </a:lnTo>
+                  <a:lnTo>
+                    <a:pt x="9036" y="7502"/>
+                  </a:lnTo>
+                  <a:lnTo>
+                    <a:pt x="8939" y="7259"/>
+                  </a:lnTo>
+                  <a:lnTo>
+                    <a:pt x="12130" y="4093"/>
+                  </a:lnTo>
+                </a:path>
+              </a:pathLst>
+            </a:custGeom>
+            <a:noFill/>
+            <a:ln w="9525" cap="rnd" cmpd="sng">
+              <a:solidFill>
+                <a:srgbClr val="000000"/>
+              </a:solidFill>
+              <a:prstDash val="solid"/>
+              <a:round/>
+              <a:headEnd type="none" w="med" len="med"/>
+              <a:tailEnd type="none" w="med" len="med"/>
+            </a:ln>
+          </p:spPr>
+          <p:txBody>
+            <a:bodyPr lIns="121900" tIns="121900" rIns="121900" bIns="121900" anchor="ctr" anchorCtr="0">
+              <a:noAutofit/>
+            </a:bodyPr>
+            <a:lstStyle/>
+            <a:p>
+              <a:endParaRPr sz="2400"/>
+            </a:p>
+          </p:txBody>
+        </p:sp>
+        <p:sp>
+          <p:nvSpPr>
+            <p:cNvPr id="116" name="Shape 116"/>
+            <p:cNvSpPr/>
+            <p:nvPr/>
+          </p:nvSpPr>
+          <p:spPr>
+            <a:xfrm>
+              <a:off x="2814911" y="1754061"/>
+              <a:ext cx="49950" cy="49950"/>
+            </a:xfrm>
+            <a:custGeom>
+              <a:avLst/>
+              <a:gdLst/>
+              <a:ahLst/>
+              <a:cxnLst/>
+              <a:rect l="0" t="0" r="0" b="0"/>
+              <a:pathLst>
+                <a:path w="1998" h="1998" fill="none" extrusionOk="0">
+                  <a:moveTo>
+                    <a:pt x="1" y="1997"/>
+                  </a:moveTo>
+                  <a:lnTo>
+                    <a:pt x="1998" y="0"/>
+                  </a:lnTo>
+                </a:path>
+              </a:pathLst>
+            </a:custGeom>
+            <a:noFill/>
+            <a:ln w="9525" cap="rnd" cmpd="sng">
+              <a:solidFill>
+                <a:srgbClr val="000000"/>
+              </a:solidFill>
+              <a:prstDash val="solid"/>
+              <a:round/>
+              <a:headEnd type="none" w="med" len="med"/>
+              <a:tailEnd type="none" w="med" len="med"/>
+            </a:ln>
+          </p:spPr>
+          <p:txBody>
+            <a:bodyPr lIns="121900" tIns="121900" rIns="121900" bIns="121900" anchor="ctr" anchorCtr="0">
+              <a:noAutofit/>
+            </a:bodyPr>
+            <a:lstStyle/>
+            <a:p>
+              <a:endParaRPr sz="2400"/>
+            </a:p>
+          </p:txBody>
+        </p:sp>
+      </p:grpSp>
+      <p:sp>
+        <p:nvSpPr>
+          <p:cNvPr id="10" name="Shape 111"/>
+          <p:cNvSpPr txBox="1">
+            <a:spLocks/>
+          </p:cNvSpPr>
+          <p:nvPr/>
+        </p:nvSpPr>
+        <p:spPr>
+          <a:xfrm>
+            <a:off x="1365424" y="2162176"/>
+            <a:ext cx="9084861" cy="4294608"/>
+          </a:xfrm>
+          <a:prstGeom prst="rect">
+            <a:avLst/>
+          </a:prstGeom>
+        </p:spPr>
+        <p:txBody>
+          <a:bodyPr vert="horz" lIns="121900" tIns="121900" rIns="121900" bIns="121900" rtlCol="0" anchor="t" anchorCtr="0">
+            <a:noAutofit/>
+          </a:bodyPr>
+          <a:lstStyle>
+            <a:lvl1pPr marL="228600" lvl="0" indent="-228600" algn="l" defTabSz="914400" rtl="0" eaLnBrk="1" latinLnBrk="0" hangingPunct="1">
+              <a:lnSpc>
+                <a:spcPct val="90000"/>
+              </a:lnSpc>
+              <a:spcBef>
+                <a:spcPts val="800"/>
+              </a:spcBef>
+              <a:buClr>
+                <a:srgbClr val="FFCD00"/>
+              </a:buClr>
+              <a:buSzPct val="100000"/>
+              <a:buFont typeface="Quattrocento Sans"/>
+              <a:buChar char="◉"/>
+              <a:defRPr sz="3200" kern="1200">
+                <a:solidFill>
+                  <a:schemeClr val="tx1"/>
+                </a:solidFill>
+                <a:latin typeface="Quattrocento Sans"/>
+                <a:ea typeface="Quattrocento Sans"/>
+                <a:cs typeface="Quattrocento Sans"/>
+                <a:sym typeface="Quattrocento Sans"/>
+              </a:defRPr>
+            </a:lvl1pPr>
+            <a:lvl2pPr marL="685800" lvl="1" indent="-228600" algn="l" defTabSz="914400" rtl="0" eaLnBrk="1" latinLnBrk="0" hangingPunct="1">
+              <a:lnSpc>
+                <a:spcPct val="90000"/>
+              </a:lnSpc>
+              <a:spcBef>
+                <a:spcPts val="640"/>
+              </a:spcBef>
+              <a:buClr>
+                <a:srgbClr val="FFCD00"/>
+              </a:buClr>
+              <a:buSzPct val="100000"/>
+              <a:buFont typeface="Quattrocento Sans"/>
+              <a:buChar char="•"/>
+              <a:defRPr sz="2667" kern="1200">
+                <a:solidFill>
+                  <a:schemeClr val="tx1"/>
+                </a:solidFill>
+                <a:latin typeface="Quattrocento Sans"/>
+                <a:ea typeface="Quattrocento Sans"/>
+                <a:cs typeface="Quattrocento Sans"/>
+                <a:sym typeface="Quattrocento Sans"/>
+              </a:defRPr>
+            </a:lvl2pPr>
+            <a:lvl3pPr marL="1143000" lvl="2" indent="-228600" algn="l" defTabSz="914400" rtl="0" eaLnBrk="1" latinLnBrk="0" hangingPunct="1">
+              <a:lnSpc>
+                <a:spcPct val="90000"/>
+              </a:lnSpc>
+              <a:spcBef>
+                <a:spcPts val="640"/>
+              </a:spcBef>
+              <a:buClr>
+                <a:srgbClr val="FFCD00"/>
+              </a:buClr>
+              <a:buSzPct val="100000"/>
+              <a:buFont typeface="Quattrocento Sans"/>
+              <a:buChar char="•"/>
+              <a:defRPr sz="2667" kern="1200">
+                <a:solidFill>
+                  <a:schemeClr val="tx1"/>
+                </a:solidFill>
+                <a:latin typeface="Quattrocento Sans"/>
+                <a:ea typeface="Quattrocento Sans"/>
+                <a:cs typeface="Quattrocento Sans"/>
+                <a:sym typeface="Quattrocento Sans"/>
+              </a:defRPr>
+            </a:lvl3pPr>
+            <a:lvl4pPr marL="1600200" lvl="3" indent="-228600" algn="l" defTabSz="914400" rtl="0" eaLnBrk="1" latinLnBrk="0" hangingPunct="1">
+              <a:lnSpc>
+                <a:spcPct val="90000"/>
+              </a:lnSpc>
+              <a:spcBef>
+                <a:spcPts val="480"/>
+              </a:spcBef>
+              <a:buClr>
+                <a:srgbClr val="FFCD00"/>
+              </a:buClr>
+              <a:buSzPct val="100000"/>
+              <a:buFont typeface="Quattrocento Sans"/>
+              <a:buChar char="•"/>
+              <a:defRPr sz="2400" kern="1200">
+                <a:solidFill>
+                  <a:schemeClr val="tx1"/>
+                </a:solidFill>
+                <a:latin typeface="Quattrocento Sans"/>
+                <a:ea typeface="Quattrocento Sans"/>
+                <a:cs typeface="Quattrocento Sans"/>
+                <a:sym typeface="Quattrocento Sans"/>
+              </a:defRPr>
+            </a:lvl4pPr>
+            <a:lvl5pPr marL="2057400" lvl="4" indent="-228600" algn="l" defTabSz="914400" rtl="0" eaLnBrk="1" latinLnBrk="0" hangingPunct="1">
+              <a:lnSpc>
+                <a:spcPct val="90000"/>
+              </a:lnSpc>
+              <a:spcBef>
+                <a:spcPts val="480"/>
+              </a:spcBef>
+              <a:buClr>
+                <a:srgbClr val="FFCD00"/>
+              </a:buClr>
+              <a:buSzPct val="100000"/>
+              <a:buFont typeface="Quattrocento Sans"/>
+              <a:buChar char="•"/>
+              <a:defRPr sz="2400" kern="1200">
+                <a:solidFill>
+                  <a:schemeClr val="tx1"/>
+                </a:solidFill>
+                <a:latin typeface="Quattrocento Sans"/>
+                <a:ea typeface="Quattrocento Sans"/>
+                <a:cs typeface="Quattrocento Sans"/>
+                <a:sym typeface="Quattrocento Sans"/>
+              </a:defRPr>
+            </a:lvl5pPr>
+            <a:lvl6pPr marL="2514600" lvl="5" indent="-228600" algn="l" defTabSz="914400" rtl="0" eaLnBrk="1" latinLnBrk="0" hangingPunct="1">
+              <a:lnSpc>
+                <a:spcPct val="90000"/>
+              </a:lnSpc>
+              <a:spcBef>
+                <a:spcPts val="480"/>
+              </a:spcBef>
+              <a:buClr>
+                <a:srgbClr val="FFCD00"/>
+              </a:buClr>
+              <a:buSzPct val="100000"/>
+              <a:buFont typeface="Quattrocento Sans"/>
+              <a:buChar char="•"/>
+              <a:defRPr sz="2400" kern="1200">
+                <a:solidFill>
+                  <a:schemeClr val="tx1"/>
+                </a:solidFill>
+                <a:latin typeface="Quattrocento Sans"/>
+                <a:ea typeface="Quattrocento Sans"/>
+                <a:cs typeface="Quattrocento Sans"/>
+                <a:sym typeface="Quattrocento Sans"/>
+              </a:defRPr>
+            </a:lvl6pPr>
+            <a:lvl7pPr marL="2971800" lvl="6" indent="-228600" algn="l" defTabSz="914400" rtl="0" eaLnBrk="1" latinLnBrk="0" hangingPunct="1">
+              <a:lnSpc>
+                <a:spcPct val="90000"/>
+              </a:lnSpc>
+              <a:spcBef>
+                <a:spcPts val="480"/>
+              </a:spcBef>
+              <a:buClr>
+                <a:srgbClr val="FFCD00"/>
+              </a:buClr>
+              <a:buSzPct val="100000"/>
+              <a:buFont typeface="Quattrocento Sans"/>
+              <a:buChar char="•"/>
+              <a:defRPr sz="2400" kern="1200">
+                <a:solidFill>
+                  <a:schemeClr val="tx1"/>
+                </a:solidFill>
+                <a:latin typeface="Quattrocento Sans"/>
+                <a:ea typeface="Quattrocento Sans"/>
+                <a:cs typeface="Quattrocento Sans"/>
+                <a:sym typeface="Quattrocento Sans"/>
+              </a:defRPr>
+            </a:lvl7pPr>
+            <a:lvl8pPr marL="3429000" lvl="7" indent="-228600" algn="l" defTabSz="914400" rtl="0" eaLnBrk="1" latinLnBrk="0" hangingPunct="1">
+              <a:lnSpc>
+                <a:spcPct val="90000"/>
+              </a:lnSpc>
+              <a:spcBef>
+                <a:spcPts val="480"/>
+              </a:spcBef>
+              <a:buClr>
+                <a:srgbClr val="FFCD00"/>
+              </a:buClr>
+              <a:buSzPct val="100000"/>
+              <a:buFont typeface="Quattrocento Sans"/>
+              <a:buChar char="•"/>
+              <a:defRPr sz="2400" kern="1200">
+                <a:solidFill>
+                  <a:schemeClr val="tx1"/>
+                </a:solidFill>
+                <a:latin typeface="Quattrocento Sans"/>
+                <a:ea typeface="Quattrocento Sans"/>
+                <a:cs typeface="Quattrocento Sans"/>
+                <a:sym typeface="Quattrocento Sans"/>
+              </a:defRPr>
+            </a:lvl8pPr>
+            <a:lvl9pPr marL="3886200" lvl="8" indent="-228600" algn="l" defTabSz="914400" rtl="0" eaLnBrk="1" latinLnBrk="0" hangingPunct="1">
+              <a:lnSpc>
+                <a:spcPct val="90000"/>
+              </a:lnSpc>
+              <a:spcBef>
+                <a:spcPts val="480"/>
+              </a:spcBef>
+              <a:buClr>
+                <a:srgbClr val="FFCD00"/>
+              </a:buClr>
+              <a:buSzPct val="100000"/>
+              <a:buFont typeface="Quattrocento Sans"/>
+              <a:buChar char="•"/>
+              <a:defRPr sz="2400" kern="1200">
+                <a:solidFill>
+                  <a:schemeClr val="tx1"/>
+                </a:solidFill>
+                <a:latin typeface="Quattrocento Sans"/>
+                <a:ea typeface="Quattrocento Sans"/>
+                <a:cs typeface="Quattrocento Sans"/>
+                <a:sym typeface="Quattrocento Sans"/>
+              </a:defRPr>
+            </a:lvl9pPr>
+          </a:lstStyle>
+          <a:p>
+            <a:pPr marL="819143" indent="-514350">
+              <a:lnSpc>
+                <a:spcPct val="100000"/>
+              </a:lnSpc>
+              <a:spcBef>
+                <a:spcPts val="0"/>
+              </a:spcBef>
+              <a:buAutoNum type="arabicPeriod"/>
+            </a:pPr>
+            <a:r>
+              <a:rPr lang="pt-PT" sz="3600" dirty="0" smtClean="0"/>
+              <a:t>Contexto / Motivação / Objetivos</a:t>
+            </a:r>
+          </a:p>
+          <a:p>
+            <a:pPr marL="819143" indent="-514350">
+              <a:lnSpc>
+                <a:spcPct val="100000"/>
+              </a:lnSpc>
+              <a:spcBef>
+                <a:spcPts val="0"/>
+              </a:spcBef>
+              <a:buAutoNum type="arabicPeriod"/>
+            </a:pPr>
+            <a:r>
+              <a:rPr lang="pt-PT" sz="3600" dirty="0" smtClean="0"/>
+              <a:t>Metodologias de Ensino</a:t>
+            </a:r>
+          </a:p>
+          <a:p>
+            <a:pPr marL="819143" indent="-514350">
+              <a:lnSpc>
+                <a:spcPct val="100000"/>
+              </a:lnSpc>
+              <a:spcBef>
+                <a:spcPts val="0"/>
+              </a:spcBef>
+              <a:buAutoNum type="arabicPeriod"/>
+            </a:pPr>
+            <a:r>
+              <a:rPr lang="pt-PT" sz="3600" dirty="0" smtClean="0"/>
+              <a:t>Trabalho Desenvolvido</a:t>
+            </a:r>
+          </a:p>
+          <a:p>
+            <a:pPr marL="819143" indent="-514350">
+              <a:lnSpc>
+                <a:spcPct val="100000"/>
+              </a:lnSpc>
+              <a:spcBef>
+                <a:spcPts val="0"/>
+              </a:spcBef>
+              <a:buAutoNum type="arabicPeriod"/>
+            </a:pPr>
+            <a:r>
+              <a:rPr lang="pt-PT" sz="3600" dirty="0" smtClean="0"/>
+              <a:t>Jogos</a:t>
+            </a:r>
+          </a:p>
+          <a:p>
+            <a:pPr marL="819143" indent="-514350">
+              <a:lnSpc>
+                <a:spcPct val="100000"/>
+              </a:lnSpc>
+              <a:spcBef>
+                <a:spcPts val="0"/>
+              </a:spcBef>
+              <a:buAutoNum type="arabicPeriod"/>
+            </a:pPr>
+            <a:r>
+              <a:rPr lang="pt-PT" sz="3600" dirty="0" smtClean="0"/>
+              <a:t>Validação</a:t>
+            </a:r>
+          </a:p>
+          <a:p>
+            <a:pPr marL="819143" indent="-514350">
+              <a:lnSpc>
+                <a:spcPct val="100000"/>
+              </a:lnSpc>
+              <a:spcBef>
+                <a:spcPts val="0"/>
+              </a:spcBef>
+              <a:buAutoNum type="arabicPeriod"/>
+            </a:pPr>
+            <a:r>
+              <a:rPr lang="pt-PT" sz="3600" dirty="0" smtClean="0"/>
+              <a:t>Conclusão e Trabalho Futuro</a:t>
+            </a:r>
+          </a:p>
+        </p:txBody>
+      </p:sp>
+      <p:sp>
+        <p:nvSpPr>
+          <p:cNvPr id="2" name="Marcador de Posição do Número do Diapositivo 1"/>
+          <p:cNvSpPr>
+            <a:spLocks noGrp="1"/>
+          </p:cNvSpPr>
+          <p:nvPr>
+            <p:ph type="sldNum" sz="quarter" idx="12"/>
+          </p:nvPr>
+        </p:nvSpPr>
+        <p:spPr/>
+        <p:txBody>
+          <a:bodyPr/>
+          <a:lstStyle/>
+          <a:p>
+            <a:fld id="{7A7FBF7A-E0A0-435F-9540-C356DFC5D048}" type="slidenum">
+              <a:rPr lang="pt-PT" smtClean="0"/>
+              <a:pPr/>
+              <a:t>2</a:t>
+            </a:fld>
+            <a:endParaRPr lang="pt-PT" dirty="0"/>
+          </a:p>
+        </p:txBody>
+      </p:sp>
+    </p:spTree>
+    <p:extLst>
+      <p:ext uri="{BB962C8B-B14F-4D97-AF65-F5344CB8AC3E}">
+        <p14:creationId xmlns:p14="http://schemas.microsoft.com/office/powerpoint/2010/main" val="3677061111"/>
+      </p:ext>
+    </p:extLst>
+  </p:cSld>
+  <p:clrMapOvr>
+    <a:masterClrMapping/>
+  </p:clrMapOvr>
+  <p:timing>
+    <p:tnLst>
+      <p:par>
+        <p:cTn id="1" dur="indefinite" restart="never" nodeType="tmRoot"/>
+      </p:par>
+    </p:tnLst>
+  </p:timing>
+</p:sld>
+</file>
+
+<file path=ppt/slides/slide20.xml><?xml version="1.0" encoding="utf-8"?>
 <p:sld xmlns:a="http://schemas.openxmlformats.org/drawingml/2006/main" xmlns:r="http://schemas.openxmlformats.org/officeDocument/2006/relationships" xmlns:p="http://schemas.openxmlformats.org/presentationml/2006/main">
   <p:cSld>
     <p:spTree>
@@ -14068,6 +17602,30 @@
           </a:p>
         </p:txBody>
       </p:sp>
+      <p:sp>
+        <p:nvSpPr>
+          <p:cNvPr id="2" name="Marcador de Posição do Número do Diapositivo 1"/>
+          <p:cNvSpPr>
+            <a:spLocks noGrp="1"/>
+          </p:cNvSpPr>
+          <p:nvPr>
+            <p:ph type="sldNum" sz="quarter" idx="12"/>
+          </p:nvPr>
+        </p:nvSpPr>
+        <p:spPr/>
+        <p:txBody>
+          <a:bodyPr/>
+          <a:lstStyle/>
+          <a:p>
+            <a:fld id="{7A7FBF7A-E0A0-435F-9540-C356DFC5D048}" type="slidenum">
+              <a:rPr lang="pt-PT" smtClean="0"/>
+              <a:pPr/>
+              <a:t>20</a:t>
+            </a:fld>
+            <a:endParaRPr lang="pt-PT" dirty="0"/>
+          </a:p>
+        </p:txBody>
+      </p:sp>
     </p:spTree>
     <p:extLst>
       <p:ext uri="{BB962C8B-B14F-4D97-AF65-F5344CB8AC3E}">
@@ -14088,7 +17646,7 @@
 </p:sld>
 </file>
 
-<file path=ppt/slides/slide19.xml><?xml version="1.0" encoding="utf-8"?>
+<file path=ppt/slides/slide21.xml><?xml version="1.0" encoding="utf-8"?>
 <p:sld xmlns:a="http://schemas.openxmlformats.org/drawingml/2006/main" xmlns:r="http://schemas.openxmlformats.org/officeDocument/2006/relationships" xmlns:p="http://schemas.openxmlformats.org/presentationml/2006/main">
   <p:cSld>
     <p:spTree>
@@ -14345,6 +17903,30 @@
           </a:p>
         </p:txBody>
       </p:sp>
+      <p:sp>
+        <p:nvSpPr>
+          <p:cNvPr id="2" name="Marcador de Posição do Número do Diapositivo 1"/>
+          <p:cNvSpPr>
+            <a:spLocks noGrp="1"/>
+          </p:cNvSpPr>
+          <p:nvPr>
+            <p:ph type="sldNum" sz="quarter" idx="12"/>
+          </p:nvPr>
+        </p:nvSpPr>
+        <p:spPr/>
+        <p:txBody>
+          <a:bodyPr/>
+          <a:lstStyle/>
+          <a:p>
+            <a:fld id="{7A7FBF7A-E0A0-435F-9540-C356DFC5D048}" type="slidenum">
+              <a:rPr lang="pt-PT" smtClean="0"/>
+              <a:pPr/>
+              <a:t>21</a:t>
+            </a:fld>
+            <a:endParaRPr lang="pt-PT" dirty="0"/>
+          </a:p>
+        </p:txBody>
+      </p:sp>
     </p:spTree>
     <p:extLst>
       <p:ext uri="{BB962C8B-B14F-4D97-AF65-F5344CB8AC3E}">
@@ -14365,937 +17947,7 @@
 </p:sld>
 </file>
 
-<file path=ppt/slides/slide2.xml><?xml version="1.0" encoding="utf-8"?>
-<p:sld xmlns:a="http://schemas.openxmlformats.org/drawingml/2006/main" xmlns:r="http://schemas.openxmlformats.org/officeDocument/2006/relationships" xmlns:p="http://schemas.openxmlformats.org/presentationml/2006/main">
-  <p:cSld>
-    <p:spTree>
-      <p:nvGrpSpPr>
-        <p:cNvPr id="1" name="Shape 109"/>
-        <p:cNvGrpSpPr/>
-        <p:nvPr/>
-      </p:nvGrpSpPr>
-      <p:grpSpPr>
-        <a:xfrm>
-          <a:off x="0" y="0"/>
-          <a:ext cx="0" cy="0"/>
-          <a:chOff x="0" y="0"/>
-          <a:chExt cx="0" cy="0"/>
-        </a:xfrm>
-      </p:grpSpPr>
-      <p:sp>
-        <p:nvSpPr>
-          <p:cNvPr id="110" name="Shape 110"/>
-          <p:cNvSpPr txBox="1">
-            <a:spLocks noGrp="1"/>
-          </p:cNvSpPr>
-          <p:nvPr>
-            <p:ph type="title"/>
-          </p:nvPr>
-        </p:nvSpPr>
-        <p:spPr>
-          <a:xfrm>
-            <a:off x="1841667" y="1239750"/>
-            <a:ext cx="5171199" cy="580799"/>
-          </a:xfrm>
-          <a:prstGeom prst="rect">
-            <a:avLst/>
-          </a:prstGeom>
-        </p:spPr>
-        <p:txBody>
-          <a:bodyPr vert="horz" lIns="121900" tIns="121900" rIns="121900" bIns="121900" rtlCol="0" anchor="ctr" anchorCtr="0">
-            <a:noAutofit/>
-          </a:bodyPr>
-          <a:lstStyle/>
-          <a:p>
-            <a:r>
-              <a:rPr lang="en" dirty="0" smtClean="0"/>
-              <a:t>Súmario</a:t>
-            </a:r>
-            <a:endParaRPr lang="en" dirty="0">
-              <a:highlight>
-                <a:srgbClr val="FFCD00"/>
-              </a:highlight>
-            </a:endParaRPr>
-          </a:p>
-        </p:txBody>
-      </p:sp>
-      <p:grpSp>
-        <p:nvGrpSpPr>
-          <p:cNvPr id="112" name="Shape 112"/>
-          <p:cNvGrpSpPr/>
-          <p:nvPr/>
-        </p:nvGrpSpPr>
-        <p:grpSpPr>
-          <a:xfrm>
-            <a:off x="1221944" y="1359667"/>
-            <a:ext cx="286165" cy="286165"/>
-            <a:chOff x="2594050" y="1631825"/>
-            <a:chExt cx="439625" cy="439625"/>
-          </a:xfrm>
-        </p:grpSpPr>
-        <p:sp>
-          <p:nvSpPr>
-            <p:cNvPr id="113" name="Shape 113"/>
-            <p:cNvSpPr/>
-            <p:nvPr/>
-          </p:nvSpPr>
-          <p:spPr>
-            <a:xfrm>
-              <a:off x="2594050" y="1883300"/>
-              <a:ext cx="188175" cy="188150"/>
-            </a:xfrm>
-            <a:custGeom>
-              <a:avLst/>
-              <a:gdLst/>
-              <a:ahLst/>
-              <a:cxnLst/>
-              <a:rect l="0" t="0" r="0" b="0"/>
-              <a:pathLst>
-                <a:path w="7527" h="7526" fill="none" extrusionOk="0">
-                  <a:moveTo>
-                    <a:pt x="5992" y="0"/>
-                  </a:moveTo>
-                  <a:lnTo>
-                    <a:pt x="537" y="6430"/>
-                  </a:lnTo>
-                  <a:lnTo>
-                    <a:pt x="1" y="7526"/>
-                  </a:lnTo>
-                  <a:lnTo>
-                    <a:pt x="1097" y="6990"/>
-                  </a:lnTo>
-                  <a:lnTo>
-                    <a:pt x="7526" y="1534"/>
-                  </a:lnTo>
-                  <a:lnTo>
-                    <a:pt x="5992" y="0"/>
-                  </a:lnTo>
-                  <a:close/>
-                </a:path>
-              </a:pathLst>
-            </a:custGeom>
-            <a:noFill/>
-            <a:ln w="9525" cap="rnd" cmpd="sng">
-              <a:solidFill>
-                <a:srgbClr val="000000"/>
-              </a:solidFill>
-              <a:prstDash val="solid"/>
-              <a:round/>
-              <a:headEnd type="none" w="med" len="med"/>
-              <a:tailEnd type="none" w="med" len="med"/>
-            </a:ln>
-          </p:spPr>
-          <p:txBody>
-            <a:bodyPr lIns="121900" tIns="121900" rIns="121900" bIns="121900" anchor="ctr" anchorCtr="0">
-              <a:noAutofit/>
-            </a:bodyPr>
-            <a:lstStyle/>
-            <a:p>
-              <a:endParaRPr sz="2400"/>
-            </a:p>
-          </p:txBody>
-        </p:sp>
-        <p:sp>
-          <p:nvSpPr>
-            <p:cNvPr id="114" name="Shape 114"/>
-            <p:cNvSpPr/>
-            <p:nvPr/>
-          </p:nvSpPr>
-          <p:spPr>
-            <a:xfrm>
-              <a:off x="2857700" y="1631825"/>
-              <a:ext cx="175975" cy="176000"/>
-            </a:xfrm>
-            <a:custGeom>
-              <a:avLst/>
-              <a:gdLst/>
-              <a:ahLst/>
-              <a:cxnLst/>
-              <a:rect l="0" t="0" r="0" b="0"/>
-              <a:pathLst>
-                <a:path w="7039" h="7040" fill="none" extrusionOk="0">
-                  <a:moveTo>
-                    <a:pt x="268" y="2704"/>
-                  </a:moveTo>
-                  <a:lnTo>
-                    <a:pt x="4336" y="6771"/>
-                  </a:lnTo>
-                  <a:lnTo>
-                    <a:pt x="4336" y="6771"/>
-                  </a:lnTo>
-                  <a:lnTo>
-                    <a:pt x="4336" y="6771"/>
-                  </a:lnTo>
-                  <a:lnTo>
-                    <a:pt x="4652" y="6917"/>
-                  </a:lnTo>
-                  <a:lnTo>
-                    <a:pt x="4993" y="7015"/>
-                  </a:lnTo>
-                  <a:lnTo>
-                    <a:pt x="5310" y="7039"/>
-                  </a:lnTo>
-                  <a:lnTo>
-                    <a:pt x="5651" y="7039"/>
-                  </a:lnTo>
-                  <a:lnTo>
-                    <a:pt x="5992" y="6966"/>
-                  </a:lnTo>
-                  <a:lnTo>
-                    <a:pt x="6308" y="6844"/>
-                  </a:lnTo>
-                  <a:lnTo>
-                    <a:pt x="6454" y="6747"/>
-                  </a:lnTo>
-                  <a:lnTo>
-                    <a:pt x="6601" y="6674"/>
-                  </a:lnTo>
-                  <a:lnTo>
-                    <a:pt x="6747" y="6552"/>
-                  </a:lnTo>
-                  <a:lnTo>
-                    <a:pt x="6893" y="6430"/>
-                  </a:lnTo>
-                  <a:lnTo>
-                    <a:pt x="6893" y="6430"/>
-                  </a:lnTo>
-                  <a:lnTo>
-                    <a:pt x="6942" y="6357"/>
-                  </a:lnTo>
-                  <a:lnTo>
-                    <a:pt x="7015" y="6260"/>
-                  </a:lnTo>
-                  <a:lnTo>
-                    <a:pt x="7039" y="6138"/>
-                  </a:lnTo>
-                  <a:lnTo>
-                    <a:pt x="7039" y="6041"/>
-                  </a:lnTo>
-                  <a:lnTo>
-                    <a:pt x="7039" y="6041"/>
-                  </a:lnTo>
-                  <a:lnTo>
-                    <a:pt x="7039" y="5943"/>
-                  </a:lnTo>
-                  <a:lnTo>
-                    <a:pt x="7015" y="5846"/>
-                  </a:lnTo>
-                  <a:lnTo>
-                    <a:pt x="6942" y="5748"/>
-                  </a:lnTo>
-                  <a:lnTo>
-                    <a:pt x="6893" y="5651"/>
-                  </a:lnTo>
-                  <a:lnTo>
-                    <a:pt x="1389" y="147"/>
-                  </a:lnTo>
-                  <a:lnTo>
-                    <a:pt x="1389" y="147"/>
-                  </a:lnTo>
-                  <a:lnTo>
-                    <a:pt x="1291" y="98"/>
-                  </a:lnTo>
-                  <a:lnTo>
-                    <a:pt x="1194" y="25"/>
-                  </a:lnTo>
-                  <a:lnTo>
-                    <a:pt x="1096" y="0"/>
-                  </a:lnTo>
-                  <a:lnTo>
-                    <a:pt x="999" y="0"/>
-                  </a:lnTo>
-                  <a:lnTo>
-                    <a:pt x="999" y="0"/>
-                  </a:lnTo>
-                  <a:lnTo>
-                    <a:pt x="902" y="0"/>
-                  </a:lnTo>
-                  <a:lnTo>
-                    <a:pt x="780" y="25"/>
-                  </a:lnTo>
-                  <a:lnTo>
-                    <a:pt x="682" y="98"/>
-                  </a:lnTo>
-                  <a:lnTo>
-                    <a:pt x="609" y="147"/>
-                  </a:lnTo>
-                  <a:lnTo>
-                    <a:pt x="609" y="147"/>
-                  </a:lnTo>
-                  <a:lnTo>
-                    <a:pt x="487" y="293"/>
-                  </a:lnTo>
-                  <a:lnTo>
-                    <a:pt x="366" y="439"/>
-                  </a:lnTo>
-                  <a:lnTo>
-                    <a:pt x="293" y="585"/>
-                  </a:lnTo>
-                  <a:lnTo>
-                    <a:pt x="195" y="731"/>
-                  </a:lnTo>
-                  <a:lnTo>
-                    <a:pt x="73" y="1048"/>
-                  </a:lnTo>
-                  <a:lnTo>
-                    <a:pt x="0" y="1389"/>
-                  </a:lnTo>
-                  <a:lnTo>
-                    <a:pt x="0" y="1730"/>
-                  </a:lnTo>
-                  <a:lnTo>
-                    <a:pt x="25" y="2046"/>
-                  </a:lnTo>
-                  <a:lnTo>
-                    <a:pt x="122" y="2387"/>
-                  </a:lnTo>
-                  <a:lnTo>
-                    <a:pt x="268" y="2704"/>
-                  </a:lnTo>
-                  <a:lnTo>
-                    <a:pt x="268" y="2704"/>
-                  </a:lnTo>
-                  <a:close/>
-                </a:path>
-              </a:pathLst>
-            </a:custGeom>
-            <a:noFill/>
-            <a:ln w="9525" cap="rnd" cmpd="sng">
-              <a:solidFill>
-                <a:srgbClr val="000000"/>
-              </a:solidFill>
-              <a:prstDash val="solid"/>
-              <a:round/>
-              <a:headEnd type="none" w="med" len="med"/>
-              <a:tailEnd type="none" w="med" len="med"/>
-            </a:ln>
-          </p:spPr>
-          <p:txBody>
-            <a:bodyPr lIns="121900" tIns="121900" rIns="121900" bIns="121900" anchor="ctr" anchorCtr="0">
-              <a:noAutofit/>
-            </a:bodyPr>
-            <a:lstStyle/>
-            <a:p>
-              <a:endParaRPr sz="2400"/>
-            </a:p>
-          </p:txBody>
-        </p:sp>
-        <p:sp>
-          <p:nvSpPr>
-            <p:cNvPr id="115" name="Shape 115"/>
-            <p:cNvSpPr/>
-            <p:nvPr/>
-          </p:nvSpPr>
-          <p:spPr>
-            <a:xfrm>
-              <a:off x="2662850" y="1699400"/>
-              <a:ext cx="303250" cy="303250"/>
-            </a:xfrm>
-            <a:custGeom>
-              <a:avLst/>
-              <a:gdLst/>
-              <a:ahLst/>
-              <a:cxnLst/>
-              <a:rect l="0" t="0" r="0" b="0"/>
-              <a:pathLst>
-                <a:path w="12130" h="12130" fill="none" extrusionOk="0">
-                  <a:moveTo>
-                    <a:pt x="8038" y="1"/>
-                  </a:moveTo>
-                  <a:lnTo>
-                    <a:pt x="4872" y="3191"/>
-                  </a:lnTo>
-                  <a:lnTo>
-                    <a:pt x="4872" y="3191"/>
-                  </a:lnTo>
-                  <a:lnTo>
-                    <a:pt x="4628" y="3094"/>
-                  </a:lnTo>
-                  <a:lnTo>
-                    <a:pt x="4385" y="2997"/>
-                  </a:lnTo>
-                  <a:lnTo>
-                    <a:pt x="4092" y="2899"/>
-                  </a:lnTo>
-                  <a:lnTo>
-                    <a:pt x="3800" y="2850"/>
-                  </a:lnTo>
-                  <a:lnTo>
-                    <a:pt x="3484" y="2777"/>
-                  </a:lnTo>
-                  <a:lnTo>
-                    <a:pt x="3167" y="2729"/>
-                  </a:lnTo>
-                  <a:lnTo>
-                    <a:pt x="2850" y="2704"/>
-                  </a:lnTo>
-                  <a:lnTo>
-                    <a:pt x="2534" y="2704"/>
-                  </a:lnTo>
-                  <a:lnTo>
-                    <a:pt x="2534" y="2704"/>
-                  </a:lnTo>
-                  <a:lnTo>
-                    <a:pt x="2241" y="2704"/>
-                  </a:lnTo>
-                  <a:lnTo>
-                    <a:pt x="1949" y="2729"/>
-                  </a:lnTo>
-                  <a:lnTo>
-                    <a:pt x="1633" y="2777"/>
-                  </a:lnTo>
-                  <a:lnTo>
-                    <a:pt x="1316" y="2850"/>
-                  </a:lnTo>
-                  <a:lnTo>
-                    <a:pt x="999" y="2972"/>
-                  </a:lnTo>
-                  <a:lnTo>
-                    <a:pt x="707" y="3094"/>
-                  </a:lnTo>
-                  <a:lnTo>
-                    <a:pt x="415" y="3289"/>
-                  </a:lnTo>
-                  <a:lnTo>
-                    <a:pt x="147" y="3508"/>
-                  </a:lnTo>
-                  <a:lnTo>
-                    <a:pt x="147" y="3508"/>
-                  </a:lnTo>
-                  <a:lnTo>
-                    <a:pt x="74" y="3581"/>
-                  </a:lnTo>
-                  <a:lnTo>
-                    <a:pt x="25" y="3678"/>
-                  </a:lnTo>
-                  <a:lnTo>
-                    <a:pt x="1" y="3776"/>
-                  </a:lnTo>
-                  <a:lnTo>
-                    <a:pt x="1" y="3898"/>
-                  </a:lnTo>
-                  <a:lnTo>
-                    <a:pt x="1" y="3898"/>
-                  </a:lnTo>
-                  <a:lnTo>
-                    <a:pt x="1" y="3995"/>
-                  </a:lnTo>
-                  <a:lnTo>
-                    <a:pt x="25" y="4093"/>
-                  </a:lnTo>
-                  <a:lnTo>
-                    <a:pt x="74" y="4190"/>
-                  </a:lnTo>
-                  <a:lnTo>
-                    <a:pt x="147" y="4287"/>
-                  </a:lnTo>
-                  <a:lnTo>
-                    <a:pt x="7843" y="11984"/>
-                  </a:lnTo>
-                  <a:lnTo>
-                    <a:pt x="7843" y="11984"/>
-                  </a:lnTo>
-                  <a:lnTo>
-                    <a:pt x="7941" y="12057"/>
-                  </a:lnTo>
-                  <a:lnTo>
-                    <a:pt x="8038" y="12105"/>
-                  </a:lnTo>
-                  <a:lnTo>
-                    <a:pt x="8135" y="12130"/>
-                  </a:lnTo>
-                  <a:lnTo>
-                    <a:pt x="8233" y="12130"/>
-                  </a:lnTo>
-                  <a:lnTo>
-                    <a:pt x="8233" y="12130"/>
-                  </a:lnTo>
-                  <a:lnTo>
-                    <a:pt x="8355" y="12130"/>
-                  </a:lnTo>
-                  <a:lnTo>
-                    <a:pt x="8452" y="12105"/>
-                  </a:lnTo>
-                  <a:lnTo>
-                    <a:pt x="8549" y="12057"/>
-                  </a:lnTo>
-                  <a:lnTo>
-                    <a:pt x="8622" y="11984"/>
-                  </a:lnTo>
-                  <a:lnTo>
-                    <a:pt x="8622" y="11984"/>
-                  </a:lnTo>
-                  <a:lnTo>
-                    <a:pt x="8842" y="11716"/>
-                  </a:lnTo>
-                  <a:lnTo>
-                    <a:pt x="9036" y="11423"/>
-                  </a:lnTo>
-                  <a:lnTo>
-                    <a:pt x="9158" y="11131"/>
-                  </a:lnTo>
-                  <a:lnTo>
-                    <a:pt x="9280" y="10814"/>
-                  </a:lnTo>
-                  <a:lnTo>
-                    <a:pt x="9353" y="10498"/>
-                  </a:lnTo>
-                  <a:lnTo>
-                    <a:pt x="9402" y="10181"/>
-                  </a:lnTo>
-                  <a:lnTo>
-                    <a:pt x="9426" y="9889"/>
-                  </a:lnTo>
-                  <a:lnTo>
-                    <a:pt x="9426" y="9597"/>
-                  </a:lnTo>
-                  <a:lnTo>
-                    <a:pt x="9426" y="9597"/>
-                  </a:lnTo>
-                  <a:lnTo>
-                    <a:pt x="9426" y="9280"/>
-                  </a:lnTo>
-                  <a:lnTo>
-                    <a:pt x="9402" y="8964"/>
-                  </a:lnTo>
-                  <a:lnTo>
-                    <a:pt x="9353" y="8647"/>
-                  </a:lnTo>
-                  <a:lnTo>
-                    <a:pt x="9280" y="8330"/>
-                  </a:lnTo>
-                  <a:lnTo>
-                    <a:pt x="9231" y="8038"/>
-                  </a:lnTo>
-                  <a:lnTo>
-                    <a:pt x="9134" y="7746"/>
-                  </a:lnTo>
-                  <a:lnTo>
-                    <a:pt x="9036" y="7502"/>
-                  </a:lnTo>
-                  <a:lnTo>
-                    <a:pt x="8939" y="7259"/>
-                  </a:lnTo>
-                  <a:lnTo>
-                    <a:pt x="12130" y="4093"/>
-                  </a:lnTo>
-                </a:path>
-              </a:pathLst>
-            </a:custGeom>
-            <a:noFill/>
-            <a:ln w="9525" cap="rnd" cmpd="sng">
-              <a:solidFill>
-                <a:srgbClr val="000000"/>
-              </a:solidFill>
-              <a:prstDash val="solid"/>
-              <a:round/>
-              <a:headEnd type="none" w="med" len="med"/>
-              <a:tailEnd type="none" w="med" len="med"/>
-            </a:ln>
-          </p:spPr>
-          <p:txBody>
-            <a:bodyPr lIns="121900" tIns="121900" rIns="121900" bIns="121900" anchor="ctr" anchorCtr="0">
-              <a:noAutofit/>
-            </a:bodyPr>
-            <a:lstStyle/>
-            <a:p>
-              <a:endParaRPr sz="2400"/>
-            </a:p>
-          </p:txBody>
-        </p:sp>
-        <p:sp>
-          <p:nvSpPr>
-            <p:cNvPr id="116" name="Shape 116"/>
-            <p:cNvSpPr/>
-            <p:nvPr/>
-          </p:nvSpPr>
-          <p:spPr>
-            <a:xfrm>
-              <a:off x="2814911" y="1754061"/>
-              <a:ext cx="49950" cy="49950"/>
-            </a:xfrm>
-            <a:custGeom>
-              <a:avLst/>
-              <a:gdLst/>
-              <a:ahLst/>
-              <a:cxnLst/>
-              <a:rect l="0" t="0" r="0" b="0"/>
-              <a:pathLst>
-                <a:path w="1998" h="1998" fill="none" extrusionOk="0">
-                  <a:moveTo>
-                    <a:pt x="1" y="1997"/>
-                  </a:moveTo>
-                  <a:lnTo>
-                    <a:pt x="1998" y="0"/>
-                  </a:lnTo>
-                </a:path>
-              </a:pathLst>
-            </a:custGeom>
-            <a:noFill/>
-            <a:ln w="9525" cap="rnd" cmpd="sng">
-              <a:solidFill>
-                <a:srgbClr val="000000"/>
-              </a:solidFill>
-              <a:prstDash val="solid"/>
-              <a:round/>
-              <a:headEnd type="none" w="med" len="med"/>
-              <a:tailEnd type="none" w="med" len="med"/>
-            </a:ln>
-          </p:spPr>
-          <p:txBody>
-            <a:bodyPr lIns="121900" tIns="121900" rIns="121900" bIns="121900" anchor="ctr" anchorCtr="0">
-              <a:noAutofit/>
-            </a:bodyPr>
-            <a:lstStyle/>
-            <a:p>
-              <a:endParaRPr sz="2400"/>
-            </a:p>
-          </p:txBody>
-        </p:sp>
-      </p:grpSp>
-      <p:sp>
-        <p:nvSpPr>
-          <p:cNvPr id="10" name="Shape 111"/>
-          <p:cNvSpPr txBox="1">
-            <a:spLocks/>
-          </p:cNvSpPr>
-          <p:nvPr/>
-        </p:nvSpPr>
-        <p:spPr>
-          <a:xfrm>
-            <a:off x="1365424" y="2162176"/>
-            <a:ext cx="9084861" cy="4294608"/>
-          </a:xfrm>
-          <a:prstGeom prst="rect">
-            <a:avLst/>
-          </a:prstGeom>
-        </p:spPr>
-        <p:txBody>
-          <a:bodyPr vert="horz" lIns="121900" tIns="121900" rIns="121900" bIns="121900" rtlCol="0" anchor="t" anchorCtr="0">
-            <a:noAutofit/>
-          </a:bodyPr>
-          <a:lstStyle>
-            <a:lvl1pPr marL="228600" lvl="0" indent="-228600" algn="l" defTabSz="914400" rtl="0" eaLnBrk="1" latinLnBrk="0" hangingPunct="1">
-              <a:lnSpc>
-                <a:spcPct val="90000"/>
-              </a:lnSpc>
-              <a:spcBef>
-                <a:spcPts val="800"/>
-              </a:spcBef>
-              <a:buClr>
-                <a:srgbClr val="FFCD00"/>
-              </a:buClr>
-              <a:buSzPct val="100000"/>
-              <a:buFont typeface="Quattrocento Sans"/>
-              <a:buChar char="◉"/>
-              <a:defRPr sz="3200" kern="1200">
-                <a:solidFill>
-                  <a:schemeClr val="tx1"/>
-                </a:solidFill>
-                <a:latin typeface="Quattrocento Sans"/>
-                <a:ea typeface="Quattrocento Sans"/>
-                <a:cs typeface="Quattrocento Sans"/>
-                <a:sym typeface="Quattrocento Sans"/>
-              </a:defRPr>
-            </a:lvl1pPr>
-            <a:lvl2pPr marL="685800" lvl="1" indent="-228600" algn="l" defTabSz="914400" rtl="0" eaLnBrk="1" latinLnBrk="0" hangingPunct="1">
-              <a:lnSpc>
-                <a:spcPct val="90000"/>
-              </a:lnSpc>
-              <a:spcBef>
-                <a:spcPts val="640"/>
-              </a:spcBef>
-              <a:buClr>
-                <a:srgbClr val="FFCD00"/>
-              </a:buClr>
-              <a:buSzPct val="100000"/>
-              <a:buFont typeface="Quattrocento Sans"/>
-              <a:buChar char="•"/>
-              <a:defRPr sz="2667" kern="1200">
-                <a:solidFill>
-                  <a:schemeClr val="tx1"/>
-                </a:solidFill>
-                <a:latin typeface="Quattrocento Sans"/>
-                <a:ea typeface="Quattrocento Sans"/>
-                <a:cs typeface="Quattrocento Sans"/>
-                <a:sym typeface="Quattrocento Sans"/>
-              </a:defRPr>
-            </a:lvl2pPr>
-            <a:lvl3pPr marL="1143000" lvl="2" indent="-228600" algn="l" defTabSz="914400" rtl="0" eaLnBrk="1" latinLnBrk="0" hangingPunct="1">
-              <a:lnSpc>
-                <a:spcPct val="90000"/>
-              </a:lnSpc>
-              <a:spcBef>
-                <a:spcPts val="640"/>
-              </a:spcBef>
-              <a:buClr>
-                <a:srgbClr val="FFCD00"/>
-              </a:buClr>
-              <a:buSzPct val="100000"/>
-              <a:buFont typeface="Quattrocento Sans"/>
-              <a:buChar char="•"/>
-              <a:defRPr sz="2667" kern="1200">
-                <a:solidFill>
-                  <a:schemeClr val="tx1"/>
-                </a:solidFill>
-                <a:latin typeface="Quattrocento Sans"/>
-                <a:ea typeface="Quattrocento Sans"/>
-                <a:cs typeface="Quattrocento Sans"/>
-                <a:sym typeface="Quattrocento Sans"/>
-              </a:defRPr>
-            </a:lvl3pPr>
-            <a:lvl4pPr marL="1600200" lvl="3" indent="-228600" algn="l" defTabSz="914400" rtl="0" eaLnBrk="1" latinLnBrk="0" hangingPunct="1">
-              <a:lnSpc>
-                <a:spcPct val="90000"/>
-              </a:lnSpc>
-              <a:spcBef>
-                <a:spcPts val="480"/>
-              </a:spcBef>
-              <a:buClr>
-                <a:srgbClr val="FFCD00"/>
-              </a:buClr>
-              <a:buSzPct val="100000"/>
-              <a:buFont typeface="Quattrocento Sans"/>
-              <a:buChar char="•"/>
-              <a:defRPr sz="2400" kern="1200">
-                <a:solidFill>
-                  <a:schemeClr val="tx1"/>
-                </a:solidFill>
-                <a:latin typeface="Quattrocento Sans"/>
-                <a:ea typeface="Quattrocento Sans"/>
-                <a:cs typeface="Quattrocento Sans"/>
-                <a:sym typeface="Quattrocento Sans"/>
-              </a:defRPr>
-            </a:lvl4pPr>
-            <a:lvl5pPr marL="2057400" lvl="4" indent="-228600" algn="l" defTabSz="914400" rtl="0" eaLnBrk="1" latinLnBrk="0" hangingPunct="1">
-              <a:lnSpc>
-                <a:spcPct val="90000"/>
-              </a:lnSpc>
-              <a:spcBef>
-                <a:spcPts val="480"/>
-              </a:spcBef>
-              <a:buClr>
-                <a:srgbClr val="FFCD00"/>
-              </a:buClr>
-              <a:buSzPct val="100000"/>
-              <a:buFont typeface="Quattrocento Sans"/>
-              <a:buChar char="•"/>
-              <a:defRPr sz="2400" kern="1200">
-                <a:solidFill>
-                  <a:schemeClr val="tx1"/>
-                </a:solidFill>
-                <a:latin typeface="Quattrocento Sans"/>
-                <a:ea typeface="Quattrocento Sans"/>
-                <a:cs typeface="Quattrocento Sans"/>
-                <a:sym typeface="Quattrocento Sans"/>
-              </a:defRPr>
-            </a:lvl5pPr>
-            <a:lvl6pPr marL="2514600" lvl="5" indent="-228600" algn="l" defTabSz="914400" rtl="0" eaLnBrk="1" latinLnBrk="0" hangingPunct="1">
-              <a:lnSpc>
-                <a:spcPct val="90000"/>
-              </a:lnSpc>
-              <a:spcBef>
-                <a:spcPts val="480"/>
-              </a:spcBef>
-              <a:buClr>
-                <a:srgbClr val="FFCD00"/>
-              </a:buClr>
-              <a:buSzPct val="100000"/>
-              <a:buFont typeface="Quattrocento Sans"/>
-              <a:buChar char="•"/>
-              <a:defRPr sz="2400" kern="1200">
-                <a:solidFill>
-                  <a:schemeClr val="tx1"/>
-                </a:solidFill>
-                <a:latin typeface="Quattrocento Sans"/>
-                <a:ea typeface="Quattrocento Sans"/>
-                <a:cs typeface="Quattrocento Sans"/>
-                <a:sym typeface="Quattrocento Sans"/>
-              </a:defRPr>
-            </a:lvl6pPr>
-            <a:lvl7pPr marL="2971800" lvl="6" indent="-228600" algn="l" defTabSz="914400" rtl="0" eaLnBrk="1" latinLnBrk="0" hangingPunct="1">
-              <a:lnSpc>
-                <a:spcPct val="90000"/>
-              </a:lnSpc>
-              <a:spcBef>
-                <a:spcPts val="480"/>
-              </a:spcBef>
-              <a:buClr>
-                <a:srgbClr val="FFCD00"/>
-              </a:buClr>
-              <a:buSzPct val="100000"/>
-              <a:buFont typeface="Quattrocento Sans"/>
-              <a:buChar char="•"/>
-              <a:defRPr sz="2400" kern="1200">
-                <a:solidFill>
-                  <a:schemeClr val="tx1"/>
-                </a:solidFill>
-                <a:latin typeface="Quattrocento Sans"/>
-                <a:ea typeface="Quattrocento Sans"/>
-                <a:cs typeface="Quattrocento Sans"/>
-                <a:sym typeface="Quattrocento Sans"/>
-              </a:defRPr>
-            </a:lvl7pPr>
-            <a:lvl8pPr marL="3429000" lvl="7" indent="-228600" algn="l" defTabSz="914400" rtl="0" eaLnBrk="1" latinLnBrk="0" hangingPunct="1">
-              <a:lnSpc>
-                <a:spcPct val="90000"/>
-              </a:lnSpc>
-              <a:spcBef>
-                <a:spcPts val="480"/>
-              </a:spcBef>
-              <a:buClr>
-                <a:srgbClr val="FFCD00"/>
-              </a:buClr>
-              <a:buSzPct val="100000"/>
-              <a:buFont typeface="Quattrocento Sans"/>
-              <a:buChar char="•"/>
-              <a:defRPr sz="2400" kern="1200">
-                <a:solidFill>
-                  <a:schemeClr val="tx1"/>
-                </a:solidFill>
-                <a:latin typeface="Quattrocento Sans"/>
-                <a:ea typeface="Quattrocento Sans"/>
-                <a:cs typeface="Quattrocento Sans"/>
-                <a:sym typeface="Quattrocento Sans"/>
-              </a:defRPr>
-            </a:lvl8pPr>
-            <a:lvl9pPr marL="3886200" lvl="8" indent="-228600" algn="l" defTabSz="914400" rtl="0" eaLnBrk="1" latinLnBrk="0" hangingPunct="1">
-              <a:lnSpc>
-                <a:spcPct val="90000"/>
-              </a:lnSpc>
-              <a:spcBef>
-                <a:spcPts val="480"/>
-              </a:spcBef>
-              <a:buClr>
-                <a:srgbClr val="FFCD00"/>
-              </a:buClr>
-              <a:buSzPct val="100000"/>
-              <a:buFont typeface="Quattrocento Sans"/>
-              <a:buChar char="•"/>
-              <a:defRPr sz="2400" kern="1200">
-                <a:solidFill>
-                  <a:schemeClr val="tx1"/>
-                </a:solidFill>
-                <a:latin typeface="Quattrocento Sans"/>
-                <a:ea typeface="Quattrocento Sans"/>
-                <a:cs typeface="Quattrocento Sans"/>
-                <a:sym typeface="Quattrocento Sans"/>
-              </a:defRPr>
-            </a:lvl9pPr>
-          </a:lstStyle>
-          <a:p>
-            <a:pPr marL="819143" indent="-514350">
-              <a:lnSpc>
-                <a:spcPct val="100000"/>
-              </a:lnSpc>
-              <a:spcBef>
-                <a:spcPts val="0"/>
-              </a:spcBef>
-              <a:buAutoNum type="arabicPeriod"/>
-            </a:pPr>
-            <a:r>
-              <a:rPr lang="pt-PT" sz="3600" dirty="0" smtClean="0"/>
-              <a:t>Contexto / Motivação / Objetivos</a:t>
-            </a:r>
-          </a:p>
-          <a:p>
-            <a:pPr marL="819143" indent="-514350">
-              <a:lnSpc>
-                <a:spcPct val="100000"/>
-              </a:lnSpc>
-              <a:spcBef>
-                <a:spcPts val="0"/>
-              </a:spcBef>
-              <a:buAutoNum type="arabicPeriod"/>
-            </a:pPr>
-            <a:r>
-              <a:rPr lang="pt-PT" sz="3600" dirty="0" smtClean="0"/>
-              <a:t>Metodologias de Ensino</a:t>
-            </a:r>
-          </a:p>
-          <a:p>
-            <a:pPr marL="819143" indent="-514350">
-              <a:lnSpc>
-                <a:spcPct val="100000"/>
-              </a:lnSpc>
-              <a:spcBef>
-                <a:spcPts val="0"/>
-              </a:spcBef>
-              <a:buAutoNum type="arabicPeriod"/>
-            </a:pPr>
-            <a:r>
-              <a:rPr lang="pt-PT" sz="3600" dirty="0" smtClean="0"/>
-              <a:t>Trabalho Desenvolvido</a:t>
-            </a:r>
-          </a:p>
-          <a:p>
-            <a:pPr marL="819143" indent="-514350">
-              <a:lnSpc>
-                <a:spcPct val="100000"/>
-              </a:lnSpc>
-              <a:spcBef>
-                <a:spcPts val="0"/>
-              </a:spcBef>
-              <a:buAutoNum type="arabicPeriod"/>
-            </a:pPr>
-            <a:r>
-              <a:rPr lang="pt-PT" sz="3600" dirty="0" smtClean="0"/>
-              <a:t>Jogos</a:t>
-            </a:r>
-          </a:p>
-          <a:p>
-            <a:pPr marL="819143" indent="-514350">
-              <a:lnSpc>
-                <a:spcPct val="100000"/>
-              </a:lnSpc>
-              <a:spcBef>
-                <a:spcPts val="0"/>
-              </a:spcBef>
-              <a:buAutoNum type="arabicPeriod"/>
-            </a:pPr>
-            <a:r>
-              <a:rPr lang="pt-PT" sz="3600" dirty="0" smtClean="0"/>
-              <a:t>Validação</a:t>
-            </a:r>
-          </a:p>
-          <a:p>
-            <a:pPr marL="819143" indent="-514350">
-              <a:lnSpc>
-                <a:spcPct val="100000"/>
-              </a:lnSpc>
-              <a:spcBef>
-                <a:spcPts val="0"/>
-              </a:spcBef>
-              <a:buAutoNum type="arabicPeriod"/>
-            </a:pPr>
-            <a:r>
-              <a:rPr lang="pt-PT" sz="3600" dirty="0" smtClean="0"/>
-              <a:t>Conclusão e Trabalho Futuro</a:t>
-            </a:r>
-          </a:p>
-        </p:txBody>
-      </p:sp>
-    </p:spTree>
-    <p:extLst>
-      <p:ext uri="{BB962C8B-B14F-4D97-AF65-F5344CB8AC3E}">
-        <p14:creationId xmlns:p14="http://schemas.microsoft.com/office/powerpoint/2010/main" val="3677061111"/>
-      </p:ext>
-    </p:extLst>
-  </p:cSld>
-  <p:clrMapOvr>
-    <a:masterClrMapping/>
-  </p:clrMapOvr>
-  <p:timing>
-    <p:tnLst>
-      <p:par>
-        <p:cTn id="1" dur="indefinite" restart="never" nodeType="tmRoot"/>
-      </p:par>
-    </p:tnLst>
-  </p:timing>
-</p:sld>
-</file>
-
-<file path=ppt/slides/slide20.xml><?xml version="1.0" encoding="utf-8"?>
+<file path=ppt/slides/slide22.xml><?xml version="1.0" encoding="utf-8"?>
 <p:sld xmlns:a="http://schemas.openxmlformats.org/drawingml/2006/main" xmlns:r="http://schemas.openxmlformats.org/officeDocument/2006/relationships" xmlns:p="http://schemas.openxmlformats.org/presentationml/2006/main">
   <p:cSld>
     <p:spTree>
@@ -15384,8 +18036,13 @@
             </a:pPr>
             <a:r>
               <a:rPr lang="en" sz="2667" dirty="0" smtClean="0"/>
-              <a:t>Jogo textual de complexidade intermedia</a:t>
+              <a:t>Jogo textual de complexidade </a:t>
             </a:r>
+            <a:r>
+              <a:rPr lang="en" sz="2667" dirty="0" smtClean="0"/>
+              <a:t>intermédia</a:t>
+            </a:r>
+            <a:endParaRPr lang="en" sz="2667" dirty="0" smtClean="0"/>
           </a:p>
           <a:p>
             <a:pPr>
@@ -15561,6 +18218,30 @@
           </a:p>
         </p:txBody>
       </p:sp>
+      <p:sp>
+        <p:nvSpPr>
+          <p:cNvPr id="2" name="Marcador de Posição do Número do Diapositivo 1"/>
+          <p:cNvSpPr>
+            <a:spLocks noGrp="1"/>
+          </p:cNvSpPr>
+          <p:nvPr>
+            <p:ph type="sldNum" sz="quarter" idx="12"/>
+          </p:nvPr>
+        </p:nvSpPr>
+        <p:spPr/>
+        <p:txBody>
+          <a:bodyPr/>
+          <a:lstStyle/>
+          <a:p>
+            <a:fld id="{7A7FBF7A-E0A0-435F-9540-C356DFC5D048}" type="slidenum">
+              <a:rPr lang="pt-PT" smtClean="0"/>
+              <a:pPr/>
+              <a:t>22</a:t>
+            </a:fld>
+            <a:endParaRPr lang="pt-PT" dirty="0"/>
+          </a:p>
+        </p:txBody>
+      </p:sp>
     </p:spTree>
     <p:extLst>
       <p:ext uri="{BB962C8B-B14F-4D97-AF65-F5344CB8AC3E}">
@@ -15581,7 +18262,7 @@
 </p:sld>
 </file>
 
-<file path=ppt/slides/slide21.xml><?xml version="1.0" encoding="utf-8"?>
+<file path=ppt/slides/slide23.xml><?xml version="1.0" encoding="utf-8"?>
 <p:sld xmlns:a="http://schemas.openxmlformats.org/drawingml/2006/main" xmlns:r="http://schemas.openxmlformats.org/officeDocument/2006/relationships" xmlns:p="http://schemas.openxmlformats.org/presentationml/2006/main">
   <p:cSld>
     <p:spTree>
@@ -15825,6 +18506,30 @@
           </a:p>
         </p:txBody>
       </p:sp>
+      <p:sp>
+        <p:nvSpPr>
+          <p:cNvPr id="2" name="Marcador de Posição do Número do Diapositivo 1"/>
+          <p:cNvSpPr>
+            <a:spLocks noGrp="1"/>
+          </p:cNvSpPr>
+          <p:nvPr>
+            <p:ph type="sldNum" sz="quarter" idx="12"/>
+          </p:nvPr>
+        </p:nvSpPr>
+        <p:spPr/>
+        <p:txBody>
+          <a:bodyPr/>
+          <a:lstStyle/>
+          <a:p>
+            <a:fld id="{7A7FBF7A-E0A0-435F-9540-C356DFC5D048}" type="slidenum">
+              <a:rPr lang="pt-PT" smtClean="0"/>
+              <a:pPr/>
+              <a:t>23</a:t>
+            </a:fld>
+            <a:endParaRPr lang="pt-PT" dirty="0"/>
+          </a:p>
+        </p:txBody>
+      </p:sp>
     </p:spTree>
     <p:extLst>
       <p:ext uri="{BB962C8B-B14F-4D97-AF65-F5344CB8AC3E}">
@@ -15845,7 +18550,7 @@
 </p:sld>
 </file>
 
-<file path=ppt/slides/slide22.xml><?xml version="1.0" encoding="utf-8"?>
+<file path=ppt/slides/slide24.xml><?xml version="1.0" encoding="utf-8"?>
 <p:sld xmlns:a="http://schemas.openxmlformats.org/drawingml/2006/main" xmlns:r="http://schemas.openxmlformats.org/officeDocument/2006/relationships" xmlns:p="http://schemas.openxmlformats.org/presentationml/2006/main">
   <p:cSld>
     <p:spTree>
@@ -16090,6 +18795,30 @@
           </a:p>
         </p:txBody>
       </p:sp>
+      <p:sp>
+        <p:nvSpPr>
+          <p:cNvPr id="2" name="Marcador de Posição do Número do Diapositivo 1"/>
+          <p:cNvSpPr>
+            <a:spLocks noGrp="1"/>
+          </p:cNvSpPr>
+          <p:nvPr>
+            <p:ph type="sldNum" sz="quarter" idx="12"/>
+          </p:nvPr>
+        </p:nvSpPr>
+        <p:spPr/>
+        <p:txBody>
+          <a:bodyPr/>
+          <a:lstStyle/>
+          <a:p>
+            <a:fld id="{7A7FBF7A-E0A0-435F-9540-C356DFC5D048}" type="slidenum">
+              <a:rPr lang="pt-PT" smtClean="0"/>
+              <a:pPr/>
+              <a:t>24</a:t>
+            </a:fld>
+            <a:endParaRPr lang="pt-PT" dirty="0"/>
+          </a:p>
+        </p:txBody>
+      </p:sp>
     </p:spTree>
     <p:extLst>
       <p:ext uri="{BB962C8B-B14F-4D97-AF65-F5344CB8AC3E}">
@@ -16110,7 +18839,7 @@
 </p:sld>
 </file>
 
-<file path=ppt/slides/slide23.xml><?xml version="1.0" encoding="utf-8"?>
+<file path=ppt/slides/slide25.xml><?xml version="1.0" encoding="utf-8"?>
 <p:sld xmlns:a="http://schemas.openxmlformats.org/drawingml/2006/main" xmlns:r="http://schemas.openxmlformats.org/officeDocument/2006/relationships" xmlns:p="http://schemas.openxmlformats.org/presentationml/2006/main">
   <p:cSld>
     <p:spTree>
@@ -16354,6 +19083,30 @@
           </a:p>
         </p:txBody>
       </p:sp>
+      <p:sp>
+        <p:nvSpPr>
+          <p:cNvPr id="2" name="Marcador de Posição do Número do Diapositivo 1"/>
+          <p:cNvSpPr>
+            <a:spLocks noGrp="1"/>
+          </p:cNvSpPr>
+          <p:nvPr>
+            <p:ph type="sldNum" sz="quarter" idx="12"/>
+          </p:nvPr>
+        </p:nvSpPr>
+        <p:spPr/>
+        <p:txBody>
+          <a:bodyPr/>
+          <a:lstStyle/>
+          <a:p>
+            <a:fld id="{7A7FBF7A-E0A0-435F-9540-C356DFC5D048}" type="slidenum">
+              <a:rPr lang="pt-PT" smtClean="0"/>
+              <a:pPr/>
+              <a:t>25</a:t>
+            </a:fld>
+            <a:endParaRPr lang="pt-PT" dirty="0"/>
+          </a:p>
+        </p:txBody>
+      </p:sp>
     </p:spTree>
     <p:extLst>
       <p:ext uri="{BB962C8B-B14F-4D97-AF65-F5344CB8AC3E}">
@@ -16374,7 +19127,7 @@
 </p:sld>
 </file>
 
-<file path=ppt/slides/slide24.xml><?xml version="1.0" encoding="utf-8"?>
+<file path=ppt/slides/slide26.xml><?xml version="1.0" encoding="utf-8"?>
 <p:sld xmlns:a="http://schemas.openxmlformats.org/drawingml/2006/main" xmlns:r="http://schemas.openxmlformats.org/officeDocument/2006/relationships" xmlns:p="http://schemas.openxmlformats.org/presentationml/2006/main">
   <p:cSld>
     <p:spTree>
@@ -16619,6 +19372,30 @@
           </a:p>
         </p:txBody>
       </p:sp>
+      <p:sp>
+        <p:nvSpPr>
+          <p:cNvPr id="2" name="Marcador de Posição do Número do Diapositivo 1"/>
+          <p:cNvSpPr>
+            <a:spLocks noGrp="1"/>
+          </p:cNvSpPr>
+          <p:nvPr>
+            <p:ph type="sldNum" sz="quarter" idx="12"/>
+          </p:nvPr>
+        </p:nvSpPr>
+        <p:spPr/>
+        <p:txBody>
+          <a:bodyPr/>
+          <a:lstStyle/>
+          <a:p>
+            <a:fld id="{7A7FBF7A-E0A0-435F-9540-C356DFC5D048}" type="slidenum">
+              <a:rPr lang="pt-PT" smtClean="0"/>
+              <a:pPr/>
+              <a:t>26</a:t>
+            </a:fld>
+            <a:endParaRPr lang="pt-PT" dirty="0"/>
+          </a:p>
+        </p:txBody>
+      </p:sp>
     </p:spTree>
     <p:extLst>
       <p:ext uri="{BB962C8B-B14F-4D97-AF65-F5344CB8AC3E}">
@@ -16639,7 +19416,7 @@
 </p:sld>
 </file>
 
-<file path=ppt/slides/slide25.xml><?xml version="1.0" encoding="utf-8"?>
+<file path=ppt/slides/slide27.xml><?xml version="1.0" encoding="utf-8"?>
 <p:sld xmlns:a="http://schemas.openxmlformats.org/drawingml/2006/main" xmlns:r="http://schemas.openxmlformats.org/officeDocument/2006/relationships" xmlns:p="http://schemas.openxmlformats.org/presentationml/2006/main">
   <p:cSld>
     <p:spTree>
@@ -16883,6 +19660,30 @@
           </a:p>
         </p:txBody>
       </p:sp>
+      <p:sp>
+        <p:nvSpPr>
+          <p:cNvPr id="2" name="Marcador de Posição do Número do Diapositivo 1"/>
+          <p:cNvSpPr>
+            <a:spLocks noGrp="1"/>
+          </p:cNvSpPr>
+          <p:nvPr>
+            <p:ph type="sldNum" sz="quarter" idx="12"/>
+          </p:nvPr>
+        </p:nvSpPr>
+        <p:spPr/>
+        <p:txBody>
+          <a:bodyPr/>
+          <a:lstStyle/>
+          <a:p>
+            <a:fld id="{7A7FBF7A-E0A0-435F-9540-C356DFC5D048}" type="slidenum">
+              <a:rPr lang="pt-PT" smtClean="0"/>
+              <a:pPr/>
+              <a:t>27</a:t>
+            </a:fld>
+            <a:endParaRPr lang="pt-PT" dirty="0"/>
+          </a:p>
+        </p:txBody>
+      </p:sp>
     </p:spTree>
     <p:extLst>
       <p:ext uri="{BB962C8B-B14F-4D97-AF65-F5344CB8AC3E}">
@@ -16903,7 +19704,7 @@
 </p:sld>
 </file>
 
-<file path=ppt/slides/slide26.xml><?xml version="1.0" encoding="utf-8"?>
+<file path=ppt/slides/slide28.xml><?xml version="1.0" encoding="utf-8"?>
 <p:sld xmlns:a="http://schemas.openxmlformats.org/drawingml/2006/main" xmlns:r="http://schemas.openxmlformats.org/officeDocument/2006/relationships" xmlns:p="http://schemas.openxmlformats.org/presentationml/2006/main">
   <p:cSld>
     <p:spTree>
@@ -17147,848 +19948,34 @@
           </a:p>
         </p:txBody>
       </p:sp>
-    </p:spTree>
-    <p:extLst>
-      <p:ext uri="{BB962C8B-B14F-4D97-AF65-F5344CB8AC3E}">
-        <p14:creationId xmlns:p14="http://schemas.microsoft.com/office/powerpoint/2010/main" val="1077931290"/>
-      </p:ext>
-    </p:extLst>
-  </p:cSld>
-  <p:clrMapOvr>
-    <a:masterClrMapping/>
-  </p:clrMapOvr>
-  <p:timing>
-    <p:tnLst>
-      <p:par>
-        <p:cTn id="1" dur="indefinite" restart="never" nodeType="tmRoot"/>
-      </p:par>
-    </p:tnLst>
-  </p:timing>
-</p:sld>
-</file>
-
-<file path=ppt/slides/slide27.xml><?xml version="1.0" encoding="utf-8"?>
-<p:sld xmlns:a="http://schemas.openxmlformats.org/drawingml/2006/main" xmlns:r="http://schemas.openxmlformats.org/officeDocument/2006/relationships" xmlns:p="http://schemas.openxmlformats.org/presentationml/2006/main">
-  <p:cSld>
-    <p:spTree>
-      <p:nvGrpSpPr>
-        <p:cNvPr id="1" name="Shape 97"/>
-        <p:cNvGrpSpPr/>
-        <p:nvPr/>
-      </p:nvGrpSpPr>
-      <p:grpSpPr>
-        <a:xfrm>
-          <a:off x="0" y="0"/>
-          <a:ext cx="0" cy="0"/>
-          <a:chOff x="0" y="0"/>
-          <a:chExt cx="0" cy="0"/>
-        </a:xfrm>
-      </p:grpSpPr>
       <p:sp>
         <p:nvSpPr>
-          <p:cNvPr id="98" name="Shape 98"/>
-          <p:cNvSpPr txBox="1">
+          <p:cNvPr id="2" name="Marcador de Posição do Número do Diapositivo 1"/>
+          <p:cNvSpPr>
             <a:spLocks noGrp="1"/>
           </p:cNvSpPr>
           <p:nvPr>
-            <p:ph type="ctrTitle"/>
+            <p:ph type="sldNum" sz="quarter" idx="12"/>
           </p:nvPr>
         </p:nvSpPr>
-        <p:spPr>
-          <a:xfrm>
-            <a:off x="2696301" y="2933700"/>
-            <a:ext cx="5050399" cy="870730"/>
-          </a:xfrm>
-          <a:prstGeom prst="rect">
-            <a:avLst/>
-          </a:prstGeom>
-        </p:spPr>
+        <p:spPr/>
         <p:txBody>
-          <a:bodyPr vert="horz" lIns="121900" tIns="121900" rIns="121900" bIns="121900" rtlCol="0" anchor="b" anchorCtr="0">
-            <a:noAutofit/>
-          </a:bodyPr>
+          <a:bodyPr/>
           <a:lstStyle/>
           <a:p>
-            <a:r>
-              <a:rPr lang="en" dirty="0" smtClean="0"/>
-              <a:t>Validação</a:t>
-            </a:r>
-            <a:endParaRPr lang="en" dirty="0"/>
-          </a:p>
-        </p:txBody>
-      </p:sp>
-      <p:sp>
-        <p:nvSpPr>
-          <p:cNvPr id="100" name="Shape 100"/>
-          <p:cNvSpPr txBox="1"/>
-          <p:nvPr/>
-        </p:nvSpPr>
-        <p:spPr>
-          <a:xfrm>
-            <a:off x="1511967" y="3054867"/>
-            <a:ext cx="725199" cy="749599"/>
-          </a:xfrm>
-          <a:prstGeom prst="rect">
-            <a:avLst/>
-          </a:prstGeom>
-          <a:noFill/>
-          <a:ln>
-            <a:noFill/>
-          </a:ln>
-        </p:spPr>
-        <p:txBody>
-          <a:bodyPr lIns="121900" tIns="121900" rIns="121900" bIns="121900" anchor="ctr" anchorCtr="0">
-            <a:noAutofit/>
-          </a:bodyPr>
-          <a:lstStyle/>
-          <a:p>
-            <a:pPr algn="ctr"/>
-            <a:r>
-              <a:rPr lang="en" sz="3200" dirty="0" smtClean="0">
-                <a:solidFill>
-                  <a:schemeClr val="dk1"/>
-                </a:solidFill>
-                <a:latin typeface="Lora"/>
-                <a:ea typeface="Lora"/>
-                <a:cs typeface="Lora"/>
-                <a:sym typeface="Lora"/>
-              </a:rPr>
-              <a:t>5</a:t>
-            </a:r>
+            <a:fld id="{7A7FBF7A-E0A0-435F-9540-C356DFC5D048}" type="slidenum">
+              <a:rPr lang="pt-PT" smtClean="0"/>
+              <a:pPr/>
+              <a:t>28</a:t>
+            </a:fld>
+            <a:endParaRPr lang="pt-PT" dirty="0"/>
           </a:p>
         </p:txBody>
       </p:sp>
     </p:spTree>
     <p:extLst>
       <p:ext uri="{BB962C8B-B14F-4D97-AF65-F5344CB8AC3E}">
-        <p14:creationId xmlns:p14="http://schemas.microsoft.com/office/powerpoint/2010/main" val="3800613052"/>
-      </p:ext>
-    </p:extLst>
-  </p:cSld>
-  <p:clrMapOvr>
-    <a:masterClrMapping/>
-  </p:clrMapOvr>
-  <p:timing>
-    <p:tnLst>
-      <p:par>
-        <p:cTn id="1" dur="indefinite" restart="never" nodeType="tmRoot"/>
-      </p:par>
-    </p:tnLst>
-  </p:timing>
-</p:sld>
-</file>
-
-<file path=ppt/slides/slide28.xml><?xml version="1.0" encoding="utf-8"?>
-<p:sld xmlns:a="http://schemas.openxmlformats.org/drawingml/2006/main" xmlns:r="http://schemas.openxmlformats.org/officeDocument/2006/relationships" xmlns:p="http://schemas.openxmlformats.org/presentationml/2006/main">
-  <p:cSld>
-    <p:spTree>
-      <p:nvGrpSpPr>
-        <p:cNvPr id="1" name="Shape 109"/>
-        <p:cNvGrpSpPr/>
-        <p:nvPr/>
-      </p:nvGrpSpPr>
-      <p:grpSpPr>
-        <a:xfrm>
-          <a:off x="0" y="0"/>
-          <a:ext cx="0" cy="0"/>
-          <a:chOff x="0" y="0"/>
-          <a:chExt cx="0" cy="0"/>
-        </a:xfrm>
-      </p:grpSpPr>
-      <p:sp>
-        <p:nvSpPr>
-          <p:cNvPr id="110" name="Shape 110"/>
-          <p:cNvSpPr txBox="1">
-            <a:spLocks noGrp="1"/>
-          </p:cNvSpPr>
-          <p:nvPr>
-            <p:ph type="title"/>
-          </p:nvPr>
-        </p:nvSpPr>
-        <p:spPr>
-          <a:xfrm>
-            <a:off x="1841667" y="1239750"/>
-            <a:ext cx="5460833" cy="580799"/>
-          </a:xfrm>
-          <a:prstGeom prst="rect">
-            <a:avLst/>
-          </a:prstGeom>
-        </p:spPr>
-        <p:txBody>
-          <a:bodyPr vert="horz" lIns="121900" tIns="121900" rIns="121900" bIns="121900" rtlCol="0" anchor="ctr" anchorCtr="0">
-            <a:noAutofit/>
-          </a:bodyPr>
-          <a:lstStyle/>
-          <a:p>
-            <a:r>
-              <a:rPr lang="en" dirty="0" smtClean="0"/>
-              <a:t>Análise por Especialistas na àrea do ensino da Programação</a:t>
-            </a:r>
-            <a:endParaRPr lang="en" dirty="0">
-              <a:highlight>
-                <a:srgbClr val="FFCD00"/>
-              </a:highlight>
-            </a:endParaRPr>
-          </a:p>
-        </p:txBody>
-      </p:sp>
-      <p:sp>
-        <p:nvSpPr>
-          <p:cNvPr id="111" name="Shape 111"/>
-          <p:cNvSpPr txBox="1">
-            <a:spLocks noGrp="1"/>
-          </p:cNvSpPr>
-          <p:nvPr>
-            <p:ph type="body" idx="1"/>
-          </p:nvPr>
-        </p:nvSpPr>
-        <p:spPr>
-          <a:xfrm>
-            <a:off x="1283188" y="2242536"/>
-            <a:ext cx="9615667" cy="3993163"/>
-          </a:xfrm>
-          <a:prstGeom prst="rect">
-            <a:avLst/>
-          </a:prstGeom>
-        </p:spPr>
-        <p:txBody>
-          <a:bodyPr vert="horz" lIns="121900" tIns="121900" rIns="121900" bIns="121900" rtlCol="0" anchor="t" anchorCtr="0">
-            <a:noAutofit/>
-          </a:bodyPr>
-          <a:lstStyle/>
-          <a:p>
-            <a:pPr marL="609585" indent="-304792">
-              <a:lnSpc>
-                <a:spcPct val="100000"/>
-              </a:lnSpc>
-              <a:spcBef>
-                <a:spcPts val="0"/>
-              </a:spcBef>
-            </a:pPr>
-            <a:r>
-              <a:rPr lang="pt-PT" dirty="0" smtClean="0"/>
-              <a:t>Apresentação ao vivo do trabalho desenvolvido</a:t>
-            </a:r>
-          </a:p>
-          <a:p>
-            <a:pPr marL="609585" indent="-304792">
-              <a:lnSpc>
-                <a:spcPct val="100000"/>
-              </a:lnSpc>
-              <a:spcBef>
-                <a:spcPts val="0"/>
-              </a:spcBef>
-            </a:pPr>
-            <a:endParaRPr lang="pt-PT" dirty="0" smtClean="0"/>
-          </a:p>
-          <a:p>
-            <a:pPr marL="609585" indent="-304792">
-              <a:lnSpc>
-                <a:spcPct val="100000"/>
-              </a:lnSpc>
-              <a:spcBef>
-                <a:spcPts val="0"/>
-              </a:spcBef>
-              <a:spcAft>
-                <a:spcPts val="600"/>
-              </a:spcAft>
-            </a:pPr>
-            <a:r>
-              <a:rPr lang="pt-PT" dirty="0" smtClean="0"/>
-              <a:t>Inquérito por questionário</a:t>
-            </a:r>
-          </a:p>
-          <a:p>
-            <a:pPr marL="1066785" lvl="1" indent="-304792">
-              <a:lnSpc>
-                <a:spcPct val="100000"/>
-              </a:lnSpc>
-              <a:spcBef>
-                <a:spcPts val="0"/>
-              </a:spcBef>
-              <a:spcAft>
-                <a:spcPts val="600"/>
-              </a:spcAft>
-            </a:pPr>
-            <a:r>
-              <a:rPr lang="pt-PT" dirty="0" smtClean="0"/>
-              <a:t>Caracterização demográfica e da experiência de ensino</a:t>
-            </a:r>
-          </a:p>
-          <a:p>
-            <a:pPr marL="1066785" lvl="1" indent="-304792">
-              <a:lnSpc>
-                <a:spcPct val="100000"/>
-              </a:lnSpc>
-              <a:spcBef>
-                <a:spcPts val="0"/>
-              </a:spcBef>
-              <a:spcAft>
-                <a:spcPts val="600"/>
-              </a:spcAft>
-            </a:pPr>
-            <a:r>
-              <a:rPr lang="pt-PT" dirty="0" smtClean="0"/>
-              <a:t>Opinião sobre o estado atual do ensino da programação</a:t>
-            </a:r>
-          </a:p>
-          <a:p>
-            <a:pPr marL="1066785" lvl="1" indent="-304792">
-              <a:lnSpc>
-                <a:spcPct val="100000"/>
-              </a:lnSpc>
-              <a:spcBef>
-                <a:spcPts val="0"/>
-              </a:spcBef>
-              <a:spcAft>
-                <a:spcPts val="600"/>
-              </a:spcAft>
-            </a:pPr>
-            <a:r>
-              <a:rPr lang="pt-PT" dirty="0" smtClean="0"/>
-              <a:t>Opinião sobre o trabalho desenvolvido</a:t>
-            </a:r>
-          </a:p>
-        </p:txBody>
-      </p:sp>
-      <p:grpSp>
-        <p:nvGrpSpPr>
-          <p:cNvPr id="112" name="Shape 112"/>
-          <p:cNvGrpSpPr/>
-          <p:nvPr/>
-        </p:nvGrpSpPr>
-        <p:grpSpPr>
-          <a:xfrm>
-            <a:off x="1221944" y="1359667"/>
-            <a:ext cx="286165" cy="286165"/>
-            <a:chOff x="2594050" y="1631825"/>
-            <a:chExt cx="439625" cy="439625"/>
-          </a:xfrm>
-        </p:grpSpPr>
-        <p:sp>
-          <p:nvSpPr>
-            <p:cNvPr id="113" name="Shape 113"/>
-            <p:cNvSpPr/>
-            <p:nvPr/>
-          </p:nvSpPr>
-          <p:spPr>
-            <a:xfrm>
-              <a:off x="2594050" y="1883300"/>
-              <a:ext cx="188175" cy="188150"/>
-            </a:xfrm>
-            <a:custGeom>
-              <a:avLst/>
-              <a:gdLst/>
-              <a:ahLst/>
-              <a:cxnLst/>
-              <a:rect l="0" t="0" r="0" b="0"/>
-              <a:pathLst>
-                <a:path w="7527" h="7526" fill="none" extrusionOk="0">
-                  <a:moveTo>
-                    <a:pt x="5992" y="0"/>
-                  </a:moveTo>
-                  <a:lnTo>
-                    <a:pt x="537" y="6430"/>
-                  </a:lnTo>
-                  <a:lnTo>
-                    <a:pt x="1" y="7526"/>
-                  </a:lnTo>
-                  <a:lnTo>
-                    <a:pt x="1097" y="6990"/>
-                  </a:lnTo>
-                  <a:lnTo>
-                    <a:pt x="7526" y="1534"/>
-                  </a:lnTo>
-                  <a:lnTo>
-                    <a:pt x="5992" y="0"/>
-                  </a:lnTo>
-                  <a:close/>
-                </a:path>
-              </a:pathLst>
-            </a:custGeom>
-            <a:noFill/>
-            <a:ln w="9525" cap="rnd" cmpd="sng">
-              <a:solidFill>
-                <a:srgbClr val="000000"/>
-              </a:solidFill>
-              <a:prstDash val="solid"/>
-              <a:round/>
-              <a:headEnd type="none" w="med" len="med"/>
-              <a:tailEnd type="none" w="med" len="med"/>
-            </a:ln>
-          </p:spPr>
-          <p:txBody>
-            <a:bodyPr lIns="121900" tIns="121900" rIns="121900" bIns="121900" anchor="ctr" anchorCtr="0">
-              <a:noAutofit/>
-            </a:bodyPr>
-            <a:lstStyle/>
-            <a:p>
-              <a:endParaRPr sz="2400"/>
-            </a:p>
-          </p:txBody>
-        </p:sp>
-        <p:sp>
-          <p:nvSpPr>
-            <p:cNvPr id="114" name="Shape 114"/>
-            <p:cNvSpPr/>
-            <p:nvPr/>
-          </p:nvSpPr>
-          <p:spPr>
-            <a:xfrm>
-              <a:off x="2857700" y="1631825"/>
-              <a:ext cx="175975" cy="176000"/>
-            </a:xfrm>
-            <a:custGeom>
-              <a:avLst/>
-              <a:gdLst/>
-              <a:ahLst/>
-              <a:cxnLst/>
-              <a:rect l="0" t="0" r="0" b="0"/>
-              <a:pathLst>
-                <a:path w="7039" h="7040" fill="none" extrusionOk="0">
-                  <a:moveTo>
-                    <a:pt x="268" y="2704"/>
-                  </a:moveTo>
-                  <a:lnTo>
-                    <a:pt x="4336" y="6771"/>
-                  </a:lnTo>
-                  <a:lnTo>
-                    <a:pt x="4336" y="6771"/>
-                  </a:lnTo>
-                  <a:lnTo>
-                    <a:pt x="4336" y="6771"/>
-                  </a:lnTo>
-                  <a:lnTo>
-                    <a:pt x="4652" y="6917"/>
-                  </a:lnTo>
-                  <a:lnTo>
-                    <a:pt x="4993" y="7015"/>
-                  </a:lnTo>
-                  <a:lnTo>
-                    <a:pt x="5310" y="7039"/>
-                  </a:lnTo>
-                  <a:lnTo>
-                    <a:pt x="5651" y="7039"/>
-                  </a:lnTo>
-                  <a:lnTo>
-                    <a:pt x="5992" y="6966"/>
-                  </a:lnTo>
-                  <a:lnTo>
-                    <a:pt x="6308" y="6844"/>
-                  </a:lnTo>
-                  <a:lnTo>
-                    <a:pt x="6454" y="6747"/>
-                  </a:lnTo>
-                  <a:lnTo>
-                    <a:pt x="6601" y="6674"/>
-                  </a:lnTo>
-                  <a:lnTo>
-                    <a:pt x="6747" y="6552"/>
-                  </a:lnTo>
-                  <a:lnTo>
-                    <a:pt x="6893" y="6430"/>
-                  </a:lnTo>
-                  <a:lnTo>
-                    <a:pt x="6893" y="6430"/>
-                  </a:lnTo>
-                  <a:lnTo>
-                    <a:pt x="6942" y="6357"/>
-                  </a:lnTo>
-                  <a:lnTo>
-                    <a:pt x="7015" y="6260"/>
-                  </a:lnTo>
-                  <a:lnTo>
-                    <a:pt x="7039" y="6138"/>
-                  </a:lnTo>
-                  <a:lnTo>
-                    <a:pt x="7039" y="6041"/>
-                  </a:lnTo>
-                  <a:lnTo>
-                    <a:pt x="7039" y="6041"/>
-                  </a:lnTo>
-                  <a:lnTo>
-                    <a:pt x="7039" y="5943"/>
-                  </a:lnTo>
-                  <a:lnTo>
-                    <a:pt x="7015" y="5846"/>
-                  </a:lnTo>
-                  <a:lnTo>
-                    <a:pt x="6942" y="5748"/>
-                  </a:lnTo>
-                  <a:lnTo>
-                    <a:pt x="6893" y="5651"/>
-                  </a:lnTo>
-                  <a:lnTo>
-                    <a:pt x="1389" y="147"/>
-                  </a:lnTo>
-                  <a:lnTo>
-                    <a:pt x="1389" y="147"/>
-                  </a:lnTo>
-                  <a:lnTo>
-                    <a:pt x="1291" y="98"/>
-                  </a:lnTo>
-                  <a:lnTo>
-                    <a:pt x="1194" y="25"/>
-                  </a:lnTo>
-                  <a:lnTo>
-                    <a:pt x="1096" y="0"/>
-                  </a:lnTo>
-                  <a:lnTo>
-                    <a:pt x="999" y="0"/>
-                  </a:lnTo>
-                  <a:lnTo>
-                    <a:pt x="999" y="0"/>
-                  </a:lnTo>
-                  <a:lnTo>
-                    <a:pt x="902" y="0"/>
-                  </a:lnTo>
-                  <a:lnTo>
-                    <a:pt x="780" y="25"/>
-                  </a:lnTo>
-                  <a:lnTo>
-                    <a:pt x="682" y="98"/>
-                  </a:lnTo>
-                  <a:lnTo>
-                    <a:pt x="609" y="147"/>
-                  </a:lnTo>
-                  <a:lnTo>
-                    <a:pt x="609" y="147"/>
-                  </a:lnTo>
-                  <a:lnTo>
-                    <a:pt x="487" y="293"/>
-                  </a:lnTo>
-                  <a:lnTo>
-                    <a:pt x="366" y="439"/>
-                  </a:lnTo>
-                  <a:lnTo>
-                    <a:pt x="293" y="585"/>
-                  </a:lnTo>
-                  <a:lnTo>
-                    <a:pt x="195" y="731"/>
-                  </a:lnTo>
-                  <a:lnTo>
-                    <a:pt x="73" y="1048"/>
-                  </a:lnTo>
-                  <a:lnTo>
-                    <a:pt x="0" y="1389"/>
-                  </a:lnTo>
-                  <a:lnTo>
-                    <a:pt x="0" y="1730"/>
-                  </a:lnTo>
-                  <a:lnTo>
-                    <a:pt x="25" y="2046"/>
-                  </a:lnTo>
-                  <a:lnTo>
-                    <a:pt x="122" y="2387"/>
-                  </a:lnTo>
-                  <a:lnTo>
-                    <a:pt x="268" y="2704"/>
-                  </a:lnTo>
-                  <a:lnTo>
-                    <a:pt x="268" y="2704"/>
-                  </a:lnTo>
-                  <a:close/>
-                </a:path>
-              </a:pathLst>
-            </a:custGeom>
-            <a:noFill/>
-            <a:ln w="9525" cap="rnd" cmpd="sng">
-              <a:solidFill>
-                <a:srgbClr val="000000"/>
-              </a:solidFill>
-              <a:prstDash val="solid"/>
-              <a:round/>
-              <a:headEnd type="none" w="med" len="med"/>
-              <a:tailEnd type="none" w="med" len="med"/>
-            </a:ln>
-          </p:spPr>
-          <p:txBody>
-            <a:bodyPr lIns="121900" tIns="121900" rIns="121900" bIns="121900" anchor="ctr" anchorCtr="0">
-              <a:noAutofit/>
-            </a:bodyPr>
-            <a:lstStyle/>
-            <a:p>
-              <a:endParaRPr sz="2400"/>
-            </a:p>
-          </p:txBody>
-        </p:sp>
-        <p:sp>
-          <p:nvSpPr>
-            <p:cNvPr id="115" name="Shape 115"/>
-            <p:cNvSpPr/>
-            <p:nvPr/>
-          </p:nvSpPr>
-          <p:spPr>
-            <a:xfrm>
-              <a:off x="2662850" y="1699400"/>
-              <a:ext cx="303250" cy="303250"/>
-            </a:xfrm>
-            <a:custGeom>
-              <a:avLst/>
-              <a:gdLst/>
-              <a:ahLst/>
-              <a:cxnLst/>
-              <a:rect l="0" t="0" r="0" b="0"/>
-              <a:pathLst>
-                <a:path w="12130" h="12130" fill="none" extrusionOk="0">
-                  <a:moveTo>
-                    <a:pt x="8038" y="1"/>
-                  </a:moveTo>
-                  <a:lnTo>
-                    <a:pt x="4872" y="3191"/>
-                  </a:lnTo>
-                  <a:lnTo>
-                    <a:pt x="4872" y="3191"/>
-                  </a:lnTo>
-                  <a:lnTo>
-                    <a:pt x="4628" y="3094"/>
-                  </a:lnTo>
-                  <a:lnTo>
-                    <a:pt x="4385" y="2997"/>
-                  </a:lnTo>
-                  <a:lnTo>
-                    <a:pt x="4092" y="2899"/>
-                  </a:lnTo>
-                  <a:lnTo>
-                    <a:pt x="3800" y="2850"/>
-                  </a:lnTo>
-                  <a:lnTo>
-                    <a:pt x="3484" y="2777"/>
-                  </a:lnTo>
-                  <a:lnTo>
-                    <a:pt x="3167" y="2729"/>
-                  </a:lnTo>
-                  <a:lnTo>
-                    <a:pt x="2850" y="2704"/>
-                  </a:lnTo>
-                  <a:lnTo>
-                    <a:pt x="2534" y="2704"/>
-                  </a:lnTo>
-                  <a:lnTo>
-                    <a:pt x="2534" y="2704"/>
-                  </a:lnTo>
-                  <a:lnTo>
-                    <a:pt x="2241" y="2704"/>
-                  </a:lnTo>
-                  <a:lnTo>
-                    <a:pt x="1949" y="2729"/>
-                  </a:lnTo>
-                  <a:lnTo>
-                    <a:pt x="1633" y="2777"/>
-                  </a:lnTo>
-                  <a:lnTo>
-                    <a:pt x="1316" y="2850"/>
-                  </a:lnTo>
-                  <a:lnTo>
-                    <a:pt x="999" y="2972"/>
-                  </a:lnTo>
-                  <a:lnTo>
-                    <a:pt x="707" y="3094"/>
-                  </a:lnTo>
-                  <a:lnTo>
-                    <a:pt x="415" y="3289"/>
-                  </a:lnTo>
-                  <a:lnTo>
-                    <a:pt x="147" y="3508"/>
-                  </a:lnTo>
-                  <a:lnTo>
-                    <a:pt x="147" y="3508"/>
-                  </a:lnTo>
-                  <a:lnTo>
-                    <a:pt x="74" y="3581"/>
-                  </a:lnTo>
-                  <a:lnTo>
-                    <a:pt x="25" y="3678"/>
-                  </a:lnTo>
-                  <a:lnTo>
-                    <a:pt x="1" y="3776"/>
-                  </a:lnTo>
-                  <a:lnTo>
-                    <a:pt x="1" y="3898"/>
-                  </a:lnTo>
-                  <a:lnTo>
-                    <a:pt x="1" y="3898"/>
-                  </a:lnTo>
-                  <a:lnTo>
-                    <a:pt x="1" y="3995"/>
-                  </a:lnTo>
-                  <a:lnTo>
-                    <a:pt x="25" y="4093"/>
-                  </a:lnTo>
-                  <a:lnTo>
-                    <a:pt x="74" y="4190"/>
-                  </a:lnTo>
-                  <a:lnTo>
-                    <a:pt x="147" y="4287"/>
-                  </a:lnTo>
-                  <a:lnTo>
-                    <a:pt x="7843" y="11984"/>
-                  </a:lnTo>
-                  <a:lnTo>
-                    <a:pt x="7843" y="11984"/>
-                  </a:lnTo>
-                  <a:lnTo>
-                    <a:pt x="7941" y="12057"/>
-                  </a:lnTo>
-                  <a:lnTo>
-                    <a:pt x="8038" y="12105"/>
-                  </a:lnTo>
-                  <a:lnTo>
-                    <a:pt x="8135" y="12130"/>
-                  </a:lnTo>
-                  <a:lnTo>
-                    <a:pt x="8233" y="12130"/>
-                  </a:lnTo>
-                  <a:lnTo>
-                    <a:pt x="8233" y="12130"/>
-                  </a:lnTo>
-                  <a:lnTo>
-                    <a:pt x="8355" y="12130"/>
-                  </a:lnTo>
-                  <a:lnTo>
-                    <a:pt x="8452" y="12105"/>
-                  </a:lnTo>
-                  <a:lnTo>
-                    <a:pt x="8549" y="12057"/>
-                  </a:lnTo>
-                  <a:lnTo>
-                    <a:pt x="8622" y="11984"/>
-                  </a:lnTo>
-                  <a:lnTo>
-                    <a:pt x="8622" y="11984"/>
-                  </a:lnTo>
-                  <a:lnTo>
-                    <a:pt x="8842" y="11716"/>
-                  </a:lnTo>
-                  <a:lnTo>
-                    <a:pt x="9036" y="11423"/>
-                  </a:lnTo>
-                  <a:lnTo>
-                    <a:pt x="9158" y="11131"/>
-                  </a:lnTo>
-                  <a:lnTo>
-                    <a:pt x="9280" y="10814"/>
-                  </a:lnTo>
-                  <a:lnTo>
-                    <a:pt x="9353" y="10498"/>
-                  </a:lnTo>
-                  <a:lnTo>
-                    <a:pt x="9402" y="10181"/>
-                  </a:lnTo>
-                  <a:lnTo>
-                    <a:pt x="9426" y="9889"/>
-                  </a:lnTo>
-                  <a:lnTo>
-                    <a:pt x="9426" y="9597"/>
-                  </a:lnTo>
-                  <a:lnTo>
-                    <a:pt x="9426" y="9597"/>
-                  </a:lnTo>
-                  <a:lnTo>
-                    <a:pt x="9426" y="9280"/>
-                  </a:lnTo>
-                  <a:lnTo>
-                    <a:pt x="9402" y="8964"/>
-                  </a:lnTo>
-                  <a:lnTo>
-                    <a:pt x="9353" y="8647"/>
-                  </a:lnTo>
-                  <a:lnTo>
-                    <a:pt x="9280" y="8330"/>
-                  </a:lnTo>
-                  <a:lnTo>
-                    <a:pt x="9231" y="8038"/>
-                  </a:lnTo>
-                  <a:lnTo>
-                    <a:pt x="9134" y="7746"/>
-                  </a:lnTo>
-                  <a:lnTo>
-                    <a:pt x="9036" y="7502"/>
-                  </a:lnTo>
-                  <a:lnTo>
-                    <a:pt x="8939" y="7259"/>
-                  </a:lnTo>
-                  <a:lnTo>
-                    <a:pt x="12130" y="4093"/>
-                  </a:lnTo>
-                </a:path>
-              </a:pathLst>
-            </a:custGeom>
-            <a:noFill/>
-            <a:ln w="9525" cap="rnd" cmpd="sng">
-              <a:solidFill>
-                <a:srgbClr val="000000"/>
-              </a:solidFill>
-              <a:prstDash val="solid"/>
-              <a:round/>
-              <a:headEnd type="none" w="med" len="med"/>
-              <a:tailEnd type="none" w="med" len="med"/>
-            </a:ln>
-          </p:spPr>
-          <p:txBody>
-            <a:bodyPr lIns="121900" tIns="121900" rIns="121900" bIns="121900" anchor="ctr" anchorCtr="0">
-              <a:noAutofit/>
-            </a:bodyPr>
-            <a:lstStyle/>
-            <a:p>
-              <a:endParaRPr sz="2400"/>
-            </a:p>
-          </p:txBody>
-        </p:sp>
-        <p:sp>
-          <p:nvSpPr>
-            <p:cNvPr id="116" name="Shape 116"/>
-            <p:cNvSpPr/>
-            <p:nvPr/>
-          </p:nvSpPr>
-          <p:spPr>
-            <a:xfrm>
-              <a:off x="2814911" y="1754061"/>
-              <a:ext cx="49950" cy="49950"/>
-            </a:xfrm>
-            <a:custGeom>
-              <a:avLst/>
-              <a:gdLst/>
-              <a:ahLst/>
-              <a:cxnLst/>
-              <a:rect l="0" t="0" r="0" b="0"/>
-              <a:pathLst>
-                <a:path w="1998" h="1998" fill="none" extrusionOk="0">
-                  <a:moveTo>
-                    <a:pt x="1" y="1997"/>
-                  </a:moveTo>
-                  <a:lnTo>
-                    <a:pt x="1998" y="0"/>
-                  </a:lnTo>
-                </a:path>
-              </a:pathLst>
-            </a:custGeom>
-            <a:noFill/>
-            <a:ln w="9525" cap="rnd" cmpd="sng">
-              <a:solidFill>
-                <a:srgbClr val="000000"/>
-              </a:solidFill>
-              <a:prstDash val="solid"/>
-              <a:round/>
-              <a:headEnd type="none" w="med" len="med"/>
-              <a:tailEnd type="none" w="med" len="med"/>
-            </a:ln>
-          </p:spPr>
-          <p:txBody>
-            <a:bodyPr lIns="121900" tIns="121900" rIns="121900" bIns="121900" anchor="ctr" anchorCtr="0">
-              <a:noAutofit/>
-            </a:bodyPr>
-            <a:lstStyle/>
-            <a:p>
-              <a:endParaRPr sz="2400"/>
-            </a:p>
-          </p:txBody>
-        </p:sp>
-      </p:grpSp>
-    </p:spTree>
-    <p:extLst>
-      <p:ext uri="{BB962C8B-B14F-4D97-AF65-F5344CB8AC3E}">
-        <p14:creationId xmlns:p14="http://schemas.microsoft.com/office/powerpoint/2010/main" val="2526617008"/>
+        <p14:creationId xmlns:p14="http://schemas.microsoft.com/office/powerpoint/2010/main" val="1077931290"/>
       </p:ext>
     </p:extLst>
   </p:cSld>
@@ -18035,7 +20022,7 @@
         <p:spPr>
           <a:xfrm>
             <a:off x="2696301" y="2933700"/>
-            <a:ext cx="5050399" cy="1206500"/>
+            <a:ext cx="5050399" cy="870730"/>
           </a:xfrm>
           <a:prstGeom prst="rect">
             <a:avLst/>
@@ -18049,7 +20036,7 @@
           <a:p>
             <a:r>
               <a:rPr lang="en" dirty="0" smtClean="0"/>
-              <a:t>Conclusões e Trabalho Futuro</a:t>
+              <a:t>Validação</a:t>
             </a:r>
             <a:endParaRPr lang="en" dirty="0"/>
           </a:p>
@@ -18091,15 +20078,39 @@
                 <a:cs typeface="Lora"/>
                 <a:sym typeface="Lora"/>
               </a:rPr>
-              <a:t>6</a:t>
+              <a:t>5</a:t>
             </a:r>
+          </a:p>
+        </p:txBody>
+      </p:sp>
+      <p:sp>
+        <p:nvSpPr>
+          <p:cNvPr id="2" name="Marcador de Posição do Número do Diapositivo 1"/>
+          <p:cNvSpPr>
+            <a:spLocks noGrp="1"/>
+          </p:cNvSpPr>
+          <p:nvPr>
+            <p:ph type="sldNum" sz="quarter" idx="12"/>
+          </p:nvPr>
+        </p:nvSpPr>
+        <p:spPr/>
+        <p:txBody>
+          <a:bodyPr/>
+          <a:lstStyle/>
+          <a:p>
+            <a:fld id="{7A7FBF7A-E0A0-435F-9540-C356DFC5D048}" type="slidenum">
+              <a:rPr lang="pt-PT" smtClean="0"/>
+              <a:pPr/>
+              <a:t>29</a:t>
+            </a:fld>
+            <a:endParaRPr lang="pt-PT" dirty="0"/>
           </a:p>
         </p:txBody>
       </p:sp>
     </p:spTree>
     <p:extLst>
       <p:ext uri="{BB962C8B-B14F-4D97-AF65-F5344CB8AC3E}">
-        <p14:creationId xmlns:p14="http://schemas.microsoft.com/office/powerpoint/2010/main" val="746517902"/>
+        <p14:creationId xmlns:p14="http://schemas.microsoft.com/office/powerpoint/2010/main" val="3800613052"/>
       </p:ext>
     </p:extLst>
   </p:cSld>
@@ -18218,6 +20229,30 @@
               </a:rPr>
               <a:t>1</a:t>
             </a:r>
+          </a:p>
+        </p:txBody>
+      </p:sp>
+      <p:sp>
+        <p:nvSpPr>
+          <p:cNvPr id="2" name="Marcador de Posição do Número do Diapositivo 1"/>
+          <p:cNvSpPr>
+            <a:spLocks noGrp="1"/>
+          </p:cNvSpPr>
+          <p:nvPr>
+            <p:ph type="sldNum" sz="quarter" idx="12"/>
+          </p:nvPr>
+        </p:nvSpPr>
+        <p:spPr/>
+        <p:txBody>
+          <a:bodyPr/>
+          <a:lstStyle/>
+          <a:p>
+            <a:fld id="{7A7FBF7A-E0A0-435F-9540-C356DFC5D048}" type="slidenum">
+              <a:rPr lang="pt-PT" smtClean="0"/>
+              <a:pPr/>
+              <a:t>3</a:t>
+            </a:fld>
+            <a:endParaRPr lang="pt-PT" dirty="0"/>
           </a:p>
         </p:txBody>
       </p:sp>
@@ -18285,7 +20320,7 @@
           <a:p>
             <a:r>
               <a:rPr lang="en" dirty="0" smtClean="0"/>
-              <a:t>Conclusões com base na validação</a:t>
+              <a:t>Análise por Especialistas na àrea do ensino da Programação</a:t>
             </a:r>
             <a:endParaRPr lang="en" dirty="0">
               <a:highlight>
@@ -18307,7 +20342,7 @@
         </p:nvSpPr>
         <p:spPr>
           <a:xfrm>
-            <a:off x="1365425" y="2166336"/>
+            <a:off x="1283188" y="2242536"/>
             <a:ext cx="9615667" cy="3993163"/>
           </a:xfrm>
           <a:prstGeom prst="rect">
@@ -18329,8 +20364,8 @@
               </a:spcBef>
             </a:pPr>
             <a:r>
-              <a:rPr lang="pt-PT" sz="2800" dirty="0" smtClean="0"/>
-              <a:t>Um plano híbrido seguindo uma metodologia PBL traz vantagens para o ensino da programação</a:t>
+              <a:rPr lang="pt-PT" dirty="0" smtClean="0"/>
+              <a:t>Apresentação ao vivo do trabalho desenvolvido</a:t>
             </a:r>
           </a:p>
           <a:p>
@@ -18342,7 +20377,7 @@
                 <a:spcPts val="0"/>
               </a:spcBef>
             </a:pPr>
-            <a:endParaRPr lang="pt-PT" sz="2800" dirty="0" smtClean="0"/>
+            <a:endParaRPr lang="pt-PT" dirty="0" smtClean="0"/>
           </a:p>
           <a:p>
             <a:pPr marL="609585" indent="-304792">
@@ -18352,35 +20387,64 @@
               <a:spcBef>
                 <a:spcPts val="0"/>
               </a:spcBef>
+              <a:spcAft>
+                <a:spcPts val="600"/>
+              </a:spcAft>
             </a:pPr>
             <a:r>
-              <a:rPr lang="pt-PT" sz="2800" dirty="0" smtClean="0"/>
-              <a:t>A lista de tópicos e método de classificação dos problemas foram bem recebidos </a:t>
+              <a:rPr lang="pt-PT" dirty="0" smtClean="0"/>
+              <a:t>Inquérito por questionário</a:t>
             </a:r>
           </a:p>
           <a:p>
-            <a:pPr marL="609585" indent="-304792">
+            <a:pPr marL="1066785" lvl="1" indent="-304792">
               <a:lnSpc>
                 <a:spcPct val="100000"/>
               </a:lnSpc>
               <a:spcBef>
                 <a:spcPts val="0"/>
               </a:spcBef>
+              <a:spcAft>
+                <a:spcPts val="600"/>
+              </a:spcAft>
             </a:pPr>
-            <a:endParaRPr lang="pt-PT" sz="2800" dirty="0" smtClean="0"/>
-          </a:p>
-          <a:p>
-            <a:pPr marL="609585" indent="-304792">
+            <a:r>
+              <a:rPr lang="pt-PT" dirty="0" smtClean="0"/>
+              <a:t>Caracterização demográfica e da experiência de ensino</a:t>
+            </a:r>
+          </a:p>
+          <a:p>
+            <a:pPr marL="1066785" lvl="1" indent="-304792">
               <a:lnSpc>
                 <a:spcPct val="100000"/>
               </a:lnSpc>
               <a:spcBef>
                 <a:spcPts val="0"/>
               </a:spcBef>
+              <a:spcAft>
+                <a:spcPts val="600"/>
+              </a:spcAft>
             </a:pPr>
             <a:r>
-              <a:rPr lang="pt-PT" sz="2800" dirty="0" smtClean="0"/>
-              <a:t>Os tutoriais de exemplo foram bem recebidos mas foram feitas diversas sugestões de melhoria</a:t>
+              <a:rPr lang="pt-PT" dirty="0" smtClean="0"/>
+              <a:t>Opinião sobre o estado atual do ensino da programação</a:t>
+            </a:r>
+          </a:p>
+          <a:p>
+            <a:pPr marL="1066785" lvl="1" indent="-304792">
+              <a:lnSpc>
+                <a:spcPct val="100000"/>
+              </a:lnSpc>
+              <a:spcBef>
+                <a:spcPts val="0"/>
+              </a:spcBef>
+              <a:spcAft>
+                <a:spcPts val="600"/>
+              </a:spcAft>
+            </a:pPr>
+            <a:r>
+              <a:rPr lang="pt-PT" dirty="0" smtClean="0"/>
+              <a:t>Opinião sobre o trabalho desenvolvido</a:t>
             </a:r>
           </a:p>
         </p:txBody>
@@ -18919,10 +20983,34 @@
           </p:txBody>
         </p:sp>
       </p:grpSp>
+      <p:sp>
+        <p:nvSpPr>
+          <p:cNvPr id="2" name="Marcador de Posição do Número do Diapositivo 1"/>
+          <p:cNvSpPr>
+            <a:spLocks noGrp="1"/>
+          </p:cNvSpPr>
+          <p:nvPr>
+            <p:ph type="sldNum" sz="quarter" idx="12"/>
+          </p:nvPr>
+        </p:nvSpPr>
+        <p:spPr/>
+        <p:txBody>
+          <a:bodyPr/>
+          <a:lstStyle/>
+          <a:p>
+            <a:fld id="{7A7FBF7A-E0A0-435F-9540-C356DFC5D048}" type="slidenum">
+              <a:rPr lang="pt-PT" smtClean="0"/>
+              <a:pPr/>
+              <a:t>30</a:t>
+            </a:fld>
+            <a:endParaRPr lang="pt-PT" dirty="0"/>
+          </a:p>
+        </p:txBody>
+      </p:sp>
     </p:spTree>
     <p:extLst>
       <p:ext uri="{BB962C8B-B14F-4D97-AF65-F5344CB8AC3E}">
-        <p14:creationId xmlns:p14="http://schemas.microsoft.com/office/powerpoint/2010/main" val="1241667880"/>
+        <p14:creationId xmlns:p14="http://schemas.microsoft.com/office/powerpoint/2010/main" val="2526617008"/>
       </p:ext>
     </p:extLst>
   </p:cSld>
@@ -18940,6 +21028,141 @@
 </file>
 
 <file path=ppt/slides/slide31.xml><?xml version="1.0" encoding="utf-8"?>
+<p:sld xmlns:a="http://schemas.openxmlformats.org/drawingml/2006/main" xmlns:r="http://schemas.openxmlformats.org/officeDocument/2006/relationships" xmlns:p="http://schemas.openxmlformats.org/presentationml/2006/main">
+  <p:cSld>
+    <p:spTree>
+      <p:nvGrpSpPr>
+        <p:cNvPr id="1" name="Shape 97"/>
+        <p:cNvGrpSpPr/>
+        <p:nvPr/>
+      </p:nvGrpSpPr>
+      <p:grpSpPr>
+        <a:xfrm>
+          <a:off x="0" y="0"/>
+          <a:ext cx="0" cy="0"/>
+          <a:chOff x="0" y="0"/>
+          <a:chExt cx="0" cy="0"/>
+        </a:xfrm>
+      </p:grpSpPr>
+      <p:sp>
+        <p:nvSpPr>
+          <p:cNvPr id="98" name="Shape 98"/>
+          <p:cNvSpPr txBox="1">
+            <a:spLocks noGrp="1"/>
+          </p:cNvSpPr>
+          <p:nvPr>
+            <p:ph type="ctrTitle"/>
+          </p:nvPr>
+        </p:nvSpPr>
+        <p:spPr>
+          <a:xfrm>
+            <a:off x="2696301" y="2933700"/>
+            <a:ext cx="5050399" cy="1206500"/>
+          </a:xfrm>
+          <a:prstGeom prst="rect">
+            <a:avLst/>
+          </a:prstGeom>
+        </p:spPr>
+        <p:txBody>
+          <a:bodyPr vert="horz" lIns="121900" tIns="121900" rIns="121900" bIns="121900" rtlCol="0" anchor="b" anchorCtr="0">
+            <a:noAutofit/>
+          </a:bodyPr>
+          <a:lstStyle/>
+          <a:p>
+            <a:r>
+              <a:rPr lang="en" dirty="0" smtClean="0"/>
+              <a:t>Conclusões e Trabalho Futuro</a:t>
+            </a:r>
+            <a:endParaRPr lang="en" dirty="0"/>
+          </a:p>
+        </p:txBody>
+      </p:sp>
+      <p:sp>
+        <p:nvSpPr>
+          <p:cNvPr id="100" name="Shape 100"/>
+          <p:cNvSpPr txBox="1"/>
+          <p:nvPr/>
+        </p:nvSpPr>
+        <p:spPr>
+          <a:xfrm>
+            <a:off x="1511967" y="3054867"/>
+            <a:ext cx="725199" cy="749599"/>
+          </a:xfrm>
+          <a:prstGeom prst="rect">
+            <a:avLst/>
+          </a:prstGeom>
+          <a:noFill/>
+          <a:ln>
+            <a:noFill/>
+          </a:ln>
+        </p:spPr>
+        <p:txBody>
+          <a:bodyPr lIns="121900" tIns="121900" rIns="121900" bIns="121900" anchor="ctr" anchorCtr="0">
+            <a:noAutofit/>
+          </a:bodyPr>
+          <a:lstStyle/>
+          <a:p>
+            <a:pPr algn="ctr"/>
+            <a:r>
+              <a:rPr lang="en" sz="3200" dirty="0" smtClean="0">
+                <a:solidFill>
+                  <a:schemeClr val="dk1"/>
+                </a:solidFill>
+                <a:latin typeface="Lora"/>
+                <a:ea typeface="Lora"/>
+                <a:cs typeface="Lora"/>
+                <a:sym typeface="Lora"/>
+              </a:rPr>
+              <a:t>6</a:t>
+            </a:r>
+          </a:p>
+        </p:txBody>
+      </p:sp>
+      <p:sp>
+        <p:nvSpPr>
+          <p:cNvPr id="2" name="Marcador de Posição do Número do Diapositivo 1"/>
+          <p:cNvSpPr>
+            <a:spLocks noGrp="1"/>
+          </p:cNvSpPr>
+          <p:nvPr>
+            <p:ph type="sldNum" sz="quarter" idx="12"/>
+          </p:nvPr>
+        </p:nvSpPr>
+        <p:spPr/>
+        <p:txBody>
+          <a:bodyPr/>
+          <a:lstStyle/>
+          <a:p>
+            <a:fld id="{7A7FBF7A-E0A0-435F-9540-C356DFC5D048}" type="slidenum">
+              <a:rPr lang="pt-PT" smtClean="0"/>
+              <a:pPr/>
+              <a:t>31</a:t>
+            </a:fld>
+            <a:endParaRPr lang="pt-PT" dirty="0"/>
+          </a:p>
+        </p:txBody>
+      </p:sp>
+    </p:spTree>
+    <p:extLst>
+      <p:ext uri="{BB962C8B-B14F-4D97-AF65-F5344CB8AC3E}">
+        <p14:creationId xmlns:p14="http://schemas.microsoft.com/office/powerpoint/2010/main" val="746517902"/>
+      </p:ext>
+    </p:extLst>
+  </p:cSld>
+  <p:clrMapOvr>
+    <a:masterClrMapping/>
+  </p:clrMapOvr>
+  <p:timing>
+    <p:tnLst>
+      <p:par>
+        <p:cTn id="1" dur="indefinite" restart="never" nodeType="tmRoot"/>
+      </p:par>
+    </p:tnLst>
+  </p:timing>
+</p:sld>
+</file>
+
+<file path=ppt/slides/slide32.xml><?xml version="1.0" encoding="utf-8"?>
 <p:sld xmlns:a="http://schemas.openxmlformats.org/drawingml/2006/main" xmlns:r="http://schemas.openxmlformats.org/officeDocument/2006/relationships" xmlns:p="http://schemas.openxmlformats.org/presentationml/2006/main">
   <p:cSld>
     <p:spTree>
@@ -18983,7 +21206,7 @@
           <a:p>
             <a:r>
               <a:rPr lang="en" dirty="0" smtClean="0"/>
-              <a:t>Trabalho Futuro</a:t>
+              <a:t>Conclusões com base na validação</a:t>
             </a:r>
             <a:endParaRPr lang="en" dirty="0">
               <a:highlight>
@@ -19005,8 +21228,8 @@
         </p:nvSpPr>
         <p:spPr>
           <a:xfrm>
-            <a:off x="1365709" y="2374900"/>
-            <a:ext cx="9615667" cy="3479799"/>
+            <a:off x="1365425" y="2166336"/>
+            <a:ext cx="9615667" cy="3993163"/>
           </a:xfrm>
           <a:prstGeom prst="rect">
             <a:avLst/>
@@ -19028,7 +21251,7 @@
             </a:pPr>
             <a:r>
               <a:rPr lang="pt-PT" sz="2800" dirty="0" smtClean="0"/>
-              <a:t>Melhor validação do trabalho usando experiencias com estudantes</a:t>
+              <a:t>Um plano híbrido seguindo uma metodologia PBL traz vantagens para o ensino da programação</a:t>
             </a:r>
           </a:p>
           <a:p>
@@ -19053,7 +21276,7 @@
             </a:pPr>
             <a:r>
               <a:rPr lang="pt-PT" sz="2800" dirty="0" smtClean="0"/>
-              <a:t>Implementação das melhorias sugeridas pelos especialistas</a:t>
+              <a:t>A lista de tópicos e método de classificação dos problemas foram bem recebidos </a:t>
             </a:r>
           </a:p>
           <a:p>
@@ -19078,9 +21301,8 @@
             </a:pPr>
             <a:r>
               <a:rPr lang="pt-PT" sz="2800" dirty="0" smtClean="0"/>
-              <a:t>Implementação dos restantes tutoriais e material de apoio</a:t>
+              <a:t>Os tutoriais de exemplo foram bem recebidos mas foram feitas diversas sugestões de melhoria</a:t>
             </a:r>
-            <a:endParaRPr lang="pt-PT" sz="2800" dirty="0"/>
           </a:p>
         </p:txBody>
       </p:sp>
@@ -19618,6 +21840,1542 @@
           </p:txBody>
         </p:sp>
       </p:grpSp>
+      <p:sp>
+        <p:nvSpPr>
+          <p:cNvPr id="2" name="Marcador de Posição do Número do Diapositivo 1"/>
+          <p:cNvSpPr>
+            <a:spLocks noGrp="1"/>
+          </p:cNvSpPr>
+          <p:nvPr>
+            <p:ph type="sldNum" sz="quarter" idx="12"/>
+          </p:nvPr>
+        </p:nvSpPr>
+        <p:spPr/>
+        <p:txBody>
+          <a:bodyPr/>
+          <a:lstStyle/>
+          <a:p>
+            <a:fld id="{7A7FBF7A-E0A0-435F-9540-C356DFC5D048}" type="slidenum">
+              <a:rPr lang="pt-PT" smtClean="0"/>
+              <a:pPr/>
+              <a:t>32</a:t>
+            </a:fld>
+            <a:endParaRPr lang="pt-PT" dirty="0"/>
+          </a:p>
+        </p:txBody>
+      </p:sp>
+    </p:spTree>
+    <p:extLst>
+      <p:ext uri="{BB962C8B-B14F-4D97-AF65-F5344CB8AC3E}">
+        <p14:creationId xmlns:p14="http://schemas.microsoft.com/office/powerpoint/2010/main" val="1241667880"/>
+      </p:ext>
+    </p:extLst>
+  </p:cSld>
+  <p:clrMapOvr>
+    <a:masterClrMapping/>
+  </p:clrMapOvr>
+  <p:timing>
+    <p:tnLst>
+      <p:par>
+        <p:cTn id="1" dur="indefinite" restart="never" nodeType="tmRoot"/>
+      </p:par>
+    </p:tnLst>
+  </p:timing>
+</p:sld>
+</file>
+
+<file path=ppt/slides/slide33.xml><?xml version="1.0" encoding="utf-8"?>
+<p:sld xmlns:a="http://schemas.openxmlformats.org/drawingml/2006/main" xmlns:r="http://schemas.openxmlformats.org/officeDocument/2006/relationships" xmlns:p="http://schemas.openxmlformats.org/presentationml/2006/main">
+  <p:cSld>
+    <p:spTree>
+      <p:nvGrpSpPr>
+        <p:cNvPr id="1" name="Shape 109"/>
+        <p:cNvGrpSpPr/>
+        <p:nvPr/>
+      </p:nvGrpSpPr>
+      <p:grpSpPr>
+        <a:xfrm>
+          <a:off x="0" y="0"/>
+          <a:ext cx="0" cy="0"/>
+          <a:chOff x="0" y="0"/>
+          <a:chExt cx="0" cy="0"/>
+        </a:xfrm>
+      </p:grpSpPr>
+      <p:sp>
+        <p:nvSpPr>
+          <p:cNvPr id="110" name="Shape 110"/>
+          <p:cNvSpPr txBox="1">
+            <a:spLocks noGrp="1"/>
+          </p:cNvSpPr>
+          <p:nvPr>
+            <p:ph type="title"/>
+          </p:nvPr>
+        </p:nvSpPr>
+        <p:spPr>
+          <a:xfrm>
+            <a:off x="1841667" y="1239750"/>
+            <a:ext cx="5460833" cy="580799"/>
+          </a:xfrm>
+          <a:prstGeom prst="rect">
+            <a:avLst/>
+          </a:prstGeom>
+        </p:spPr>
+        <p:txBody>
+          <a:bodyPr vert="horz" lIns="121900" tIns="121900" rIns="121900" bIns="121900" rtlCol="0" anchor="ctr" anchorCtr="0">
+            <a:noAutofit/>
+          </a:bodyPr>
+          <a:lstStyle/>
+          <a:p>
+            <a:r>
+              <a:rPr lang="en" dirty="0" smtClean="0"/>
+              <a:t>Sugestões para os tutoriais</a:t>
+            </a:r>
+            <a:endParaRPr lang="en" dirty="0">
+              <a:highlight>
+                <a:srgbClr val="FFCD00"/>
+              </a:highlight>
+            </a:endParaRPr>
+          </a:p>
+        </p:txBody>
+      </p:sp>
+      <p:sp>
+        <p:nvSpPr>
+          <p:cNvPr id="111" name="Shape 111"/>
+          <p:cNvSpPr txBox="1">
+            <a:spLocks noGrp="1"/>
+          </p:cNvSpPr>
+          <p:nvPr>
+            <p:ph type="body" idx="1"/>
+          </p:nvPr>
+        </p:nvSpPr>
+        <p:spPr>
+          <a:xfrm>
+            <a:off x="1365425" y="2166336"/>
+            <a:ext cx="9615667" cy="3993163"/>
+          </a:xfrm>
+          <a:prstGeom prst="rect">
+            <a:avLst/>
+          </a:prstGeom>
+        </p:spPr>
+        <p:txBody>
+          <a:bodyPr vert="horz" lIns="121900" tIns="121900" rIns="121900" bIns="121900" rtlCol="0" anchor="t" anchorCtr="0">
+            <a:noAutofit/>
+          </a:bodyPr>
+          <a:lstStyle/>
+          <a:p>
+            <a:pPr marL="609585" indent="-304792">
+              <a:lnSpc>
+                <a:spcPct val="100000"/>
+              </a:lnSpc>
+              <a:spcBef>
+                <a:spcPts val="0"/>
+              </a:spcBef>
+            </a:pPr>
+            <a:r>
+              <a:rPr lang="pt-PT" sz="2800" dirty="0" smtClean="0"/>
+              <a:t>Mais ênfas</a:t>
+            </a:r>
+            <a:r>
+              <a:rPr lang="pt-PT" sz="2800" dirty="0" smtClean="0"/>
+              <a:t>e na montagem do ambiente de trabalho</a:t>
+            </a:r>
+          </a:p>
+          <a:p>
+            <a:pPr marL="609585" indent="-304792">
+              <a:lnSpc>
+                <a:spcPct val="100000"/>
+              </a:lnSpc>
+              <a:spcBef>
+                <a:spcPts val="0"/>
+              </a:spcBef>
+            </a:pPr>
+            <a:endParaRPr lang="en-US" sz="2800" dirty="0"/>
+          </a:p>
+          <a:p>
+            <a:pPr marL="609585" indent="-304792">
+              <a:lnSpc>
+                <a:spcPct val="100000"/>
+              </a:lnSpc>
+              <a:spcBef>
+                <a:spcPts val="0"/>
+              </a:spcBef>
+            </a:pPr>
+            <a:r>
+              <a:rPr lang="pt-PT" sz="2800" dirty="0" smtClean="0"/>
+              <a:t>Fazer melhor uso da plataforma web usando “</a:t>
+            </a:r>
+            <a:r>
+              <a:rPr lang="pt-PT" sz="2800" dirty="0" err="1" smtClean="0"/>
+              <a:t>fiddles</a:t>
+            </a:r>
+            <a:r>
+              <a:rPr lang="pt-PT" sz="2800" dirty="0" smtClean="0"/>
+              <a:t>” para ver o efeito de alterações em tempo real</a:t>
+            </a:r>
+          </a:p>
+          <a:p>
+            <a:pPr marL="609585" indent="-304792">
+              <a:lnSpc>
+                <a:spcPct val="100000"/>
+              </a:lnSpc>
+              <a:spcBef>
+                <a:spcPts val="0"/>
+              </a:spcBef>
+            </a:pPr>
+            <a:endParaRPr lang="en-US" sz="2800" dirty="0"/>
+          </a:p>
+          <a:p>
+            <a:pPr marL="609585" indent="-304792">
+              <a:lnSpc>
+                <a:spcPct val="100000"/>
+              </a:lnSpc>
+              <a:spcBef>
+                <a:spcPts val="0"/>
+              </a:spcBef>
+            </a:pPr>
+            <a:r>
+              <a:rPr lang="pt-PT" sz="2800" dirty="0" smtClean="0"/>
+              <a:t>Espalhar mais desafios pelo tutorial</a:t>
+            </a:r>
+          </a:p>
+          <a:p>
+            <a:pPr marL="609585" indent="-304792">
+              <a:lnSpc>
+                <a:spcPct val="100000"/>
+              </a:lnSpc>
+              <a:spcBef>
+                <a:spcPts val="0"/>
+              </a:spcBef>
+            </a:pPr>
+            <a:endParaRPr lang="pt-PT" sz="2800" dirty="0" smtClean="0"/>
+          </a:p>
+          <a:p>
+            <a:pPr marL="609585" indent="-304792">
+              <a:lnSpc>
+                <a:spcPct val="100000"/>
+              </a:lnSpc>
+              <a:spcBef>
+                <a:spcPts val="0"/>
+              </a:spcBef>
+            </a:pPr>
+            <a:r>
+              <a:rPr lang="pt-PT" sz="2800" dirty="0" smtClean="0"/>
+              <a:t>Ponderar sobre o uso de uma abordagem diferente partindo de um exemplo já pronto</a:t>
+            </a:r>
+            <a:endParaRPr lang="pt-PT" sz="2800" dirty="0" smtClean="0"/>
+          </a:p>
+        </p:txBody>
+      </p:sp>
+      <p:grpSp>
+        <p:nvGrpSpPr>
+          <p:cNvPr id="112" name="Shape 112"/>
+          <p:cNvGrpSpPr/>
+          <p:nvPr/>
+        </p:nvGrpSpPr>
+        <p:grpSpPr>
+          <a:xfrm>
+            <a:off x="1221944" y="1359667"/>
+            <a:ext cx="286165" cy="286165"/>
+            <a:chOff x="2594050" y="1631825"/>
+            <a:chExt cx="439625" cy="439625"/>
+          </a:xfrm>
+        </p:grpSpPr>
+        <p:sp>
+          <p:nvSpPr>
+            <p:cNvPr id="113" name="Shape 113"/>
+            <p:cNvSpPr/>
+            <p:nvPr/>
+          </p:nvSpPr>
+          <p:spPr>
+            <a:xfrm>
+              <a:off x="2594050" y="1883300"/>
+              <a:ext cx="188175" cy="188150"/>
+            </a:xfrm>
+            <a:custGeom>
+              <a:avLst/>
+              <a:gdLst/>
+              <a:ahLst/>
+              <a:cxnLst/>
+              <a:rect l="0" t="0" r="0" b="0"/>
+              <a:pathLst>
+                <a:path w="7527" h="7526" fill="none" extrusionOk="0">
+                  <a:moveTo>
+                    <a:pt x="5992" y="0"/>
+                  </a:moveTo>
+                  <a:lnTo>
+                    <a:pt x="537" y="6430"/>
+                  </a:lnTo>
+                  <a:lnTo>
+                    <a:pt x="1" y="7526"/>
+                  </a:lnTo>
+                  <a:lnTo>
+                    <a:pt x="1097" y="6990"/>
+                  </a:lnTo>
+                  <a:lnTo>
+                    <a:pt x="7526" y="1534"/>
+                  </a:lnTo>
+                  <a:lnTo>
+                    <a:pt x="5992" y="0"/>
+                  </a:lnTo>
+                  <a:close/>
+                </a:path>
+              </a:pathLst>
+            </a:custGeom>
+            <a:noFill/>
+            <a:ln w="9525" cap="rnd" cmpd="sng">
+              <a:solidFill>
+                <a:srgbClr val="000000"/>
+              </a:solidFill>
+              <a:prstDash val="solid"/>
+              <a:round/>
+              <a:headEnd type="none" w="med" len="med"/>
+              <a:tailEnd type="none" w="med" len="med"/>
+            </a:ln>
+          </p:spPr>
+          <p:txBody>
+            <a:bodyPr lIns="121900" tIns="121900" rIns="121900" bIns="121900" anchor="ctr" anchorCtr="0">
+              <a:noAutofit/>
+            </a:bodyPr>
+            <a:lstStyle/>
+            <a:p>
+              <a:endParaRPr sz="2400"/>
+            </a:p>
+          </p:txBody>
+        </p:sp>
+        <p:sp>
+          <p:nvSpPr>
+            <p:cNvPr id="114" name="Shape 114"/>
+            <p:cNvSpPr/>
+            <p:nvPr/>
+          </p:nvSpPr>
+          <p:spPr>
+            <a:xfrm>
+              <a:off x="2857700" y="1631825"/>
+              <a:ext cx="175975" cy="176000"/>
+            </a:xfrm>
+            <a:custGeom>
+              <a:avLst/>
+              <a:gdLst/>
+              <a:ahLst/>
+              <a:cxnLst/>
+              <a:rect l="0" t="0" r="0" b="0"/>
+              <a:pathLst>
+                <a:path w="7039" h="7040" fill="none" extrusionOk="0">
+                  <a:moveTo>
+                    <a:pt x="268" y="2704"/>
+                  </a:moveTo>
+                  <a:lnTo>
+                    <a:pt x="4336" y="6771"/>
+                  </a:lnTo>
+                  <a:lnTo>
+                    <a:pt x="4336" y="6771"/>
+                  </a:lnTo>
+                  <a:lnTo>
+                    <a:pt x="4336" y="6771"/>
+                  </a:lnTo>
+                  <a:lnTo>
+                    <a:pt x="4652" y="6917"/>
+                  </a:lnTo>
+                  <a:lnTo>
+                    <a:pt x="4993" y="7015"/>
+                  </a:lnTo>
+                  <a:lnTo>
+                    <a:pt x="5310" y="7039"/>
+                  </a:lnTo>
+                  <a:lnTo>
+                    <a:pt x="5651" y="7039"/>
+                  </a:lnTo>
+                  <a:lnTo>
+                    <a:pt x="5992" y="6966"/>
+                  </a:lnTo>
+                  <a:lnTo>
+                    <a:pt x="6308" y="6844"/>
+                  </a:lnTo>
+                  <a:lnTo>
+                    <a:pt x="6454" y="6747"/>
+                  </a:lnTo>
+                  <a:lnTo>
+                    <a:pt x="6601" y="6674"/>
+                  </a:lnTo>
+                  <a:lnTo>
+                    <a:pt x="6747" y="6552"/>
+                  </a:lnTo>
+                  <a:lnTo>
+                    <a:pt x="6893" y="6430"/>
+                  </a:lnTo>
+                  <a:lnTo>
+                    <a:pt x="6893" y="6430"/>
+                  </a:lnTo>
+                  <a:lnTo>
+                    <a:pt x="6942" y="6357"/>
+                  </a:lnTo>
+                  <a:lnTo>
+                    <a:pt x="7015" y="6260"/>
+                  </a:lnTo>
+                  <a:lnTo>
+                    <a:pt x="7039" y="6138"/>
+                  </a:lnTo>
+                  <a:lnTo>
+                    <a:pt x="7039" y="6041"/>
+                  </a:lnTo>
+                  <a:lnTo>
+                    <a:pt x="7039" y="6041"/>
+                  </a:lnTo>
+                  <a:lnTo>
+                    <a:pt x="7039" y="5943"/>
+                  </a:lnTo>
+                  <a:lnTo>
+                    <a:pt x="7015" y="5846"/>
+                  </a:lnTo>
+                  <a:lnTo>
+                    <a:pt x="6942" y="5748"/>
+                  </a:lnTo>
+                  <a:lnTo>
+                    <a:pt x="6893" y="5651"/>
+                  </a:lnTo>
+                  <a:lnTo>
+                    <a:pt x="1389" y="147"/>
+                  </a:lnTo>
+                  <a:lnTo>
+                    <a:pt x="1389" y="147"/>
+                  </a:lnTo>
+                  <a:lnTo>
+                    <a:pt x="1291" y="98"/>
+                  </a:lnTo>
+                  <a:lnTo>
+                    <a:pt x="1194" y="25"/>
+                  </a:lnTo>
+                  <a:lnTo>
+                    <a:pt x="1096" y="0"/>
+                  </a:lnTo>
+                  <a:lnTo>
+                    <a:pt x="999" y="0"/>
+                  </a:lnTo>
+                  <a:lnTo>
+                    <a:pt x="999" y="0"/>
+                  </a:lnTo>
+                  <a:lnTo>
+                    <a:pt x="902" y="0"/>
+                  </a:lnTo>
+                  <a:lnTo>
+                    <a:pt x="780" y="25"/>
+                  </a:lnTo>
+                  <a:lnTo>
+                    <a:pt x="682" y="98"/>
+                  </a:lnTo>
+                  <a:lnTo>
+                    <a:pt x="609" y="147"/>
+                  </a:lnTo>
+                  <a:lnTo>
+                    <a:pt x="609" y="147"/>
+                  </a:lnTo>
+                  <a:lnTo>
+                    <a:pt x="487" y="293"/>
+                  </a:lnTo>
+                  <a:lnTo>
+                    <a:pt x="366" y="439"/>
+                  </a:lnTo>
+                  <a:lnTo>
+                    <a:pt x="293" y="585"/>
+                  </a:lnTo>
+                  <a:lnTo>
+                    <a:pt x="195" y="731"/>
+                  </a:lnTo>
+                  <a:lnTo>
+                    <a:pt x="73" y="1048"/>
+                  </a:lnTo>
+                  <a:lnTo>
+                    <a:pt x="0" y="1389"/>
+                  </a:lnTo>
+                  <a:lnTo>
+                    <a:pt x="0" y="1730"/>
+                  </a:lnTo>
+                  <a:lnTo>
+                    <a:pt x="25" y="2046"/>
+                  </a:lnTo>
+                  <a:lnTo>
+                    <a:pt x="122" y="2387"/>
+                  </a:lnTo>
+                  <a:lnTo>
+                    <a:pt x="268" y="2704"/>
+                  </a:lnTo>
+                  <a:lnTo>
+                    <a:pt x="268" y="2704"/>
+                  </a:lnTo>
+                  <a:close/>
+                </a:path>
+              </a:pathLst>
+            </a:custGeom>
+            <a:noFill/>
+            <a:ln w="9525" cap="rnd" cmpd="sng">
+              <a:solidFill>
+                <a:srgbClr val="000000"/>
+              </a:solidFill>
+              <a:prstDash val="solid"/>
+              <a:round/>
+              <a:headEnd type="none" w="med" len="med"/>
+              <a:tailEnd type="none" w="med" len="med"/>
+            </a:ln>
+          </p:spPr>
+          <p:txBody>
+            <a:bodyPr lIns="121900" tIns="121900" rIns="121900" bIns="121900" anchor="ctr" anchorCtr="0">
+              <a:noAutofit/>
+            </a:bodyPr>
+            <a:lstStyle/>
+            <a:p>
+              <a:endParaRPr sz="2400"/>
+            </a:p>
+          </p:txBody>
+        </p:sp>
+        <p:sp>
+          <p:nvSpPr>
+            <p:cNvPr id="115" name="Shape 115"/>
+            <p:cNvSpPr/>
+            <p:nvPr/>
+          </p:nvSpPr>
+          <p:spPr>
+            <a:xfrm>
+              <a:off x="2662850" y="1699400"/>
+              <a:ext cx="303250" cy="303250"/>
+            </a:xfrm>
+            <a:custGeom>
+              <a:avLst/>
+              <a:gdLst/>
+              <a:ahLst/>
+              <a:cxnLst/>
+              <a:rect l="0" t="0" r="0" b="0"/>
+              <a:pathLst>
+                <a:path w="12130" h="12130" fill="none" extrusionOk="0">
+                  <a:moveTo>
+                    <a:pt x="8038" y="1"/>
+                  </a:moveTo>
+                  <a:lnTo>
+                    <a:pt x="4872" y="3191"/>
+                  </a:lnTo>
+                  <a:lnTo>
+                    <a:pt x="4872" y="3191"/>
+                  </a:lnTo>
+                  <a:lnTo>
+                    <a:pt x="4628" y="3094"/>
+                  </a:lnTo>
+                  <a:lnTo>
+                    <a:pt x="4385" y="2997"/>
+                  </a:lnTo>
+                  <a:lnTo>
+                    <a:pt x="4092" y="2899"/>
+                  </a:lnTo>
+                  <a:lnTo>
+                    <a:pt x="3800" y="2850"/>
+                  </a:lnTo>
+                  <a:lnTo>
+                    <a:pt x="3484" y="2777"/>
+                  </a:lnTo>
+                  <a:lnTo>
+                    <a:pt x="3167" y="2729"/>
+                  </a:lnTo>
+                  <a:lnTo>
+                    <a:pt x="2850" y="2704"/>
+                  </a:lnTo>
+                  <a:lnTo>
+                    <a:pt x="2534" y="2704"/>
+                  </a:lnTo>
+                  <a:lnTo>
+                    <a:pt x="2534" y="2704"/>
+                  </a:lnTo>
+                  <a:lnTo>
+                    <a:pt x="2241" y="2704"/>
+                  </a:lnTo>
+                  <a:lnTo>
+                    <a:pt x="1949" y="2729"/>
+                  </a:lnTo>
+                  <a:lnTo>
+                    <a:pt x="1633" y="2777"/>
+                  </a:lnTo>
+                  <a:lnTo>
+                    <a:pt x="1316" y="2850"/>
+                  </a:lnTo>
+                  <a:lnTo>
+                    <a:pt x="999" y="2972"/>
+                  </a:lnTo>
+                  <a:lnTo>
+                    <a:pt x="707" y="3094"/>
+                  </a:lnTo>
+                  <a:lnTo>
+                    <a:pt x="415" y="3289"/>
+                  </a:lnTo>
+                  <a:lnTo>
+                    <a:pt x="147" y="3508"/>
+                  </a:lnTo>
+                  <a:lnTo>
+                    <a:pt x="147" y="3508"/>
+                  </a:lnTo>
+                  <a:lnTo>
+                    <a:pt x="74" y="3581"/>
+                  </a:lnTo>
+                  <a:lnTo>
+                    <a:pt x="25" y="3678"/>
+                  </a:lnTo>
+                  <a:lnTo>
+                    <a:pt x="1" y="3776"/>
+                  </a:lnTo>
+                  <a:lnTo>
+                    <a:pt x="1" y="3898"/>
+                  </a:lnTo>
+                  <a:lnTo>
+                    <a:pt x="1" y="3898"/>
+                  </a:lnTo>
+                  <a:lnTo>
+                    <a:pt x="1" y="3995"/>
+                  </a:lnTo>
+                  <a:lnTo>
+                    <a:pt x="25" y="4093"/>
+                  </a:lnTo>
+                  <a:lnTo>
+                    <a:pt x="74" y="4190"/>
+                  </a:lnTo>
+                  <a:lnTo>
+                    <a:pt x="147" y="4287"/>
+                  </a:lnTo>
+                  <a:lnTo>
+                    <a:pt x="7843" y="11984"/>
+                  </a:lnTo>
+                  <a:lnTo>
+                    <a:pt x="7843" y="11984"/>
+                  </a:lnTo>
+                  <a:lnTo>
+                    <a:pt x="7941" y="12057"/>
+                  </a:lnTo>
+                  <a:lnTo>
+                    <a:pt x="8038" y="12105"/>
+                  </a:lnTo>
+                  <a:lnTo>
+                    <a:pt x="8135" y="12130"/>
+                  </a:lnTo>
+                  <a:lnTo>
+                    <a:pt x="8233" y="12130"/>
+                  </a:lnTo>
+                  <a:lnTo>
+                    <a:pt x="8233" y="12130"/>
+                  </a:lnTo>
+                  <a:lnTo>
+                    <a:pt x="8355" y="12130"/>
+                  </a:lnTo>
+                  <a:lnTo>
+                    <a:pt x="8452" y="12105"/>
+                  </a:lnTo>
+                  <a:lnTo>
+                    <a:pt x="8549" y="12057"/>
+                  </a:lnTo>
+                  <a:lnTo>
+                    <a:pt x="8622" y="11984"/>
+                  </a:lnTo>
+                  <a:lnTo>
+                    <a:pt x="8622" y="11984"/>
+                  </a:lnTo>
+                  <a:lnTo>
+                    <a:pt x="8842" y="11716"/>
+                  </a:lnTo>
+                  <a:lnTo>
+                    <a:pt x="9036" y="11423"/>
+                  </a:lnTo>
+                  <a:lnTo>
+                    <a:pt x="9158" y="11131"/>
+                  </a:lnTo>
+                  <a:lnTo>
+                    <a:pt x="9280" y="10814"/>
+                  </a:lnTo>
+                  <a:lnTo>
+                    <a:pt x="9353" y="10498"/>
+                  </a:lnTo>
+                  <a:lnTo>
+                    <a:pt x="9402" y="10181"/>
+                  </a:lnTo>
+                  <a:lnTo>
+                    <a:pt x="9426" y="9889"/>
+                  </a:lnTo>
+                  <a:lnTo>
+                    <a:pt x="9426" y="9597"/>
+                  </a:lnTo>
+                  <a:lnTo>
+                    <a:pt x="9426" y="9597"/>
+                  </a:lnTo>
+                  <a:lnTo>
+                    <a:pt x="9426" y="9280"/>
+                  </a:lnTo>
+                  <a:lnTo>
+                    <a:pt x="9402" y="8964"/>
+                  </a:lnTo>
+                  <a:lnTo>
+                    <a:pt x="9353" y="8647"/>
+                  </a:lnTo>
+                  <a:lnTo>
+                    <a:pt x="9280" y="8330"/>
+                  </a:lnTo>
+                  <a:lnTo>
+                    <a:pt x="9231" y="8038"/>
+                  </a:lnTo>
+                  <a:lnTo>
+                    <a:pt x="9134" y="7746"/>
+                  </a:lnTo>
+                  <a:lnTo>
+                    <a:pt x="9036" y="7502"/>
+                  </a:lnTo>
+                  <a:lnTo>
+                    <a:pt x="8939" y="7259"/>
+                  </a:lnTo>
+                  <a:lnTo>
+                    <a:pt x="12130" y="4093"/>
+                  </a:lnTo>
+                </a:path>
+              </a:pathLst>
+            </a:custGeom>
+            <a:noFill/>
+            <a:ln w="9525" cap="rnd" cmpd="sng">
+              <a:solidFill>
+                <a:srgbClr val="000000"/>
+              </a:solidFill>
+              <a:prstDash val="solid"/>
+              <a:round/>
+              <a:headEnd type="none" w="med" len="med"/>
+              <a:tailEnd type="none" w="med" len="med"/>
+            </a:ln>
+          </p:spPr>
+          <p:txBody>
+            <a:bodyPr lIns="121900" tIns="121900" rIns="121900" bIns="121900" anchor="ctr" anchorCtr="0">
+              <a:noAutofit/>
+            </a:bodyPr>
+            <a:lstStyle/>
+            <a:p>
+              <a:endParaRPr sz="2400"/>
+            </a:p>
+          </p:txBody>
+        </p:sp>
+        <p:sp>
+          <p:nvSpPr>
+            <p:cNvPr id="116" name="Shape 116"/>
+            <p:cNvSpPr/>
+            <p:nvPr/>
+          </p:nvSpPr>
+          <p:spPr>
+            <a:xfrm>
+              <a:off x="2814911" y="1754061"/>
+              <a:ext cx="49950" cy="49950"/>
+            </a:xfrm>
+            <a:custGeom>
+              <a:avLst/>
+              <a:gdLst/>
+              <a:ahLst/>
+              <a:cxnLst/>
+              <a:rect l="0" t="0" r="0" b="0"/>
+              <a:pathLst>
+                <a:path w="1998" h="1998" fill="none" extrusionOk="0">
+                  <a:moveTo>
+                    <a:pt x="1" y="1997"/>
+                  </a:moveTo>
+                  <a:lnTo>
+                    <a:pt x="1998" y="0"/>
+                  </a:lnTo>
+                </a:path>
+              </a:pathLst>
+            </a:custGeom>
+            <a:noFill/>
+            <a:ln w="9525" cap="rnd" cmpd="sng">
+              <a:solidFill>
+                <a:srgbClr val="000000"/>
+              </a:solidFill>
+              <a:prstDash val="solid"/>
+              <a:round/>
+              <a:headEnd type="none" w="med" len="med"/>
+              <a:tailEnd type="none" w="med" len="med"/>
+            </a:ln>
+          </p:spPr>
+          <p:txBody>
+            <a:bodyPr lIns="121900" tIns="121900" rIns="121900" bIns="121900" anchor="ctr" anchorCtr="0">
+              <a:noAutofit/>
+            </a:bodyPr>
+            <a:lstStyle/>
+            <a:p>
+              <a:endParaRPr sz="2400"/>
+            </a:p>
+          </p:txBody>
+        </p:sp>
+      </p:grpSp>
+      <p:sp>
+        <p:nvSpPr>
+          <p:cNvPr id="2" name="Marcador de Posição do Número do Diapositivo 1"/>
+          <p:cNvSpPr>
+            <a:spLocks noGrp="1"/>
+          </p:cNvSpPr>
+          <p:nvPr>
+            <p:ph type="sldNum" sz="quarter" idx="12"/>
+          </p:nvPr>
+        </p:nvSpPr>
+        <p:spPr/>
+        <p:txBody>
+          <a:bodyPr/>
+          <a:lstStyle/>
+          <a:p>
+            <a:fld id="{7A7FBF7A-E0A0-435F-9540-C356DFC5D048}" type="slidenum">
+              <a:rPr lang="pt-PT" smtClean="0"/>
+              <a:pPr/>
+              <a:t>33</a:t>
+            </a:fld>
+            <a:endParaRPr lang="pt-PT" dirty="0"/>
+          </a:p>
+        </p:txBody>
+      </p:sp>
+    </p:spTree>
+    <p:extLst>
+      <p:ext uri="{BB962C8B-B14F-4D97-AF65-F5344CB8AC3E}">
+        <p14:creationId xmlns:p14="http://schemas.microsoft.com/office/powerpoint/2010/main" val="2673119088"/>
+      </p:ext>
+    </p:extLst>
+  </p:cSld>
+  <p:clrMapOvr>
+    <a:masterClrMapping/>
+  </p:clrMapOvr>
+  <p:timing>
+    <p:tnLst>
+      <p:par>
+        <p:cTn id="1" dur="indefinite" restart="never" nodeType="tmRoot"/>
+      </p:par>
+    </p:tnLst>
+  </p:timing>
+</p:sld>
+</file>
+
+<file path=ppt/slides/slide34.xml><?xml version="1.0" encoding="utf-8"?>
+<p:sld xmlns:a="http://schemas.openxmlformats.org/drawingml/2006/main" xmlns:r="http://schemas.openxmlformats.org/officeDocument/2006/relationships" xmlns:p="http://schemas.openxmlformats.org/presentationml/2006/main">
+  <p:cSld>
+    <p:spTree>
+      <p:nvGrpSpPr>
+        <p:cNvPr id="1" name="Shape 109"/>
+        <p:cNvGrpSpPr/>
+        <p:nvPr/>
+      </p:nvGrpSpPr>
+      <p:grpSpPr>
+        <a:xfrm>
+          <a:off x="0" y="0"/>
+          <a:ext cx="0" cy="0"/>
+          <a:chOff x="0" y="0"/>
+          <a:chExt cx="0" cy="0"/>
+        </a:xfrm>
+      </p:grpSpPr>
+      <p:sp>
+        <p:nvSpPr>
+          <p:cNvPr id="110" name="Shape 110"/>
+          <p:cNvSpPr txBox="1">
+            <a:spLocks noGrp="1"/>
+          </p:cNvSpPr>
+          <p:nvPr>
+            <p:ph type="title"/>
+          </p:nvPr>
+        </p:nvSpPr>
+        <p:spPr>
+          <a:xfrm>
+            <a:off x="1841667" y="1239750"/>
+            <a:ext cx="5460833" cy="580799"/>
+          </a:xfrm>
+          <a:prstGeom prst="rect">
+            <a:avLst/>
+          </a:prstGeom>
+        </p:spPr>
+        <p:txBody>
+          <a:bodyPr vert="horz" lIns="121900" tIns="121900" rIns="121900" bIns="121900" rtlCol="0" anchor="ctr" anchorCtr="0">
+            <a:noAutofit/>
+          </a:bodyPr>
+          <a:lstStyle/>
+          <a:p>
+            <a:r>
+              <a:rPr lang="en" dirty="0" smtClean="0"/>
+              <a:t>Trabalho Futuro</a:t>
+            </a:r>
+            <a:endParaRPr lang="en" dirty="0">
+              <a:highlight>
+                <a:srgbClr val="FFCD00"/>
+              </a:highlight>
+            </a:endParaRPr>
+          </a:p>
+        </p:txBody>
+      </p:sp>
+      <p:sp>
+        <p:nvSpPr>
+          <p:cNvPr id="111" name="Shape 111"/>
+          <p:cNvSpPr txBox="1">
+            <a:spLocks noGrp="1"/>
+          </p:cNvSpPr>
+          <p:nvPr>
+            <p:ph type="body" idx="1"/>
+          </p:nvPr>
+        </p:nvSpPr>
+        <p:spPr>
+          <a:xfrm>
+            <a:off x="1344433" y="1864536"/>
+            <a:ext cx="9615667" cy="4637864"/>
+          </a:xfrm>
+          <a:prstGeom prst="rect">
+            <a:avLst/>
+          </a:prstGeom>
+        </p:spPr>
+        <p:txBody>
+          <a:bodyPr vert="horz" lIns="121900" tIns="121900" rIns="121900" bIns="121900" rtlCol="0" anchor="t" anchorCtr="0">
+            <a:noAutofit/>
+          </a:bodyPr>
+          <a:lstStyle/>
+          <a:p>
+            <a:pPr marL="609585" indent="-304792">
+              <a:lnSpc>
+                <a:spcPct val="100000"/>
+              </a:lnSpc>
+              <a:spcBef>
+                <a:spcPts val="0"/>
+              </a:spcBef>
+            </a:pPr>
+            <a:r>
+              <a:rPr lang="pt-PT" sz="2800" dirty="0" smtClean="0"/>
+              <a:t>Melhor validação do trabalho usando experiencias com estudantes</a:t>
+            </a:r>
+          </a:p>
+          <a:p>
+            <a:pPr marL="609585" indent="-304792">
+              <a:lnSpc>
+                <a:spcPct val="100000"/>
+              </a:lnSpc>
+              <a:spcBef>
+                <a:spcPts val="0"/>
+              </a:spcBef>
+            </a:pPr>
+            <a:endParaRPr lang="pt-PT" sz="2800" dirty="0" smtClean="0"/>
+          </a:p>
+          <a:p>
+            <a:pPr marL="609585" indent="-304792">
+              <a:lnSpc>
+                <a:spcPct val="100000"/>
+              </a:lnSpc>
+              <a:spcBef>
+                <a:spcPts val="0"/>
+              </a:spcBef>
+            </a:pPr>
+            <a:r>
+              <a:rPr lang="pt-PT" sz="2800" dirty="0" smtClean="0"/>
+              <a:t>Implementação das melhorias sugeridas pelos especialistas</a:t>
+            </a:r>
+          </a:p>
+          <a:p>
+            <a:pPr marL="609585" indent="-304792">
+              <a:lnSpc>
+                <a:spcPct val="100000"/>
+              </a:lnSpc>
+              <a:spcBef>
+                <a:spcPts val="0"/>
+              </a:spcBef>
+            </a:pPr>
+            <a:endParaRPr lang="pt-PT" sz="2800" dirty="0" smtClean="0"/>
+          </a:p>
+          <a:p>
+            <a:pPr marL="609585" indent="-304792">
+              <a:lnSpc>
+                <a:spcPct val="100000"/>
+              </a:lnSpc>
+              <a:spcBef>
+                <a:spcPts val="0"/>
+              </a:spcBef>
+            </a:pPr>
+            <a:r>
+              <a:rPr lang="pt-PT" sz="2800" dirty="0" smtClean="0"/>
+              <a:t>Implementação dos restantes tutoriais e material de </a:t>
+            </a:r>
+            <a:r>
+              <a:rPr lang="pt-PT" sz="2800" dirty="0" smtClean="0"/>
+              <a:t>apoio</a:t>
+            </a:r>
+          </a:p>
+          <a:p>
+            <a:pPr marL="609585" indent="-304792">
+              <a:lnSpc>
+                <a:spcPct val="100000"/>
+              </a:lnSpc>
+              <a:spcBef>
+                <a:spcPts val="0"/>
+              </a:spcBef>
+            </a:pPr>
+            <a:endParaRPr lang="en-US" sz="2800" dirty="0"/>
+          </a:p>
+          <a:p>
+            <a:pPr marL="609585" indent="-304792">
+              <a:lnSpc>
+                <a:spcPct val="100000"/>
+              </a:lnSpc>
+              <a:spcBef>
+                <a:spcPts val="0"/>
+              </a:spcBef>
+            </a:pPr>
+            <a:r>
+              <a:rPr lang="pt-PT" sz="2800" dirty="0" smtClean="0"/>
+              <a:t>Expansão para um formato de livro/e-book</a:t>
+            </a:r>
+            <a:endParaRPr lang="pt-PT" sz="2800" dirty="0"/>
+          </a:p>
+        </p:txBody>
+      </p:sp>
+      <p:grpSp>
+        <p:nvGrpSpPr>
+          <p:cNvPr id="112" name="Shape 112"/>
+          <p:cNvGrpSpPr/>
+          <p:nvPr/>
+        </p:nvGrpSpPr>
+        <p:grpSpPr>
+          <a:xfrm>
+            <a:off x="1221944" y="1359667"/>
+            <a:ext cx="286165" cy="286165"/>
+            <a:chOff x="2594050" y="1631825"/>
+            <a:chExt cx="439625" cy="439625"/>
+          </a:xfrm>
+        </p:grpSpPr>
+        <p:sp>
+          <p:nvSpPr>
+            <p:cNvPr id="113" name="Shape 113"/>
+            <p:cNvSpPr/>
+            <p:nvPr/>
+          </p:nvSpPr>
+          <p:spPr>
+            <a:xfrm>
+              <a:off x="2594050" y="1883300"/>
+              <a:ext cx="188175" cy="188150"/>
+            </a:xfrm>
+            <a:custGeom>
+              <a:avLst/>
+              <a:gdLst/>
+              <a:ahLst/>
+              <a:cxnLst/>
+              <a:rect l="0" t="0" r="0" b="0"/>
+              <a:pathLst>
+                <a:path w="7527" h="7526" fill="none" extrusionOk="0">
+                  <a:moveTo>
+                    <a:pt x="5992" y="0"/>
+                  </a:moveTo>
+                  <a:lnTo>
+                    <a:pt x="537" y="6430"/>
+                  </a:lnTo>
+                  <a:lnTo>
+                    <a:pt x="1" y="7526"/>
+                  </a:lnTo>
+                  <a:lnTo>
+                    <a:pt x="1097" y="6990"/>
+                  </a:lnTo>
+                  <a:lnTo>
+                    <a:pt x="7526" y="1534"/>
+                  </a:lnTo>
+                  <a:lnTo>
+                    <a:pt x="5992" y="0"/>
+                  </a:lnTo>
+                  <a:close/>
+                </a:path>
+              </a:pathLst>
+            </a:custGeom>
+            <a:noFill/>
+            <a:ln w="9525" cap="rnd" cmpd="sng">
+              <a:solidFill>
+                <a:srgbClr val="000000"/>
+              </a:solidFill>
+              <a:prstDash val="solid"/>
+              <a:round/>
+              <a:headEnd type="none" w="med" len="med"/>
+              <a:tailEnd type="none" w="med" len="med"/>
+            </a:ln>
+          </p:spPr>
+          <p:txBody>
+            <a:bodyPr lIns="121900" tIns="121900" rIns="121900" bIns="121900" anchor="ctr" anchorCtr="0">
+              <a:noAutofit/>
+            </a:bodyPr>
+            <a:lstStyle/>
+            <a:p>
+              <a:endParaRPr sz="2400"/>
+            </a:p>
+          </p:txBody>
+        </p:sp>
+        <p:sp>
+          <p:nvSpPr>
+            <p:cNvPr id="114" name="Shape 114"/>
+            <p:cNvSpPr/>
+            <p:nvPr/>
+          </p:nvSpPr>
+          <p:spPr>
+            <a:xfrm>
+              <a:off x="2857700" y="1631825"/>
+              <a:ext cx="175975" cy="176000"/>
+            </a:xfrm>
+            <a:custGeom>
+              <a:avLst/>
+              <a:gdLst/>
+              <a:ahLst/>
+              <a:cxnLst/>
+              <a:rect l="0" t="0" r="0" b="0"/>
+              <a:pathLst>
+                <a:path w="7039" h="7040" fill="none" extrusionOk="0">
+                  <a:moveTo>
+                    <a:pt x="268" y="2704"/>
+                  </a:moveTo>
+                  <a:lnTo>
+                    <a:pt x="4336" y="6771"/>
+                  </a:lnTo>
+                  <a:lnTo>
+                    <a:pt x="4336" y="6771"/>
+                  </a:lnTo>
+                  <a:lnTo>
+                    <a:pt x="4336" y="6771"/>
+                  </a:lnTo>
+                  <a:lnTo>
+                    <a:pt x="4652" y="6917"/>
+                  </a:lnTo>
+                  <a:lnTo>
+                    <a:pt x="4993" y="7015"/>
+                  </a:lnTo>
+                  <a:lnTo>
+                    <a:pt x="5310" y="7039"/>
+                  </a:lnTo>
+                  <a:lnTo>
+                    <a:pt x="5651" y="7039"/>
+                  </a:lnTo>
+                  <a:lnTo>
+                    <a:pt x="5992" y="6966"/>
+                  </a:lnTo>
+                  <a:lnTo>
+                    <a:pt x="6308" y="6844"/>
+                  </a:lnTo>
+                  <a:lnTo>
+                    <a:pt x="6454" y="6747"/>
+                  </a:lnTo>
+                  <a:lnTo>
+                    <a:pt x="6601" y="6674"/>
+                  </a:lnTo>
+                  <a:lnTo>
+                    <a:pt x="6747" y="6552"/>
+                  </a:lnTo>
+                  <a:lnTo>
+                    <a:pt x="6893" y="6430"/>
+                  </a:lnTo>
+                  <a:lnTo>
+                    <a:pt x="6893" y="6430"/>
+                  </a:lnTo>
+                  <a:lnTo>
+                    <a:pt x="6942" y="6357"/>
+                  </a:lnTo>
+                  <a:lnTo>
+                    <a:pt x="7015" y="6260"/>
+                  </a:lnTo>
+                  <a:lnTo>
+                    <a:pt x="7039" y="6138"/>
+                  </a:lnTo>
+                  <a:lnTo>
+                    <a:pt x="7039" y="6041"/>
+                  </a:lnTo>
+                  <a:lnTo>
+                    <a:pt x="7039" y="6041"/>
+                  </a:lnTo>
+                  <a:lnTo>
+                    <a:pt x="7039" y="5943"/>
+                  </a:lnTo>
+                  <a:lnTo>
+                    <a:pt x="7015" y="5846"/>
+                  </a:lnTo>
+                  <a:lnTo>
+                    <a:pt x="6942" y="5748"/>
+                  </a:lnTo>
+                  <a:lnTo>
+                    <a:pt x="6893" y="5651"/>
+                  </a:lnTo>
+                  <a:lnTo>
+                    <a:pt x="1389" y="147"/>
+                  </a:lnTo>
+                  <a:lnTo>
+                    <a:pt x="1389" y="147"/>
+                  </a:lnTo>
+                  <a:lnTo>
+                    <a:pt x="1291" y="98"/>
+                  </a:lnTo>
+                  <a:lnTo>
+                    <a:pt x="1194" y="25"/>
+                  </a:lnTo>
+                  <a:lnTo>
+                    <a:pt x="1096" y="0"/>
+                  </a:lnTo>
+                  <a:lnTo>
+                    <a:pt x="999" y="0"/>
+                  </a:lnTo>
+                  <a:lnTo>
+                    <a:pt x="999" y="0"/>
+                  </a:lnTo>
+                  <a:lnTo>
+                    <a:pt x="902" y="0"/>
+                  </a:lnTo>
+                  <a:lnTo>
+                    <a:pt x="780" y="25"/>
+                  </a:lnTo>
+                  <a:lnTo>
+                    <a:pt x="682" y="98"/>
+                  </a:lnTo>
+                  <a:lnTo>
+                    <a:pt x="609" y="147"/>
+                  </a:lnTo>
+                  <a:lnTo>
+                    <a:pt x="609" y="147"/>
+                  </a:lnTo>
+                  <a:lnTo>
+                    <a:pt x="487" y="293"/>
+                  </a:lnTo>
+                  <a:lnTo>
+                    <a:pt x="366" y="439"/>
+                  </a:lnTo>
+                  <a:lnTo>
+                    <a:pt x="293" y="585"/>
+                  </a:lnTo>
+                  <a:lnTo>
+                    <a:pt x="195" y="731"/>
+                  </a:lnTo>
+                  <a:lnTo>
+                    <a:pt x="73" y="1048"/>
+                  </a:lnTo>
+                  <a:lnTo>
+                    <a:pt x="0" y="1389"/>
+                  </a:lnTo>
+                  <a:lnTo>
+                    <a:pt x="0" y="1730"/>
+                  </a:lnTo>
+                  <a:lnTo>
+                    <a:pt x="25" y="2046"/>
+                  </a:lnTo>
+                  <a:lnTo>
+                    <a:pt x="122" y="2387"/>
+                  </a:lnTo>
+                  <a:lnTo>
+                    <a:pt x="268" y="2704"/>
+                  </a:lnTo>
+                  <a:lnTo>
+                    <a:pt x="268" y="2704"/>
+                  </a:lnTo>
+                  <a:close/>
+                </a:path>
+              </a:pathLst>
+            </a:custGeom>
+            <a:noFill/>
+            <a:ln w="9525" cap="rnd" cmpd="sng">
+              <a:solidFill>
+                <a:srgbClr val="000000"/>
+              </a:solidFill>
+              <a:prstDash val="solid"/>
+              <a:round/>
+              <a:headEnd type="none" w="med" len="med"/>
+              <a:tailEnd type="none" w="med" len="med"/>
+            </a:ln>
+          </p:spPr>
+          <p:txBody>
+            <a:bodyPr lIns="121900" tIns="121900" rIns="121900" bIns="121900" anchor="ctr" anchorCtr="0">
+              <a:noAutofit/>
+            </a:bodyPr>
+            <a:lstStyle/>
+            <a:p>
+              <a:endParaRPr sz="2400"/>
+            </a:p>
+          </p:txBody>
+        </p:sp>
+        <p:sp>
+          <p:nvSpPr>
+            <p:cNvPr id="115" name="Shape 115"/>
+            <p:cNvSpPr/>
+            <p:nvPr/>
+          </p:nvSpPr>
+          <p:spPr>
+            <a:xfrm>
+              <a:off x="2662850" y="1699400"/>
+              <a:ext cx="303250" cy="303250"/>
+            </a:xfrm>
+            <a:custGeom>
+              <a:avLst/>
+              <a:gdLst/>
+              <a:ahLst/>
+              <a:cxnLst/>
+              <a:rect l="0" t="0" r="0" b="0"/>
+              <a:pathLst>
+                <a:path w="12130" h="12130" fill="none" extrusionOk="0">
+                  <a:moveTo>
+                    <a:pt x="8038" y="1"/>
+                  </a:moveTo>
+                  <a:lnTo>
+                    <a:pt x="4872" y="3191"/>
+                  </a:lnTo>
+                  <a:lnTo>
+                    <a:pt x="4872" y="3191"/>
+                  </a:lnTo>
+                  <a:lnTo>
+                    <a:pt x="4628" y="3094"/>
+                  </a:lnTo>
+                  <a:lnTo>
+                    <a:pt x="4385" y="2997"/>
+                  </a:lnTo>
+                  <a:lnTo>
+                    <a:pt x="4092" y="2899"/>
+                  </a:lnTo>
+                  <a:lnTo>
+                    <a:pt x="3800" y="2850"/>
+                  </a:lnTo>
+                  <a:lnTo>
+                    <a:pt x="3484" y="2777"/>
+                  </a:lnTo>
+                  <a:lnTo>
+                    <a:pt x="3167" y="2729"/>
+                  </a:lnTo>
+                  <a:lnTo>
+                    <a:pt x="2850" y="2704"/>
+                  </a:lnTo>
+                  <a:lnTo>
+                    <a:pt x="2534" y="2704"/>
+                  </a:lnTo>
+                  <a:lnTo>
+                    <a:pt x="2534" y="2704"/>
+                  </a:lnTo>
+                  <a:lnTo>
+                    <a:pt x="2241" y="2704"/>
+                  </a:lnTo>
+                  <a:lnTo>
+                    <a:pt x="1949" y="2729"/>
+                  </a:lnTo>
+                  <a:lnTo>
+                    <a:pt x="1633" y="2777"/>
+                  </a:lnTo>
+                  <a:lnTo>
+                    <a:pt x="1316" y="2850"/>
+                  </a:lnTo>
+                  <a:lnTo>
+                    <a:pt x="999" y="2972"/>
+                  </a:lnTo>
+                  <a:lnTo>
+                    <a:pt x="707" y="3094"/>
+                  </a:lnTo>
+                  <a:lnTo>
+                    <a:pt x="415" y="3289"/>
+                  </a:lnTo>
+                  <a:lnTo>
+                    <a:pt x="147" y="3508"/>
+                  </a:lnTo>
+                  <a:lnTo>
+                    <a:pt x="147" y="3508"/>
+                  </a:lnTo>
+                  <a:lnTo>
+                    <a:pt x="74" y="3581"/>
+                  </a:lnTo>
+                  <a:lnTo>
+                    <a:pt x="25" y="3678"/>
+                  </a:lnTo>
+                  <a:lnTo>
+                    <a:pt x="1" y="3776"/>
+                  </a:lnTo>
+                  <a:lnTo>
+                    <a:pt x="1" y="3898"/>
+                  </a:lnTo>
+                  <a:lnTo>
+                    <a:pt x="1" y="3898"/>
+                  </a:lnTo>
+                  <a:lnTo>
+                    <a:pt x="1" y="3995"/>
+                  </a:lnTo>
+                  <a:lnTo>
+                    <a:pt x="25" y="4093"/>
+                  </a:lnTo>
+                  <a:lnTo>
+                    <a:pt x="74" y="4190"/>
+                  </a:lnTo>
+                  <a:lnTo>
+                    <a:pt x="147" y="4287"/>
+                  </a:lnTo>
+                  <a:lnTo>
+                    <a:pt x="7843" y="11984"/>
+                  </a:lnTo>
+                  <a:lnTo>
+                    <a:pt x="7843" y="11984"/>
+                  </a:lnTo>
+                  <a:lnTo>
+                    <a:pt x="7941" y="12057"/>
+                  </a:lnTo>
+                  <a:lnTo>
+                    <a:pt x="8038" y="12105"/>
+                  </a:lnTo>
+                  <a:lnTo>
+                    <a:pt x="8135" y="12130"/>
+                  </a:lnTo>
+                  <a:lnTo>
+                    <a:pt x="8233" y="12130"/>
+                  </a:lnTo>
+                  <a:lnTo>
+                    <a:pt x="8233" y="12130"/>
+                  </a:lnTo>
+                  <a:lnTo>
+                    <a:pt x="8355" y="12130"/>
+                  </a:lnTo>
+                  <a:lnTo>
+                    <a:pt x="8452" y="12105"/>
+                  </a:lnTo>
+                  <a:lnTo>
+                    <a:pt x="8549" y="12057"/>
+                  </a:lnTo>
+                  <a:lnTo>
+                    <a:pt x="8622" y="11984"/>
+                  </a:lnTo>
+                  <a:lnTo>
+                    <a:pt x="8622" y="11984"/>
+                  </a:lnTo>
+                  <a:lnTo>
+                    <a:pt x="8842" y="11716"/>
+                  </a:lnTo>
+                  <a:lnTo>
+                    <a:pt x="9036" y="11423"/>
+                  </a:lnTo>
+                  <a:lnTo>
+                    <a:pt x="9158" y="11131"/>
+                  </a:lnTo>
+                  <a:lnTo>
+                    <a:pt x="9280" y="10814"/>
+                  </a:lnTo>
+                  <a:lnTo>
+                    <a:pt x="9353" y="10498"/>
+                  </a:lnTo>
+                  <a:lnTo>
+                    <a:pt x="9402" y="10181"/>
+                  </a:lnTo>
+                  <a:lnTo>
+                    <a:pt x="9426" y="9889"/>
+                  </a:lnTo>
+                  <a:lnTo>
+                    <a:pt x="9426" y="9597"/>
+                  </a:lnTo>
+                  <a:lnTo>
+                    <a:pt x="9426" y="9597"/>
+                  </a:lnTo>
+                  <a:lnTo>
+                    <a:pt x="9426" y="9280"/>
+                  </a:lnTo>
+                  <a:lnTo>
+                    <a:pt x="9402" y="8964"/>
+                  </a:lnTo>
+                  <a:lnTo>
+                    <a:pt x="9353" y="8647"/>
+                  </a:lnTo>
+                  <a:lnTo>
+                    <a:pt x="9280" y="8330"/>
+                  </a:lnTo>
+                  <a:lnTo>
+                    <a:pt x="9231" y="8038"/>
+                  </a:lnTo>
+                  <a:lnTo>
+                    <a:pt x="9134" y="7746"/>
+                  </a:lnTo>
+                  <a:lnTo>
+                    <a:pt x="9036" y="7502"/>
+                  </a:lnTo>
+                  <a:lnTo>
+                    <a:pt x="8939" y="7259"/>
+                  </a:lnTo>
+                  <a:lnTo>
+                    <a:pt x="12130" y="4093"/>
+                  </a:lnTo>
+                </a:path>
+              </a:pathLst>
+            </a:custGeom>
+            <a:noFill/>
+            <a:ln w="9525" cap="rnd" cmpd="sng">
+              <a:solidFill>
+                <a:srgbClr val="000000"/>
+              </a:solidFill>
+              <a:prstDash val="solid"/>
+              <a:round/>
+              <a:headEnd type="none" w="med" len="med"/>
+              <a:tailEnd type="none" w="med" len="med"/>
+            </a:ln>
+          </p:spPr>
+          <p:txBody>
+            <a:bodyPr lIns="121900" tIns="121900" rIns="121900" bIns="121900" anchor="ctr" anchorCtr="0">
+              <a:noAutofit/>
+            </a:bodyPr>
+            <a:lstStyle/>
+            <a:p>
+              <a:endParaRPr sz="2400"/>
+            </a:p>
+          </p:txBody>
+        </p:sp>
+        <p:sp>
+          <p:nvSpPr>
+            <p:cNvPr id="116" name="Shape 116"/>
+            <p:cNvSpPr/>
+            <p:nvPr/>
+          </p:nvSpPr>
+          <p:spPr>
+            <a:xfrm>
+              <a:off x="2814911" y="1754061"/>
+              <a:ext cx="49950" cy="49950"/>
+            </a:xfrm>
+            <a:custGeom>
+              <a:avLst/>
+              <a:gdLst/>
+              <a:ahLst/>
+              <a:cxnLst/>
+              <a:rect l="0" t="0" r="0" b="0"/>
+              <a:pathLst>
+                <a:path w="1998" h="1998" fill="none" extrusionOk="0">
+                  <a:moveTo>
+                    <a:pt x="1" y="1997"/>
+                  </a:moveTo>
+                  <a:lnTo>
+                    <a:pt x="1998" y="0"/>
+                  </a:lnTo>
+                </a:path>
+              </a:pathLst>
+            </a:custGeom>
+            <a:noFill/>
+            <a:ln w="9525" cap="rnd" cmpd="sng">
+              <a:solidFill>
+                <a:srgbClr val="000000"/>
+              </a:solidFill>
+              <a:prstDash val="solid"/>
+              <a:round/>
+              <a:headEnd type="none" w="med" len="med"/>
+              <a:tailEnd type="none" w="med" len="med"/>
+            </a:ln>
+          </p:spPr>
+          <p:txBody>
+            <a:bodyPr lIns="121900" tIns="121900" rIns="121900" bIns="121900" anchor="ctr" anchorCtr="0">
+              <a:noAutofit/>
+            </a:bodyPr>
+            <a:lstStyle/>
+            <a:p>
+              <a:endParaRPr sz="2400"/>
+            </a:p>
+          </p:txBody>
+        </p:sp>
+      </p:grpSp>
+      <p:sp>
+        <p:nvSpPr>
+          <p:cNvPr id="2" name="Marcador de Posição do Número do Diapositivo 1"/>
+          <p:cNvSpPr>
+            <a:spLocks noGrp="1"/>
+          </p:cNvSpPr>
+          <p:nvPr>
+            <p:ph type="sldNum" sz="quarter" idx="12"/>
+          </p:nvPr>
+        </p:nvSpPr>
+        <p:spPr/>
+        <p:txBody>
+          <a:bodyPr/>
+          <a:lstStyle/>
+          <a:p>
+            <a:fld id="{7A7FBF7A-E0A0-435F-9540-C356DFC5D048}" type="slidenum">
+              <a:rPr lang="pt-PT" smtClean="0"/>
+              <a:pPr/>
+              <a:t>34</a:t>
+            </a:fld>
+            <a:endParaRPr lang="pt-PT" dirty="0"/>
+          </a:p>
+        </p:txBody>
+      </p:sp>
     </p:spTree>
     <p:extLst>
       <p:ext uri="{BB962C8B-B14F-4D97-AF65-F5344CB8AC3E}">
@@ -19638,7 +23396,7 @@
 </p:sld>
 </file>
 
-<file path=ppt/slides/slide32.xml><?xml version="1.0" encoding="utf-8"?>
+<file path=ppt/slides/slide35.xml><?xml version="1.0" encoding="utf-8"?>
 <p:sld xmlns:a="http://schemas.openxmlformats.org/drawingml/2006/main" xmlns:r="http://schemas.openxmlformats.org/officeDocument/2006/relationships" xmlns:p="http://schemas.openxmlformats.org/presentationml/2006/main">
   <p:cSld>
     <p:spTree>
@@ -20093,6 +23851,30 @@
                 </a:schemeClr>
               </a:solidFill>
             </a:endParaRPr>
+          </a:p>
+        </p:txBody>
+      </p:sp>
+      <p:sp>
+        <p:nvSpPr>
+          <p:cNvPr id="2" name="Marcador de Posição do Número do Diapositivo 1"/>
+          <p:cNvSpPr>
+            <a:spLocks noGrp="1"/>
+          </p:cNvSpPr>
+          <p:nvPr>
+            <p:ph type="sldNum" sz="quarter" idx="12"/>
+          </p:nvPr>
+        </p:nvSpPr>
+        <p:spPr/>
+        <p:txBody>
+          <a:bodyPr/>
+          <a:lstStyle/>
+          <a:p>
+            <a:fld id="{7A7FBF7A-E0A0-435F-9540-C356DFC5D048}" type="slidenum">
+              <a:rPr lang="pt-PT" smtClean="0"/>
+              <a:pPr/>
+              <a:t>35</a:t>
+            </a:fld>
+            <a:endParaRPr lang="pt-PT" dirty="0"/>
           </a:p>
         </p:txBody>
       </p:sp>
@@ -21369,6 +25151,30 @@
           </a:p>
         </p:txBody>
       </p:sp>
+      <p:sp>
+        <p:nvSpPr>
+          <p:cNvPr id="2" name="Marcador de Posição do Número do Diapositivo 1"/>
+          <p:cNvSpPr>
+            <a:spLocks noGrp="1"/>
+          </p:cNvSpPr>
+          <p:nvPr>
+            <p:ph type="sldNum" sz="quarter" idx="12"/>
+          </p:nvPr>
+        </p:nvSpPr>
+        <p:spPr/>
+        <p:txBody>
+          <a:bodyPr/>
+          <a:lstStyle/>
+          <a:p>
+            <a:fld id="{7A7FBF7A-E0A0-435F-9540-C356DFC5D048}" type="slidenum">
+              <a:rPr lang="pt-PT" smtClean="0"/>
+              <a:pPr/>
+              <a:t>4</a:t>
+            </a:fld>
+            <a:endParaRPr lang="pt-PT" dirty="0"/>
+          </a:p>
+        </p:txBody>
+      </p:sp>
     </p:spTree>
     <p:extLst>
       <p:ext uri="{BB962C8B-B14F-4D97-AF65-F5344CB8AC3E}">
@@ -21475,7 +25281,7 @@
             </a:pPr>
             <a:r>
               <a:rPr lang="pt-PT" dirty="0" smtClean="0"/>
-              <a:t>Introdução à Programação</a:t>
+              <a:t>Ensino de uma Introdução à Programação</a:t>
             </a:r>
           </a:p>
           <a:p>
@@ -21494,7 +25300,11 @@
             </a:pPr>
             <a:r>
               <a:rPr lang="pt-PT" dirty="0" smtClean="0"/>
-              <a:t>Introdução simultânea aos Jogos Digitais</a:t>
+              <a:t>Ensino </a:t>
+            </a:r>
+            <a:r>
+              <a:rPr lang="pt-PT" dirty="0" smtClean="0"/>
+              <a:t>simultâneo dos Jogos Digitais</a:t>
             </a:r>
           </a:p>
           <a:p>
@@ -21515,6 +25325,38 @@
               <a:rPr lang="pt-PT" dirty="0" smtClean="0"/>
               <a:t>Conjunto de Atividades PBL</a:t>
             </a:r>
+          </a:p>
+          <a:p>
+            <a:pPr marL="609585" indent="-304792">
+              <a:spcBef>
+                <a:spcPts val="0"/>
+              </a:spcBef>
+            </a:pPr>
+            <a:endParaRPr lang="pt-PT" dirty="0" smtClean="0"/>
+          </a:p>
+          <a:p>
+            <a:pPr marL="609585" indent="-304792">
+              <a:spcBef>
+                <a:spcPts val="0"/>
+              </a:spcBef>
+            </a:pPr>
+            <a:r>
+              <a:rPr lang="pt-PT" dirty="0" smtClean="0"/>
+              <a:t>Plano adaptado a e-</a:t>
+            </a:r>
+            <a:r>
+              <a:rPr lang="pt-PT" dirty="0" err="1" smtClean="0"/>
+              <a:t>learning</a:t>
+            </a:r>
+            <a:r>
+              <a:rPr lang="pt-PT" dirty="0" smtClean="0"/>
+              <a:t> e b-</a:t>
+            </a:r>
+            <a:r>
+              <a:rPr lang="pt-PT" dirty="0" err="1" smtClean="0"/>
+              <a:t>learning</a:t>
+            </a:r>
+            <a:endParaRPr lang="pt-PT" dirty="0" smtClean="0"/>
           </a:p>
           <a:p>
             <a:pPr marL="609585" indent="-304792">
@@ -22072,6 +25914,30 @@
           </p:txBody>
         </p:sp>
       </p:grpSp>
+      <p:sp>
+        <p:nvSpPr>
+          <p:cNvPr id="2" name="Marcador de Posição do Número do Diapositivo 1"/>
+          <p:cNvSpPr>
+            <a:spLocks noGrp="1"/>
+          </p:cNvSpPr>
+          <p:nvPr>
+            <p:ph type="sldNum" sz="quarter" idx="12"/>
+          </p:nvPr>
+        </p:nvSpPr>
+        <p:spPr/>
+        <p:txBody>
+          <a:bodyPr/>
+          <a:lstStyle/>
+          <a:p>
+            <a:fld id="{7A7FBF7A-E0A0-435F-9540-C356DFC5D048}" type="slidenum">
+              <a:rPr lang="pt-PT" smtClean="0"/>
+              <a:pPr/>
+              <a:t>5</a:t>
+            </a:fld>
+            <a:endParaRPr lang="pt-PT" dirty="0"/>
+          </a:p>
+        </p:txBody>
+      </p:sp>
     </p:spTree>
     <p:extLst>
       <p:ext uri="{BB962C8B-B14F-4D97-AF65-F5344CB8AC3E}">
@@ -22189,6 +26055,30 @@
               <a:cs typeface="Lora"/>
               <a:sym typeface="Lora"/>
             </a:endParaRPr>
+          </a:p>
+        </p:txBody>
+      </p:sp>
+      <p:sp>
+        <p:nvSpPr>
+          <p:cNvPr id="2" name="Marcador de Posição do Número do Diapositivo 1"/>
+          <p:cNvSpPr>
+            <a:spLocks noGrp="1"/>
+          </p:cNvSpPr>
+          <p:nvPr>
+            <p:ph type="sldNum" sz="quarter" idx="12"/>
+          </p:nvPr>
+        </p:nvSpPr>
+        <p:spPr/>
+        <p:txBody>
+          <a:bodyPr/>
+          <a:lstStyle/>
+          <a:p>
+            <a:fld id="{7A7FBF7A-E0A0-435F-9540-C356DFC5D048}" type="slidenum">
+              <a:rPr lang="pt-PT" smtClean="0"/>
+              <a:pPr/>
+              <a:t>6</a:t>
+            </a:fld>
+            <a:endParaRPr lang="pt-PT" dirty="0"/>
           </a:p>
         </p:txBody>
       </p:sp>
@@ -22278,7 +26168,7 @@
         </p:nvSpPr>
         <p:spPr>
           <a:xfrm>
-            <a:off x="1600367" y="3355730"/>
+            <a:off x="1508109" y="3025530"/>
             <a:ext cx="9079600" cy="2641542"/>
           </a:xfrm>
           <a:prstGeom prst="rect">
@@ -22326,7 +26216,36 @@
             </a:pPr>
             <a:r>
               <a:rPr lang="pt-PT" sz="2800" dirty="0" smtClean="0"/>
-              <a:t>Paradigmas e Programas de estudos em unidades curriculares de introdução à programação</a:t>
+              <a:t>Paradigmas e Programas de estudos em unidades curriculares de introdução à </a:t>
+            </a:r>
+            <a:r>
+              <a:rPr lang="pt-PT" sz="2800" dirty="0" smtClean="0"/>
+              <a:t>programação</a:t>
+            </a:r>
+          </a:p>
+          <a:p>
+            <a:pPr marL="609585" indent="-304792">
+              <a:lnSpc>
+                <a:spcPct val="100000"/>
+              </a:lnSpc>
+              <a:spcBef>
+                <a:spcPts val="0"/>
+              </a:spcBef>
+            </a:pPr>
+            <a:endParaRPr lang="pt-PT" sz="2800" dirty="0" smtClean="0"/>
+          </a:p>
+          <a:p>
+            <a:pPr marL="609585" indent="-304792">
+              <a:lnSpc>
+                <a:spcPct val="100000"/>
+              </a:lnSpc>
+              <a:spcBef>
+                <a:spcPts val="0"/>
+              </a:spcBef>
+            </a:pPr>
+            <a:r>
+              <a:rPr lang="en-US" sz="2800" dirty="0" smtClean="0"/>
+              <a:t>ACM Computer Science Curricula</a:t>
             </a:r>
             <a:endParaRPr lang="pt-PT" sz="2800" dirty="0"/>
           </a:p>
@@ -23110,6 +27029,30 @@
               <a:rPr lang="pt-PT" sz="2800" dirty="0" smtClean="0"/>
               <a:t>Análise breve do estado atual do ensino da programação</a:t>
             </a:r>
+          </a:p>
+        </p:txBody>
+      </p:sp>
+      <p:sp>
+        <p:nvSpPr>
+          <p:cNvPr id="2" name="Marcador de Posição do Número do Diapositivo 1"/>
+          <p:cNvSpPr>
+            <a:spLocks noGrp="1"/>
+          </p:cNvSpPr>
+          <p:nvPr>
+            <p:ph type="sldNum" sz="quarter" idx="12"/>
+          </p:nvPr>
+        </p:nvSpPr>
+        <p:spPr/>
+        <p:txBody>
+          <a:bodyPr/>
+          <a:lstStyle/>
+          <a:p>
+            <a:fld id="{7A7FBF7A-E0A0-435F-9540-C356DFC5D048}" type="slidenum">
+              <a:rPr lang="pt-PT" smtClean="0"/>
+              <a:pPr/>
+              <a:t>7</a:t>
+            </a:fld>
+            <a:endParaRPr lang="pt-PT" dirty="0"/>
           </a:p>
         </p:txBody>
       </p:sp>
@@ -23199,8 +27142,8 @@
         </p:nvSpPr>
         <p:spPr>
           <a:xfrm>
-            <a:off x="1393562" y="4273547"/>
-            <a:ext cx="9079600" cy="1025770"/>
+            <a:off x="1393562" y="3596379"/>
+            <a:ext cx="9079600" cy="2355688"/>
           </a:xfrm>
           <a:prstGeom prst="rect">
             <a:avLst/>
@@ -23222,7 +27165,40 @@
             </a:pPr>
             <a:r>
               <a:rPr lang="pt-PT" sz="2800" dirty="0" smtClean="0"/>
-              <a:t>Seguindo o IGDA Curriculum Framework</a:t>
+              <a:t>IGDA </a:t>
+            </a:r>
+            <a:r>
+              <a:rPr lang="pt-PT" sz="2800" dirty="0" smtClean="0"/>
+              <a:t>Curriculum </a:t>
+            </a:r>
+            <a:r>
+              <a:rPr lang="pt-PT" sz="2800" dirty="0" smtClean="0"/>
+              <a:t>Framework</a:t>
+            </a:r>
+          </a:p>
+          <a:p>
+            <a:pPr marL="609585" indent="-304792">
+              <a:lnSpc>
+                <a:spcPct val="100000"/>
+              </a:lnSpc>
+              <a:spcBef>
+                <a:spcPts val="0"/>
+              </a:spcBef>
+            </a:pPr>
+            <a:endParaRPr lang="en-US" sz="2800" dirty="0"/>
+          </a:p>
+          <a:p>
+            <a:pPr marL="609585" indent="-304792">
+              <a:lnSpc>
+                <a:spcPct val="100000"/>
+              </a:lnSpc>
+              <a:spcBef>
+                <a:spcPts val="0"/>
+              </a:spcBef>
+            </a:pPr>
+            <a:r>
+              <a:rPr lang="pt-PT" sz="2800" dirty="0" smtClean="0"/>
+              <a:t>Predominância do uso de motores de jogo</a:t>
             </a:r>
             <a:endParaRPr lang="pt-PT" sz="2800" dirty="0"/>
           </a:p>
@@ -23772,8 +27748,8 @@
         </p:nvSpPr>
         <p:spPr>
           <a:xfrm>
-            <a:off x="1279015" y="2526470"/>
-            <a:ext cx="9079600" cy="961538"/>
+            <a:off x="1221944" y="2048011"/>
+            <a:ext cx="9079600" cy="1592655"/>
           </a:xfrm>
           <a:prstGeom prst="rect">
             <a:avLst/>
@@ -24006,6 +27982,30 @@
               <a:rPr lang="pt-PT" sz="2800" dirty="0" smtClean="0"/>
               <a:t>Análise das componentes principais componentes de um programa de introdução ao desenvolvimento de jogos  </a:t>
             </a:r>
+          </a:p>
+        </p:txBody>
+      </p:sp>
+      <p:sp>
+        <p:nvSpPr>
+          <p:cNvPr id="2" name="Marcador de Posição do Número do Diapositivo 1"/>
+          <p:cNvSpPr>
+            <a:spLocks noGrp="1"/>
+          </p:cNvSpPr>
+          <p:nvPr>
+            <p:ph type="sldNum" sz="quarter" idx="12"/>
+          </p:nvPr>
+        </p:nvSpPr>
+        <p:spPr/>
+        <p:txBody>
+          <a:bodyPr/>
+          <a:lstStyle/>
+          <a:p>
+            <a:fld id="{7A7FBF7A-E0A0-435F-9540-C356DFC5D048}" type="slidenum">
+              <a:rPr lang="pt-PT" smtClean="0"/>
+              <a:pPr/>
+              <a:t>8</a:t>
+            </a:fld>
+            <a:endParaRPr lang="pt-PT" dirty="0"/>
           </a:p>
         </p:txBody>
       </p:sp>
@@ -24117,6 +28117,30 @@
               </a:rPr>
               <a:t>3</a:t>
             </a:r>
+          </a:p>
+        </p:txBody>
+      </p:sp>
+      <p:sp>
+        <p:nvSpPr>
+          <p:cNvPr id="2" name="Marcador de Posição do Número do Diapositivo 1"/>
+          <p:cNvSpPr>
+            <a:spLocks noGrp="1"/>
+          </p:cNvSpPr>
+          <p:nvPr>
+            <p:ph type="sldNum" sz="quarter" idx="12"/>
+          </p:nvPr>
+        </p:nvSpPr>
+        <p:spPr/>
+        <p:txBody>
+          <a:bodyPr/>
+          <a:lstStyle/>
+          <a:p>
+            <a:fld id="{7A7FBF7A-E0A0-435F-9540-C356DFC5D048}" type="slidenum">
+              <a:rPr lang="pt-PT" smtClean="0"/>
+              <a:pPr/>
+              <a:t>9</a:t>
+            </a:fld>
+            <a:endParaRPr lang="pt-PT" dirty="0"/>
           </a:p>
         </p:txBody>
       </p:sp>
